--- a/assignment/storyboard/이채미.pptx
+++ b/assignment/storyboard/이채미.pptx
@@ -7,10 +7,10 @@
     <p:sldMasterId id="2147483656" r:id="rId3"/>
   </p:sldMasterIdLst>
   <p:notesMasterIdLst>
-    <p:notesMasterId r:id="rId15"/>
+    <p:notesMasterId r:id="rId14"/>
   </p:notesMasterIdLst>
   <p:handoutMasterIdLst>
-    <p:handoutMasterId r:id="rId16"/>
+    <p:handoutMasterId r:id="rId15"/>
   </p:handoutMasterIdLst>
   <p:sldIdLst>
     <p:sldId id="288" r:id="rId4"/>
@@ -22,8 +22,7 @@
     <p:sldId id="291" r:id="rId10"/>
     <p:sldId id="292" r:id="rId11"/>
     <p:sldId id="293" r:id="rId12"/>
-    <p:sldId id="260" r:id="rId13"/>
-    <p:sldId id="265" r:id="rId14"/>
+    <p:sldId id="294" r:id="rId13"/>
   </p:sldIdLst>
   <p:sldSz cx="9144000" cy="5143500" type="screen16x9"/>
   <p:notesSz cx="6858000" cy="9144000"/>
@@ -1760,11 +1759,11 @@
 </file>
 
 <file path=ppt/notesSlides/notesSlide10.xml><?xml version="1.0" encoding="utf-8"?>
-<p:notes xmlns:a="http://schemas.openxmlformats.org/drawingml/2006/main" xmlns:r="http://schemas.openxmlformats.org/officeDocument/2006/relationships" xmlns:p="http://schemas.openxmlformats.org/presentationml/2006/main" showMasterSp="0" showMasterPhAnim="0">
+<p:notes xmlns:a="http://schemas.openxmlformats.org/drawingml/2006/main" xmlns:r="http://schemas.openxmlformats.org/officeDocument/2006/relationships" xmlns:p="http://schemas.openxmlformats.org/presentationml/2006/main">
   <p:cSld>
     <p:spTree>
       <p:nvGrpSpPr>
-        <p:cNvPr id="1" name="Shape 143"/>
+        <p:cNvPr id="1" name=""/>
         <p:cNvGrpSpPr/>
         <p:nvPr/>
       </p:nvGrpSpPr>
@@ -1778,142 +1777,57 @@
       </p:grpSpPr>
       <p:sp>
         <p:nvSpPr>
-          <p:cNvPr id="144" name="Google Shape;144;p12:notes"/>
-          <p:cNvSpPr txBox="1">
+          <p:cNvPr id="2" name="슬라이드 이미지 개체 틀 1"/>
+          <p:cNvSpPr>
+            <a:spLocks noGrp="1" noRot="1" noChangeAspect="1"/>
+          </p:cNvSpPr>
+          <p:nvPr>
+            <p:ph type="sldImg"/>
+          </p:nvPr>
+        </p:nvSpPr>
+        <p:spPr/>
+      </p:sp>
+      <p:sp>
+        <p:nvSpPr>
+          <p:cNvPr id="3" name="슬라이드 노트 개체 틀 2"/>
+          <p:cNvSpPr>
             <a:spLocks noGrp="1"/>
           </p:cNvSpPr>
           <p:nvPr>
             <p:ph type="body" idx="1"/>
           </p:nvPr>
         </p:nvSpPr>
-        <p:spPr>
-          <a:xfrm>
-            <a:off x="685800" y="4343400"/>
-            <a:ext cx="5486400" cy="4114800"/>
-          </a:xfrm>
-          <a:prstGeom prst="rect">
-            <a:avLst/>
-          </a:prstGeom>
-          <a:noFill/>
-          <a:ln>
-            <a:noFill/>
-          </a:ln>
-        </p:spPr>
+        <p:spPr/>
         <p:txBody>
-          <a:bodyPr spcFirstLastPara="1" wrap="square" lIns="91425" tIns="91425" rIns="91425" bIns="91425" anchor="ctr" anchorCtr="0">
-            <a:noAutofit/>
-          </a:bodyPr>
+          <a:bodyPr/>
           <a:lstStyle/>
           <a:p>
-            <a:pPr marL="0" lvl="0" indent="0" algn="l" rtl="0">
-              <a:spcBef>
-                <a:spcPts val="0"/>
-              </a:spcBef>
-              <a:spcAft>
-                <a:spcPts val="0"/>
-              </a:spcAft>
-              <a:buNone/>
-            </a:pPr>
-            <a:endParaRPr/>
+            <a:r>
+              <a:rPr lang="en-US" altLang="ko-KR" dirty="0" smtClean="0">
+                <a:hlinkClick r:id="rId3"/>
+              </a:rPr>
+              <a:t>http://www.ifancyasnog.com/#home</a:t>
+            </a:r>
+            <a:endParaRPr lang="ko-KR" altLang="en-US" dirty="0"/>
           </a:p>
         </p:txBody>
       </p:sp>
       <p:sp>
         <p:nvSpPr>
-          <p:cNvPr id="145" name="Google Shape;145;p12:notes"/>
+          <p:cNvPr id="4" name="슬라이드 번호 개체 틀 3"/>
           <p:cNvSpPr>
-            <a:spLocks noGrp="1" noRot="1" noChangeAspect="1"/>
-          </p:cNvSpPr>
-          <p:nvPr>
-            <p:ph type="sldImg" idx="2"/>
-          </p:nvPr>
-        </p:nvSpPr>
-        <p:spPr>
-          <a:xfrm>
-            <a:off x="381000" y="685800"/>
-            <a:ext cx="6096000" cy="3429000"/>
-          </a:xfrm>
-          <a:custGeom>
-            <a:avLst/>
-            <a:gdLst/>
-            <a:ahLst/>
-            <a:cxnLst/>
-            <a:rect l="l" t="t" r="r" b="b"/>
-            <a:pathLst>
-              <a:path w="120000" h="120000" extrusionOk="0">
-                <a:moveTo>
-                  <a:pt x="0" y="0"/>
-                </a:moveTo>
-                <a:lnTo>
-                  <a:pt x="120000" y="0"/>
-                </a:lnTo>
-                <a:lnTo>
-                  <a:pt x="120000" y="120000"/>
-                </a:lnTo>
-                <a:lnTo>
-                  <a:pt x="0" y="120000"/>
-                </a:lnTo>
-                <a:close/>
-              </a:path>
-            </a:pathLst>
-          </a:custGeom>
-        </p:spPr>
-      </p:sp>
-    </p:spTree>
-  </p:cSld>
-  <p:clrMapOvr>
-    <a:masterClrMapping/>
-  </p:clrMapOvr>
-</p:notes>
-</file>
-
-<file path=ppt/notesSlides/notesSlide11.xml><?xml version="1.0" encoding="utf-8"?>
-<p:notes xmlns:a="http://schemas.openxmlformats.org/drawingml/2006/main" xmlns:r="http://schemas.openxmlformats.org/officeDocument/2006/relationships" xmlns:p="http://schemas.openxmlformats.org/presentationml/2006/main" showMasterSp="0" showMasterPhAnim="0">
-  <p:cSld>
-    <p:spTree>
-      <p:nvGrpSpPr>
-        <p:cNvPr id="1" name="Shape 143"/>
-        <p:cNvGrpSpPr/>
-        <p:nvPr/>
-      </p:nvGrpSpPr>
-      <p:grpSpPr>
-        <a:xfrm>
-          <a:off x="0" y="0"/>
-          <a:ext cx="0" cy="0"/>
-          <a:chOff x="0" y="0"/>
-          <a:chExt cx="0" cy="0"/>
-        </a:xfrm>
-      </p:grpSpPr>
-      <p:sp>
-        <p:nvSpPr>
-          <p:cNvPr id="144" name="Google Shape;144;p12:notes"/>
-          <p:cNvSpPr txBox="1">
             <a:spLocks noGrp="1"/>
           </p:cNvSpPr>
           <p:nvPr>
-            <p:ph type="body" idx="1"/>
+            <p:ph type="sldNum" idx="10"/>
           </p:nvPr>
         </p:nvSpPr>
-        <p:spPr>
-          <a:xfrm>
-            <a:off x="685800" y="4343400"/>
-            <a:ext cx="5486400" cy="4114800"/>
-          </a:xfrm>
-          <a:prstGeom prst="rect">
-            <a:avLst/>
-          </a:prstGeom>
-          <a:noFill/>
-          <a:ln>
-            <a:noFill/>
-          </a:ln>
-        </p:spPr>
+        <p:spPr/>
         <p:txBody>
-          <a:bodyPr spcFirstLastPara="1" wrap="square" lIns="91425" tIns="91425" rIns="91425" bIns="91425" anchor="ctr" anchorCtr="0">
-            <a:noAutofit/>
-          </a:bodyPr>
+          <a:bodyPr/>
           <a:lstStyle/>
           <a:p>
-            <a:pPr marL="0" lvl="0" indent="0" algn="l" rtl="0">
+            <a:pPr marL="0" marR="0" lvl="0" indent="0" algn="r" rtl="0">
               <a:spcBef>
                 <a:spcPts val="0"/>
               </a:spcBef>
@@ -1922,52 +1836,36 @@
               </a:spcAft>
               <a:buNone/>
             </a:pPr>
-            <a:endParaRPr dirty="0"/>
+            <a:fld id="{00000000-1234-1234-1234-123412341234}" type="slidenum">
+              <a:rPr lang="en-US" sz="1200" b="0" i="0" u="none" strike="noStrike" cap="none" smtClean="0">
+                <a:solidFill>
+                  <a:schemeClr val="dk1"/>
+                </a:solidFill>
+                <a:latin typeface="Arial"/>
+                <a:ea typeface="Arial"/>
+                <a:cs typeface="Arial"/>
+                <a:sym typeface="Arial"/>
+              </a:rPr>
+              <a:t>10</a:t>
+            </a:fld>
+            <a:endParaRPr lang="en-US" sz="1200" b="0" i="0" u="none" strike="noStrike" cap="none">
+              <a:solidFill>
+                <a:schemeClr val="dk1"/>
+              </a:solidFill>
+              <a:latin typeface="Arial"/>
+              <a:ea typeface="Arial"/>
+              <a:cs typeface="Arial"/>
+              <a:sym typeface="Arial"/>
+            </a:endParaRPr>
           </a:p>
         </p:txBody>
       </p:sp>
-      <p:sp>
-        <p:nvSpPr>
-          <p:cNvPr id="145" name="Google Shape;145;p12:notes"/>
-          <p:cNvSpPr>
-            <a:spLocks noGrp="1" noRot="1" noChangeAspect="1"/>
-          </p:cNvSpPr>
-          <p:nvPr>
-            <p:ph type="sldImg" idx="2"/>
-          </p:nvPr>
-        </p:nvSpPr>
-        <p:spPr>
-          <a:xfrm>
-            <a:off x="381000" y="685800"/>
-            <a:ext cx="6096000" cy="3429000"/>
-          </a:xfrm>
-          <a:custGeom>
-            <a:avLst/>
-            <a:gdLst/>
-            <a:ahLst/>
-            <a:cxnLst/>
-            <a:rect l="l" t="t" r="r" b="b"/>
-            <a:pathLst>
-              <a:path w="120000" h="120000" extrusionOk="0">
-                <a:moveTo>
-                  <a:pt x="0" y="0"/>
-                </a:moveTo>
-                <a:lnTo>
-                  <a:pt x="120000" y="0"/>
-                </a:lnTo>
-                <a:lnTo>
-                  <a:pt x="120000" y="120000"/>
-                </a:lnTo>
-                <a:lnTo>
-                  <a:pt x="0" y="120000"/>
-                </a:lnTo>
-                <a:close/>
-              </a:path>
-            </a:pathLst>
-          </a:custGeom>
-        </p:spPr>
-      </p:sp>
     </p:spTree>
+    <p:extLst>
+      <p:ext uri="{BB962C8B-B14F-4D97-AF65-F5344CB8AC3E}">
+        <p14:creationId xmlns:p14="http://schemas.microsoft.com/office/powerpoint/2010/main" val="3974821771"/>
+      </p:ext>
+    </p:extLst>
   </p:cSld>
   <p:clrMapOvr>
     <a:masterClrMapping/>
@@ -9739,7 +9637,7 @@
   <p:cSld>
     <p:spTree>
       <p:nvGrpSpPr>
-        <p:cNvPr id="1" name="Shape 146"/>
+        <p:cNvPr id="1" name=""/>
         <p:cNvGrpSpPr/>
         <p:nvPr/>
       </p:nvGrpSpPr>
@@ -9753,839 +9651,883 @@
       </p:grpSpPr>
       <p:sp>
         <p:nvSpPr>
-          <p:cNvPr id="147" name="Google Shape;147;p14"/>
-          <p:cNvSpPr/>
-          <p:nvPr/>
-        </p:nvSpPr>
-        <p:spPr>
-          <a:xfrm>
-            <a:off x="102927" y="319935"/>
-            <a:ext cx="6708373" cy="4628079"/>
-          </a:xfrm>
-          <a:prstGeom prst="rect">
-            <a:avLst/>
-          </a:prstGeom>
-          <a:solidFill>
-            <a:schemeClr val="lt1">
-              <a:alpha val="69803"/>
-            </a:schemeClr>
-          </a:solidFill>
-          <a:ln w="3175" cap="flat" cmpd="sng">
-            <a:solidFill>
-              <a:srgbClr val="A5A5A5"/>
-            </a:solidFill>
-            <a:prstDash val="solid"/>
-            <a:round/>
-            <a:headEnd type="none" w="sm" len="sm"/>
-            <a:tailEnd type="none" w="sm" len="sm"/>
-          </a:ln>
-        </p:spPr>
-        <p:txBody>
-          <a:bodyPr spcFirstLastPara="1" wrap="square" lIns="91425" tIns="45700" rIns="91425" bIns="45700" anchor="ctr" anchorCtr="0">
-            <a:noAutofit/>
-          </a:bodyPr>
-          <a:lstStyle/>
-          <a:p>
-            <a:pPr marL="0" marR="0" lvl="0" indent="0" algn="ctr" rtl="0">
-              <a:spcBef>
-                <a:spcPts val="0"/>
-              </a:spcBef>
-              <a:spcAft>
-                <a:spcPts val="0"/>
-              </a:spcAft>
-              <a:buNone/>
-            </a:pPr>
-            <a:endParaRPr sz="1800">
-              <a:solidFill>
-                <a:srgbClr val="FFFFFF"/>
-              </a:solidFill>
-              <a:latin typeface="Arial"/>
-              <a:ea typeface="Arial"/>
-              <a:cs typeface="Arial"/>
-              <a:sym typeface="Arial"/>
-            </a:endParaRPr>
-          </a:p>
-        </p:txBody>
-      </p:sp>
-      <p:grpSp>
-        <p:nvGrpSpPr>
-          <p:cNvPr id="149" name="Google Shape;149;p14"/>
-          <p:cNvGrpSpPr/>
-          <p:nvPr/>
-        </p:nvGrpSpPr>
-        <p:grpSpPr>
-          <a:xfrm>
-            <a:off x="550846" y="1308482"/>
-            <a:ext cx="5787849" cy="2185139"/>
-            <a:chOff x="99752" y="915566"/>
-            <a:chExt cx="6708373" cy="2021043"/>
-          </a:xfrm>
-        </p:grpSpPr>
-        <p:sp>
-          <p:nvSpPr>
-            <p:cNvPr id="150" name="Google Shape;150;p14"/>
-            <p:cNvSpPr/>
-            <p:nvPr/>
-          </p:nvSpPr>
-          <p:spPr>
-            <a:xfrm>
-              <a:off x="99752" y="915566"/>
-              <a:ext cx="6708373" cy="2021043"/>
-            </a:xfrm>
-            <a:prstGeom prst="rect">
-              <a:avLst/>
-            </a:prstGeom>
-            <a:solidFill>
-              <a:srgbClr val="F2F2F2">
-                <a:alpha val="69803"/>
-              </a:srgbClr>
-            </a:solidFill>
-            <a:ln w="3175" cap="flat" cmpd="sng">
-              <a:solidFill>
-                <a:srgbClr val="A5A5A5"/>
-              </a:solidFill>
-              <a:prstDash val="solid"/>
-              <a:round/>
-              <a:headEnd type="none" w="sm" len="sm"/>
-              <a:tailEnd type="none" w="sm" len="sm"/>
-            </a:ln>
-          </p:spPr>
-          <p:txBody>
-            <a:bodyPr spcFirstLastPara="1" wrap="square" lIns="91425" tIns="45700" rIns="91425" bIns="45700" anchor="ctr" anchorCtr="0">
-              <a:noAutofit/>
-            </a:bodyPr>
-            <a:lstStyle/>
-            <a:p>
-              <a:pPr marL="0" marR="0" lvl="0" indent="0" algn="ctr" rtl="0">
-                <a:spcBef>
-                  <a:spcPts val="0"/>
-                </a:spcBef>
-                <a:spcAft>
-                  <a:spcPts val="0"/>
-                </a:spcAft>
-                <a:buNone/>
-              </a:pPr>
-              <a:r>
-                <a:rPr lang="en-US" sz="1800" b="1">
-                  <a:solidFill>
-                    <a:srgbClr val="FFFFFF"/>
-                  </a:solidFill>
-                  <a:latin typeface="Arial"/>
-                  <a:ea typeface="Arial"/>
-                  <a:cs typeface="Arial"/>
-                  <a:sym typeface="Arial"/>
-                </a:rPr>
-                <a:t>`</a:t>
-              </a:r>
-              <a:endParaRPr sz="1800" b="1">
-                <a:solidFill>
-                  <a:srgbClr val="FFFFFF"/>
-                </a:solidFill>
-                <a:latin typeface="Arial"/>
-                <a:ea typeface="Arial"/>
-                <a:cs typeface="Arial"/>
-                <a:sym typeface="Arial"/>
-              </a:endParaRPr>
-            </a:p>
-          </p:txBody>
-        </p:sp>
-        <p:cxnSp>
-          <p:nvCxnSpPr>
-            <p:cNvPr id="151" name="Google Shape;151;p14"/>
-            <p:cNvCxnSpPr/>
-            <p:nvPr/>
-          </p:nvCxnSpPr>
-          <p:spPr>
-            <a:xfrm flipH="1">
-              <a:off x="107503" y="915566"/>
-              <a:ext cx="6696744" cy="2016224"/>
-            </a:xfrm>
-            <a:prstGeom prst="straightConnector1">
-              <a:avLst/>
-            </a:prstGeom>
-            <a:noFill/>
-            <a:ln w="3175" cap="flat" cmpd="sng">
-              <a:solidFill>
-                <a:srgbClr val="7F7F7F"/>
-              </a:solidFill>
-              <a:prstDash val="solid"/>
-              <a:round/>
-              <a:headEnd type="none" w="sm" len="sm"/>
-              <a:tailEnd type="none" w="sm" len="sm"/>
-            </a:ln>
-          </p:spPr>
-        </p:cxnSp>
-      </p:grpSp>
-      <p:sp>
-        <p:nvSpPr>
-          <p:cNvPr id="152" name="Google Shape;152;p14"/>
-          <p:cNvSpPr txBox="1">
+          <p:cNvPr id="2" name="슬라이드 번호 개체 틀 1"/>
+          <p:cNvSpPr>
             <a:spLocks noGrp="1"/>
           </p:cNvSpPr>
           <p:nvPr>
             <p:ph type="sldNum" idx="12"/>
           </p:nvPr>
         </p:nvSpPr>
+        <p:spPr/>
+        <p:txBody>
+          <a:bodyPr/>
+          <a:lstStyle/>
+          <a:p>
+            <a:fld id="{00000000-1234-1234-1234-123412341234}" type="slidenum">
+              <a:rPr lang="en-US" smtClean="0"/>
+              <a:pPr/>
+              <a:t>10</a:t>
+            </a:fld>
+            <a:endParaRPr lang="en-US"/>
+          </a:p>
+        </p:txBody>
+      </p:sp>
+      <p:sp>
+        <p:nvSpPr>
+          <p:cNvPr id="3" name="텍스트 개체 틀 2"/>
+          <p:cNvSpPr>
+            <a:spLocks noGrp="1"/>
+          </p:cNvSpPr>
+          <p:nvPr>
+            <p:ph type="body" idx="1"/>
+          </p:nvPr>
+        </p:nvSpPr>
+        <p:spPr/>
+        <p:txBody>
+          <a:bodyPr/>
+          <a:lstStyle/>
+          <a:p>
+            <a:r>
+              <a:rPr lang="en-US" altLang="ko-KR" dirty="0" smtClean="0"/>
+              <a:t>4.1</a:t>
+            </a:r>
+            <a:endParaRPr lang="ko-KR" altLang="en-US" dirty="0"/>
+          </a:p>
+        </p:txBody>
+      </p:sp>
+      <p:sp>
+        <p:nvSpPr>
+          <p:cNvPr id="4" name="텍스트 개체 틀 3"/>
+          <p:cNvSpPr>
+            <a:spLocks noGrp="1"/>
+          </p:cNvSpPr>
+          <p:nvPr>
+            <p:ph type="body" sz="quarter" idx="13"/>
+          </p:nvPr>
+        </p:nvSpPr>
+        <p:spPr/>
+        <p:txBody>
+          <a:bodyPr/>
+          <a:lstStyle/>
+          <a:p>
+            <a:r>
+              <a:rPr lang="en-US" altLang="ko-KR" dirty="0" smtClean="0"/>
+              <a:t>1_1. </a:t>
+            </a:r>
+            <a:r>
+              <a:rPr lang="ko-KR" altLang="en-US" dirty="0" smtClean="0"/>
+              <a:t>텍스트 하단에서 </a:t>
+            </a:r>
+            <a:r>
+              <a:rPr lang="en-US" altLang="ko-KR" dirty="0" smtClean="0"/>
+              <a:t>translate</a:t>
+            </a:r>
+          </a:p>
+          <a:p>
+            <a:r>
+              <a:rPr lang="en-US" altLang="ko-KR" dirty="0"/>
+              <a:t> </a:t>
+            </a:r>
+            <a:r>
+              <a:rPr lang="en-US" altLang="ko-KR" dirty="0" smtClean="0"/>
+              <a:t>       (transition 0.5s)</a:t>
+            </a:r>
+          </a:p>
+          <a:p>
+            <a:endParaRPr lang="en-US" altLang="ko-KR" dirty="0"/>
+          </a:p>
+          <a:p>
+            <a:r>
+              <a:rPr lang="en-US" altLang="ko-KR" dirty="0" smtClean="0"/>
+              <a:t>2_1. </a:t>
+            </a:r>
+            <a:r>
+              <a:rPr lang="ko-KR" altLang="en-US" dirty="0" smtClean="0"/>
+              <a:t>텍스트 상단에서 </a:t>
+            </a:r>
+            <a:r>
+              <a:rPr lang="en-US" altLang="ko-KR" dirty="0" smtClean="0"/>
+              <a:t>translate</a:t>
+            </a:r>
+          </a:p>
+          <a:p>
+            <a:r>
+              <a:rPr lang="en-US" altLang="ko-KR" dirty="0"/>
+              <a:t> </a:t>
+            </a:r>
+            <a:r>
+              <a:rPr lang="en-US" altLang="ko-KR" dirty="0" smtClean="0"/>
+              <a:t>       (transition 0.5s)</a:t>
+            </a:r>
+          </a:p>
+          <a:p>
+            <a:endParaRPr lang="en-US" altLang="ko-KR" dirty="0"/>
+          </a:p>
+          <a:p>
+            <a:r>
+              <a:rPr lang="en-US" altLang="ko-KR" dirty="0" smtClean="0"/>
+              <a:t>3_1</a:t>
+            </a:r>
+            <a:r>
+              <a:rPr lang="en-US" altLang="ko-KR" dirty="0"/>
+              <a:t>. </a:t>
+            </a:r>
+            <a:r>
+              <a:rPr lang="ko-KR" altLang="en-US" dirty="0"/>
+              <a:t>클릭할 경우</a:t>
+            </a:r>
+            <a:r>
+              <a:rPr lang="en-US" altLang="ko-KR" dirty="0"/>
+              <a:t>,</a:t>
+            </a:r>
+          </a:p>
+          <a:p>
+            <a:r>
+              <a:rPr lang="en-US" altLang="ko-KR" dirty="0"/>
+              <a:t>         </a:t>
+            </a:r>
+            <a:r>
+              <a:rPr lang="ko-KR" altLang="en-US" dirty="0"/>
+              <a:t>해당 </a:t>
+            </a:r>
+            <a:r>
+              <a:rPr lang="ko-KR" altLang="en-US" dirty="0" smtClean="0"/>
+              <a:t>페이지 </a:t>
+            </a:r>
+            <a:r>
+              <a:rPr lang="ko-KR" altLang="en-US" dirty="0" err="1" smtClean="0"/>
+              <a:t>바로가기</a:t>
+            </a:r>
+            <a:r>
+              <a:rPr lang="ko-KR" altLang="en-US" dirty="0" smtClean="0"/>
+              <a:t> </a:t>
+            </a:r>
+            <a:r>
+              <a:rPr lang="en-US" altLang="ko-KR" dirty="0"/>
+              <a:t>link</a:t>
+            </a:r>
+          </a:p>
+          <a:p>
+            <a:r>
+              <a:rPr lang="en-US" altLang="ko-KR" dirty="0" smtClean="0"/>
+              <a:t>3_2</a:t>
+            </a:r>
+            <a:r>
+              <a:rPr lang="en-US" altLang="ko-KR" dirty="0"/>
+              <a:t>. </a:t>
+            </a:r>
+            <a:r>
+              <a:rPr lang="ko-KR" altLang="en-US" dirty="0" err="1"/>
+              <a:t>인디케이터</a:t>
+            </a:r>
+            <a:r>
+              <a:rPr lang="ko-KR" altLang="en-US" dirty="0"/>
+              <a:t> 페이지 좌측에서 </a:t>
+            </a:r>
+            <a:endParaRPr lang="en-US" altLang="ko-KR" dirty="0"/>
+          </a:p>
+          <a:p>
+            <a:r>
+              <a:rPr lang="en-US" altLang="ko-KR" dirty="0"/>
+              <a:t>        translate (transition 0.5s)</a:t>
+            </a:r>
+          </a:p>
+          <a:p>
+            <a:r>
+              <a:rPr lang="en-US" altLang="ko-KR" dirty="0" smtClean="0"/>
+              <a:t>3_3</a:t>
+            </a:r>
+            <a:r>
+              <a:rPr lang="en-US" altLang="ko-KR" dirty="0"/>
+              <a:t>. </a:t>
+            </a:r>
+            <a:r>
+              <a:rPr lang="ko-KR" altLang="en-US" dirty="0"/>
+              <a:t>텍스트 </a:t>
+            </a:r>
+            <a:r>
+              <a:rPr lang="ko-KR" altLang="en-US" dirty="0" err="1"/>
+              <a:t>인디케이터</a:t>
+            </a:r>
+            <a:r>
+              <a:rPr lang="ko-KR" altLang="en-US" dirty="0"/>
+              <a:t> 좌측에서</a:t>
+            </a:r>
+            <a:endParaRPr lang="en-US" altLang="ko-KR" dirty="0"/>
+          </a:p>
+          <a:p>
+            <a:r>
+              <a:rPr lang="en-US" altLang="ko-KR" dirty="0"/>
+              <a:t>        translate (transition 0.5s) </a:t>
+            </a:r>
+            <a:endParaRPr lang="en-US" altLang="ko-KR" dirty="0" smtClean="0"/>
+          </a:p>
+          <a:p>
+            <a:endParaRPr lang="en-US" altLang="ko-KR" dirty="0"/>
+          </a:p>
+          <a:p>
+            <a:r>
+              <a:rPr lang="en-US" altLang="ko-KR" dirty="0" smtClean="0"/>
+              <a:t>4_1. </a:t>
+            </a:r>
+            <a:r>
+              <a:rPr lang="ko-KR" altLang="en-US" dirty="0" smtClean="0"/>
+              <a:t>텍스트 투명도 </a:t>
+            </a:r>
+            <a:r>
+              <a:rPr lang="en-US" altLang="ko-KR" dirty="0" smtClean="0"/>
+              <a:t>0 </a:t>
+            </a:r>
+            <a:r>
+              <a:rPr lang="ko-KR" altLang="en-US" dirty="0" smtClean="0"/>
+              <a:t>→ </a:t>
+            </a:r>
+            <a:r>
+              <a:rPr lang="en-US" altLang="ko-KR" dirty="0" smtClean="0"/>
+              <a:t>100%</a:t>
+            </a:r>
+          </a:p>
+          <a:p>
+            <a:r>
+              <a:rPr lang="en-US" altLang="ko-KR" dirty="0"/>
+              <a:t> </a:t>
+            </a:r>
+            <a:r>
+              <a:rPr lang="en-US" altLang="ko-KR" dirty="0" smtClean="0"/>
+              <a:t>       (transition 0.5s)</a:t>
+            </a:r>
+          </a:p>
+          <a:p>
+            <a:r>
+              <a:rPr lang="en-US" altLang="ko-KR" dirty="0" smtClean="0"/>
+              <a:t>4_2. </a:t>
+            </a:r>
+            <a:r>
+              <a:rPr lang="ko-KR" altLang="en-US" dirty="0" smtClean="0"/>
+              <a:t>키워드 </a:t>
+            </a:r>
+            <a:r>
+              <a:rPr lang="en-US" altLang="ko-KR" dirty="0" smtClean="0"/>
+              <a:t>scale 1 </a:t>
+            </a:r>
+            <a:r>
+              <a:rPr lang="ko-KR" altLang="en-US" dirty="0" smtClean="0"/>
+              <a:t>→</a:t>
+            </a:r>
+            <a:r>
+              <a:rPr lang="en-US" altLang="ko-KR" dirty="0" smtClean="0"/>
+              <a:t> 1.2</a:t>
+            </a:r>
+          </a:p>
+          <a:p>
+            <a:endParaRPr lang="en-US" altLang="ko-KR" dirty="0"/>
+          </a:p>
+          <a:p>
+            <a:r>
+              <a:rPr lang="en-US" altLang="ko-KR" dirty="0" smtClean="0"/>
+              <a:t>5_1. </a:t>
+            </a:r>
+            <a:r>
+              <a:rPr lang="ko-KR" altLang="en-US" dirty="0" smtClean="0"/>
+              <a:t>버튼에 </a:t>
+            </a:r>
+            <a:r>
+              <a:rPr lang="en-US" altLang="ko-KR" dirty="0" smtClean="0"/>
+              <a:t>hover</a:t>
+            </a:r>
+            <a:r>
+              <a:rPr lang="ko-KR" altLang="en-US" dirty="0" smtClean="0"/>
+              <a:t>할 경우</a:t>
+            </a:r>
+            <a:endParaRPr lang="en-US" altLang="ko-KR" dirty="0" smtClean="0"/>
+          </a:p>
+          <a:p>
+            <a:r>
+              <a:rPr lang="en-US" altLang="ko-KR" dirty="0" smtClean="0"/>
+              <a:t>       scale 1 </a:t>
+            </a:r>
+            <a:r>
+              <a:rPr lang="ko-KR" altLang="en-US" dirty="0" smtClean="0"/>
+              <a:t>→ </a:t>
+            </a:r>
+            <a:r>
+              <a:rPr lang="en-US" altLang="ko-KR" dirty="0" smtClean="0"/>
+              <a:t>1.2</a:t>
+            </a:r>
+          </a:p>
+          <a:p>
+            <a:r>
+              <a:rPr lang="en-US" altLang="ko-KR" dirty="0" smtClean="0"/>
+              <a:t>5_2. </a:t>
+            </a:r>
+            <a:r>
+              <a:rPr lang="ko-KR" altLang="en-US" dirty="0" smtClean="0"/>
+              <a:t>버튼 클릭할 경우</a:t>
+            </a:r>
+            <a:endParaRPr lang="en-US" altLang="ko-KR" dirty="0" smtClean="0"/>
+          </a:p>
+          <a:p>
+            <a:r>
+              <a:rPr lang="en-US" altLang="ko-KR" dirty="0"/>
+              <a:t> </a:t>
+            </a:r>
+            <a:r>
+              <a:rPr lang="en-US" altLang="ko-KR" dirty="0" smtClean="0"/>
+              <a:t>       </a:t>
+            </a:r>
+            <a:r>
+              <a:rPr lang="ko-KR" altLang="en-US" dirty="0" smtClean="0"/>
+              <a:t>해당 페이지 </a:t>
+            </a:r>
+            <a:r>
+              <a:rPr lang="ko-KR" altLang="en-US" dirty="0" err="1" smtClean="0"/>
+              <a:t>바로가기</a:t>
+            </a:r>
+            <a:r>
+              <a:rPr lang="ko-KR" altLang="en-US" dirty="0" smtClean="0"/>
+              <a:t> </a:t>
+            </a:r>
+            <a:r>
+              <a:rPr lang="en-US" altLang="ko-KR" dirty="0" smtClean="0"/>
+              <a:t>link   </a:t>
+            </a:r>
+            <a:endParaRPr lang="ko-KR" altLang="en-US" dirty="0"/>
+          </a:p>
+        </p:txBody>
+      </p:sp>
+      <p:sp>
+        <p:nvSpPr>
+          <p:cNvPr id="5" name="제목 4"/>
+          <p:cNvSpPr>
+            <a:spLocks noGrp="1"/>
+          </p:cNvSpPr>
+          <p:nvPr>
+            <p:ph type="title"/>
+          </p:nvPr>
+        </p:nvSpPr>
+        <p:spPr/>
+        <p:txBody>
+          <a:bodyPr/>
+          <a:lstStyle/>
+          <a:p>
+            <a:r>
+              <a:rPr lang="ko-KR" altLang="en-US" dirty="0" smtClean="0"/>
+              <a:t>나의 취향</a:t>
+            </a:r>
+            <a:endParaRPr lang="ko-KR" altLang="en-US" dirty="0"/>
+          </a:p>
+        </p:txBody>
+      </p:sp>
+      <p:sp>
+        <p:nvSpPr>
+          <p:cNvPr id="6" name="직사각형 5"/>
+          <p:cNvSpPr/>
+          <p:nvPr/>
+        </p:nvSpPr>
         <p:spPr>
           <a:xfrm>
-            <a:off x="8594576" y="0"/>
-            <a:ext cx="549424" cy="274637"/>
+            <a:off x="95250" y="466725"/>
+            <a:ext cx="6677025" cy="4476750"/>
           </a:xfrm>
           <a:prstGeom prst="rect">
             <a:avLst/>
           </a:prstGeom>
-          <a:noFill/>
-          <a:ln w="3175">
-            <a:noFill/>
-          </a:ln>
+          <a:solidFill>
+            <a:schemeClr val="bg1"/>
+          </a:solidFill>
+          <a:ln w="3175"/>
         </p:spPr>
+        <p:style>
+          <a:lnRef idx="2">
+            <a:schemeClr val="accent1">
+              <a:shade val="50000"/>
+            </a:schemeClr>
+          </a:lnRef>
+          <a:fillRef idx="1">
+            <a:schemeClr val="accent1"/>
+          </a:fillRef>
+          <a:effectRef idx="0">
+            <a:schemeClr val="accent1"/>
+          </a:effectRef>
+          <a:fontRef idx="minor">
+            <a:schemeClr val="lt1"/>
+          </a:fontRef>
+        </p:style>
         <p:txBody>
-          <a:bodyPr spcFirstLastPara="1" wrap="square" lIns="91425" tIns="45700" rIns="91425" bIns="45700" anchor="ctr" anchorCtr="0">
-            <a:noAutofit/>
-          </a:bodyPr>
+          <a:bodyPr rtlCol="0" anchor="ctr"/>
           <a:lstStyle/>
           <a:p>
-            <a:pPr marL="0" marR="0" lvl="0" indent="0" algn="r" rtl="0">
-              <a:spcBef>
-                <a:spcPts val="0"/>
-              </a:spcBef>
-              <a:spcAft>
-                <a:spcPts val="0"/>
-              </a:spcAft>
-              <a:buNone/>
-            </a:pPr>
-            <a:fld id="{00000000-1234-1234-1234-123412341234}" type="slidenum">
-              <a:rPr lang="en-US" sz="1000">
-                <a:solidFill>
-                  <a:srgbClr val="7F7F7F"/>
-                </a:solidFill>
-                <a:latin typeface="Arial"/>
-                <a:ea typeface="Arial"/>
-                <a:cs typeface="Arial"/>
-                <a:sym typeface="Arial"/>
-              </a:rPr>
-              <a:t>10</a:t>
-            </a:fld>
-            <a:endParaRPr sz="1000">
-              <a:solidFill>
-                <a:srgbClr val="7F7F7F"/>
-              </a:solidFill>
-              <a:latin typeface="Arial"/>
-              <a:ea typeface="Arial"/>
-              <a:cs typeface="Arial"/>
-              <a:sym typeface="Arial"/>
-            </a:endParaRPr>
-          </a:p>
-        </p:txBody>
-      </p:sp>
-      <p:sp>
-        <p:nvSpPr>
-          <p:cNvPr id="155" name="Google Shape;155;p14"/>
-          <p:cNvSpPr txBox="1">
-            <a:spLocks noGrp="1"/>
-          </p:cNvSpPr>
-          <p:nvPr>
-            <p:ph type="body" idx="4294967295"/>
-          </p:nvPr>
-        </p:nvSpPr>
-        <p:spPr>
-          <a:xfrm>
-            <a:off x="395858" y="12700"/>
-            <a:ext cx="1007790" cy="287486"/>
-          </a:xfrm>
-          <a:prstGeom prst="rect">
-            <a:avLst/>
-          </a:prstGeom>
-          <a:noFill/>
-          <a:ln w="3175">
-            <a:noFill/>
-          </a:ln>
-        </p:spPr>
-        <p:txBody>
-          <a:bodyPr spcFirstLastPara="1" wrap="square" lIns="0" tIns="45700" rIns="0" bIns="45700" anchor="t" anchorCtr="0">
-            <a:noAutofit/>
-          </a:bodyPr>
-          <a:lstStyle/>
-          <a:p>
-            <a:pPr marL="342900" marR="0" lvl="0" indent="-342900" algn="l" rtl="0">
-              <a:spcBef>
-                <a:spcPts val="0"/>
-              </a:spcBef>
-              <a:spcAft>
-                <a:spcPts val="0"/>
-              </a:spcAft>
-              <a:buClr>
-                <a:schemeClr val="lt1"/>
-              </a:buClr>
-              <a:buSzPts val="1000"/>
-              <a:buFont typeface="Arial"/>
-              <a:buNone/>
-            </a:pPr>
-            <a:r>
-              <a:rPr lang="en-US" sz="1000" b="1" i="0" u="none" strike="noStrike" cap="none">
-                <a:solidFill>
-                  <a:schemeClr val="lt1"/>
-                </a:solidFill>
-                <a:latin typeface="Arial"/>
-                <a:ea typeface="Arial"/>
-                <a:cs typeface="Arial"/>
-                <a:sym typeface="Arial"/>
-              </a:rPr>
-              <a:t>2.1</a:t>
-            </a:r>
-            <a:endParaRPr sz="1000" b="1" i="0" u="none" strike="noStrike" cap="none">
-              <a:solidFill>
-                <a:schemeClr val="lt1"/>
-              </a:solidFill>
-              <a:latin typeface="Arial"/>
-              <a:ea typeface="Arial"/>
-              <a:cs typeface="Arial"/>
-              <a:sym typeface="Arial"/>
-            </a:endParaRPr>
-          </a:p>
-        </p:txBody>
-      </p:sp>
-      <p:sp>
-        <p:nvSpPr>
-          <p:cNvPr id="161" name="Google Shape;161;p14"/>
-          <p:cNvSpPr txBox="1"/>
-          <p:nvPr/>
-        </p:nvSpPr>
-        <p:spPr>
-          <a:xfrm>
-            <a:off x="4567493" y="306307"/>
-            <a:ext cx="1743011" cy="147760"/>
-          </a:xfrm>
-          <a:prstGeom prst="rect">
-            <a:avLst/>
-          </a:prstGeom>
-          <a:noFill/>
-          <a:ln w="3175">
-            <a:noFill/>
-          </a:ln>
-        </p:spPr>
-        <p:txBody>
-          <a:bodyPr spcFirstLastPara="1" wrap="square" lIns="91425" tIns="45700" rIns="91425" bIns="45700" anchor="t" anchorCtr="0">
-            <a:noAutofit/>
-          </a:bodyPr>
-          <a:lstStyle/>
-          <a:p>
-            <a:pPr marL="0" marR="0" lvl="0" indent="0" algn="r" rtl="0">
-              <a:spcBef>
-                <a:spcPts val="0"/>
-              </a:spcBef>
-              <a:spcAft>
-                <a:spcPts val="0"/>
-              </a:spcAft>
-              <a:buNone/>
-            </a:pPr>
-            <a:r>
-              <a:rPr lang="ko-KR" altLang="en-US" sz="600" dirty="0" smtClean="0">
-                <a:solidFill>
-                  <a:schemeClr val="dk1"/>
-                </a:solidFill>
-                <a:latin typeface="+mn-ea"/>
-                <a:ea typeface="+mn-ea"/>
-              </a:rPr>
-              <a:t>로그인    </a:t>
-            </a:r>
-            <a:r>
-              <a:rPr lang="ko-KR" altLang="en-US" sz="600" dirty="0" err="1" smtClean="0">
-                <a:solidFill>
-                  <a:schemeClr val="dk1"/>
-                </a:solidFill>
-                <a:latin typeface="+mn-ea"/>
-                <a:ea typeface="+mn-ea"/>
-              </a:rPr>
-              <a:t>마이페이지</a:t>
-            </a:r>
-            <a:r>
-              <a:rPr lang="ko-KR" altLang="en-US" sz="600" dirty="0" smtClean="0">
-                <a:solidFill>
-                  <a:schemeClr val="dk1"/>
-                </a:solidFill>
-                <a:latin typeface="+mn-ea"/>
-                <a:ea typeface="+mn-ea"/>
-              </a:rPr>
-              <a:t>    장바구니    고객지원</a:t>
-            </a:r>
-            <a:endParaRPr sz="600" b="0" dirty="0">
-              <a:solidFill>
-                <a:schemeClr val="dk1"/>
-              </a:solidFill>
-              <a:latin typeface="+mn-ea"/>
-              <a:ea typeface="+mn-ea"/>
-              <a:sym typeface="Arial"/>
-            </a:endParaRPr>
+            <a:pPr algn="ctr"/>
+            <a:endParaRPr lang="ko-KR" altLang="en-US" dirty="0"/>
           </a:p>
         </p:txBody>
       </p:sp>
       <p:grpSp>
         <p:nvGrpSpPr>
-          <p:cNvPr id="162" name="Google Shape;162;p14"/>
+          <p:cNvPr id="16" name="그룹 15"/>
           <p:cNvGrpSpPr/>
           <p:nvPr/>
         </p:nvGrpSpPr>
         <p:grpSpPr>
           <a:xfrm>
-            <a:off x="2806303" y="357768"/>
-            <a:ext cx="1296144" cy="432049"/>
-            <a:chOff x="179512" y="411510"/>
-            <a:chExt cx="1296144" cy="432049"/>
+            <a:off x="464821" y="2103856"/>
+            <a:ext cx="4946545" cy="1569660"/>
+            <a:chOff x="878003" y="2175510"/>
+            <a:chExt cx="4716747" cy="1569660"/>
           </a:xfrm>
         </p:grpSpPr>
         <p:sp>
           <p:nvSpPr>
-            <p:cNvPr id="163" name="Google Shape;163;p14"/>
-            <p:cNvSpPr/>
+            <p:cNvPr id="8" name="TextBox 7"/>
+            <p:cNvSpPr txBox="1"/>
             <p:nvPr/>
           </p:nvSpPr>
           <p:spPr>
             <a:xfrm>
-              <a:off x="179512" y="411511"/>
-              <a:ext cx="1296144" cy="432048"/>
+              <a:off x="878003" y="2175510"/>
+              <a:ext cx="3767956" cy="1569660"/>
+            </a:xfrm>
+            <a:prstGeom prst="rect">
+              <a:avLst/>
+            </a:prstGeom>
+            <a:noFill/>
+            <a:ln w="3175">
+              <a:noFill/>
+            </a:ln>
+          </p:spPr>
+          <p:txBody>
+            <a:bodyPr wrap="square" rtlCol="0">
+              <a:spAutoFit/>
+            </a:bodyPr>
+            <a:lstStyle/>
+            <a:p>
+              <a:pPr>
+                <a:lnSpc>
+                  <a:spcPct val="150000"/>
+                </a:lnSpc>
+              </a:pPr>
+              <a:r>
+                <a:rPr lang="en-US" altLang="ko-KR" sz="1100" dirty="0" smtClean="0">
+                  <a:solidFill>
+                    <a:schemeClr val="tx1"/>
+                  </a:solidFill>
+                  <a:latin typeface="+mn-ea"/>
+                  <a:ea typeface="+mn-ea"/>
+                </a:rPr>
+                <a:t>1. </a:t>
+              </a:r>
+              <a:r>
+                <a:rPr lang="ko-KR" altLang="en-US" sz="1100" dirty="0" smtClean="0">
+                  <a:solidFill>
+                    <a:schemeClr val="tx1"/>
+                  </a:solidFill>
+                  <a:latin typeface="+mn-ea"/>
+                  <a:ea typeface="+mn-ea"/>
+                </a:rPr>
+                <a:t>다양한 스타일에 활용할 수 있는 </a:t>
+              </a:r>
+              <a:r>
+                <a:rPr lang="ko-KR" altLang="en-US" dirty="0" smtClean="0">
+                  <a:solidFill>
+                    <a:schemeClr val="tx1"/>
+                  </a:solidFill>
+                  <a:latin typeface="+mn-ea"/>
+                  <a:ea typeface="+mn-ea"/>
+                </a:rPr>
+                <a:t>기본 아이템</a:t>
+              </a:r>
+              <a:r>
+                <a:rPr lang="ko-KR" altLang="en-US" sz="1100" dirty="0" smtClean="0">
+                  <a:solidFill>
+                    <a:schemeClr val="tx1"/>
+                  </a:solidFill>
+                  <a:latin typeface="+mn-ea"/>
+                  <a:ea typeface="+mn-ea"/>
+                </a:rPr>
+                <a:t>이 필요하다</a:t>
+              </a:r>
+              <a:r>
+                <a:rPr lang="en-US" altLang="ko-KR" sz="1100" dirty="0" smtClean="0">
+                  <a:solidFill>
+                    <a:schemeClr val="tx1"/>
+                  </a:solidFill>
+                  <a:latin typeface="+mn-ea"/>
+                  <a:ea typeface="+mn-ea"/>
+                </a:rPr>
+                <a:t>.</a:t>
+              </a:r>
+            </a:p>
+            <a:p>
+              <a:pPr>
+                <a:lnSpc>
+                  <a:spcPct val="150000"/>
+                </a:lnSpc>
+              </a:pPr>
+              <a:endParaRPr lang="en-US" altLang="ko-KR" sz="1100" dirty="0" smtClean="0">
+                <a:solidFill>
+                  <a:schemeClr val="tx1"/>
+                </a:solidFill>
+                <a:latin typeface="+mn-ea"/>
+                <a:ea typeface="+mn-ea"/>
+              </a:endParaRPr>
+            </a:p>
+            <a:p>
+              <a:pPr>
+                <a:lnSpc>
+                  <a:spcPct val="150000"/>
+                </a:lnSpc>
+              </a:pPr>
+              <a:r>
+                <a:rPr lang="en-US" altLang="ko-KR" sz="1100" dirty="0" smtClean="0">
+                  <a:solidFill>
+                    <a:schemeClr val="tx1"/>
+                  </a:solidFill>
+                  <a:latin typeface="+mn-ea"/>
+                  <a:ea typeface="+mn-ea"/>
+                </a:rPr>
+                <a:t>2. </a:t>
+              </a:r>
+              <a:r>
+                <a:rPr lang="ko-KR" altLang="en-US" sz="1100" dirty="0" err="1" smtClean="0">
+                  <a:solidFill>
+                    <a:schemeClr val="tx1"/>
+                  </a:solidFill>
+                  <a:latin typeface="+mn-ea"/>
+                  <a:ea typeface="+mn-ea"/>
+                </a:rPr>
+                <a:t>강남역</a:t>
+              </a:r>
+              <a:r>
+                <a:rPr lang="ko-KR" altLang="en-US" sz="1100" dirty="0" smtClean="0">
+                  <a:solidFill>
+                    <a:schemeClr val="tx1"/>
+                  </a:solidFill>
+                  <a:latin typeface="+mn-ea"/>
+                  <a:ea typeface="+mn-ea"/>
+                </a:rPr>
+                <a:t> 지하에서도 한 </a:t>
+              </a:r>
+              <a:r>
+                <a:rPr lang="ko-KR" altLang="en-US" dirty="0" smtClean="0">
+                  <a:solidFill>
+                    <a:schemeClr val="tx1"/>
+                  </a:solidFill>
+                  <a:latin typeface="+mn-ea"/>
+                  <a:ea typeface="+mn-ea"/>
+                </a:rPr>
+                <a:t>눈에 띄고 싶다</a:t>
+              </a:r>
+              <a:r>
+                <a:rPr lang="en-US" altLang="ko-KR" sz="1100" dirty="0" smtClean="0">
+                  <a:solidFill>
+                    <a:schemeClr val="tx1"/>
+                  </a:solidFill>
+                  <a:latin typeface="+mn-ea"/>
+                  <a:ea typeface="+mn-ea"/>
+                </a:rPr>
+                <a:t>.</a:t>
+              </a:r>
+            </a:p>
+            <a:p>
+              <a:pPr>
+                <a:lnSpc>
+                  <a:spcPct val="150000"/>
+                </a:lnSpc>
+              </a:pPr>
+              <a:endParaRPr lang="en-US" altLang="ko-KR" sz="1100" dirty="0">
+                <a:solidFill>
+                  <a:schemeClr val="tx1"/>
+                </a:solidFill>
+                <a:latin typeface="+mn-ea"/>
+                <a:ea typeface="+mn-ea"/>
+              </a:endParaRPr>
+            </a:p>
+            <a:p>
+              <a:pPr>
+                <a:lnSpc>
+                  <a:spcPct val="150000"/>
+                </a:lnSpc>
+              </a:pPr>
+              <a:r>
+                <a:rPr lang="en-US" altLang="ko-KR" sz="1100" dirty="0" smtClean="0">
+                  <a:solidFill>
+                    <a:schemeClr val="tx1"/>
+                  </a:solidFill>
+                  <a:latin typeface="+mn-ea"/>
+                  <a:ea typeface="+mn-ea"/>
+                </a:rPr>
+                <a:t>3. </a:t>
+              </a:r>
+              <a:r>
+                <a:rPr lang="ko-KR" altLang="en-US" dirty="0" err="1" smtClean="0">
+                  <a:solidFill>
+                    <a:schemeClr val="tx1"/>
+                  </a:solidFill>
+                  <a:latin typeface="+mn-ea"/>
+                  <a:ea typeface="+mn-ea"/>
+                </a:rPr>
+                <a:t>시크</a:t>
+              </a:r>
+              <a:r>
+                <a:rPr lang="ko-KR" altLang="en-US" sz="1100" dirty="0" err="1" smtClean="0">
+                  <a:solidFill>
+                    <a:schemeClr val="tx1"/>
+                  </a:solidFill>
+                  <a:latin typeface="+mn-ea"/>
+                  <a:ea typeface="+mn-ea"/>
+                </a:rPr>
+                <a:t>하면서</a:t>
+              </a:r>
+              <a:r>
+                <a:rPr lang="ko-KR" altLang="en-US" sz="1100" dirty="0" err="1" smtClean="0">
+                  <a:solidFill>
+                    <a:schemeClr val="tx1"/>
+                  </a:solidFill>
+                  <a:latin typeface="+mn-ea"/>
+                  <a:ea typeface="+mn-ea"/>
+                </a:rPr>
+                <a:t>도</a:t>
+              </a:r>
+              <a:r>
+                <a:rPr lang="ko-KR" altLang="en-US" sz="1100" dirty="0" smtClean="0">
+                  <a:solidFill>
+                    <a:schemeClr val="tx1"/>
+                  </a:solidFill>
+                  <a:latin typeface="+mn-ea"/>
+                  <a:ea typeface="+mn-ea"/>
+                </a:rPr>
+                <a:t> </a:t>
+              </a:r>
+              <a:r>
+                <a:rPr lang="ko-KR" altLang="en-US" dirty="0" smtClean="0">
+                  <a:solidFill>
+                    <a:schemeClr val="tx1"/>
+                  </a:solidFill>
+                  <a:latin typeface="+mn-ea"/>
+                  <a:ea typeface="+mn-ea"/>
+                </a:rPr>
+                <a:t>강렬한 인상</a:t>
+              </a:r>
+              <a:r>
+                <a:rPr lang="ko-KR" altLang="en-US" sz="1100" dirty="0" smtClean="0">
+                  <a:solidFill>
+                    <a:schemeClr val="tx1"/>
+                  </a:solidFill>
+                  <a:latin typeface="+mn-ea"/>
+                  <a:ea typeface="+mn-ea"/>
+                </a:rPr>
+                <a:t>을 주고 싶다</a:t>
+              </a:r>
+              <a:r>
+                <a:rPr lang="en-US" altLang="ko-KR" sz="1100" dirty="0" smtClean="0">
+                  <a:solidFill>
+                    <a:schemeClr val="tx1"/>
+                  </a:solidFill>
+                  <a:latin typeface="+mn-ea"/>
+                  <a:ea typeface="+mn-ea"/>
+                </a:rPr>
+                <a:t>.</a:t>
+              </a:r>
+              <a:endParaRPr lang="ko-KR" altLang="en-US" sz="1100" dirty="0">
+                <a:solidFill>
+                  <a:schemeClr val="tx1"/>
+                </a:solidFill>
+                <a:latin typeface="+mn-ea"/>
+                <a:ea typeface="+mn-ea"/>
+              </a:endParaRPr>
+            </a:p>
+          </p:txBody>
+        </p:sp>
+        <p:sp>
+          <p:nvSpPr>
+            <p:cNvPr id="13" name="TextBox 12"/>
+            <p:cNvSpPr txBox="1"/>
+            <p:nvPr/>
+          </p:nvSpPr>
+          <p:spPr>
+            <a:xfrm>
+              <a:off x="4972331" y="2175510"/>
+              <a:ext cx="622419" cy="307777"/>
             </a:xfrm>
             <a:prstGeom prst="rect">
               <a:avLst/>
             </a:prstGeom>
             <a:solidFill>
-              <a:srgbClr val="F2F2F2">
-                <a:alpha val="69803"/>
-              </a:srgbClr>
+              <a:schemeClr val="bg1">
+                <a:lumMod val="95000"/>
+              </a:schemeClr>
             </a:solidFill>
-            <a:ln w="3175" cap="flat" cmpd="sng">
+            <a:ln w="3175">
               <a:solidFill>
-                <a:srgbClr val="A5A5A5"/>
+                <a:schemeClr val="bg1">
+                  <a:lumMod val="50000"/>
+                </a:schemeClr>
               </a:solidFill>
-              <a:prstDash val="solid"/>
-              <a:round/>
-              <a:headEnd type="none" w="sm" len="sm"/>
-              <a:tailEnd type="none" w="sm" len="sm"/>
             </a:ln>
           </p:spPr>
           <p:txBody>
-            <a:bodyPr spcFirstLastPara="1" wrap="square" lIns="91425" tIns="45700" rIns="91425" bIns="45700" anchor="ctr" anchorCtr="0">
-              <a:noAutofit/>
+            <a:bodyPr wrap="none" rtlCol="0">
+              <a:spAutoFit/>
             </a:bodyPr>
             <a:lstStyle/>
             <a:p>
-              <a:pPr marL="0" marR="0" lvl="0" indent="0" algn="ctr" rtl="0">
-                <a:spcBef>
-                  <a:spcPts val="0"/>
-                </a:spcBef>
-                <a:spcAft>
-                  <a:spcPts val="0"/>
-                </a:spcAft>
-                <a:buNone/>
-              </a:pPr>
               <a:r>
-                <a:rPr lang="en-US" sz="1800">
+                <a:rPr lang="ko-KR" altLang="en-US" dirty="0" smtClean="0">
                   <a:solidFill>
-                    <a:srgbClr val="FFFFFF"/>
+                    <a:schemeClr val="tx1"/>
                   </a:solidFill>
-                  <a:latin typeface="Arial"/>
-                  <a:ea typeface="Arial"/>
-                  <a:cs typeface="Arial"/>
-                  <a:sym typeface="Arial"/>
                 </a:rPr>
-                <a:t>`</a:t>
+                <a:t>→ </a:t>
               </a:r>
-              <a:endParaRPr sz="1800">
+              <a:r>
+                <a:rPr lang="en-US" altLang="ko-KR" dirty="0" smtClean="0">
+                  <a:solidFill>
+                    <a:schemeClr val="tx1"/>
+                  </a:solidFill>
+                </a:rPr>
+                <a:t>Go</a:t>
+              </a:r>
+              <a:endParaRPr lang="ko-KR" altLang="en-US" dirty="0">
                 <a:solidFill>
-                  <a:srgbClr val="FFFFFF"/>
+                  <a:schemeClr val="tx1"/>
                 </a:solidFill>
-                <a:latin typeface="Arial"/>
-                <a:ea typeface="Arial"/>
-                <a:cs typeface="Arial"/>
-                <a:sym typeface="Arial"/>
               </a:endParaRPr>
             </a:p>
           </p:txBody>
         </p:sp>
-        <p:cxnSp>
-          <p:nvCxnSpPr>
-            <p:cNvPr id="164" name="Google Shape;164;p14"/>
-            <p:cNvCxnSpPr/>
+        <p:sp>
+          <p:nvSpPr>
+            <p:cNvPr id="14" name="TextBox 13"/>
+            <p:cNvSpPr txBox="1"/>
             <p:nvPr/>
-          </p:nvCxnSpPr>
+          </p:nvSpPr>
           <p:spPr>
-            <a:xfrm flipH="1">
-              <a:off x="179512" y="411510"/>
-              <a:ext cx="1296144" cy="432048"/>
+            <a:xfrm>
+              <a:off x="4972330" y="2702576"/>
+              <a:ext cx="622419" cy="307777"/>
             </a:xfrm>
-            <a:prstGeom prst="straightConnector1">
+            <a:prstGeom prst="rect">
               <a:avLst/>
             </a:prstGeom>
-            <a:noFill/>
-            <a:ln w="3175" cap="flat" cmpd="sng">
+            <a:solidFill>
+              <a:schemeClr val="bg1">
+                <a:lumMod val="95000"/>
+              </a:schemeClr>
+            </a:solidFill>
+            <a:ln w="3175">
               <a:solidFill>
-                <a:srgbClr val="7F7F7F"/>
+                <a:schemeClr val="bg1">
+                  <a:lumMod val="50000"/>
+                </a:schemeClr>
               </a:solidFill>
-              <a:prstDash val="solid"/>
-              <a:round/>
-              <a:headEnd type="none" w="sm" len="sm"/>
-              <a:tailEnd type="none" w="sm" len="sm"/>
             </a:ln>
           </p:spPr>
-        </p:cxnSp>
+          <p:txBody>
+            <a:bodyPr wrap="none" rtlCol="0">
+              <a:spAutoFit/>
+            </a:bodyPr>
+            <a:lstStyle/>
+            <a:p>
+              <a:r>
+                <a:rPr lang="ko-KR" altLang="en-US" dirty="0" smtClean="0">
+                  <a:solidFill>
+                    <a:schemeClr val="tx1"/>
+                  </a:solidFill>
+                </a:rPr>
+                <a:t>→ </a:t>
+              </a:r>
+              <a:r>
+                <a:rPr lang="en-US" altLang="ko-KR" dirty="0" smtClean="0">
+                  <a:solidFill>
+                    <a:schemeClr val="tx1"/>
+                  </a:solidFill>
+                </a:rPr>
+                <a:t>Go</a:t>
+              </a:r>
+              <a:endParaRPr lang="ko-KR" altLang="en-US" dirty="0">
+                <a:solidFill>
+                  <a:schemeClr val="tx1"/>
+                </a:solidFill>
+              </a:endParaRPr>
+            </a:p>
+          </p:txBody>
+        </p:sp>
+        <p:sp>
+          <p:nvSpPr>
+            <p:cNvPr id="15" name="TextBox 14"/>
+            <p:cNvSpPr txBox="1"/>
+            <p:nvPr/>
+          </p:nvSpPr>
+          <p:spPr>
+            <a:xfrm>
+              <a:off x="4972331" y="3229644"/>
+              <a:ext cx="622419" cy="307777"/>
+            </a:xfrm>
+            <a:prstGeom prst="rect">
+              <a:avLst/>
+            </a:prstGeom>
+            <a:solidFill>
+              <a:schemeClr val="bg1">
+                <a:lumMod val="95000"/>
+              </a:schemeClr>
+            </a:solidFill>
+            <a:ln w="3175">
+              <a:solidFill>
+                <a:schemeClr val="bg1">
+                  <a:lumMod val="50000"/>
+                </a:schemeClr>
+              </a:solidFill>
+            </a:ln>
+          </p:spPr>
+          <p:txBody>
+            <a:bodyPr wrap="none" rtlCol="0">
+              <a:spAutoFit/>
+            </a:bodyPr>
+            <a:lstStyle/>
+            <a:p>
+              <a:r>
+                <a:rPr lang="ko-KR" altLang="en-US" dirty="0" smtClean="0">
+                  <a:solidFill>
+                    <a:schemeClr val="tx1"/>
+                  </a:solidFill>
+                </a:rPr>
+                <a:t>→ </a:t>
+              </a:r>
+              <a:r>
+                <a:rPr lang="en-US" altLang="ko-KR" dirty="0" smtClean="0">
+                  <a:solidFill>
+                    <a:schemeClr val="tx1"/>
+                  </a:solidFill>
+                </a:rPr>
+                <a:t>Go</a:t>
+              </a:r>
+              <a:endParaRPr lang="ko-KR" altLang="en-US" dirty="0">
+                <a:solidFill>
+                  <a:schemeClr val="tx1"/>
+                </a:solidFill>
+              </a:endParaRPr>
+            </a:p>
+          </p:txBody>
+        </p:sp>
       </p:grpSp>
       <p:sp>
         <p:nvSpPr>
-          <p:cNvPr id="165" name="Google Shape;165;p14"/>
-          <p:cNvSpPr txBox="1"/>
-          <p:nvPr/>
-        </p:nvSpPr>
-        <p:spPr>
-          <a:xfrm>
-            <a:off x="2979911" y="415833"/>
-            <a:ext cx="945600" cy="307800"/>
-          </a:xfrm>
-          <a:prstGeom prst="rect">
-            <a:avLst/>
-          </a:prstGeom>
-          <a:noFill/>
-          <a:ln w="3175">
-            <a:noFill/>
-          </a:ln>
-        </p:spPr>
-        <p:txBody>
-          <a:bodyPr spcFirstLastPara="1" wrap="square" lIns="91425" tIns="45700" rIns="91425" bIns="45700" anchor="t" anchorCtr="0">
-            <a:noAutofit/>
-          </a:bodyPr>
-          <a:lstStyle/>
-          <a:p>
-            <a:pPr marL="0" marR="0" lvl="0" indent="0" algn="ctr" rtl="0">
-              <a:spcBef>
-                <a:spcPts val="0"/>
-              </a:spcBef>
-              <a:spcAft>
-                <a:spcPts val="0"/>
-              </a:spcAft>
-              <a:buNone/>
-            </a:pPr>
-            <a:r>
-              <a:rPr lang="en-US" sz="1400" b="1" dirty="0">
-                <a:solidFill>
-                  <a:schemeClr val="dk1"/>
-                </a:solidFill>
-                <a:latin typeface="+mj-ea"/>
-                <a:ea typeface="+mj-ea"/>
-                <a:cs typeface="Arial"/>
-                <a:sym typeface="Arial"/>
-              </a:rPr>
-              <a:t>LOGO</a:t>
-            </a:r>
-            <a:endParaRPr sz="1400" b="1" dirty="0">
-              <a:solidFill>
-                <a:schemeClr val="dk1"/>
-              </a:solidFill>
-              <a:latin typeface="+mj-ea"/>
-              <a:ea typeface="+mj-ea"/>
-              <a:cs typeface="Arial"/>
-              <a:sym typeface="Arial"/>
-            </a:endParaRPr>
-          </a:p>
-        </p:txBody>
-      </p:sp>
-      <p:sp>
-        <p:nvSpPr>
-          <p:cNvPr id="188" name="Google Shape;188;p14"/>
+          <p:cNvPr id="24" name="모서리가 둥근 직사각형 23"/>
           <p:cNvSpPr/>
           <p:nvPr/>
         </p:nvSpPr>
         <p:spPr>
           <a:xfrm>
-            <a:off x="254288" y="947822"/>
-            <a:ext cx="216024" cy="216024"/>
+            <a:off x="6488430" y="2128837"/>
+            <a:ext cx="142875" cy="1152525"/>
           </a:xfrm>
           <a:prstGeom prst="roundRect">
-            <a:avLst>
-              <a:gd name="adj" fmla="val 16667"/>
-            </a:avLst>
-          </a:prstGeom>
-          <a:solidFill>
-            <a:srgbClr val="E36C09"/>
-          </a:solidFill>
-          <a:ln w="3175">
-            <a:noFill/>
-          </a:ln>
-        </p:spPr>
-        <p:txBody>
-          <a:bodyPr spcFirstLastPara="1" wrap="square" lIns="0" tIns="45700" rIns="0" bIns="45700" anchor="ctr" anchorCtr="0">
-            <a:noAutofit/>
-          </a:bodyPr>
-          <a:lstStyle/>
-          <a:p>
-            <a:pPr marL="0" marR="0" lvl="0" indent="0" algn="ctr" rtl="0">
-              <a:spcBef>
-                <a:spcPts val="0"/>
-              </a:spcBef>
-              <a:spcAft>
-                <a:spcPts val="0"/>
-              </a:spcAft>
-              <a:buNone/>
-            </a:pPr>
-            <a:r>
-              <a:rPr lang="en-US" sz="1050" b="1" dirty="0">
-                <a:solidFill>
-                  <a:schemeClr val="lt1"/>
-                </a:solidFill>
-                <a:latin typeface="Arial"/>
-                <a:ea typeface="Arial"/>
-                <a:cs typeface="Arial"/>
-                <a:sym typeface="Arial"/>
-              </a:rPr>
-              <a:t>2</a:t>
-            </a:r>
-            <a:endParaRPr sz="1050" b="1" dirty="0">
-              <a:solidFill>
-                <a:schemeClr val="lt1"/>
-              </a:solidFill>
-              <a:latin typeface="Arial"/>
-              <a:ea typeface="Arial"/>
-              <a:cs typeface="Arial"/>
-              <a:sym typeface="Arial"/>
-            </a:endParaRPr>
-          </a:p>
-        </p:txBody>
-      </p:sp>
-      <p:sp>
-        <p:nvSpPr>
-          <p:cNvPr id="191" name="Google Shape;191;p14"/>
-          <p:cNvSpPr txBox="1"/>
-          <p:nvPr/>
-        </p:nvSpPr>
-        <p:spPr>
-          <a:xfrm>
-            <a:off x="579121" y="1733344"/>
-            <a:ext cx="5021400" cy="1514800"/>
-          </a:xfrm>
-          <a:prstGeom prst="rect">
-            <a:avLst/>
-          </a:prstGeom>
-          <a:noFill/>
-          <a:ln w="3175">
-            <a:noFill/>
-          </a:ln>
-        </p:spPr>
-        <p:txBody>
-          <a:bodyPr spcFirstLastPara="1" wrap="square" lIns="91425" tIns="91425" rIns="91425" bIns="91425" anchor="t" anchorCtr="0">
-            <a:noAutofit/>
-          </a:bodyPr>
-          <a:lstStyle/>
-          <a:p>
-            <a:pPr marL="0" lvl="0" indent="0" algn="l" rtl="0">
-              <a:spcBef>
-                <a:spcPts val="0"/>
-              </a:spcBef>
-              <a:spcAft>
-                <a:spcPts val="0"/>
-              </a:spcAft>
-              <a:buNone/>
-            </a:pPr>
-            <a:r>
-              <a:rPr lang="en-US" altLang="ko-KR" sz="3600" dirty="0" smtClean="0">
-                <a:latin typeface="+mj-ea"/>
-                <a:ea typeface="+mj-ea"/>
-              </a:rPr>
-              <a:t>MINIDECO</a:t>
-            </a:r>
-            <a:endParaRPr lang="en-US" altLang="ko-KR" sz="3600" dirty="0">
-              <a:latin typeface="+mj-ea"/>
-              <a:ea typeface="+mj-ea"/>
-            </a:endParaRPr>
-          </a:p>
-          <a:p>
-            <a:pPr marL="0" lvl="0" indent="0" algn="l" rtl="0">
-              <a:spcBef>
-                <a:spcPts val="0"/>
-              </a:spcBef>
-              <a:spcAft>
-                <a:spcPts val="0"/>
-              </a:spcAft>
-              <a:buNone/>
-            </a:pPr>
-            <a:r>
-              <a:rPr lang="en-US" sz="3600" dirty="0" smtClean="0">
-                <a:latin typeface="+mj-ea"/>
-                <a:ea typeface="+mj-ea"/>
-              </a:rPr>
-              <a:t>2020 </a:t>
-            </a:r>
-            <a:r>
-              <a:rPr lang="ko-KR" altLang="en-US" sz="3600" dirty="0" smtClean="0">
-                <a:latin typeface="+mj-ea"/>
-                <a:ea typeface="+mj-ea"/>
-              </a:rPr>
-              <a:t>신</a:t>
-            </a:r>
-            <a:r>
-              <a:rPr lang="en-US" altLang="ko-KR" sz="3600" dirty="0" smtClean="0">
-                <a:latin typeface="+mj-ea"/>
-                <a:ea typeface="+mj-ea"/>
-              </a:rPr>
-              <a:t>/</a:t>
-            </a:r>
-            <a:r>
-              <a:rPr lang="ko-KR" altLang="en-US" sz="3600" dirty="0" smtClean="0">
-                <a:latin typeface="+mj-ea"/>
-                <a:ea typeface="+mj-ea"/>
-              </a:rPr>
-              <a:t>상</a:t>
-            </a:r>
-            <a:r>
-              <a:rPr lang="en-US" altLang="ko-KR" sz="3600" dirty="0" smtClean="0">
-                <a:latin typeface="+mj-ea"/>
-                <a:ea typeface="+mj-ea"/>
-              </a:rPr>
-              <a:t>/</a:t>
-            </a:r>
-            <a:r>
-              <a:rPr lang="ko-KR" altLang="en-US" sz="3600" dirty="0" err="1" smtClean="0">
-                <a:latin typeface="+mj-ea"/>
-                <a:ea typeface="+mj-ea"/>
-              </a:rPr>
-              <a:t>런</a:t>
-            </a:r>
-            <a:r>
-              <a:rPr lang="en-US" altLang="ko-KR" sz="3600" dirty="0" smtClean="0">
-                <a:latin typeface="+mj-ea"/>
-                <a:ea typeface="+mj-ea"/>
-              </a:rPr>
-              <a:t>/</a:t>
-            </a:r>
-            <a:r>
-              <a:rPr lang="ko-KR" altLang="en-US" sz="3600" dirty="0" smtClean="0">
-                <a:latin typeface="+mj-ea"/>
-                <a:ea typeface="+mj-ea"/>
-              </a:rPr>
-              <a:t>칭</a:t>
-            </a:r>
-          </a:p>
-          <a:p>
-            <a:pPr marL="0" lvl="0" indent="0" algn="l" rtl="0">
-              <a:spcBef>
-                <a:spcPts val="0"/>
-              </a:spcBef>
-              <a:spcAft>
-                <a:spcPts val="0"/>
-              </a:spcAft>
-              <a:buNone/>
-            </a:pPr>
-            <a:r>
-              <a:rPr lang="en-US" dirty="0" smtClean="0">
-                <a:latin typeface="+mj-ea"/>
-                <a:ea typeface="+mj-ea"/>
-              </a:rPr>
-              <a:t>#2020 #</a:t>
-            </a:r>
-            <a:r>
-              <a:rPr lang="ko-KR" altLang="en-US" dirty="0" err="1" smtClean="0">
-                <a:latin typeface="+mj-ea"/>
-                <a:ea typeface="+mj-ea"/>
-              </a:rPr>
-              <a:t>미니어처가구트렌</a:t>
-            </a:r>
-            <a:r>
-              <a:rPr lang="ko-KR" altLang="en-US" dirty="0" err="1">
-                <a:latin typeface="+mj-ea"/>
-                <a:ea typeface="+mj-ea"/>
-              </a:rPr>
-              <a:t>드</a:t>
-            </a:r>
-            <a:r>
-              <a:rPr lang="ko-KR" altLang="en-US" dirty="0" smtClean="0">
-                <a:latin typeface="+mj-ea"/>
-                <a:ea typeface="+mj-ea"/>
-              </a:rPr>
-              <a:t> </a:t>
-            </a:r>
-            <a:endParaRPr dirty="0">
-              <a:latin typeface="+mj-ea"/>
-              <a:ea typeface="+mj-ea"/>
-            </a:endParaRPr>
-          </a:p>
-        </p:txBody>
-      </p:sp>
-      <p:sp>
-        <p:nvSpPr>
-          <p:cNvPr id="189" name="Google Shape;189;p14"/>
-          <p:cNvSpPr/>
-          <p:nvPr/>
-        </p:nvSpPr>
-        <p:spPr>
-          <a:xfrm>
-            <a:off x="3350895" y="2290434"/>
-            <a:ext cx="216024" cy="216024"/>
-          </a:xfrm>
-          <a:prstGeom prst="roundRect">
-            <a:avLst>
-              <a:gd name="adj" fmla="val 16667"/>
-            </a:avLst>
-          </a:prstGeom>
-          <a:solidFill>
-            <a:srgbClr val="E36C09"/>
-          </a:solidFill>
-          <a:ln w="3175">
-            <a:noFill/>
-          </a:ln>
-        </p:spPr>
-        <p:txBody>
-          <a:bodyPr spcFirstLastPara="1" wrap="square" lIns="0" tIns="45700" rIns="0" bIns="45700" anchor="ctr" anchorCtr="0">
-            <a:noAutofit/>
-          </a:bodyPr>
-          <a:lstStyle/>
-          <a:p>
-            <a:pPr marL="0" marR="0" lvl="0" indent="0" algn="ctr" rtl="0">
-              <a:spcBef>
-                <a:spcPts val="0"/>
-              </a:spcBef>
-              <a:spcAft>
-                <a:spcPts val="0"/>
-              </a:spcAft>
-              <a:buNone/>
-            </a:pPr>
-            <a:r>
-              <a:rPr lang="en-US" sz="1050" b="1" dirty="0">
-                <a:solidFill>
-                  <a:schemeClr val="lt1"/>
-                </a:solidFill>
-                <a:latin typeface="Arial"/>
-                <a:ea typeface="Arial"/>
-                <a:cs typeface="Arial"/>
-                <a:sym typeface="Arial"/>
-              </a:rPr>
-              <a:t>1</a:t>
-            </a:r>
-            <a:endParaRPr sz="1050" b="1" dirty="0">
-              <a:solidFill>
-                <a:schemeClr val="lt1"/>
-              </a:solidFill>
-              <a:latin typeface="Arial"/>
-              <a:ea typeface="Arial"/>
-              <a:cs typeface="Arial"/>
-              <a:sym typeface="Arial"/>
-            </a:endParaRPr>
-          </a:p>
-        </p:txBody>
-      </p:sp>
-      <p:sp>
-        <p:nvSpPr>
-          <p:cNvPr id="4" name="직사각형 3"/>
-          <p:cNvSpPr/>
-          <p:nvPr/>
-        </p:nvSpPr>
-        <p:spPr>
-          <a:xfrm>
-            <a:off x="6108125" y="3259258"/>
-            <a:ext cx="180000" cy="180000"/>
-          </a:xfrm>
-          <a:prstGeom prst="rect">
             <a:avLst/>
           </a:prstGeom>
           <a:solidFill>
             <a:schemeClr val="bg1">
-              <a:lumMod val="50000"/>
+              <a:lumMod val="75000"/>
             </a:schemeClr>
           </a:solidFill>
           <a:ln w="3175">
@@ -10613,4777 +10555,22 @@
           <a:lstStyle/>
           <a:p>
             <a:pPr algn="ctr"/>
-            <a:r>
-              <a:rPr lang="en-US" altLang="ko-KR" sz="900" dirty="0" smtClean="0"/>
-              <a:t>3</a:t>
-            </a:r>
-            <a:endParaRPr lang="ko-KR" altLang="en-US" sz="900" dirty="0"/>
+            <a:endParaRPr lang="ko-KR" altLang="en-US"/>
           </a:p>
         </p:txBody>
       </p:sp>
       <p:sp>
         <p:nvSpPr>
-          <p:cNvPr id="58" name="직사각형 57"/>
+          <p:cNvPr id="25" name="타원 24"/>
           <p:cNvSpPr/>
           <p:nvPr/>
         </p:nvSpPr>
         <p:spPr>
           <a:xfrm>
-            <a:off x="5890025" y="3259258"/>
-            <a:ext cx="180000" cy="180000"/>
-          </a:xfrm>
-          <a:prstGeom prst="rect">
-            <a:avLst/>
-          </a:prstGeom>
-          <a:solidFill>
-            <a:schemeClr val="bg1">
-              <a:lumMod val="50000"/>
-            </a:schemeClr>
-          </a:solidFill>
-          <a:ln w="3175">
-            <a:noFill/>
-          </a:ln>
-        </p:spPr>
-        <p:style>
-          <a:lnRef idx="2">
-            <a:schemeClr val="accent1">
-              <a:shade val="50000"/>
-            </a:schemeClr>
-          </a:lnRef>
-          <a:fillRef idx="1">
-            <a:schemeClr val="accent1"/>
-          </a:fillRef>
-          <a:effectRef idx="0">
-            <a:schemeClr val="accent1"/>
-          </a:effectRef>
-          <a:fontRef idx="minor">
-            <a:schemeClr val="lt1"/>
-          </a:fontRef>
-        </p:style>
-        <p:txBody>
-          <a:bodyPr rtlCol="0" anchor="ctr"/>
-          <a:lstStyle/>
-          <a:p>
-            <a:pPr algn="ctr"/>
-            <a:r>
-              <a:rPr lang="en-US" altLang="ko-KR" sz="900" dirty="0" smtClean="0"/>
-              <a:t>2</a:t>
-            </a:r>
-            <a:endParaRPr lang="ko-KR" altLang="en-US" sz="900" dirty="0"/>
-          </a:p>
-        </p:txBody>
-      </p:sp>
-      <p:sp>
-        <p:nvSpPr>
-          <p:cNvPr id="59" name="직사각형 58"/>
-          <p:cNvSpPr/>
-          <p:nvPr/>
-        </p:nvSpPr>
-        <p:spPr>
-          <a:xfrm>
-            <a:off x="5662400" y="3260847"/>
-            <a:ext cx="180000" cy="180000"/>
-          </a:xfrm>
-          <a:prstGeom prst="rect">
-            <a:avLst/>
-          </a:prstGeom>
-          <a:solidFill>
-            <a:schemeClr val="bg1">
-              <a:lumMod val="50000"/>
-            </a:schemeClr>
-          </a:solidFill>
-          <a:ln w="3175">
-            <a:noFill/>
-          </a:ln>
-        </p:spPr>
-        <p:style>
-          <a:lnRef idx="2">
-            <a:schemeClr val="accent1">
-              <a:shade val="50000"/>
-            </a:schemeClr>
-          </a:lnRef>
-          <a:fillRef idx="1">
-            <a:schemeClr val="accent1"/>
-          </a:fillRef>
-          <a:effectRef idx="0">
-            <a:schemeClr val="accent1"/>
-          </a:effectRef>
-          <a:fontRef idx="minor">
-            <a:schemeClr val="lt1"/>
-          </a:fontRef>
-        </p:style>
-        <p:txBody>
-          <a:bodyPr rtlCol="0" anchor="ctr"/>
-          <a:lstStyle/>
-          <a:p>
-            <a:pPr algn="ctr"/>
-            <a:r>
-              <a:rPr lang="en-US" altLang="ko-KR" sz="900" dirty="0" smtClean="0"/>
-              <a:t>1</a:t>
-            </a:r>
-            <a:endParaRPr lang="ko-KR" altLang="en-US" sz="900" dirty="0"/>
-          </a:p>
-        </p:txBody>
-      </p:sp>
-      <p:sp>
-        <p:nvSpPr>
-          <p:cNvPr id="8" name="제목 7"/>
-          <p:cNvSpPr>
-            <a:spLocks noGrp="1"/>
-          </p:cNvSpPr>
-          <p:nvPr>
-            <p:ph type="title"/>
-          </p:nvPr>
-        </p:nvSpPr>
-        <p:spPr>
-          <a:xfrm>
-            <a:off x="1356023" y="-31410"/>
-            <a:ext cx="4954302" cy="292075"/>
-          </a:xfrm>
-          <a:prstGeom prst="rect">
-            <a:avLst/>
-          </a:prstGeom>
-          <a:ln w="3175"/>
-        </p:spPr>
-        <p:txBody>
-          <a:bodyPr/>
-          <a:lstStyle/>
-          <a:p>
-            <a:r>
-              <a:rPr lang="en-US" altLang="ko-KR" dirty="0"/>
-              <a:t>MAIN</a:t>
-            </a:r>
-            <a:endParaRPr lang="ko-KR" altLang="en-US" dirty="0"/>
-          </a:p>
-        </p:txBody>
-      </p:sp>
-      <p:sp>
-        <p:nvSpPr>
-          <p:cNvPr id="11" name="직사각형 10"/>
-          <p:cNvSpPr/>
-          <p:nvPr/>
-        </p:nvSpPr>
-        <p:spPr>
-          <a:xfrm>
-            <a:off x="550846" y="918154"/>
-            <a:ext cx="5794989" cy="260500"/>
-          </a:xfrm>
-          <a:prstGeom prst="rect">
-            <a:avLst/>
-          </a:prstGeom>
-          <a:noFill/>
-          <a:ln w="3175">
-            <a:noFill/>
-          </a:ln>
-        </p:spPr>
-        <p:style>
-          <a:lnRef idx="2">
-            <a:schemeClr val="accent1">
-              <a:shade val="50000"/>
-            </a:schemeClr>
-          </a:lnRef>
-          <a:fillRef idx="1">
-            <a:schemeClr val="accent1"/>
-          </a:fillRef>
-          <a:effectRef idx="0">
-            <a:schemeClr val="accent1"/>
-          </a:effectRef>
-          <a:fontRef idx="minor">
-            <a:schemeClr val="lt1"/>
-          </a:fontRef>
-        </p:style>
-        <p:txBody>
-          <a:bodyPr rtlCol="0" anchor="ctr"/>
-          <a:lstStyle/>
-          <a:p>
-            <a:pPr algn="ctr"/>
-            <a:endParaRPr lang="ko-KR" altLang="en-US"/>
-          </a:p>
-        </p:txBody>
-      </p:sp>
-      <p:sp>
-        <p:nvSpPr>
-          <p:cNvPr id="12" name="TextBox 11"/>
-          <p:cNvSpPr txBox="1"/>
-          <p:nvPr/>
-        </p:nvSpPr>
-        <p:spPr>
-          <a:xfrm>
-            <a:off x="579121" y="946729"/>
-            <a:ext cx="782954" cy="215444"/>
-          </a:xfrm>
-          <a:prstGeom prst="rect">
-            <a:avLst/>
-          </a:prstGeom>
-          <a:noFill/>
-          <a:ln w="3175">
-            <a:noFill/>
-          </a:ln>
-        </p:spPr>
-        <p:txBody>
-          <a:bodyPr wrap="square" rtlCol="0">
-            <a:spAutoFit/>
-          </a:bodyPr>
-          <a:lstStyle/>
-          <a:p>
-            <a:pPr algn="ctr"/>
-            <a:r>
-              <a:rPr lang="ko-KR" altLang="en-US" sz="800" dirty="0" smtClean="0">
-                <a:latin typeface="+mn-ea"/>
-                <a:ea typeface="+mn-ea"/>
-              </a:rPr>
-              <a:t>베스트</a:t>
-            </a:r>
-            <a:endParaRPr lang="ko-KR" altLang="en-US" sz="800" dirty="0">
-              <a:latin typeface="+mn-ea"/>
-              <a:ea typeface="+mn-ea"/>
-            </a:endParaRPr>
-          </a:p>
-        </p:txBody>
-      </p:sp>
-      <p:sp>
-        <p:nvSpPr>
-          <p:cNvPr id="83" name="TextBox 82"/>
-          <p:cNvSpPr txBox="1"/>
-          <p:nvPr/>
-        </p:nvSpPr>
-        <p:spPr>
-          <a:xfrm>
-            <a:off x="5543372" y="946729"/>
-            <a:ext cx="791988" cy="215444"/>
-          </a:xfrm>
-          <a:prstGeom prst="rect">
-            <a:avLst/>
-          </a:prstGeom>
-          <a:noFill/>
-          <a:ln w="3175">
-            <a:noFill/>
-          </a:ln>
-        </p:spPr>
-        <p:txBody>
-          <a:bodyPr wrap="square" rtlCol="0">
-            <a:spAutoFit/>
-          </a:bodyPr>
-          <a:lstStyle/>
-          <a:p>
-            <a:pPr algn="ctr"/>
-            <a:r>
-              <a:rPr lang="ko-KR" altLang="en-US" sz="800" dirty="0" smtClean="0">
-                <a:latin typeface="+mn-ea"/>
-                <a:ea typeface="+mn-ea"/>
-              </a:rPr>
-              <a:t>세트상품</a:t>
-            </a:r>
-            <a:endParaRPr lang="ko-KR" altLang="en-US" sz="800" dirty="0">
-              <a:latin typeface="+mn-ea"/>
-              <a:ea typeface="+mn-ea"/>
-            </a:endParaRPr>
-          </a:p>
-        </p:txBody>
-      </p:sp>
-      <p:sp>
-        <p:nvSpPr>
-          <p:cNvPr id="84" name="TextBox 83"/>
-          <p:cNvSpPr txBox="1"/>
-          <p:nvPr/>
-        </p:nvSpPr>
-        <p:spPr>
-          <a:xfrm>
-            <a:off x="3038986" y="947822"/>
-            <a:ext cx="835192" cy="215444"/>
-          </a:xfrm>
-          <a:prstGeom prst="rect">
-            <a:avLst/>
-          </a:prstGeom>
-          <a:noFill/>
-          <a:ln w="3175">
-            <a:noFill/>
-          </a:ln>
-        </p:spPr>
-        <p:txBody>
-          <a:bodyPr wrap="square" rtlCol="0">
-            <a:spAutoFit/>
-          </a:bodyPr>
-          <a:lstStyle/>
-          <a:p>
-            <a:pPr algn="ctr"/>
-            <a:r>
-              <a:rPr lang="ko-KR" altLang="en-US" sz="800" dirty="0" smtClean="0">
-                <a:latin typeface="+mn-ea"/>
-                <a:ea typeface="+mn-ea"/>
-              </a:rPr>
-              <a:t>주방용품</a:t>
-            </a:r>
-            <a:endParaRPr lang="ko-KR" altLang="en-US" sz="800" dirty="0">
-              <a:latin typeface="+mn-ea"/>
-              <a:ea typeface="+mn-ea"/>
-            </a:endParaRPr>
-          </a:p>
-        </p:txBody>
-      </p:sp>
-      <p:sp>
-        <p:nvSpPr>
-          <p:cNvPr id="85" name="TextBox 84"/>
-          <p:cNvSpPr txBox="1"/>
-          <p:nvPr/>
-        </p:nvSpPr>
-        <p:spPr>
-          <a:xfrm>
-            <a:off x="3874178" y="947822"/>
-            <a:ext cx="847724" cy="215444"/>
-          </a:xfrm>
-          <a:prstGeom prst="rect">
-            <a:avLst/>
-          </a:prstGeom>
-          <a:noFill/>
-          <a:ln w="3175">
-            <a:noFill/>
-          </a:ln>
-        </p:spPr>
-        <p:txBody>
-          <a:bodyPr wrap="square" rtlCol="0">
-            <a:spAutoFit/>
-          </a:bodyPr>
-          <a:lstStyle/>
-          <a:p>
-            <a:pPr algn="ctr"/>
-            <a:r>
-              <a:rPr lang="ko-KR" altLang="en-US" sz="800" dirty="0" smtClean="0">
-                <a:latin typeface="+mn-ea"/>
-                <a:ea typeface="+mn-ea"/>
-              </a:rPr>
-              <a:t>소품</a:t>
-            </a:r>
-            <a:endParaRPr lang="ko-KR" altLang="en-US" sz="800" dirty="0">
-              <a:latin typeface="+mn-ea"/>
-              <a:ea typeface="+mn-ea"/>
-            </a:endParaRPr>
-          </a:p>
-        </p:txBody>
-      </p:sp>
-      <p:sp>
-        <p:nvSpPr>
-          <p:cNvPr id="86" name="TextBox 85"/>
-          <p:cNvSpPr txBox="1"/>
-          <p:nvPr/>
-        </p:nvSpPr>
-        <p:spPr>
-          <a:xfrm>
-            <a:off x="4721903" y="947822"/>
-            <a:ext cx="821468" cy="215444"/>
-          </a:xfrm>
-          <a:prstGeom prst="rect">
-            <a:avLst/>
-          </a:prstGeom>
-          <a:noFill/>
-          <a:ln w="3175">
-            <a:noFill/>
-          </a:ln>
-        </p:spPr>
-        <p:txBody>
-          <a:bodyPr wrap="square" rtlCol="0">
-            <a:spAutoFit/>
-          </a:bodyPr>
-          <a:lstStyle/>
-          <a:p>
-            <a:pPr algn="ctr"/>
-            <a:r>
-              <a:rPr lang="ko-KR" altLang="en-US" sz="800" dirty="0" smtClean="0">
-                <a:latin typeface="+mn-ea"/>
-                <a:ea typeface="+mn-ea"/>
-              </a:rPr>
-              <a:t>부자재</a:t>
-            </a:r>
-            <a:endParaRPr lang="ko-KR" altLang="en-US" sz="800" dirty="0">
-              <a:latin typeface="+mn-ea"/>
-              <a:ea typeface="+mn-ea"/>
-            </a:endParaRPr>
-          </a:p>
-        </p:txBody>
-      </p:sp>
-      <p:sp>
-        <p:nvSpPr>
-          <p:cNvPr id="87" name="TextBox 86"/>
-          <p:cNvSpPr txBox="1"/>
-          <p:nvPr/>
-        </p:nvSpPr>
-        <p:spPr>
-          <a:xfrm>
-            <a:off x="1368559" y="947822"/>
-            <a:ext cx="831716" cy="215444"/>
-          </a:xfrm>
-          <a:prstGeom prst="rect">
-            <a:avLst/>
-          </a:prstGeom>
-          <a:noFill/>
-          <a:ln w="3175">
-            <a:noFill/>
-          </a:ln>
-        </p:spPr>
-        <p:txBody>
-          <a:bodyPr wrap="square" rtlCol="0">
-            <a:spAutoFit/>
-          </a:bodyPr>
-          <a:lstStyle/>
-          <a:p>
-            <a:pPr algn="ctr"/>
-            <a:r>
-              <a:rPr lang="ko-KR" altLang="en-US" sz="800" dirty="0" smtClean="0">
-                <a:latin typeface="+mn-ea"/>
-                <a:ea typeface="+mn-ea"/>
-              </a:rPr>
-              <a:t>신상</a:t>
-            </a:r>
-            <a:r>
-              <a:rPr lang="ko-KR" altLang="en-US" sz="800" dirty="0">
-                <a:latin typeface="+mn-ea"/>
-                <a:ea typeface="+mn-ea"/>
-              </a:rPr>
-              <a:t>품</a:t>
-            </a:r>
-          </a:p>
-        </p:txBody>
-      </p:sp>
-      <p:sp>
-        <p:nvSpPr>
-          <p:cNvPr id="88" name="TextBox 87"/>
-          <p:cNvSpPr txBox="1"/>
-          <p:nvPr/>
-        </p:nvSpPr>
-        <p:spPr>
-          <a:xfrm>
-            <a:off x="2200275" y="946729"/>
-            <a:ext cx="838710" cy="215444"/>
-          </a:xfrm>
-          <a:prstGeom prst="rect">
-            <a:avLst/>
-          </a:prstGeom>
-          <a:noFill/>
-          <a:ln w="3175">
-            <a:noFill/>
-          </a:ln>
-        </p:spPr>
-        <p:txBody>
-          <a:bodyPr wrap="square" rtlCol="0">
-            <a:spAutoFit/>
-          </a:bodyPr>
-          <a:lstStyle/>
-          <a:p>
-            <a:pPr algn="ctr"/>
-            <a:r>
-              <a:rPr lang="ko-KR" altLang="en-US" sz="800" dirty="0" err="1" smtClean="0">
-                <a:latin typeface="+mn-ea"/>
-                <a:ea typeface="+mn-ea"/>
-              </a:rPr>
-              <a:t>룸박스</a:t>
-            </a:r>
-            <a:endParaRPr lang="ko-KR" altLang="en-US" sz="800" dirty="0">
-              <a:latin typeface="+mn-ea"/>
-              <a:ea typeface="+mn-ea"/>
-            </a:endParaRPr>
-          </a:p>
-        </p:txBody>
-      </p:sp>
-      <p:cxnSp>
-        <p:nvCxnSpPr>
-          <p:cNvPr id="17" name="직선 연결선 16"/>
-          <p:cNvCxnSpPr/>
-          <p:nvPr/>
-        </p:nvCxnSpPr>
-        <p:spPr>
-          <a:xfrm>
-            <a:off x="1362075" y="919742"/>
-            <a:ext cx="0" cy="253741"/>
-          </a:xfrm>
-          <a:prstGeom prst="line">
-            <a:avLst/>
-          </a:prstGeom>
-          <a:ln w="3175">
-            <a:solidFill>
-              <a:schemeClr val="bg1">
-                <a:lumMod val="65000"/>
-              </a:schemeClr>
-            </a:solidFill>
-          </a:ln>
-        </p:spPr>
-        <p:style>
-          <a:lnRef idx="1">
-            <a:schemeClr val="accent1"/>
-          </a:lnRef>
-          <a:fillRef idx="0">
-            <a:schemeClr val="accent1"/>
-          </a:fillRef>
-          <a:effectRef idx="0">
-            <a:schemeClr val="accent1"/>
-          </a:effectRef>
-          <a:fontRef idx="minor">
-            <a:schemeClr val="tx1"/>
-          </a:fontRef>
-        </p:style>
-      </p:cxnSp>
-      <p:cxnSp>
-        <p:nvCxnSpPr>
-          <p:cNvPr id="93" name="직선 연결선 92"/>
-          <p:cNvCxnSpPr/>
-          <p:nvPr/>
-        </p:nvCxnSpPr>
-        <p:spPr>
-          <a:xfrm>
-            <a:off x="2200275" y="913885"/>
-            <a:ext cx="0" cy="259200"/>
-          </a:xfrm>
-          <a:prstGeom prst="line">
-            <a:avLst/>
-          </a:prstGeom>
-          <a:ln w="3175">
-            <a:solidFill>
-              <a:schemeClr val="bg1">
-                <a:lumMod val="65000"/>
-              </a:schemeClr>
-            </a:solidFill>
-          </a:ln>
-        </p:spPr>
-        <p:style>
-          <a:lnRef idx="1">
-            <a:schemeClr val="accent1"/>
-          </a:lnRef>
-          <a:fillRef idx="0">
-            <a:schemeClr val="accent1"/>
-          </a:fillRef>
-          <a:effectRef idx="0">
-            <a:schemeClr val="accent1"/>
-          </a:effectRef>
-          <a:fontRef idx="minor">
-            <a:schemeClr val="tx1"/>
-          </a:fontRef>
-        </p:style>
-      </p:cxnSp>
-      <p:cxnSp>
-        <p:nvCxnSpPr>
-          <p:cNvPr id="98" name="직선 연결선 97"/>
-          <p:cNvCxnSpPr/>
-          <p:nvPr/>
-        </p:nvCxnSpPr>
-        <p:spPr>
-          <a:xfrm>
-            <a:off x="3038985" y="916681"/>
-            <a:ext cx="0" cy="259200"/>
-          </a:xfrm>
-          <a:prstGeom prst="line">
-            <a:avLst/>
-          </a:prstGeom>
-          <a:ln w="3175">
-            <a:solidFill>
-              <a:schemeClr val="bg1">
-                <a:lumMod val="65000"/>
-              </a:schemeClr>
-            </a:solidFill>
-          </a:ln>
-        </p:spPr>
-        <p:style>
-          <a:lnRef idx="1">
-            <a:schemeClr val="accent1"/>
-          </a:lnRef>
-          <a:fillRef idx="0">
-            <a:schemeClr val="accent1"/>
-          </a:fillRef>
-          <a:effectRef idx="0">
-            <a:schemeClr val="accent1"/>
-          </a:effectRef>
-          <a:fontRef idx="minor">
-            <a:schemeClr val="tx1"/>
-          </a:fontRef>
-        </p:style>
-      </p:cxnSp>
-      <p:cxnSp>
-        <p:nvCxnSpPr>
-          <p:cNvPr id="104" name="직선 연결선 103"/>
-          <p:cNvCxnSpPr/>
-          <p:nvPr/>
-        </p:nvCxnSpPr>
-        <p:spPr>
-          <a:xfrm>
-            <a:off x="3874178" y="918154"/>
-            <a:ext cx="0" cy="259200"/>
-          </a:xfrm>
-          <a:prstGeom prst="line">
-            <a:avLst/>
-          </a:prstGeom>
-          <a:ln w="3175">
-            <a:solidFill>
-              <a:schemeClr val="bg1">
-                <a:lumMod val="65000"/>
-              </a:schemeClr>
-            </a:solidFill>
-          </a:ln>
-        </p:spPr>
-        <p:style>
-          <a:lnRef idx="1">
-            <a:schemeClr val="accent1"/>
-          </a:lnRef>
-          <a:fillRef idx="0">
-            <a:schemeClr val="accent1"/>
-          </a:fillRef>
-          <a:effectRef idx="0">
-            <a:schemeClr val="accent1"/>
-          </a:effectRef>
-          <a:fontRef idx="minor">
-            <a:schemeClr val="tx1"/>
-          </a:fontRef>
-        </p:style>
-      </p:cxnSp>
-      <p:cxnSp>
-        <p:nvCxnSpPr>
-          <p:cNvPr id="105" name="직선 연결선 104"/>
-          <p:cNvCxnSpPr/>
-          <p:nvPr/>
-        </p:nvCxnSpPr>
-        <p:spPr>
-          <a:xfrm>
-            <a:off x="4721903" y="916567"/>
-            <a:ext cx="0" cy="259200"/>
-          </a:xfrm>
-          <a:prstGeom prst="line">
-            <a:avLst/>
-          </a:prstGeom>
-          <a:ln w="3175">
-            <a:solidFill>
-              <a:schemeClr val="bg1">
-                <a:lumMod val="65000"/>
-              </a:schemeClr>
-            </a:solidFill>
-          </a:ln>
-        </p:spPr>
-        <p:style>
-          <a:lnRef idx="1">
-            <a:schemeClr val="accent1"/>
-          </a:lnRef>
-          <a:fillRef idx="0">
-            <a:schemeClr val="accent1"/>
-          </a:fillRef>
-          <a:effectRef idx="0">
-            <a:schemeClr val="accent1"/>
-          </a:effectRef>
-          <a:fontRef idx="minor">
-            <a:schemeClr val="tx1"/>
-          </a:fontRef>
-        </p:style>
-      </p:cxnSp>
-      <p:cxnSp>
-        <p:nvCxnSpPr>
-          <p:cNvPr id="106" name="직선 연결선 105"/>
-          <p:cNvCxnSpPr/>
-          <p:nvPr/>
-        </p:nvCxnSpPr>
-        <p:spPr>
-          <a:xfrm>
-            <a:off x="5543371" y="918269"/>
-            <a:ext cx="0" cy="259200"/>
-          </a:xfrm>
-          <a:prstGeom prst="line">
-            <a:avLst/>
-          </a:prstGeom>
-          <a:ln w="3175">
-            <a:solidFill>
-              <a:schemeClr val="bg1">
-                <a:lumMod val="65000"/>
-              </a:schemeClr>
-            </a:solidFill>
-          </a:ln>
-        </p:spPr>
-        <p:style>
-          <a:lnRef idx="1">
-            <a:schemeClr val="accent1"/>
-          </a:lnRef>
-          <a:fillRef idx="0">
-            <a:schemeClr val="accent1"/>
-          </a:fillRef>
-          <a:effectRef idx="0">
-            <a:schemeClr val="accent1"/>
-          </a:effectRef>
-          <a:fontRef idx="minor">
-            <a:schemeClr val="tx1"/>
-          </a:fontRef>
-        </p:style>
-      </p:cxnSp>
-      <p:sp>
-        <p:nvSpPr>
-          <p:cNvPr id="112" name="TextBox 111"/>
-          <p:cNvSpPr txBox="1"/>
-          <p:nvPr/>
-        </p:nvSpPr>
-        <p:spPr>
-          <a:xfrm>
-            <a:off x="3166999" y="3630840"/>
-            <a:ext cx="583814" cy="261610"/>
-          </a:xfrm>
-          <a:prstGeom prst="rect">
-            <a:avLst/>
-          </a:prstGeom>
-          <a:noFill/>
-          <a:ln w="3175">
-            <a:noFill/>
-          </a:ln>
-        </p:spPr>
-        <p:txBody>
-          <a:bodyPr wrap="none" rtlCol="0">
-            <a:spAutoFit/>
-          </a:bodyPr>
-          <a:lstStyle/>
-          <a:p>
-            <a:pPr algn="ctr"/>
-            <a:r>
-              <a:rPr lang="ko-KR" altLang="en-US" sz="1050" b="1" dirty="0" smtClean="0">
-                <a:solidFill>
-                  <a:schemeClr val="tx1"/>
-                </a:solidFill>
-                <a:latin typeface="+mj-ea"/>
-                <a:ea typeface="+mj-ea"/>
-              </a:rPr>
-              <a:t>베스트</a:t>
-            </a:r>
-            <a:endParaRPr lang="ko-KR" altLang="en-US" sz="1050" b="1" dirty="0">
-              <a:solidFill>
-                <a:schemeClr val="tx1"/>
-              </a:solidFill>
-              <a:latin typeface="+mj-ea"/>
-              <a:ea typeface="+mj-ea"/>
-            </a:endParaRPr>
-          </a:p>
-        </p:txBody>
-      </p:sp>
-      <p:cxnSp>
-        <p:nvCxnSpPr>
-          <p:cNvPr id="113" name="직선 연결선 112"/>
-          <p:cNvCxnSpPr/>
-          <p:nvPr/>
-        </p:nvCxnSpPr>
-        <p:spPr>
-          <a:xfrm flipH="1">
-            <a:off x="543226" y="3769340"/>
-            <a:ext cx="2587800" cy="0"/>
-          </a:xfrm>
-          <a:prstGeom prst="line">
-            <a:avLst/>
-          </a:prstGeom>
-          <a:ln w="3175">
-            <a:solidFill>
-              <a:schemeClr val="bg1">
-                <a:lumMod val="65000"/>
-              </a:schemeClr>
-            </a:solidFill>
-          </a:ln>
-        </p:spPr>
-        <p:style>
-          <a:lnRef idx="1">
-            <a:schemeClr val="accent1"/>
-          </a:lnRef>
-          <a:fillRef idx="0">
-            <a:schemeClr val="accent1"/>
-          </a:fillRef>
-          <a:effectRef idx="0">
-            <a:schemeClr val="accent1"/>
-          </a:effectRef>
-          <a:fontRef idx="minor">
-            <a:schemeClr val="tx1"/>
-          </a:fontRef>
-        </p:style>
-      </p:cxnSp>
-      <p:cxnSp>
-        <p:nvCxnSpPr>
-          <p:cNvPr id="114" name="직선 연결선 113"/>
-          <p:cNvCxnSpPr/>
-          <p:nvPr/>
-        </p:nvCxnSpPr>
-        <p:spPr>
-          <a:xfrm flipH="1">
-            <a:off x="3767740" y="3769339"/>
-            <a:ext cx="2582685" cy="0"/>
-          </a:xfrm>
-          <a:prstGeom prst="line">
-            <a:avLst/>
-          </a:prstGeom>
-          <a:ln w="3175">
-            <a:solidFill>
-              <a:schemeClr val="bg1">
-                <a:lumMod val="65000"/>
-              </a:schemeClr>
-            </a:solidFill>
-          </a:ln>
-        </p:spPr>
-        <p:style>
-          <a:lnRef idx="1">
-            <a:schemeClr val="accent1"/>
-          </a:lnRef>
-          <a:fillRef idx="0">
-            <a:schemeClr val="accent1"/>
-          </a:fillRef>
-          <a:effectRef idx="0">
-            <a:schemeClr val="accent1"/>
-          </a:effectRef>
-          <a:fontRef idx="minor">
-            <a:schemeClr val="tx1"/>
-          </a:fontRef>
-        </p:style>
-      </p:cxnSp>
-      <p:sp>
-        <p:nvSpPr>
-          <p:cNvPr id="115" name="직사각형 114"/>
-          <p:cNvSpPr/>
-          <p:nvPr/>
-        </p:nvSpPr>
-        <p:spPr>
-          <a:xfrm>
-            <a:off x="559406" y="4025345"/>
-            <a:ext cx="1080000" cy="1080000"/>
-          </a:xfrm>
-          <a:prstGeom prst="rect">
-            <a:avLst/>
-          </a:prstGeom>
-          <a:solidFill>
-            <a:schemeClr val="bg1">
-              <a:lumMod val="95000"/>
-            </a:schemeClr>
-          </a:solidFill>
-          <a:ln w="3175">
-            <a:noFill/>
-          </a:ln>
-        </p:spPr>
-        <p:style>
-          <a:lnRef idx="2">
-            <a:schemeClr val="accent1">
-              <a:shade val="50000"/>
-            </a:schemeClr>
-          </a:lnRef>
-          <a:fillRef idx="1">
-            <a:schemeClr val="accent1"/>
-          </a:fillRef>
-          <a:effectRef idx="0">
-            <a:schemeClr val="accent1"/>
-          </a:effectRef>
-          <a:fontRef idx="minor">
-            <a:schemeClr val="lt1"/>
-          </a:fontRef>
-        </p:style>
-        <p:txBody>
-          <a:bodyPr rtlCol="0" anchor="ctr"/>
-          <a:lstStyle/>
-          <a:p>
-            <a:pPr algn="ctr"/>
-            <a:endParaRPr lang="ko-KR" altLang="en-US"/>
-          </a:p>
-        </p:txBody>
-      </p:sp>
-      <p:cxnSp>
-        <p:nvCxnSpPr>
-          <p:cNvPr id="116" name="직선 연결선 115"/>
-          <p:cNvCxnSpPr/>
-          <p:nvPr/>
-        </p:nvCxnSpPr>
-        <p:spPr>
-          <a:xfrm flipV="1">
-            <a:off x="543226" y="4025345"/>
-            <a:ext cx="1080000" cy="1080001"/>
-          </a:xfrm>
-          <a:prstGeom prst="line">
-            <a:avLst/>
-          </a:prstGeom>
-          <a:ln w="3175">
-            <a:solidFill>
-              <a:schemeClr val="bg1">
-                <a:lumMod val="65000"/>
-              </a:schemeClr>
-            </a:solidFill>
-          </a:ln>
-        </p:spPr>
-        <p:style>
-          <a:lnRef idx="1">
-            <a:schemeClr val="accent1"/>
-          </a:lnRef>
-          <a:fillRef idx="0">
-            <a:schemeClr val="accent1"/>
-          </a:fillRef>
-          <a:effectRef idx="0">
-            <a:schemeClr val="accent1"/>
-          </a:effectRef>
-          <a:fontRef idx="minor">
-            <a:schemeClr val="tx1"/>
-          </a:fontRef>
-        </p:style>
-      </p:cxnSp>
-      <p:sp>
-        <p:nvSpPr>
-          <p:cNvPr id="117" name="직사각형 116"/>
-          <p:cNvSpPr/>
-          <p:nvPr/>
-        </p:nvSpPr>
-        <p:spPr>
-          <a:xfrm>
-            <a:off x="2913492" y="4025345"/>
-            <a:ext cx="1080000" cy="1080000"/>
-          </a:xfrm>
-          <a:prstGeom prst="rect">
-            <a:avLst/>
-          </a:prstGeom>
-          <a:solidFill>
-            <a:schemeClr val="bg1">
-              <a:lumMod val="95000"/>
-            </a:schemeClr>
-          </a:solidFill>
-          <a:ln w="3175">
-            <a:noFill/>
-          </a:ln>
-        </p:spPr>
-        <p:style>
-          <a:lnRef idx="2">
-            <a:schemeClr val="accent1">
-              <a:shade val="50000"/>
-            </a:schemeClr>
-          </a:lnRef>
-          <a:fillRef idx="1">
-            <a:schemeClr val="accent1"/>
-          </a:fillRef>
-          <a:effectRef idx="0">
-            <a:schemeClr val="accent1"/>
-          </a:effectRef>
-          <a:fontRef idx="minor">
-            <a:schemeClr val="lt1"/>
-          </a:fontRef>
-        </p:style>
-        <p:txBody>
-          <a:bodyPr rtlCol="0" anchor="ctr"/>
-          <a:lstStyle/>
-          <a:p>
-            <a:pPr algn="ctr"/>
-            <a:endParaRPr lang="ko-KR" altLang="en-US"/>
-          </a:p>
-        </p:txBody>
-      </p:sp>
-      <p:sp>
-        <p:nvSpPr>
-          <p:cNvPr id="118" name="직사각형 117"/>
-          <p:cNvSpPr/>
-          <p:nvPr/>
-        </p:nvSpPr>
-        <p:spPr>
-          <a:xfrm>
-            <a:off x="1738514" y="4025345"/>
-            <a:ext cx="1080000" cy="1080000"/>
-          </a:xfrm>
-          <a:prstGeom prst="rect">
-            <a:avLst/>
-          </a:prstGeom>
-          <a:solidFill>
-            <a:schemeClr val="bg1">
-              <a:lumMod val="95000"/>
-            </a:schemeClr>
-          </a:solidFill>
-          <a:ln w="3175">
-            <a:noFill/>
-          </a:ln>
-        </p:spPr>
-        <p:style>
-          <a:lnRef idx="2">
-            <a:schemeClr val="accent1">
-              <a:shade val="50000"/>
-            </a:schemeClr>
-          </a:lnRef>
-          <a:fillRef idx="1">
-            <a:schemeClr val="accent1"/>
-          </a:fillRef>
-          <a:effectRef idx="0">
-            <a:schemeClr val="accent1"/>
-          </a:effectRef>
-          <a:fontRef idx="minor">
-            <a:schemeClr val="lt1"/>
-          </a:fontRef>
-        </p:style>
-        <p:txBody>
-          <a:bodyPr rtlCol="0" anchor="ctr"/>
-          <a:lstStyle/>
-          <a:p>
-            <a:pPr algn="ctr"/>
-            <a:endParaRPr lang="ko-KR" altLang="en-US"/>
-          </a:p>
-        </p:txBody>
-      </p:sp>
-      <p:sp>
-        <p:nvSpPr>
-          <p:cNvPr id="119" name="직사각형 118"/>
-          <p:cNvSpPr/>
-          <p:nvPr/>
-        </p:nvSpPr>
-        <p:spPr>
-          <a:xfrm>
-            <a:off x="5270425" y="4025345"/>
-            <a:ext cx="1080000" cy="1080000"/>
-          </a:xfrm>
-          <a:prstGeom prst="rect">
-            <a:avLst/>
-          </a:prstGeom>
-          <a:solidFill>
-            <a:schemeClr val="bg1">
-              <a:lumMod val="95000"/>
-            </a:schemeClr>
-          </a:solidFill>
-          <a:ln w="3175">
-            <a:noFill/>
-          </a:ln>
-        </p:spPr>
-        <p:style>
-          <a:lnRef idx="2">
-            <a:schemeClr val="accent1">
-              <a:shade val="50000"/>
-            </a:schemeClr>
-          </a:lnRef>
-          <a:fillRef idx="1">
-            <a:schemeClr val="accent1"/>
-          </a:fillRef>
-          <a:effectRef idx="0">
-            <a:schemeClr val="accent1"/>
-          </a:effectRef>
-          <a:fontRef idx="minor">
-            <a:schemeClr val="lt1"/>
-          </a:fontRef>
-        </p:style>
-        <p:txBody>
-          <a:bodyPr rtlCol="0" anchor="ctr"/>
-          <a:lstStyle/>
-          <a:p>
-            <a:pPr algn="ctr"/>
-            <a:endParaRPr lang="ko-KR" altLang="en-US"/>
-          </a:p>
-        </p:txBody>
-      </p:sp>
-      <p:sp>
-        <p:nvSpPr>
-          <p:cNvPr id="120" name="직사각형 119"/>
-          <p:cNvSpPr/>
-          <p:nvPr/>
-        </p:nvSpPr>
-        <p:spPr>
-          <a:xfrm>
-            <a:off x="4086934" y="4025345"/>
-            <a:ext cx="1080000" cy="1080000"/>
-          </a:xfrm>
-          <a:prstGeom prst="rect">
-            <a:avLst/>
-          </a:prstGeom>
-          <a:solidFill>
-            <a:schemeClr val="bg1">
-              <a:lumMod val="95000"/>
-            </a:schemeClr>
-          </a:solidFill>
-          <a:ln w="3175">
-            <a:noFill/>
-          </a:ln>
-        </p:spPr>
-        <p:style>
-          <a:lnRef idx="2">
-            <a:schemeClr val="accent1">
-              <a:shade val="50000"/>
-            </a:schemeClr>
-          </a:lnRef>
-          <a:fillRef idx="1">
-            <a:schemeClr val="accent1"/>
-          </a:fillRef>
-          <a:effectRef idx="0">
-            <a:schemeClr val="accent1"/>
-          </a:effectRef>
-          <a:fontRef idx="minor">
-            <a:schemeClr val="lt1"/>
-          </a:fontRef>
-        </p:style>
-        <p:txBody>
-          <a:bodyPr rtlCol="0" anchor="ctr"/>
-          <a:lstStyle/>
-          <a:p>
-            <a:pPr algn="ctr"/>
-            <a:endParaRPr lang="ko-KR" altLang="en-US"/>
-          </a:p>
-        </p:txBody>
-      </p:sp>
-      <p:cxnSp>
-        <p:nvCxnSpPr>
-          <p:cNvPr id="121" name="직선 연결선 120"/>
-          <p:cNvCxnSpPr/>
-          <p:nvPr/>
-        </p:nvCxnSpPr>
-        <p:spPr>
-          <a:xfrm flipV="1">
-            <a:off x="1738514" y="4025345"/>
-            <a:ext cx="1080000" cy="1080001"/>
-          </a:xfrm>
-          <a:prstGeom prst="line">
-            <a:avLst/>
-          </a:prstGeom>
-          <a:ln w="3175">
-            <a:solidFill>
-              <a:schemeClr val="bg1">
-                <a:lumMod val="65000"/>
-              </a:schemeClr>
-            </a:solidFill>
-          </a:ln>
-        </p:spPr>
-        <p:style>
-          <a:lnRef idx="1">
-            <a:schemeClr val="accent1"/>
-          </a:lnRef>
-          <a:fillRef idx="0">
-            <a:schemeClr val="accent1"/>
-          </a:fillRef>
-          <a:effectRef idx="0">
-            <a:schemeClr val="accent1"/>
-          </a:effectRef>
-          <a:fontRef idx="minor">
-            <a:schemeClr val="tx1"/>
-          </a:fontRef>
-        </p:style>
-      </p:cxnSp>
-      <p:cxnSp>
-        <p:nvCxnSpPr>
-          <p:cNvPr id="125" name="직선 연결선 124"/>
-          <p:cNvCxnSpPr/>
-          <p:nvPr/>
-        </p:nvCxnSpPr>
-        <p:spPr>
-          <a:xfrm flipV="1">
-            <a:off x="2913492" y="4025345"/>
-            <a:ext cx="1080000" cy="1080001"/>
-          </a:xfrm>
-          <a:prstGeom prst="line">
-            <a:avLst/>
-          </a:prstGeom>
-          <a:ln w="3175">
-            <a:solidFill>
-              <a:schemeClr val="bg1">
-                <a:lumMod val="65000"/>
-              </a:schemeClr>
-            </a:solidFill>
-          </a:ln>
-        </p:spPr>
-        <p:style>
-          <a:lnRef idx="1">
-            <a:schemeClr val="accent1"/>
-          </a:lnRef>
-          <a:fillRef idx="0">
-            <a:schemeClr val="accent1"/>
-          </a:fillRef>
-          <a:effectRef idx="0">
-            <a:schemeClr val="accent1"/>
-          </a:effectRef>
-          <a:fontRef idx="minor">
-            <a:schemeClr val="tx1"/>
-          </a:fontRef>
-        </p:style>
-      </p:cxnSp>
-      <p:cxnSp>
-        <p:nvCxnSpPr>
-          <p:cNvPr id="129" name="직선 연결선 128"/>
-          <p:cNvCxnSpPr/>
-          <p:nvPr/>
-        </p:nvCxnSpPr>
-        <p:spPr>
-          <a:xfrm flipV="1">
-            <a:off x="4086934" y="4025345"/>
-            <a:ext cx="1080000" cy="1079321"/>
-          </a:xfrm>
-          <a:prstGeom prst="line">
-            <a:avLst/>
-          </a:prstGeom>
-          <a:ln w="3175">
-            <a:solidFill>
-              <a:schemeClr val="bg1">
-                <a:lumMod val="65000"/>
-              </a:schemeClr>
-            </a:solidFill>
-          </a:ln>
-        </p:spPr>
-        <p:style>
-          <a:lnRef idx="1">
-            <a:schemeClr val="accent1"/>
-          </a:lnRef>
-          <a:fillRef idx="0">
-            <a:schemeClr val="accent1"/>
-          </a:fillRef>
-          <a:effectRef idx="0">
-            <a:schemeClr val="accent1"/>
-          </a:effectRef>
-          <a:fontRef idx="minor">
-            <a:schemeClr val="tx1"/>
-          </a:fontRef>
-        </p:style>
-      </p:cxnSp>
-      <p:cxnSp>
-        <p:nvCxnSpPr>
-          <p:cNvPr id="130" name="직선 연결선 129"/>
-          <p:cNvCxnSpPr/>
-          <p:nvPr/>
-        </p:nvCxnSpPr>
-        <p:spPr>
-          <a:xfrm flipV="1">
-            <a:off x="5257571" y="4024665"/>
-            <a:ext cx="1080000" cy="1080001"/>
-          </a:xfrm>
-          <a:prstGeom prst="line">
-            <a:avLst/>
-          </a:prstGeom>
-          <a:ln w="3175">
-            <a:solidFill>
-              <a:schemeClr val="bg1">
-                <a:lumMod val="65000"/>
-              </a:schemeClr>
-            </a:solidFill>
-          </a:ln>
-        </p:spPr>
-        <p:style>
-          <a:lnRef idx="1">
-            <a:schemeClr val="accent1"/>
-          </a:lnRef>
-          <a:fillRef idx="0">
-            <a:schemeClr val="accent1"/>
-          </a:fillRef>
-          <a:effectRef idx="0">
-            <a:schemeClr val="accent1"/>
-          </a:effectRef>
-          <a:fontRef idx="minor">
-            <a:schemeClr val="tx1"/>
-          </a:fontRef>
-        </p:style>
-      </p:cxnSp>
-      <p:sp>
-        <p:nvSpPr>
-          <p:cNvPr id="25" name="직사각형 24"/>
-          <p:cNvSpPr/>
-          <p:nvPr/>
-        </p:nvSpPr>
-        <p:spPr>
-          <a:xfrm>
-            <a:off x="559406" y="4952946"/>
-            <a:ext cx="5791019" cy="191926"/>
-          </a:xfrm>
-          <a:prstGeom prst="rect">
-            <a:avLst/>
-          </a:prstGeom>
-          <a:solidFill>
-            <a:schemeClr val="bg1"/>
-          </a:solidFill>
-          <a:ln w="3175">
-            <a:noFill/>
-          </a:ln>
-        </p:spPr>
-        <p:style>
-          <a:lnRef idx="2">
-            <a:schemeClr val="accent1">
-              <a:shade val="50000"/>
-            </a:schemeClr>
-          </a:lnRef>
-          <a:fillRef idx="1">
-            <a:schemeClr val="accent1"/>
-          </a:fillRef>
-          <a:effectRef idx="0">
-            <a:schemeClr val="accent1"/>
-          </a:effectRef>
-          <a:fontRef idx="minor">
-            <a:schemeClr val="lt1"/>
-          </a:fontRef>
-        </p:style>
-        <p:txBody>
-          <a:bodyPr rtlCol="0" anchor="ctr"/>
-          <a:lstStyle/>
-          <a:p>
-            <a:pPr algn="ctr"/>
-            <a:endParaRPr lang="ko-KR" altLang="en-US"/>
-          </a:p>
-        </p:txBody>
-      </p:sp>
-      <p:cxnSp>
-        <p:nvCxnSpPr>
-          <p:cNvPr id="41" name="직선 연결선 40"/>
-          <p:cNvCxnSpPr/>
-          <p:nvPr/>
-        </p:nvCxnSpPr>
-        <p:spPr>
-          <a:xfrm>
-            <a:off x="550846" y="918326"/>
-            <a:ext cx="5784514" cy="0"/>
-          </a:xfrm>
-          <a:prstGeom prst="line">
-            <a:avLst/>
-          </a:prstGeom>
-          <a:ln w="3175">
-            <a:solidFill>
-              <a:schemeClr val="bg1">
-                <a:lumMod val="65000"/>
-              </a:schemeClr>
-            </a:solidFill>
-          </a:ln>
-        </p:spPr>
-        <p:style>
-          <a:lnRef idx="1">
-            <a:schemeClr val="accent1"/>
-          </a:lnRef>
-          <a:fillRef idx="0">
-            <a:schemeClr val="accent1"/>
-          </a:fillRef>
-          <a:effectRef idx="0">
-            <a:schemeClr val="accent1"/>
-          </a:effectRef>
-          <a:fontRef idx="minor">
-            <a:schemeClr val="tx1"/>
-          </a:fontRef>
-        </p:style>
-      </p:cxnSp>
-      <p:cxnSp>
-        <p:nvCxnSpPr>
-          <p:cNvPr id="137" name="직선 연결선 136"/>
-          <p:cNvCxnSpPr/>
-          <p:nvPr/>
-        </p:nvCxnSpPr>
-        <p:spPr>
-          <a:xfrm>
-            <a:off x="565911" y="1173483"/>
-            <a:ext cx="5784514" cy="0"/>
-          </a:xfrm>
-          <a:prstGeom prst="line">
-            <a:avLst/>
-          </a:prstGeom>
-          <a:ln w="3175">
-            <a:solidFill>
-              <a:schemeClr val="bg1">
-                <a:lumMod val="65000"/>
-              </a:schemeClr>
-            </a:solidFill>
-          </a:ln>
-        </p:spPr>
-        <p:style>
-          <a:lnRef idx="1">
-            <a:schemeClr val="accent1"/>
-          </a:lnRef>
-          <a:fillRef idx="0">
-            <a:schemeClr val="accent1"/>
-          </a:fillRef>
-          <a:effectRef idx="0">
-            <a:schemeClr val="accent1"/>
-          </a:effectRef>
-          <a:fontRef idx="minor">
-            <a:schemeClr val="tx1"/>
-          </a:fontRef>
-        </p:style>
-      </p:cxnSp>
-      <p:sp>
-        <p:nvSpPr>
-          <p:cNvPr id="190" name="Google Shape;190;p14"/>
-          <p:cNvSpPr/>
-          <p:nvPr/>
-        </p:nvSpPr>
-        <p:spPr>
-          <a:xfrm>
-            <a:off x="254288" y="4025345"/>
-            <a:ext cx="216024" cy="216024"/>
-          </a:xfrm>
-          <a:prstGeom prst="roundRect">
-            <a:avLst>
-              <a:gd name="adj" fmla="val 16667"/>
-            </a:avLst>
-          </a:prstGeom>
-          <a:solidFill>
-            <a:srgbClr val="E36C09"/>
-          </a:solidFill>
-          <a:ln w="3175">
-            <a:noFill/>
-          </a:ln>
-        </p:spPr>
-        <p:txBody>
-          <a:bodyPr spcFirstLastPara="1" wrap="square" lIns="0" tIns="45700" rIns="0" bIns="45700" anchor="ctr" anchorCtr="0">
-            <a:noAutofit/>
-          </a:bodyPr>
-          <a:lstStyle/>
-          <a:p>
-            <a:pPr marL="0" marR="0" lvl="0" indent="0" algn="ctr" rtl="0">
-              <a:spcBef>
-                <a:spcPts val="0"/>
-              </a:spcBef>
-              <a:spcAft>
-                <a:spcPts val="0"/>
-              </a:spcAft>
-              <a:buNone/>
-            </a:pPr>
-            <a:r>
-              <a:rPr lang="en-US" sz="1050" b="1" dirty="0">
-                <a:solidFill>
-                  <a:schemeClr val="lt1"/>
-                </a:solidFill>
-                <a:latin typeface="Arial"/>
-                <a:ea typeface="Arial"/>
-                <a:cs typeface="Arial"/>
-                <a:sym typeface="Arial"/>
-              </a:rPr>
-              <a:t>3</a:t>
-            </a:r>
-            <a:endParaRPr sz="1050" b="1" dirty="0">
-              <a:solidFill>
-                <a:schemeClr val="lt1"/>
-              </a:solidFill>
-              <a:latin typeface="Arial"/>
-              <a:ea typeface="Arial"/>
-              <a:cs typeface="Arial"/>
-              <a:sym typeface="Arial"/>
-            </a:endParaRPr>
-          </a:p>
-        </p:txBody>
-      </p:sp>
-      <p:sp>
-        <p:nvSpPr>
-          <p:cNvPr id="53" name="Google Shape;218;p15"/>
-          <p:cNvSpPr/>
-          <p:nvPr/>
-        </p:nvSpPr>
-        <p:spPr>
-          <a:xfrm>
-            <a:off x="511476" y="306307"/>
-            <a:ext cx="5923249" cy="950331"/>
-          </a:xfrm>
-          <a:prstGeom prst="roundRect">
-            <a:avLst>
-              <a:gd name="adj" fmla="val 9813"/>
-            </a:avLst>
-          </a:prstGeom>
-          <a:noFill/>
-          <a:ln w="9525" cap="flat" cmpd="sng">
-            <a:solidFill>
-              <a:schemeClr val="accent6">
-                <a:lumMod val="75000"/>
-              </a:schemeClr>
-            </a:solidFill>
-            <a:prstDash val="solid"/>
-            <a:round/>
-            <a:headEnd type="none" w="sm" len="sm"/>
-            <a:tailEnd type="none" w="sm" len="sm"/>
-          </a:ln>
-        </p:spPr>
-        <p:txBody>
-          <a:bodyPr spcFirstLastPara="1" wrap="square" lIns="91425" tIns="45700" rIns="91425" bIns="45700" anchor="ctr" anchorCtr="0">
-            <a:noAutofit/>
-          </a:bodyPr>
-          <a:lstStyle/>
-          <a:p>
-            <a:pPr marL="0" marR="0" lvl="0" indent="0" algn="l" rtl="0">
-              <a:spcBef>
-                <a:spcPts val="0"/>
-              </a:spcBef>
-              <a:spcAft>
-                <a:spcPts val="0"/>
-              </a:spcAft>
-              <a:buNone/>
-            </a:pPr>
-            <a:endParaRPr sz="700">
-              <a:solidFill>
-                <a:srgbClr val="953734"/>
-              </a:solidFill>
-              <a:latin typeface="Arial"/>
-              <a:ea typeface="Arial"/>
-              <a:cs typeface="Arial"/>
-              <a:sym typeface="Arial"/>
-            </a:endParaRPr>
-          </a:p>
-        </p:txBody>
-      </p:sp>
-      <p:sp>
-        <p:nvSpPr>
-          <p:cNvPr id="52" name="Google Shape;218;p15"/>
-          <p:cNvSpPr/>
-          <p:nvPr/>
-        </p:nvSpPr>
-        <p:spPr>
-          <a:xfrm>
-            <a:off x="504499" y="3892450"/>
-            <a:ext cx="5923249" cy="1156459"/>
-          </a:xfrm>
-          <a:prstGeom prst="roundRect">
-            <a:avLst>
-              <a:gd name="adj" fmla="val 9813"/>
-            </a:avLst>
-          </a:prstGeom>
-          <a:noFill/>
-          <a:ln w="9525" cap="flat" cmpd="sng">
-            <a:solidFill>
-              <a:schemeClr val="accent6">
-                <a:lumMod val="75000"/>
-              </a:schemeClr>
-            </a:solidFill>
-            <a:prstDash val="solid"/>
-            <a:round/>
-            <a:headEnd type="none" w="sm" len="sm"/>
-            <a:tailEnd type="none" w="sm" len="sm"/>
-          </a:ln>
-        </p:spPr>
-        <p:txBody>
-          <a:bodyPr spcFirstLastPara="1" wrap="square" lIns="91425" tIns="45700" rIns="91425" bIns="45700" anchor="ctr" anchorCtr="0">
-            <a:noAutofit/>
-          </a:bodyPr>
-          <a:lstStyle/>
-          <a:p>
-            <a:pPr marL="0" marR="0" lvl="0" indent="0" algn="l" rtl="0">
-              <a:spcBef>
-                <a:spcPts val="0"/>
-              </a:spcBef>
-              <a:spcAft>
-                <a:spcPts val="0"/>
-              </a:spcAft>
-              <a:buNone/>
-            </a:pPr>
-            <a:endParaRPr sz="700">
-              <a:solidFill>
-                <a:srgbClr val="953734"/>
-              </a:solidFill>
-              <a:latin typeface="Arial"/>
-              <a:ea typeface="Arial"/>
-              <a:cs typeface="Arial"/>
-              <a:sym typeface="Arial"/>
-            </a:endParaRPr>
-          </a:p>
-        </p:txBody>
-      </p:sp>
-      <p:sp>
-        <p:nvSpPr>
-          <p:cNvPr id="56" name="타원 55"/>
-          <p:cNvSpPr/>
-          <p:nvPr/>
-        </p:nvSpPr>
-        <p:spPr>
-          <a:xfrm>
-            <a:off x="6429450" y="4577952"/>
-            <a:ext cx="288000" cy="288000"/>
+            <a:off x="6524148" y="2666365"/>
+            <a:ext cx="71438" cy="71438"/>
           </a:xfrm>
           <a:prstGeom prst="ellipse">
-            <a:avLst/>
-          </a:prstGeom>
-          <a:solidFill>
-            <a:schemeClr val="bg1">
-              <a:lumMod val="95000"/>
-            </a:schemeClr>
-          </a:solidFill>
-          <a:ln w="3175">
-            <a:noFill/>
-          </a:ln>
-        </p:spPr>
-        <p:style>
-          <a:lnRef idx="2">
-            <a:schemeClr val="accent1">
-              <a:shade val="50000"/>
-            </a:schemeClr>
-          </a:lnRef>
-          <a:fillRef idx="1">
-            <a:schemeClr val="accent1"/>
-          </a:fillRef>
-          <a:effectRef idx="0">
-            <a:schemeClr val="accent1"/>
-          </a:effectRef>
-          <a:fontRef idx="minor">
-            <a:schemeClr val="lt1"/>
-          </a:fontRef>
-        </p:style>
-        <p:txBody>
-          <a:bodyPr rtlCol="0" anchor="ctr"/>
-          <a:lstStyle/>
-          <a:p>
-            <a:pPr algn="ctr"/>
-            <a:endParaRPr lang="ko-KR" altLang="en-US"/>
-          </a:p>
-        </p:txBody>
-      </p:sp>
-      <p:sp>
-        <p:nvSpPr>
-          <p:cNvPr id="55" name="Google Shape;190;p14"/>
-          <p:cNvSpPr/>
-          <p:nvPr/>
-        </p:nvSpPr>
-        <p:spPr>
-          <a:xfrm>
-            <a:off x="6569174" y="4494032"/>
-            <a:ext cx="216024" cy="216024"/>
-          </a:xfrm>
-          <a:prstGeom prst="roundRect">
-            <a:avLst>
-              <a:gd name="adj" fmla="val 16667"/>
-            </a:avLst>
-          </a:prstGeom>
-          <a:solidFill>
-            <a:srgbClr val="E36C09"/>
-          </a:solidFill>
-          <a:ln w="3175">
-            <a:noFill/>
-          </a:ln>
-        </p:spPr>
-        <p:txBody>
-          <a:bodyPr spcFirstLastPara="1" wrap="square" lIns="0" tIns="45700" rIns="0" bIns="45700" anchor="ctr" anchorCtr="0">
-            <a:noAutofit/>
-          </a:bodyPr>
-          <a:lstStyle/>
-          <a:p>
-            <a:pPr marL="0" marR="0" lvl="0" indent="0" algn="ctr" rtl="0">
-              <a:spcBef>
-                <a:spcPts val="0"/>
-              </a:spcBef>
-              <a:spcAft>
-                <a:spcPts val="0"/>
-              </a:spcAft>
-              <a:buNone/>
-            </a:pPr>
-            <a:r>
-              <a:rPr lang="en-US" sz="1050" b="1" dirty="0" smtClean="0">
-                <a:solidFill>
-                  <a:schemeClr val="lt1"/>
-                </a:solidFill>
-                <a:latin typeface="Arial"/>
-                <a:ea typeface="Arial"/>
-                <a:cs typeface="Arial"/>
-                <a:sym typeface="Arial"/>
-              </a:rPr>
-              <a:t>4</a:t>
-            </a:r>
-            <a:endParaRPr sz="1050" b="1" dirty="0">
-              <a:solidFill>
-                <a:schemeClr val="lt1"/>
-              </a:solidFill>
-              <a:latin typeface="Arial"/>
-              <a:ea typeface="Arial"/>
-              <a:cs typeface="Arial"/>
-              <a:sym typeface="Arial"/>
-            </a:endParaRPr>
-          </a:p>
-        </p:txBody>
-      </p:sp>
-    </p:spTree>
-  </p:cSld>
-  <p:clrMapOvr>
-    <a:masterClrMapping/>
-  </p:clrMapOvr>
-</p:sld>
-</file>
-
-<file path=ppt/slides/slide11.xml><?xml version="1.0" encoding="utf-8"?>
-<p:sld xmlns:a="http://schemas.openxmlformats.org/drawingml/2006/main" xmlns:r="http://schemas.openxmlformats.org/officeDocument/2006/relationships" xmlns:p="http://schemas.openxmlformats.org/presentationml/2006/main">
-  <p:cSld>
-    <p:spTree>
-      <p:nvGrpSpPr>
-        <p:cNvPr id="1" name="Shape 146"/>
-        <p:cNvGrpSpPr/>
-        <p:nvPr/>
-      </p:nvGrpSpPr>
-      <p:grpSpPr>
-        <a:xfrm>
-          <a:off x="0" y="0"/>
-          <a:ext cx="0" cy="0"/>
-          <a:chOff x="0" y="0"/>
-          <a:chExt cx="0" cy="0"/>
-        </a:xfrm>
-      </p:grpSpPr>
-      <p:sp>
-        <p:nvSpPr>
-          <p:cNvPr id="68" name="Google Shape;147;p14"/>
-          <p:cNvSpPr/>
-          <p:nvPr/>
-        </p:nvSpPr>
-        <p:spPr>
-          <a:xfrm>
-            <a:off x="102927" y="319935"/>
-            <a:ext cx="6708373" cy="4628079"/>
-          </a:xfrm>
-          <a:prstGeom prst="rect">
-            <a:avLst/>
-          </a:prstGeom>
-          <a:solidFill>
-            <a:schemeClr val="lt1">
-              <a:alpha val="69803"/>
-            </a:schemeClr>
-          </a:solidFill>
-          <a:ln w="3175" cap="flat" cmpd="sng">
-            <a:solidFill>
-              <a:srgbClr val="A5A5A5"/>
-            </a:solidFill>
-            <a:prstDash val="solid"/>
-            <a:round/>
-            <a:headEnd type="none" w="sm" len="sm"/>
-            <a:tailEnd type="none" w="sm" len="sm"/>
-          </a:ln>
-        </p:spPr>
-        <p:txBody>
-          <a:bodyPr spcFirstLastPara="1" wrap="square" lIns="91425" tIns="45700" rIns="91425" bIns="45700" anchor="ctr" anchorCtr="0">
-            <a:noAutofit/>
-          </a:bodyPr>
-          <a:lstStyle/>
-          <a:p>
-            <a:pPr marL="0" marR="0" lvl="0" indent="0" algn="ctr" rtl="0">
-              <a:spcBef>
-                <a:spcPts val="0"/>
-              </a:spcBef>
-              <a:spcAft>
-                <a:spcPts val="0"/>
-              </a:spcAft>
-              <a:buNone/>
-            </a:pPr>
-            <a:endParaRPr sz="1800">
-              <a:solidFill>
-                <a:srgbClr val="FFFFFF"/>
-              </a:solidFill>
-              <a:latin typeface="Arial"/>
-              <a:ea typeface="Arial"/>
-              <a:cs typeface="Arial"/>
-              <a:sym typeface="Arial"/>
-            </a:endParaRPr>
-          </a:p>
-        </p:txBody>
-      </p:sp>
-      <p:sp>
-        <p:nvSpPr>
-          <p:cNvPr id="152" name="Google Shape;152;p14"/>
-          <p:cNvSpPr txBox="1">
-            <a:spLocks noGrp="1"/>
-          </p:cNvSpPr>
-          <p:nvPr>
-            <p:ph type="sldNum" idx="12"/>
-          </p:nvPr>
-        </p:nvSpPr>
-        <p:spPr>
-          <a:xfrm>
-            <a:off x="8594576" y="0"/>
-            <a:ext cx="549424" cy="274637"/>
-          </a:xfrm>
-          <a:prstGeom prst="rect">
-            <a:avLst/>
-          </a:prstGeom>
-          <a:noFill/>
-          <a:ln>
-            <a:noFill/>
-          </a:ln>
-        </p:spPr>
-        <p:txBody>
-          <a:bodyPr spcFirstLastPara="1" wrap="square" lIns="91425" tIns="45700" rIns="91425" bIns="45700" anchor="ctr" anchorCtr="0">
-            <a:noAutofit/>
-          </a:bodyPr>
-          <a:lstStyle/>
-          <a:p>
-            <a:pPr marL="0" marR="0" lvl="0" indent="0" algn="r" rtl="0">
-              <a:spcBef>
-                <a:spcPts val="0"/>
-              </a:spcBef>
-              <a:spcAft>
-                <a:spcPts val="0"/>
-              </a:spcAft>
-              <a:buNone/>
-            </a:pPr>
-            <a:fld id="{00000000-1234-1234-1234-123412341234}" type="slidenum">
-              <a:rPr lang="en-US" sz="1000">
-                <a:solidFill>
-                  <a:srgbClr val="7F7F7F"/>
-                </a:solidFill>
-                <a:latin typeface="Arial"/>
-                <a:ea typeface="Arial"/>
-                <a:cs typeface="Arial"/>
-                <a:sym typeface="Arial"/>
-              </a:rPr>
-              <a:t>11</a:t>
-            </a:fld>
-            <a:endParaRPr sz="1000">
-              <a:solidFill>
-                <a:srgbClr val="7F7F7F"/>
-              </a:solidFill>
-              <a:latin typeface="Arial"/>
-              <a:ea typeface="Arial"/>
-              <a:cs typeface="Arial"/>
-              <a:sym typeface="Arial"/>
-            </a:endParaRPr>
-          </a:p>
-        </p:txBody>
-      </p:sp>
-      <p:sp>
-        <p:nvSpPr>
-          <p:cNvPr id="155" name="Google Shape;155;p14"/>
-          <p:cNvSpPr txBox="1">
-            <a:spLocks noGrp="1"/>
-          </p:cNvSpPr>
-          <p:nvPr>
-            <p:ph type="body" idx="4294967295"/>
-          </p:nvPr>
-        </p:nvSpPr>
-        <p:spPr>
-          <a:xfrm>
-            <a:off x="395858" y="12700"/>
-            <a:ext cx="1007790" cy="287486"/>
-          </a:xfrm>
-          <a:prstGeom prst="rect">
-            <a:avLst/>
-          </a:prstGeom>
-          <a:noFill/>
-          <a:ln>
-            <a:noFill/>
-          </a:ln>
-        </p:spPr>
-        <p:txBody>
-          <a:bodyPr spcFirstLastPara="1" wrap="square" lIns="0" tIns="45700" rIns="0" bIns="45700" anchor="t" anchorCtr="0">
-            <a:noAutofit/>
-          </a:bodyPr>
-          <a:lstStyle/>
-          <a:p>
-            <a:pPr marL="342900" marR="0" lvl="0" indent="-342900" algn="l" rtl="0">
-              <a:spcBef>
-                <a:spcPts val="0"/>
-              </a:spcBef>
-              <a:spcAft>
-                <a:spcPts val="0"/>
-              </a:spcAft>
-              <a:buClr>
-                <a:schemeClr val="lt1"/>
-              </a:buClr>
-              <a:buSzPts val="1000"/>
-              <a:buFont typeface="Arial"/>
-              <a:buNone/>
-            </a:pPr>
-            <a:r>
-              <a:rPr lang="en-US" sz="1000" b="1" i="0" u="none" strike="noStrike" cap="none" dirty="0">
-                <a:solidFill>
-                  <a:schemeClr val="lt1"/>
-                </a:solidFill>
-                <a:latin typeface="Arial"/>
-                <a:ea typeface="Arial"/>
-                <a:cs typeface="Arial"/>
-                <a:sym typeface="Arial"/>
-              </a:rPr>
-              <a:t>2.1</a:t>
-            </a:r>
-            <a:endParaRPr sz="1000" b="1" i="0" u="none" strike="noStrike" cap="none" dirty="0">
-              <a:solidFill>
-                <a:schemeClr val="lt1"/>
-              </a:solidFill>
-              <a:latin typeface="Arial"/>
-              <a:ea typeface="Arial"/>
-              <a:cs typeface="Arial"/>
-              <a:sym typeface="Arial"/>
-            </a:endParaRPr>
-          </a:p>
-        </p:txBody>
-      </p:sp>
-      <p:sp>
-        <p:nvSpPr>
-          <p:cNvPr id="8" name="제목 7"/>
-          <p:cNvSpPr>
-            <a:spLocks noGrp="1"/>
-          </p:cNvSpPr>
-          <p:nvPr>
-            <p:ph type="title"/>
-          </p:nvPr>
-        </p:nvSpPr>
-        <p:spPr>
-          <a:xfrm>
-            <a:off x="1356023" y="-31410"/>
-            <a:ext cx="4954302" cy="292075"/>
-          </a:xfrm>
-          <a:prstGeom prst="rect">
-            <a:avLst/>
-          </a:prstGeom>
-        </p:spPr>
-        <p:txBody>
-          <a:bodyPr/>
-          <a:lstStyle/>
-          <a:p>
-            <a:r>
-              <a:rPr lang="en-US" altLang="ko-KR" dirty="0"/>
-              <a:t>MAIN</a:t>
-            </a:r>
-            <a:endParaRPr lang="ko-KR" altLang="en-US" dirty="0"/>
-          </a:p>
-        </p:txBody>
-      </p:sp>
-      <p:sp>
-        <p:nvSpPr>
-          <p:cNvPr id="115" name="직사각형 114"/>
-          <p:cNvSpPr/>
-          <p:nvPr/>
-        </p:nvSpPr>
-        <p:spPr>
-          <a:xfrm>
-            <a:off x="565121" y="324696"/>
-            <a:ext cx="1080000" cy="220065"/>
-          </a:xfrm>
-          <a:prstGeom prst="rect">
-            <a:avLst/>
-          </a:prstGeom>
-          <a:solidFill>
-            <a:schemeClr val="bg1">
-              <a:lumMod val="95000"/>
-            </a:schemeClr>
-          </a:solidFill>
-          <a:ln>
-            <a:noFill/>
-          </a:ln>
-        </p:spPr>
-        <p:style>
-          <a:lnRef idx="2">
-            <a:schemeClr val="accent1">
-              <a:shade val="50000"/>
-            </a:schemeClr>
-          </a:lnRef>
-          <a:fillRef idx="1">
-            <a:schemeClr val="accent1"/>
-          </a:fillRef>
-          <a:effectRef idx="0">
-            <a:schemeClr val="accent1"/>
-          </a:effectRef>
-          <a:fontRef idx="minor">
-            <a:schemeClr val="lt1"/>
-          </a:fontRef>
-        </p:style>
-        <p:txBody>
-          <a:bodyPr rtlCol="0" anchor="ctr"/>
-          <a:lstStyle/>
-          <a:p>
-            <a:pPr algn="ctr"/>
-            <a:endParaRPr lang="ko-KR" altLang="en-US"/>
-          </a:p>
-        </p:txBody>
-      </p:sp>
-      <p:cxnSp>
-        <p:nvCxnSpPr>
-          <p:cNvPr id="116" name="직선 연결선 115"/>
-          <p:cNvCxnSpPr/>
-          <p:nvPr/>
-        </p:nvCxnSpPr>
-        <p:spPr>
-          <a:xfrm flipV="1">
-            <a:off x="557501" y="326071"/>
-            <a:ext cx="1080000" cy="218690"/>
-          </a:xfrm>
-          <a:prstGeom prst="line">
-            <a:avLst/>
-          </a:prstGeom>
-          <a:ln w="3175">
-            <a:solidFill>
-              <a:schemeClr val="bg1">
-                <a:lumMod val="65000"/>
-              </a:schemeClr>
-            </a:solidFill>
-          </a:ln>
-        </p:spPr>
-        <p:style>
-          <a:lnRef idx="1">
-            <a:schemeClr val="accent1"/>
-          </a:lnRef>
-          <a:fillRef idx="0">
-            <a:schemeClr val="accent1"/>
-          </a:fillRef>
-          <a:effectRef idx="0">
-            <a:schemeClr val="accent1"/>
-          </a:effectRef>
-          <a:fontRef idx="minor">
-            <a:schemeClr val="tx1"/>
-          </a:fontRef>
-        </p:style>
-      </p:cxnSp>
-      <p:sp>
-        <p:nvSpPr>
-          <p:cNvPr id="56" name="직사각형 55"/>
-          <p:cNvSpPr/>
-          <p:nvPr/>
-        </p:nvSpPr>
-        <p:spPr>
-          <a:xfrm>
-            <a:off x="1735828" y="326071"/>
-            <a:ext cx="1080000" cy="220065"/>
-          </a:xfrm>
-          <a:prstGeom prst="rect">
-            <a:avLst/>
-          </a:prstGeom>
-          <a:solidFill>
-            <a:schemeClr val="bg1">
-              <a:lumMod val="95000"/>
-            </a:schemeClr>
-          </a:solidFill>
-          <a:ln>
-            <a:noFill/>
-          </a:ln>
-        </p:spPr>
-        <p:style>
-          <a:lnRef idx="2">
-            <a:schemeClr val="accent1">
-              <a:shade val="50000"/>
-            </a:schemeClr>
-          </a:lnRef>
-          <a:fillRef idx="1">
-            <a:schemeClr val="accent1"/>
-          </a:fillRef>
-          <a:effectRef idx="0">
-            <a:schemeClr val="accent1"/>
-          </a:effectRef>
-          <a:fontRef idx="minor">
-            <a:schemeClr val="lt1"/>
-          </a:fontRef>
-        </p:style>
-        <p:txBody>
-          <a:bodyPr rtlCol="0" anchor="ctr"/>
-          <a:lstStyle/>
-          <a:p>
-            <a:pPr algn="ctr"/>
-            <a:endParaRPr lang="ko-KR" altLang="en-US"/>
-          </a:p>
-        </p:txBody>
-      </p:sp>
-      <p:cxnSp>
-        <p:nvCxnSpPr>
-          <p:cNvPr id="57" name="직선 연결선 56"/>
-          <p:cNvCxnSpPr/>
-          <p:nvPr/>
-        </p:nvCxnSpPr>
-        <p:spPr>
-          <a:xfrm flipV="1">
-            <a:off x="1735828" y="327446"/>
-            <a:ext cx="1080000" cy="218690"/>
-          </a:xfrm>
-          <a:prstGeom prst="line">
-            <a:avLst/>
-          </a:prstGeom>
-          <a:ln w="3175">
-            <a:solidFill>
-              <a:schemeClr val="bg1">
-                <a:lumMod val="65000"/>
-              </a:schemeClr>
-            </a:solidFill>
-          </a:ln>
-        </p:spPr>
-        <p:style>
-          <a:lnRef idx="1">
-            <a:schemeClr val="accent1"/>
-          </a:lnRef>
-          <a:fillRef idx="0">
-            <a:schemeClr val="accent1"/>
-          </a:fillRef>
-          <a:effectRef idx="0">
-            <a:schemeClr val="accent1"/>
-          </a:effectRef>
-          <a:fontRef idx="minor">
-            <a:schemeClr val="tx1"/>
-          </a:fontRef>
-        </p:style>
-      </p:cxnSp>
-      <p:sp>
-        <p:nvSpPr>
-          <p:cNvPr id="70" name="직사각형 69"/>
-          <p:cNvSpPr/>
-          <p:nvPr/>
-        </p:nvSpPr>
-        <p:spPr>
-          <a:xfrm>
-            <a:off x="2903186" y="327446"/>
-            <a:ext cx="1080000" cy="220065"/>
-          </a:xfrm>
-          <a:prstGeom prst="rect">
-            <a:avLst/>
-          </a:prstGeom>
-          <a:solidFill>
-            <a:schemeClr val="bg1">
-              <a:lumMod val="95000"/>
-            </a:schemeClr>
-          </a:solidFill>
-          <a:ln>
-            <a:noFill/>
-          </a:ln>
-        </p:spPr>
-        <p:style>
-          <a:lnRef idx="2">
-            <a:schemeClr val="accent1">
-              <a:shade val="50000"/>
-            </a:schemeClr>
-          </a:lnRef>
-          <a:fillRef idx="1">
-            <a:schemeClr val="accent1"/>
-          </a:fillRef>
-          <a:effectRef idx="0">
-            <a:schemeClr val="accent1"/>
-          </a:effectRef>
-          <a:fontRef idx="minor">
-            <a:schemeClr val="lt1"/>
-          </a:fontRef>
-        </p:style>
-        <p:txBody>
-          <a:bodyPr rtlCol="0" anchor="ctr"/>
-          <a:lstStyle/>
-          <a:p>
-            <a:pPr algn="ctr"/>
-            <a:endParaRPr lang="ko-KR" altLang="en-US"/>
-          </a:p>
-        </p:txBody>
-      </p:sp>
-      <p:cxnSp>
-        <p:nvCxnSpPr>
-          <p:cNvPr id="71" name="직선 연결선 70"/>
-          <p:cNvCxnSpPr/>
-          <p:nvPr/>
-        </p:nvCxnSpPr>
-        <p:spPr>
-          <a:xfrm flipV="1">
-            <a:off x="2903186" y="328821"/>
-            <a:ext cx="1080000" cy="218690"/>
-          </a:xfrm>
-          <a:prstGeom prst="line">
-            <a:avLst/>
-          </a:prstGeom>
-          <a:ln w="3175">
-            <a:solidFill>
-              <a:schemeClr val="bg1">
-                <a:lumMod val="65000"/>
-              </a:schemeClr>
-            </a:solidFill>
-          </a:ln>
-        </p:spPr>
-        <p:style>
-          <a:lnRef idx="1">
-            <a:schemeClr val="accent1"/>
-          </a:lnRef>
-          <a:fillRef idx="0">
-            <a:schemeClr val="accent1"/>
-          </a:fillRef>
-          <a:effectRef idx="0">
-            <a:schemeClr val="accent1"/>
-          </a:effectRef>
-          <a:fontRef idx="minor">
-            <a:schemeClr val="tx1"/>
-          </a:fontRef>
-        </p:style>
-      </p:cxnSp>
-      <p:sp>
-        <p:nvSpPr>
-          <p:cNvPr id="72" name="직사각형 71"/>
-          <p:cNvSpPr/>
-          <p:nvPr/>
-        </p:nvSpPr>
-        <p:spPr>
-          <a:xfrm>
-            <a:off x="4069008" y="328821"/>
-            <a:ext cx="1080000" cy="220065"/>
-          </a:xfrm>
-          <a:prstGeom prst="rect">
-            <a:avLst/>
-          </a:prstGeom>
-          <a:solidFill>
-            <a:schemeClr val="bg1">
-              <a:lumMod val="95000"/>
-            </a:schemeClr>
-          </a:solidFill>
-          <a:ln>
-            <a:noFill/>
-          </a:ln>
-        </p:spPr>
-        <p:style>
-          <a:lnRef idx="2">
-            <a:schemeClr val="accent1">
-              <a:shade val="50000"/>
-            </a:schemeClr>
-          </a:lnRef>
-          <a:fillRef idx="1">
-            <a:schemeClr val="accent1"/>
-          </a:fillRef>
-          <a:effectRef idx="0">
-            <a:schemeClr val="accent1"/>
-          </a:effectRef>
-          <a:fontRef idx="minor">
-            <a:schemeClr val="lt1"/>
-          </a:fontRef>
-        </p:style>
-        <p:txBody>
-          <a:bodyPr rtlCol="0" anchor="ctr"/>
-          <a:lstStyle/>
-          <a:p>
-            <a:pPr algn="ctr"/>
-            <a:endParaRPr lang="ko-KR" altLang="en-US"/>
-          </a:p>
-        </p:txBody>
-      </p:sp>
-      <p:cxnSp>
-        <p:nvCxnSpPr>
-          <p:cNvPr id="73" name="직선 연결선 72"/>
-          <p:cNvCxnSpPr/>
-          <p:nvPr/>
-        </p:nvCxnSpPr>
-        <p:spPr>
-          <a:xfrm flipV="1">
-            <a:off x="4069008" y="330196"/>
-            <a:ext cx="1080000" cy="218690"/>
-          </a:xfrm>
-          <a:prstGeom prst="line">
-            <a:avLst/>
-          </a:prstGeom>
-          <a:ln w="3175">
-            <a:solidFill>
-              <a:schemeClr val="bg1">
-                <a:lumMod val="65000"/>
-              </a:schemeClr>
-            </a:solidFill>
-          </a:ln>
-        </p:spPr>
-        <p:style>
-          <a:lnRef idx="1">
-            <a:schemeClr val="accent1"/>
-          </a:lnRef>
-          <a:fillRef idx="0">
-            <a:schemeClr val="accent1"/>
-          </a:fillRef>
-          <a:effectRef idx="0">
-            <a:schemeClr val="accent1"/>
-          </a:effectRef>
-          <a:fontRef idx="minor">
-            <a:schemeClr val="tx1"/>
-          </a:fontRef>
-        </p:style>
-      </p:cxnSp>
-      <p:sp>
-        <p:nvSpPr>
-          <p:cNvPr id="74" name="직사각형 73"/>
-          <p:cNvSpPr/>
-          <p:nvPr/>
-        </p:nvSpPr>
-        <p:spPr>
-          <a:xfrm>
-            <a:off x="5260119" y="326070"/>
-            <a:ext cx="1080000" cy="220065"/>
-          </a:xfrm>
-          <a:prstGeom prst="rect">
-            <a:avLst/>
-          </a:prstGeom>
-          <a:solidFill>
-            <a:schemeClr val="bg1">
-              <a:lumMod val="95000"/>
-            </a:schemeClr>
-          </a:solidFill>
-          <a:ln>
-            <a:noFill/>
-          </a:ln>
-        </p:spPr>
-        <p:style>
-          <a:lnRef idx="2">
-            <a:schemeClr val="accent1">
-              <a:shade val="50000"/>
-            </a:schemeClr>
-          </a:lnRef>
-          <a:fillRef idx="1">
-            <a:schemeClr val="accent1"/>
-          </a:fillRef>
-          <a:effectRef idx="0">
-            <a:schemeClr val="accent1"/>
-          </a:effectRef>
-          <a:fontRef idx="minor">
-            <a:schemeClr val="lt1"/>
-          </a:fontRef>
-        </p:style>
-        <p:txBody>
-          <a:bodyPr rtlCol="0" anchor="ctr"/>
-          <a:lstStyle/>
-          <a:p>
-            <a:pPr algn="ctr"/>
-            <a:endParaRPr lang="ko-KR" altLang="en-US"/>
-          </a:p>
-        </p:txBody>
-      </p:sp>
-      <p:cxnSp>
-        <p:nvCxnSpPr>
-          <p:cNvPr id="75" name="직선 연결선 74"/>
-          <p:cNvCxnSpPr/>
-          <p:nvPr/>
-        </p:nvCxnSpPr>
-        <p:spPr>
-          <a:xfrm flipV="1">
-            <a:off x="5260119" y="327445"/>
-            <a:ext cx="1080000" cy="218690"/>
-          </a:xfrm>
-          <a:prstGeom prst="line">
-            <a:avLst/>
-          </a:prstGeom>
-          <a:ln w="3175">
-            <a:solidFill>
-              <a:schemeClr val="bg1">
-                <a:lumMod val="65000"/>
-              </a:schemeClr>
-            </a:solidFill>
-          </a:ln>
-        </p:spPr>
-        <p:style>
-          <a:lnRef idx="1">
-            <a:schemeClr val="accent1"/>
-          </a:lnRef>
-          <a:fillRef idx="0">
-            <a:schemeClr val="accent1"/>
-          </a:fillRef>
-          <a:effectRef idx="0">
-            <a:schemeClr val="accent1"/>
-          </a:effectRef>
-          <a:fontRef idx="minor">
-            <a:schemeClr val="tx1"/>
-          </a:fontRef>
-        </p:style>
-      </p:cxnSp>
-      <p:sp>
-        <p:nvSpPr>
-          <p:cNvPr id="76" name="TextBox 75"/>
-          <p:cNvSpPr txBox="1"/>
-          <p:nvPr/>
-        </p:nvSpPr>
-        <p:spPr>
-          <a:xfrm>
-            <a:off x="570055" y="531212"/>
-            <a:ext cx="1063820" cy="292388"/>
-          </a:xfrm>
-          <a:prstGeom prst="rect">
-            <a:avLst/>
-          </a:prstGeom>
-          <a:noFill/>
-        </p:spPr>
-        <p:txBody>
-          <a:bodyPr wrap="square" rtlCol="0" anchor="ctr">
-            <a:spAutoFit/>
-          </a:bodyPr>
-          <a:lstStyle/>
-          <a:p>
-            <a:pPr algn="ctr"/>
-            <a:r>
-              <a:rPr lang="en-US" altLang="ko-KR" sz="700" dirty="0" smtClean="0">
-                <a:latin typeface="+mn-ea"/>
-                <a:ea typeface="+mn-ea"/>
-              </a:rPr>
-              <a:t>DIY </a:t>
-            </a:r>
-            <a:r>
-              <a:rPr lang="ko-KR" altLang="en-US" sz="700" dirty="0" smtClean="0">
-                <a:latin typeface="+mn-ea"/>
-                <a:ea typeface="+mn-ea"/>
-              </a:rPr>
-              <a:t>재봉틀</a:t>
-            </a:r>
-            <a:endParaRPr lang="en-US" altLang="ko-KR" sz="700" dirty="0" smtClean="0">
-              <a:latin typeface="+mn-ea"/>
-              <a:ea typeface="+mn-ea"/>
-            </a:endParaRPr>
-          </a:p>
-          <a:p>
-            <a:pPr algn="ctr"/>
-            <a:r>
-              <a:rPr lang="en-US" altLang="ko-KR" sz="600" dirty="0" smtClean="0">
-                <a:latin typeface="+mn-ea"/>
-                <a:ea typeface="+mn-ea"/>
-              </a:rPr>
-              <a:t>17,000</a:t>
-            </a:r>
-            <a:r>
-              <a:rPr lang="ko-KR" altLang="en-US" sz="600" dirty="0" smtClean="0">
-                <a:latin typeface="+mn-ea"/>
-                <a:ea typeface="+mn-ea"/>
-              </a:rPr>
-              <a:t>원</a:t>
-            </a:r>
-            <a:endParaRPr lang="ko-KR" altLang="en-US" sz="600" dirty="0">
-              <a:latin typeface="+mn-ea"/>
-              <a:ea typeface="+mn-ea"/>
-            </a:endParaRPr>
-          </a:p>
-        </p:txBody>
-      </p:sp>
-      <p:sp>
-        <p:nvSpPr>
-          <p:cNvPr id="77" name="TextBox 76"/>
-          <p:cNvSpPr txBox="1"/>
-          <p:nvPr/>
-        </p:nvSpPr>
-        <p:spPr>
-          <a:xfrm>
-            <a:off x="1733523" y="531213"/>
-            <a:ext cx="1066478" cy="292388"/>
-          </a:xfrm>
-          <a:prstGeom prst="rect">
-            <a:avLst/>
-          </a:prstGeom>
-          <a:noFill/>
-        </p:spPr>
-        <p:txBody>
-          <a:bodyPr wrap="square" rtlCol="0" anchor="ctr">
-            <a:spAutoFit/>
-          </a:bodyPr>
-          <a:lstStyle/>
-          <a:p>
-            <a:pPr algn="ctr"/>
-            <a:r>
-              <a:rPr lang="en-US" altLang="ko-KR" sz="700" dirty="0" smtClean="0">
-                <a:latin typeface="+mn-ea"/>
-                <a:ea typeface="+mn-ea"/>
-              </a:rPr>
-              <a:t>DIY </a:t>
-            </a:r>
-            <a:r>
-              <a:rPr lang="ko-KR" altLang="en-US" sz="700" dirty="0" err="1" smtClean="0">
-                <a:latin typeface="+mn-ea"/>
-                <a:ea typeface="+mn-ea"/>
-              </a:rPr>
-              <a:t>스툴</a:t>
-            </a:r>
-            <a:endParaRPr lang="en-US" altLang="ko-KR" sz="700" dirty="0" smtClean="0">
-              <a:latin typeface="+mn-ea"/>
-              <a:ea typeface="+mn-ea"/>
-            </a:endParaRPr>
-          </a:p>
-          <a:p>
-            <a:pPr algn="ctr"/>
-            <a:r>
-              <a:rPr lang="en-US" altLang="ko-KR" sz="600" dirty="0" smtClean="0">
-                <a:latin typeface="+mn-ea"/>
-                <a:ea typeface="+mn-ea"/>
-              </a:rPr>
-              <a:t>4,500</a:t>
-            </a:r>
-            <a:r>
-              <a:rPr lang="ko-KR" altLang="en-US" sz="600" dirty="0" smtClean="0">
-                <a:latin typeface="+mn-ea"/>
-                <a:ea typeface="+mn-ea"/>
-              </a:rPr>
-              <a:t>원</a:t>
-            </a:r>
-            <a:endParaRPr lang="ko-KR" altLang="en-US" sz="600" dirty="0">
-              <a:latin typeface="+mn-ea"/>
-              <a:ea typeface="+mn-ea"/>
-            </a:endParaRPr>
-          </a:p>
-        </p:txBody>
-      </p:sp>
-      <p:sp>
-        <p:nvSpPr>
-          <p:cNvPr id="78" name="TextBox 77"/>
-          <p:cNvSpPr txBox="1"/>
-          <p:nvPr/>
-        </p:nvSpPr>
-        <p:spPr>
-          <a:xfrm>
-            <a:off x="2926798" y="522030"/>
-            <a:ext cx="1066478" cy="292388"/>
-          </a:xfrm>
-          <a:prstGeom prst="rect">
-            <a:avLst/>
-          </a:prstGeom>
-          <a:noFill/>
-        </p:spPr>
-        <p:txBody>
-          <a:bodyPr wrap="square" rtlCol="0" anchor="ctr">
-            <a:spAutoFit/>
-          </a:bodyPr>
-          <a:lstStyle/>
-          <a:p>
-            <a:pPr algn="ctr"/>
-            <a:r>
-              <a:rPr lang="en-US" altLang="ko-KR" sz="700" dirty="0" smtClean="0">
-                <a:latin typeface="+mn-ea"/>
-                <a:ea typeface="+mn-ea"/>
-              </a:rPr>
-              <a:t>DIY </a:t>
-            </a:r>
-            <a:r>
-              <a:rPr lang="ko-KR" altLang="en-US" sz="700" dirty="0" err="1" smtClean="0">
-                <a:latin typeface="+mn-ea"/>
-                <a:ea typeface="+mn-ea"/>
-              </a:rPr>
-              <a:t>행거</a:t>
-            </a:r>
-            <a:r>
-              <a:rPr lang="en-US" altLang="ko-KR" sz="700" dirty="0" smtClean="0">
-                <a:latin typeface="+mn-ea"/>
-                <a:ea typeface="+mn-ea"/>
-              </a:rPr>
-              <a:t>-A</a:t>
-            </a:r>
-          </a:p>
-          <a:p>
-            <a:pPr algn="ctr"/>
-            <a:r>
-              <a:rPr lang="en-US" altLang="ko-KR" sz="600" dirty="0" smtClean="0">
-                <a:latin typeface="+mn-ea"/>
-                <a:ea typeface="+mn-ea"/>
-              </a:rPr>
-              <a:t>13,500</a:t>
-            </a:r>
-            <a:r>
-              <a:rPr lang="ko-KR" altLang="en-US" sz="600" dirty="0" smtClean="0">
-                <a:latin typeface="+mn-ea"/>
-                <a:ea typeface="+mn-ea"/>
-              </a:rPr>
-              <a:t>원</a:t>
-            </a:r>
-            <a:endParaRPr lang="ko-KR" altLang="en-US" sz="600" dirty="0">
-              <a:latin typeface="+mn-ea"/>
-              <a:ea typeface="+mn-ea"/>
-            </a:endParaRPr>
-          </a:p>
-        </p:txBody>
-      </p:sp>
-      <p:sp>
-        <p:nvSpPr>
-          <p:cNvPr id="79" name="TextBox 78"/>
-          <p:cNvSpPr txBox="1"/>
-          <p:nvPr/>
-        </p:nvSpPr>
-        <p:spPr>
-          <a:xfrm>
-            <a:off x="4103089" y="531213"/>
-            <a:ext cx="1066478" cy="292388"/>
-          </a:xfrm>
-          <a:prstGeom prst="rect">
-            <a:avLst/>
-          </a:prstGeom>
-          <a:noFill/>
-        </p:spPr>
-        <p:txBody>
-          <a:bodyPr wrap="square" rtlCol="0" anchor="ctr">
-            <a:spAutoFit/>
-          </a:bodyPr>
-          <a:lstStyle/>
-          <a:p>
-            <a:pPr algn="ctr"/>
-            <a:r>
-              <a:rPr lang="en-US" altLang="ko-KR" sz="700" dirty="0" smtClean="0">
-                <a:latin typeface="+mn-ea"/>
-                <a:ea typeface="+mn-ea"/>
-              </a:rPr>
-              <a:t>DIY </a:t>
-            </a:r>
-            <a:r>
-              <a:rPr lang="ko-KR" altLang="en-US" sz="700" dirty="0" err="1" smtClean="0">
-                <a:latin typeface="+mn-ea"/>
-                <a:ea typeface="+mn-ea"/>
-              </a:rPr>
-              <a:t>행거</a:t>
-            </a:r>
-            <a:r>
-              <a:rPr lang="en-US" altLang="ko-KR" sz="700" dirty="0" smtClean="0">
-                <a:latin typeface="+mn-ea"/>
-                <a:ea typeface="+mn-ea"/>
-              </a:rPr>
-              <a:t>-B</a:t>
-            </a:r>
-            <a:r>
-              <a:rPr lang="ko-KR" altLang="en-US" sz="700" dirty="0" smtClean="0">
-                <a:latin typeface="+mn-ea"/>
-                <a:ea typeface="+mn-ea"/>
-              </a:rPr>
-              <a:t>형</a:t>
-            </a:r>
-            <a:endParaRPr lang="en-US" altLang="ko-KR" sz="700" dirty="0" smtClean="0">
-              <a:latin typeface="+mn-ea"/>
-              <a:ea typeface="+mn-ea"/>
-            </a:endParaRPr>
-          </a:p>
-          <a:p>
-            <a:pPr algn="ctr"/>
-            <a:r>
-              <a:rPr lang="en-US" altLang="ko-KR" sz="600" dirty="0" smtClean="0">
-                <a:latin typeface="+mn-ea"/>
-                <a:ea typeface="+mn-ea"/>
-              </a:rPr>
-              <a:t>13,000</a:t>
-            </a:r>
-            <a:r>
-              <a:rPr lang="ko-KR" altLang="en-US" sz="600" dirty="0" smtClean="0">
-                <a:latin typeface="+mn-ea"/>
-                <a:ea typeface="+mn-ea"/>
-              </a:rPr>
-              <a:t>원</a:t>
-            </a:r>
-            <a:endParaRPr lang="ko-KR" altLang="en-US" sz="600" dirty="0">
-              <a:latin typeface="+mn-ea"/>
-              <a:ea typeface="+mn-ea"/>
-            </a:endParaRPr>
-          </a:p>
-        </p:txBody>
-      </p:sp>
-      <p:sp>
-        <p:nvSpPr>
-          <p:cNvPr id="80" name="TextBox 79"/>
-          <p:cNvSpPr txBox="1"/>
-          <p:nvPr/>
-        </p:nvSpPr>
-        <p:spPr>
-          <a:xfrm>
-            <a:off x="5266021" y="531213"/>
-            <a:ext cx="1066478" cy="292388"/>
-          </a:xfrm>
-          <a:prstGeom prst="rect">
-            <a:avLst/>
-          </a:prstGeom>
-          <a:noFill/>
-        </p:spPr>
-        <p:txBody>
-          <a:bodyPr wrap="square" rtlCol="0" anchor="ctr">
-            <a:spAutoFit/>
-          </a:bodyPr>
-          <a:lstStyle/>
-          <a:p>
-            <a:pPr algn="ctr"/>
-            <a:r>
-              <a:rPr lang="en-US" altLang="ko-KR" sz="700" dirty="0" smtClean="0">
-                <a:latin typeface="+mn-ea"/>
-                <a:ea typeface="+mn-ea"/>
-              </a:rPr>
-              <a:t>DIY </a:t>
-            </a:r>
-            <a:r>
-              <a:rPr lang="ko-KR" altLang="en-US" sz="700" dirty="0" err="1" smtClean="0">
-                <a:latin typeface="+mn-ea"/>
-                <a:ea typeface="+mn-ea"/>
-              </a:rPr>
-              <a:t>엔틱행</a:t>
-            </a:r>
-            <a:r>
-              <a:rPr lang="ko-KR" altLang="en-US" sz="700" dirty="0" err="1">
-                <a:latin typeface="+mn-ea"/>
-                <a:ea typeface="+mn-ea"/>
-              </a:rPr>
-              <a:t>거</a:t>
-            </a:r>
-            <a:endParaRPr lang="en-US" altLang="ko-KR" sz="700" dirty="0" smtClean="0">
-              <a:latin typeface="+mn-ea"/>
-              <a:ea typeface="+mn-ea"/>
-            </a:endParaRPr>
-          </a:p>
-          <a:p>
-            <a:pPr algn="ctr"/>
-            <a:r>
-              <a:rPr lang="en-US" altLang="ko-KR" sz="600" dirty="0" smtClean="0">
-                <a:latin typeface="+mn-ea"/>
-                <a:ea typeface="+mn-ea"/>
-              </a:rPr>
-              <a:t>18,000</a:t>
-            </a:r>
-            <a:r>
-              <a:rPr lang="ko-KR" altLang="en-US" sz="600" dirty="0" smtClean="0">
-                <a:latin typeface="+mn-ea"/>
-                <a:ea typeface="+mn-ea"/>
-              </a:rPr>
-              <a:t>원</a:t>
-            </a:r>
-            <a:endParaRPr lang="ko-KR" altLang="en-US" sz="600" dirty="0">
-              <a:latin typeface="+mn-ea"/>
-              <a:ea typeface="+mn-ea"/>
-            </a:endParaRPr>
-          </a:p>
-        </p:txBody>
-      </p:sp>
-      <p:sp>
-        <p:nvSpPr>
-          <p:cNvPr id="89" name="TextBox 88"/>
-          <p:cNvSpPr txBox="1"/>
-          <p:nvPr/>
-        </p:nvSpPr>
-        <p:spPr>
-          <a:xfrm>
-            <a:off x="548641" y="1903125"/>
-            <a:ext cx="1063820" cy="292388"/>
-          </a:xfrm>
-          <a:prstGeom prst="rect">
-            <a:avLst/>
-          </a:prstGeom>
-          <a:noFill/>
-        </p:spPr>
-        <p:txBody>
-          <a:bodyPr wrap="square" rtlCol="0" anchor="ctr">
-            <a:spAutoFit/>
-          </a:bodyPr>
-          <a:lstStyle/>
-          <a:p>
-            <a:pPr algn="ctr"/>
-            <a:r>
-              <a:rPr lang="en-US" altLang="ko-KR" sz="700" dirty="0">
-                <a:latin typeface="+mn-ea"/>
-              </a:rPr>
-              <a:t>DIY </a:t>
-            </a:r>
-            <a:r>
-              <a:rPr lang="ko-KR" altLang="en-US" sz="700" dirty="0" err="1">
-                <a:latin typeface="+mn-ea"/>
-              </a:rPr>
-              <a:t>칸칸</a:t>
-            </a:r>
-            <a:r>
-              <a:rPr lang="ko-KR" altLang="en-US" sz="700" dirty="0">
-                <a:latin typeface="+mn-ea"/>
-              </a:rPr>
-              <a:t> </a:t>
-            </a:r>
-            <a:r>
-              <a:rPr lang="ko-KR" altLang="en-US" sz="700" dirty="0" err="1">
-                <a:latin typeface="+mn-ea"/>
-              </a:rPr>
-              <a:t>옷걸이장</a:t>
-            </a:r>
-            <a:endParaRPr lang="en-US" altLang="ko-KR" sz="700" dirty="0">
-              <a:latin typeface="+mn-ea"/>
-            </a:endParaRPr>
-          </a:p>
-          <a:p>
-            <a:pPr algn="ctr"/>
-            <a:r>
-              <a:rPr lang="en-US" altLang="ko-KR" sz="600" dirty="0">
-                <a:latin typeface="+mn-ea"/>
-              </a:rPr>
-              <a:t>20,000</a:t>
-            </a:r>
-            <a:r>
-              <a:rPr lang="ko-KR" altLang="en-US" sz="600" dirty="0">
-                <a:latin typeface="+mn-ea"/>
-              </a:rPr>
-              <a:t>원</a:t>
-            </a:r>
-          </a:p>
-        </p:txBody>
-      </p:sp>
-      <p:sp>
-        <p:nvSpPr>
-          <p:cNvPr id="90" name="TextBox 89"/>
-          <p:cNvSpPr txBox="1"/>
-          <p:nvPr/>
-        </p:nvSpPr>
-        <p:spPr>
-          <a:xfrm>
-            <a:off x="1712109" y="1903126"/>
-            <a:ext cx="1066478" cy="292388"/>
-          </a:xfrm>
-          <a:prstGeom prst="rect">
-            <a:avLst/>
-          </a:prstGeom>
-          <a:noFill/>
-        </p:spPr>
-        <p:txBody>
-          <a:bodyPr wrap="square" rtlCol="0" anchor="ctr">
-            <a:spAutoFit/>
-          </a:bodyPr>
-          <a:lstStyle/>
-          <a:p>
-            <a:pPr algn="ctr"/>
-            <a:r>
-              <a:rPr lang="ko-KR" altLang="en-US" sz="700" dirty="0" smtClean="0">
-                <a:latin typeface="+mn-ea"/>
-                <a:ea typeface="+mn-ea"/>
-              </a:rPr>
-              <a:t>나무받침대</a:t>
-            </a:r>
-            <a:r>
-              <a:rPr lang="en-US" altLang="ko-KR" sz="700" dirty="0" smtClean="0">
-                <a:latin typeface="+mn-ea"/>
-                <a:ea typeface="+mn-ea"/>
-              </a:rPr>
-              <a:t>-4</a:t>
-            </a:r>
-            <a:r>
-              <a:rPr lang="ko-KR" altLang="en-US" sz="700" dirty="0" smtClean="0">
-                <a:latin typeface="+mn-ea"/>
-                <a:ea typeface="+mn-ea"/>
-              </a:rPr>
-              <a:t>세트</a:t>
-            </a:r>
-            <a:endParaRPr lang="en-US" altLang="ko-KR" sz="700" dirty="0" smtClean="0">
-              <a:latin typeface="+mn-ea"/>
-              <a:ea typeface="+mn-ea"/>
-            </a:endParaRPr>
-          </a:p>
-          <a:p>
-            <a:pPr algn="ctr"/>
-            <a:r>
-              <a:rPr lang="en-US" altLang="ko-KR" sz="600" dirty="0" smtClean="0">
-                <a:latin typeface="+mn-ea"/>
-                <a:ea typeface="+mn-ea"/>
-              </a:rPr>
-              <a:t>3,000</a:t>
-            </a:r>
-            <a:r>
-              <a:rPr lang="ko-KR" altLang="en-US" sz="600" dirty="0" smtClean="0">
-                <a:latin typeface="+mn-ea"/>
-                <a:ea typeface="+mn-ea"/>
-              </a:rPr>
-              <a:t>원</a:t>
-            </a:r>
-            <a:endParaRPr lang="ko-KR" altLang="en-US" sz="600" dirty="0">
-              <a:latin typeface="+mn-ea"/>
-              <a:ea typeface="+mn-ea"/>
-            </a:endParaRPr>
-          </a:p>
-        </p:txBody>
-      </p:sp>
-      <p:sp>
-        <p:nvSpPr>
-          <p:cNvPr id="91" name="TextBox 90"/>
-          <p:cNvSpPr txBox="1"/>
-          <p:nvPr/>
-        </p:nvSpPr>
-        <p:spPr>
-          <a:xfrm>
-            <a:off x="2905384" y="1893943"/>
-            <a:ext cx="1066478" cy="292388"/>
-          </a:xfrm>
-          <a:prstGeom prst="rect">
-            <a:avLst/>
-          </a:prstGeom>
-          <a:noFill/>
-        </p:spPr>
-        <p:txBody>
-          <a:bodyPr wrap="square" rtlCol="0" anchor="ctr">
-            <a:spAutoFit/>
-          </a:bodyPr>
-          <a:lstStyle/>
-          <a:p>
-            <a:pPr algn="ctr"/>
-            <a:r>
-              <a:rPr lang="ko-KR" altLang="en-US" sz="700" dirty="0" smtClean="0">
-                <a:latin typeface="+mn-ea"/>
-                <a:ea typeface="+mn-ea"/>
-              </a:rPr>
-              <a:t>투명받침대</a:t>
-            </a:r>
-            <a:r>
-              <a:rPr lang="en-US" altLang="ko-KR" sz="700" dirty="0" smtClean="0">
-                <a:latin typeface="+mn-ea"/>
-                <a:ea typeface="+mn-ea"/>
-              </a:rPr>
-              <a:t>-4</a:t>
-            </a:r>
-            <a:r>
-              <a:rPr lang="ko-KR" altLang="en-US" sz="700" dirty="0" smtClean="0">
-                <a:latin typeface="+mn-ea"/>
-                <a:ea typeface="+mn-ea"/>
-              </a:rPr>
-              <a:t>세트</a:t>
-            </a:r>
-            <a:endParaRPr lang="en-US" altLang="ko-KR" sz="700" dirty="0" smtClean="0">
-              <a:latin typeface="+mn-ea"/>
-              <a:ea typeface="+mn-ea"/>
-            </a:endParaRPr>
-          </a:p>
-          <a:p>
-            <a:pPr algn="ctr"/>
-            <a:r>
-              <a:rPr lang="en-US" altLang="ko-KR" sz="600" dirty="0" smtClean="0">
-                <a:latin typeface="+mn-ea"/>
-                <a:ea typeface="+mn-ea"/>
-              </a:rPr>
-              <a:t>3,000</a:t>
-            </a:r>
-            <a:r>
-              <a:rPr lang="ko-KR" altLang="en-US" sz="600" dirty="0" smtClean="0">
-                <a:latin typeface="+mn-ea"/>
-                <a:ea typeface="+mn-ea"/>
-              </a:rPr>
-              <a:t>원</a:t>
-            </a:r>
-            <a:endParaRPr lang="ko-KR" altLang="en-US" sz="600" dirty="0">
-              <a:latin typeface="+mn-ea"/>
-              <a:ea typeface="+mn-ea"/>
-            </a:endParaRPr>
-          </a:p>
-        </p:txBody>
-      </p:sp>
-      <p:sp>
-        <p:nvSpPr>
-          <p:cNvPr id="92" name="TextBox 91"/>
-          <p:cNvSpPr txBox="1"/>
-          <p:nvPr/>
-        </p:nvSpPr>
-        <p:spPr>
-          <a:xfrm>
-            <a:off x="4081675" y="1903126"/>
-            <a:ext cx="1066478" cy="292388"/>
-          </a:xfrm>
-          <a:prstGeom prst="rect">
-            <a:avLst/>
-          </a:prstGeom>
-          <a:noFill/>
-        </p:spPr>
-        <p:txBody>
-          <a:bodyPr wrap="square" rtlCol="0" anchor="ctr">
-            <a:spAutoFit/>
-          </a:bodyPr>
-          <a:lstStyle/>
-          <a:p>
-            <a:pPr algn="ctr"/>
-            <a:r>
-              <a:rPr lang="ko-KR" altLang="en-US" sz="700" dirty="0" smtClean="0">
-                <a:latin typeface="+mn-ea"/>
-                <a:ea typeface="+mn-ea"/>
-              </a:rPr>
-              <a:t>접시받침대</a:t>
-            </a:r>
-            <a:r>
-              <a:rPr lang="en-US" altLang="ko-KR" sz="700" dirty="0" smtClean="0">
-                <a:latin typeface="+mn-ea"/>
-                <a:ea typeface="+mn-ea"/>
-              </a:rPr>
-              <a:t>-4</a:t>
-            </a:r>
-            <a:r>
-              <a:rPr lang="ko-KR" altLang="en-US" sz="700" dirty="0" smtClean="0">
-                <a:latin typeface="+mn-ea"/>
-                <a:ea typeface="+mn-ea"/>
-              </a:rPr>
-              <a:t>세트</a:t>
-            </a:r>
-            <a:endParaRPr lang="en-US" altLang="ko-KR" sz="700" dirty="0" smtClean="0">
-              <a:latin typeface="+mn-ea"/>
-              <a:ea typeface="+mn-ea"/>
-            </a:endParaRPr>
-          </a:p>
-          <a:p>
-            <a:pPr algn="ctr"/>
-            <a:r>
-              <a:rPr lang="en-US" altLang="ko-KR" sz="600" dirty="0" smtClean="0">
-                <a:latin typeface="+mn-ea"/>
-                <a:ea typeface="+mn-ea"/>
-              </a:rPr>
-              <a:t>2,500</a:t>
-            </a:r>
-            <a:r>
-              <a:rPr lang="ko-KR" altLang="en-US" sz="600" dirty="0" smtClean="0">
-                <a:latin typeface="+mn-ea"/>
-                <a:ea typeface="+mn-ea"/>
-              </a:rPr>
-              <a:t>원</a:t>
-            </a:r>
-            <a:endParaRPr lang="ko-KR" altLang="en-US" sz="600" dirty="0">
-              <a:latin typeface="+mn-ea"/>
-              <a:ea typeface="+mn-ea"/>
-            </a:endParaRPr>
-          </a:p>
-        </p:txBody>
-      </p:sp>
-      <p:sp>
-        <p:nvSpPr>
-          <p:cNvPr id="94" name="TextBox 93"/>
-          <p:cNvSpPr txBox="1"/>
-          <p:nvPr/>
-        </p:nvSpPr>
-        <p:spPr>
-          <a:xfrm>
-            <a:off x="5244607" y="1903126"/>
-            <a:ext cx="1066478" cy="292388"/>
-          </a:xfrm>
-          <a:prstGeom prst="rect">
-            <a:avLst/>
-          </a:prstGeom>
-          <a:noFill/>
-        </p:spPr>
-        <p:txBody>
-          <a:bodyPr wrap="square" rtlCol="0" anchor="ctr">
-            <a:spAutoFit/>
-          </a:bodyPr>
-          <a:lstStyle/>
-          <a:p>
-            <a:pPr algn="ctr"/>
-            <a:r>
-              <a:rPr lang="en-US" altLang="ko-KR" sz="700" dirty="0" smtClean="0">
-                <a:latin typeface="+mn-ea"/>
-                <a:ea typeface="+mn-ea"/>
-              </a:rPr>
-              <a:t>DIY </a:t>
-            </a:r>
-            <a:r>
-              <a:rPr lang="ko-KR" altLang="en-US" sz="700" dirty="0" smtClean="0">
-                <a:latin typeface="+mn-ea"/>
-                <a:ea typeface="+mn-ea"/>
-              </a:rPr>
-              <a:t>마네킹</a:t>
-            </a:r>
-            <a:r>
-              <a:rPr lang="en-US" altLang="ko-KR" sz="700" dirty="0" smtClean="0">
-                <a:latin typeface="+mn-ea"/>
-                <a:ea typeface="+mn-ea"/>
-              </a:rPr>
-              <a:t>-</a:t>
-            </a:r>
-            <a:r>
-              <a:rPr lang="ko-KR" altLang="en-US" sz="700" dirty="0" smtClean="0">
-                <a:latin typeface="+mn-ea"/>
-                <a:ea typeface="+mn-ea"/>
-              </a:rPr>
-              <a:t>나무</a:t>
-            </a:r>
-            <a:endParaRPr lang="en-US" altLang="ko-KR" sz="700" dirty="0" smtClean="0">
-              <a:latin typeface="+mn-ea"/>
-              <a:ea typeface="+mn-ea"/>
-            </a:endParaRPr>
-          </a:p>
-          <a:p>
-            <a:pPr algn="ctr"/>
-            <a:r>
-              <a:rPr lang="en-US" altLang="ko-KR" sz="600" dirty="0" smtClean="0">
-                <a:latin typeface="+mn-ea"/>
-                <a:ea typeface="+mn-ea"/>
-              </a:rPr>
-              <a:t>7,500</a:t>
-            </a:r>
-            <a:r>
-              <a:rPr lang="ko-KR" altLang="en-US" sz="600" dirty="0" smtClean="0">
-                <a:latin typeface="+mn-ea"/>
-                <a:ea typeface="+mn-ea"/>
-              </a:rPr>
-              <a:t>원</a:t>
-            </a:r>
-            <a:endParaRPr lang="ko-KR" altLang="en-US" sz="600" dirty="0">
-              <a:latin typeface="+mn-ea"/>
-              <a:ea typeface="+mn-ea"/>
-            </a:endParaRPr>
-          </a:p>
-        </p:txBody>
-      </p:sp>
-      <p:sp>
-        <p:nvSpPr>
-          <p:cNvPr id="124" name="직사각형 123"/>
-          <p:cNvSpPr/>
-          <p:nvPr/>
-        </p:nvSpPr>
-        <p:spPr>
-          <a:xfrm>
-            <a:off x="555755" y="824281"/>
-            <a:ext cx="1080000" cy="1080000"/>
-          </a:xfrm>
-          <a:prstGeom prst="rect">
-            <a:avLst/>
-          </a:prstGeom>
-          <a:solidFill>
-            <a:schemeClr val="bg1">
-              <a:lumMod val="95000"/>
-            </a:schemeClr>
-          </a:solidFill>
-          <a:ln w="3175">
-            <a:noFill/>
-          </a:ln>
-        </p:spPr>
-        <p:style>
-          <a:lnRef idx="2">
-            <a:schemeClr val="accent1">
-              <a:shade val="50000"/>
-            </a:schemeClr>
-          </a:lnRef>
-          <a:fillRef idx="1">
-            <a:schemeClr val="accent1"/>
-          </a:fillRef>
-          <a:effectRef idx="0">
-            <a:schemeClr val="accent1"/>
-          </a:effectRef>
-          <a:fontRef idx="minor">
-            <a:schemeClr val="lt1"/>
-          </a:fontRef>
-        </p:style>
-        <p:txBody>
-          <a:bodyPr rtlCol="0" anchor="ctr"/>
-          <a:lstStyle/>
-          <a:p>
-            <a:pPr algn="ctr"/>
-            <a:endParaRPr lang="ko-KR" altLang="en-US"/>
-          </a:p>
-        </p:txBody>
-      </p:sp>
-      <p:cxnSp>
-        <p:nvCxnSpPr>
-          <p:cNvPr id="126" name="직선 연결선 125"/>
-          <p:cNvCxnSpPr/>
-          <p:nvPr/>
-        </p:nvCxnSpPr>
-        <p:spPr>
-          <a:xfrm flipV="1">
-            <a:off x="539575" y="824281"/>
-            <a:ext cx="1080000" cy="1080001"/>
-          </a:xfrm>
-          <a:prstGeom prst="line">
-            <a:avLst/>
-          </a:prstGeom>
-          <a:ln w="3175">
-            <a:solidFill>
-              <a:schemeClr val="bg1">
-                <a:lumMod val="65000"/>
-              </a:schemeClr>
-            </a:solidFill>
-          </a:ln>
-        </p:spPr>
-        <p:style>
-          <a:lnRef idx="1">
-            <a:schemeClr val="accent1"/>
-          </a:lnRef>
-          <a:fillRef idx="0">
-            <a:schemeClr val="accent1"/>
-          </a:fillRef>
-          <a:effectRef idx="0">
-            <a:schemeClr val="accent1"/>
-          </a:effectRef>
-          <a:fontRef idx="minor">
-            <a:schemeClr val="tx1"/>
-          </a:fontRef>
-        </p:style>
-      </p:cxnSp>
-      <p:sp>
-        <p:nvSpPr>
-          <p:cNvPr id="127" name="직사각형 126"/>
-          <p:cNvSpPr/>
-          <p:nvPr/>
-        </p:nvSpPr>
-        <p:spPr>
-          <a:xfrm>
-            <a:off x="2909841" y="824281"/>
-            <a:ext cx="1080000" cy="1080000"/>
-          </a:xfrm>
-          <a:prstGeom prst="rect">
-            <a:avLst/>
-          </a:prstGeom>
-          <a:solidFill>
-            <a:schemeClr val="bg1">
-              <a:lumMod val="95000"/>
-            </a:schemeClr>
-          </a:solidFill>
-          <a:ln w="3175">
-            <a:noFill/>
-          </a:ln>
-        </p:spPr>
-        <p:style>
-          <a:lnRef idx="2">
-            <a:schemeClr val="accent1">
-              <a:shade val="50000"/>
-            </a:schemeClr>
-          </a:lnRef>
-          <a:fillRef idx="1">
-            <a:schemeClr val="accent1"/>
-          </a:fillRef>
-          <a:effectRef idx="0">
-            <a:schemeClr val="accent1"/>
-          </a:effectRef>
-          <a:fontRef idx="minor">
-            <a:schemeClr val="lt1"/>
-          </a:fontRef>
-        </p:style>
-        <p:txBody>
-          <a:bodyPr rtlCol="0" anchor="ctr"/>
-          <a:lstStyle/>
-          <a:p>
-            <a:pPr algn="ctr"/>
-            <a:endParaRPr lang="ko-KR" altLang="en-US"/>
-          </a:p>
-        </p:txBody>
-      </p:sp>
-      <p:sp>
-        <p:nvSpPr>
-          <p:cNvPr id="128" name="직사각형 127"/>
-          <p:cNvSpPr/>
-          <p:nvPr/>
-        </p:nvSpPr>
-        <p:spPr>
-          <a:xfrm>
-            <a:off x="1734863" y="824281"/>
-            <a:ext cx="1080000" cy="1080000"/>
-          </a:xfrm>
-          <a:prstGeom prst="rect">
-            <a:avLst/>
-          </a:prstGeom>
-          <a:solidFill>
-            <a:schemeClr val="bg1">
-              <a:lumMod val="95000"/>
-            </a:schemeClr>
-          </a:solidFill>
-          <a:ln w="3175">
-            <a:noFill/>
-          </a:ln>
-        </p:spPr>
-        <p:style>
-          <a:lnRef idx="2">
-            <a:schemeClr val="accent1">
-              <a:shade val="50000"/>
-            </a:schemeClr>
-          </a:lnRef>
-          <a:fillRef idx="1">
-            <a:schemeClr val="accent1"/>
-          </a:fillRef>
-          <a:effectRef idx="0">
-            <a:schemeClr val="accent1"/>
-          </a:effectRef>
-          <a:fontRef idx="minor">
-            <a:schemeClr val="lt1"/>
-          </a:fontRef>
-        </p:style>
-        <p:txBody>
-          <a:bodyPr rtlCol="0" anchor="ctr"/>
-          <a:lstStyle/>
-          <a:p>
-            <a:pPr algn="ctr"/>
-            <a:endParaRPr lang="ko-KR" altLang="en-US"/>
-          </a:p>
-        </p:txBody>
-      </p:sp>
-      <p:sp>
-        <p:nvSpPr>
-          <p:cNvPr id="131" name="직사각형 130"/>
-          <p:cNvSpPr/>
-          <p:nvPr/>
-        </p:nvSpPr>
-        <p:spPr>
-          <a:xfrm>
-            <a:off x="5266774" y="824281"/>
-            <a:ext cx="1080000" cy="1080000"/>
-          </a:xfrm>
-          <a:prstGeom prst="rect">
-            <a:avLst/>
-          </a:prstGeom>
-          <a:solidFill>
-            <a:schemeClr val="bg1">
-              <a:lumMod val="95000"/>
-            </a:schemeClr>
-          </a:solidFill>
-          <a:ln w="3175">
-            <a:noFill/>
-          </a:ln>
-        </p:spPr>
-        <p:style>
-          <a:lnRef idx="2">
-            <a:schemeClr val="accent1">
-              <a:shade val="50000"/>
-            </a:schemeClr>
-          </a:lnRef>
-          <a:fillRef idx="1">
-            <a:schemeClr val="accent1"/>
-          </a:fillRef>
-          <a:effectRef idx="0">
-            <a:schemeClr val="accent1"/>
-          </a:effectRef>
-          <a:fontRef idx="minor">
-            <a:schemeClr val="lt1"/>
-          </a:fontRef>
-        </p:style>
-        <p:txBody>
-          <a:bodyPr rtlCol="0" anchor="ctr"/>
-          <a:lstStyle/>
-          <a:p>
-            <a:pPr algn="ctr"/>
-            <a:endParaRPr lang="ko-KR" altLang="en-US"/>
-          </a:p>
-        </p:txBody>
-      </p:sp>
-      <p:sp>
-        <p:nvSpPr>
-          <p:cNvPr id="132" name="직사각형 131"/>
-          <p:cNvSpPr/>
-          <p:nvPr/>
-        </p:nvSpPr>
-        <p:spPr>
-          <a:xfrm>
-            <a:off x="4083283" y="824281"/>
-            <a:ext cx="1080000" cy="1080000"/>
-          </a:xfrm>
-          <a:prstGeom prst="rect">
-            <a:avLst/>
-          </a:prstGeom>
-          <a:solidFill>
-            <a:schemeClr val="bg1">
-              <a:lumMod val="95000"/>
-            </a:schemeClr>
-          </a:solidFill>
-          <a:ln w="3175">
-            <a:noFill/>
-          </a:ln>
-        </p:spPr>
-        <p:style>
-          <a:lnRef idx="2">
-            <a:schemeClr val="accent1">
-              <a:shade val="50000"/>
-            </a:schemeClr>
-          </a:lnRef>
-          <a:fillRef idx="1">
-            <a:schemeClr val="accent1"/>
-          </a:fillRef>
-          <a:effectRef idx="0">
-            <a:schemeClr val="accent1"/>
-          </a:effectRef>
-          <a:fontRef idx="minor">
-            <a:schemeClr val="lt1"/>
-          </a:fontRef>
-        </p:style>
-        <p:txBody>
-          <a:bodyPr rtlCol="0" anchor="ctr"/>
-          <a:lstStyle/>
-          <a:p>
-            <a:pPr algn="ctr"/>
-            <a:endParaRPr lang="ko-KR" altLang="en-US"/>
-          </a:p>
-        </p:txBody>
-      </p:sp>
-      <p:cxnSp>
-        <p:nvCxnSpPr>
-          <p:cNvPr id="133" name="직선 연결선 132"/>
-          <p:cNvCxnSpPr/>
-          <p:nvPr/>
-        </p:nvCxnSpPr>
-        <p:spPr>
-          <a:xfrm flipV="1">
-            <a:off x="1734863" y="824281"/>
-            <a:ext cx="1080000" cy="1080001"/>
-          </a:xfrm>
-          <a:prstGeom prst="line">
-            <a:avLst/>
-          </a:prstGeom>
-          <a:ln w="3175">
-            <a:solidFill>
-              <a:schemeClr val="bg1">
-                <a:lumMod val="65000"/>
-              </a:schemeClr>
-            </a:solidFill>
-          </a:ln>
-        </p:spPr>
-        <p:style>
-          <a:lnRef idx="1">
-            <a:schemeClr val="accent1"/>
-          </a:lnRef>
-          <a:fillRef idx="0">
-            <a:schemeClr val="accent1"/>
-          </a:fillRef>
-          <a:effectRef idx="0">
-            <a:schemeClr val="accent1"/>
-          </a:effectRef>
-          <a:fontRef idx="minor">
-            <a:schemeClr val="tx1"/>
-          </a:fontRef>
-        </p:style>
-      </p:cxnSp>
-      <p:cxnSp>
-        <p:nvCxnSpPr>
-          <p:cNvPr id="134" name="직선 연결선 133"/>
-          <p:cNvCxnSpPr/>
-          <p:nvPr/>
-        </p:nvCxnSpPr>
-        <p:spPr>
-          <a:xfrm flipV="1">
-            <a:off x="2909841" y="824281"/>
-            <a:ext cx="1080000" cy="1080001"/>
-          </a:xfrm>
-          <a:prstGeom prst="line">
-            <a:avLst/>
-          </a:prstGeom>
-          <a:ln w="3175">
-            <a:solidFill>
-              <a:schemeClr val="bg1">
-                <a:lumMod val="65000"/>
-              </a:schemeClr>
-            </a:solidFill>
-          </a:ln>
-        </p:spPr>
-        <p:style>
-          <a:lnRef idx="1">
-            <a:schemeClr val="accent1"/>
-          </a:lnRef>
-          <a:fillRef idx="0">
-            <a:schemeClr val="accent1"/>
-          </a:fillRef>
-          <a:effectRef idx="0">
-            <a:schemeClr val="accent1"/>
-          </a:effectRef>
-          <a:fontRef idx="minor">
-            <a:schemeClr val="tx1"/>
-          </a:fontRef>
-        </p:style>
-      </p:cxnSp>
-      <p:cxnSp>
-        <p:nvCxnSpPr>
-          <p:cNvPr id="135" name="직선 연결선 134"/>
-          <p:cNvCxnSpPr/>
-          <p:nvPr/>
-        </p:nvCxnSpPr>
-        <p:spPr>
-          <a:xfrm flipV="1">
-            <a:off x="4083283" y="824281"/>
-            <a:ext cx="1080000" cy="1079321"/>
-          </a:xfrm>
-          <a:prstGeom prst="line">
-            <a:avLst/>
-          </a:prstGeom>
-          <a:ln w="3175">
-            <a:solidFill>
-              <a:schemeClr val="bg1">
-                <a:lumMod val="65000"/>
-              </a:schemeClr>
-            </a:solidFill>
-          </a:ln>
-        </p:spPr>
-        <p:style>
-          <a:lnRef idx="1">
-            <a:schemeClr val="accent1"/>
-          </a:lnRef>
-          <a:fillRef idx="0">
-            <a:schemeClr val="accent1"/>
-          </a:fillRef>
-          <a:effectRef idx="0">
-            <a:schemeClr val="accent1"/>
-          </a:effectRef>
-          <a:fontRef idx="minor">
-            <a:schemeClr val="tx1"/>
-          </a:fontRef>
-        </p:style>
-      </p:cxnSp>
-      <p:cxnSp>
-        <p:nvCxnSpPr>
-          <p:cNvPr id="136" name="직선 연결선 135"/>
-          <p:cNvCxnSpPr/>
-          <p:nvPr/>
-        </p:nvCxnSpPr>
-        <p:spPr>
-          <a:xfrm flipV="1">
-            <a:off x="5253920" y="823601"/>
-            <a:ext cx="1080000" cy="1080001"/>
-          </a:xfrm>
-          <a:prstGeom prst="line">
-            <a:avLst/>
-          </a:prstGeom>
-          <a:ln w="3175">
-            <a:solidFill>
-              <a:schemeClr val="bg1">
-                <a:lumMod val="65000"/>
-              </a:schemeClr>
-            </a:solidFill>
-          </a:ln>
-        </p:spPr>
-        <p:style>
-          <a:lnRef idx="1">
-            <a:schemeClr val="accent1"/>
-          </a:lnRef>
-          <a:fillRef idx="0">
-            <a:schemeClr val="accent1"/>
-          </a:fillRef>
-          <a:effectRef idx="0">
-            <a:schemeClr val="accent1"/>
-          </a:effectRef>
-          <a:fontRef idx="minor">
-            <a:schemeClr val="tx1"/>
-          </a:fontRef>
-        </p:style>
-      </p:cxnSp>
-      <p:sp>
-        <p:nvSpPr>
-          <p:cNvPr id="139" name="TextBox 138"/>
-          <p:cNvSpPr txBox="1"/>
-          <p:nvPr/>
-        </p:nvSpPr>
-        <p:spPr>
-          <a:xfrm>
-            <a:off x="549581" y="3288864"/>
-            <a:ext cx="1063820" cy="292388"/>
-          </a:xfrm>
-          <a:prstGeom prst="rect">
-            <a:avLst/>
-          </a:prstGeom>
-          <a:noFill/>
-        </p:spPr>
-        <p:txBody>
-          <a:bodyPr wrap="square" rtlCol="0" anchor="ctr">
-            <a:spAutoFit/>
-          </a:bodyPr>
-          <a:lstStyle/>
-          <a:p>
-            <a:pPr algn="ctr"/>
-            <a:r>
-              <a:rPr lang="en-US" altLang="ko-KR" sz="700" dirty="0">
-                <a:latin typeface="+mn-ea"/>
-              </a:rPr>
-              <a:t>DIY </a:t>
-            </a:r>
-            <a:r>
-              <a:rPr lang="ko-KR" altLang="en-US" sz="700" dirty="0" err="1" smtClean="0">
-                <a:latin typeface="+mn-ea"/>
-              </a:rPr>
-              <a:t>갤러리장</a:t>
-            </a:r>
-            <a:endParaRPr lang="en-US" altLang="ko-KR" sz="700" dirty="0">
-              <a:latin typeface="+mn-ea"/>
-            </a:endParaRPr>
-          </a:p>
-          <a:p>
-            <a:pPr algn="ctr"/>
-            <a:r>
-              <a:rPr lang="en-US" altLang="ko-KR" sz="600" dirty="0" smtClean="0">
-                <a:latin typeface="+mn-ea"/>
-              </a:rPr>
-              <a:t>32,000</a:t>
-            </a:r>
-            <a:r>
-              <a:rPr lang="ko-KR" altLang="en-US" sz="600" dirty="0">
-                <a:latin typeface="+mn-ea"/>
-              </a:rPr>
-              <a:t>원</a:t>
-            </a:r>
-          </a:p>
-        </p:txBody>
-      </p:sp>
-      <p:sp>
-        <p:nvSpPr>
-          <p:cNvPr id="140" name="TextBox 139"/>
-          <p:cNvSpPr txBox="1"/>
-          <p:nvPr/>
-        </p:nvSpPr>
-        <p:spPr>
-          <a:xfrm>
-            <a:off x="1713049" y="3288865"/>
-            <a:ext cx="1066478" cy="292388"/>
-          </a:xfrm>
-          <a:prstGeom prst="rect">
-            <a:avLst/>
-          </a:prstGeom>
-          <a:noFill/>
-        </p:spPr>
-        <p:txBody>
-          <a:bodyPr wrap="square" rtlCol="0" anchor="ctr">
-            <a:spAutoFit/>
-          </a:bodyPr>
-          <a:lstStyle/>
-          <a:p>
-            <a:pPr algn="ctr"/>
-            <a:r>
-              <a:rPr lang="en-US" altLang="ko-KR" sz="700" dirty="0" smtClean="0">
-                <a:latin typeface="+mn-ea"/>
-                <a:ea typeface="+mn-ea"/>
-              </a:rPr>
-              <a:t>DIY </a:t>
-            </a:r>
-            <a:r>
-              <a:rPr lang="ko-KR" altLang="en-US" sz="700" dirty="0" err="1" smtClean="0">
-                <a:latin typeface="+mn-ea"/>
-                <a:ea typeface="+mn-ea"/>
-              </a:rPr>
-              <a:t>와이드침대</a:t>
-            </a:r>
-            <a:endParaRPr lang="en-US" altLang="ko-KR" sz="700" dirty="0" smtClean="0">
-              <a:latin typeface="+mn-ea"/>
-              <a:ea typeface="+mn-ea"/>
-            </a:endParaRPr>
-          </a:p>
-          <a:p>
-            <a:pPr algn="ctr"/>
-            <a:r>
-              <a:rPr lang="en-US" altLang="ko-KR" sz="600" dirty="0" smtClean="0">
-                <a:latin typeface="+mn-ea"/>
-                <a:ea typeface="+mn-ea"/>
-              </a:rPr>
-              <a:t>21,500</a:t>
-            </a:r>
-            <a:r>
-              <a:rPr lang="ko-KR" altLang="en-US" sz="600" dirty="0" smtClean="0">
-                <a:latin typeface="+mn-ea"/>
-                <a:ea typeface="+mn-ea"/>
-              </a:rPr>
-              <a:t>원</a:t>
-            </a:r>
-            <a:endParaRPr lang="ko-KR" altLang="en-US" sz="600" dirty="0">
-              <a:latin typeface="+mn-ea"/>
-              <a:ea typeface="+mn-ea"/>
-            </a:endParaRPr>
-          </a:p>
-        </p:txBody>
-      </p:sp>
-      <p:sp>
-        <p:nvSpPr>
-          <p:cNvPr id="141" name="TextBox 140"/>
-          <p:cNvSpPr txBox="1"/>
-          <p:nvPr/>
-        </p:nvSpPr>
-        <p:spPr>
-          <a:xfrm>
-            <a:off x="2906324" y="3279682"/>
-            <a:ext cx="1066478" cy="292388"/>
-          </a:xfrm>
-          <a:prstGeom prst="rect">
-            <a:avLst/>
-          </a:prstGeom>
-          <a:noFill/>
-        </p:spPr>
-        <p:txBody>
-          <a:bodyPr wrap="square" rtlCol="0" anchor="ctr">
-            <a:spAutoFit/>
-          </a:bodyPr>
-          <a:lstStyle/>
-          <a:p>
-            <a:pPr algn="ctr"/>
-            <a:r>
-              <a:rPr lang="en-US" altLang="ko-KR" sz="700" dirty="0" smtClean="0">
-                <a:latin typeface="+mn-ea"/>
-                <a:ea typeface="+mn-ea"/>
-              </a:rPr>
-              <a:t>DIY </a:t>
-            </a:r>
-            <a:r>
-              <a:rPr lang="ko-KR" altLang="en-US" sz="700" dirty="0" err="1" smtClean="0">
-                <a:latin typeface="+mn-ea"/>
-                <a:ea typeface="+mn-ea"/>
-              </a:rPr>
-              <a:t>러블리침대</a:t>
-            </a:r>
-            <a:r>
-              <a:rPr lang="en-US" altLang="ko-KR" sz="700" dirty="0" smtClean="0">
-                <a:latin typeface="+mn-ea"/>
-                <a:ea typeface="+mn-ea"/>
-              </a:rPr>
-              <a:t>-A</a:t>
-            </a:r>
-            <a:r>
-              <a:rPr lang="ko-KR" altLang="en-US" sz="700" dirty="0" smtClean="0">
-                <a:latin typeface="+mn-ea"/>
-                <a:ea typeface="+mn-ea"/>
-              </a:rPr>
-              <a:t>형</a:t>
-            </a:r>
-            <a:endParaRPr lang="en-US" altLang="ko-KR" sz="700" dirty="0" smtClean="0">
-              <a:latin typeface="+mn-ea"/>
-              <a:ea typeface="+mn-ea"/>
-            </a:endParaRPr>
-          </a:p>
-          <a:p>
-            <a:pPr algn="ctr"/>
-            <a:r>
-              <a:rPr lang="en-US" altLang="ko-KR" sz="600" dirty="0" smtClean="0">
-                <a:latin typeface="+mn-ea"/>
-                <a:ea typeface="+mn-ea"/>
-              </a:rPr>
-              <a:t>21,500</a:t>
-            </a:r>
-            <a:r>
-              <a:rPr lang="ko-KR" altLang="en-US" sz="600" dirty="0" smtClean="0">
-                <a:latin typeface="+mn-ea"/>
-                <a:ea typeface="+mn-ea"/>
-              </a:rPr>
-              <a:t>원</a:t>
-            </a:r>
-            <a:endParaRPr lang="ko-KR" altLang="en-US" sz="600" dirty="0">
-              <a:latin typeface="+mn-ea"/>
-              <a:ea typeface="+mn-ea"/>
-            </a:endParaRPr>
-          </a:p>
-        </p:txBody>
-      </p:sp>
-      <p:sp>
-        <p:nvSpPr>
-          <p:cNvPr id="142" name="TextBox 141"/>
-          <p:cNvSpPr txBox="1"/>
-          <p:nvPr/>
-        </p:nvSpPr>
-        <p:spPr>
-          <a:xfrm>
-            <a:off x="4082615" y="3288865"/>
-            <a:ext cx="1066478" cy="292388"/>
-          </a:xfrm>
-          <a:prstGeom prst="rect">
-            <a:avLst/>
-          </a:prstGeom>
-          <a:noFill/>
-        </p:spPr>
-        <p:txBody>
-          <a:bodyPr wrap="square" rtlCol="0" anchor="ctr">
-            <a:spAutoFit/>
-          </a:bodyPr>
-          <a:lstStyle/>
-          <a:p>
-            <a:pPr algn="ctr"/>
-            <a:r>
-              <a:rPr lang="en-US" altLang="ko-KR" sz="700" dirty="0">
-                <a:latin typeface="+mn-ea"/>
-                <a:ea typeface="+mn-ea"/>
-              </a:rPr>
-              <a:t>DIY </a:t>
-            </a:r>
-            <a:r>
-              <a:rPr lang="ko-KR" altLang="en-US" sz="700" dirty="0" err="1">
-                <a:latin typeface="+mn-ea"/>
-                <a:ea typeface="+mn-ea"/>
-              </a:rPr>
-              <a:t>러블리침대</a:t>
-            </a:r>
-            <a:r>
-              <a:rPr lang="en-US" altLang="ko-KR" sz="700" dirty="0" smtClean="0">
-                <a:latin typeface="+mn-ea"/>
-                <a:ea typeface="+mn-ea"/>
-              </a:rPr>
-              <a:t>-B</a:t>
-            </a:r>
-            <a:r>
-              <a:rPr lang="ko-KR" altLang="en-US" sz="700" dirty="0" smtClean="0">
-                <a:latin typeface="+mn-ea"/>
-                <a:ea typeface="+mn-ea"/>
-              </a:rPr>
-              <a:t>형</a:t>
-            </a:r>
-            <a:endParaRPr lang="en-US" altLang="ko-KR" sz="700" dirty="0" smtClean="0">
-              <a:latin typeface="+mn-ea"/>
-              <a:ea typeface="+mn-ea"/>
-            </a:endParaRPr>
-          </a:p>
-          <a:p>
-            <a:pPr algn="ctr"/>
-            <a:r>
-              <a:rPr lang="en-US" altLang="ko-KR" sz="600" dirty="0" smtClean="0">
-                <a:latin typeface="+mn-ea"/>
-                <a:ea typeface="+mn-ea"/>
-              </a:rPr>
-              <a:t>20,000</a:t>
-            </a:r>
-            <a:r>
-              <a:rPr lang="ko-KR" altLang="en-US" sz="600" dirty="0" smtClean="0">
-                <a:latin typeface="+mn-ea"/>
-                <a:ea typeface="+mn-ea"/>
-              </a:rPr>
-              <a:t>원</a:t>
-            </a:r>
-            <a:endParaRPr lang="ko-KR" altLang="en-US" sz="600" dirty="0">
-              <a:latin typeface="+mn-ea"/>
-              <a:ea typeface="+mn-ea"/>
-            </a:endParaRPr>
-          </a:p>
-        </p:txBody>
-      </p:sp>
-      <p:sp>
-        <p:nvSpPr>
-          <p:cNvPr id="143" name="TextBox 142"/>
-          <p:cNvSpPr txBox="1"/>
-          <p:nvPr/>
-        </p:nvSpPr>
-        <p:spPr>
-          <a:xfrm>
-            <a:off x="5245547" y="3288865"/>
-            <a:ext cx="1066478" cy="292388"/>
-          </a:xfrm>
-          <a:prstGeom prst="rect">
-            <a:avLst/>
-          </a:prstGeom>
-          <a:noFill/>
-        </p:spPr>
-        <p:txBody>
-          <a:bodyPr wrap="square" rtlCol="0" anchor="ctr">
-            <a:spAutoFit/>
-          </a:bodyPr>
-          <a:lstStyle/>
-          <a:p>
-            <a:pPr algn="ctr"/>
-            <a:r>
-              <a:rPr lang="en-US" altLang="ko-KR" sz="700" dirty="0" smtClean="0">
-                <a:latin typeface="+mn-ea"/>
-                <a:ea typeface="+mn-ea"/>
-              </a:rPr>
-              <a:t>DIY </a:t>
-            </a:r>
-            <a:r>
-              <a:rPr lang="ko-KR" altLang="en-US" sz="700" dirty="0" smtClean="0">
-                <a:latin typeface="+mn-ea"/>
-                <a:ea typeface="+mn-ea"/>
-              </a:rPr>
-              <a:t>비비 장식장</a:t>
-            </a:r>
-            <a:r>
-              <a:rPr lang="en-US" altLang="ko-KR" sz="700" dirty="0" smtClean="0">
-                <a:latin typeface="+mn-ea"/>
-                <a:ea typeface="+mn-ea"/>
-              </a:rPr>
-              <a:t>-A</a:t>
-            </a:r>
-            <a:r>
-              <a:rPr lang="ko-KR" altLang="en-US" sz="700" dirty="0" smtClean="0">
-                <a:latin typeface="+mn-ea"/>
-                <a:ea typeface="+mn-ea"/>
-              </a:rPr>
-              <a:t>형</a:t>
-            </a:r>
-            <a:endParaRPr lang="en-US" altLang="ko-KR" sz="700" dirty="0" smtClean="0">
-              <a:latin typeface="+mn-ea"/>
-              <a:ea typeface="+mn-ea"/>
-            </a:endParaRPr>
-          </a:p>
-          <a:p>
-            <a:pPr algn="ctr"/>
-            <a:r>
-              <a:rPr lang="en-US" altLang="ko-KR" sz="600" dirty="0" smtClean="0">
-                <a:latin typeface="+mn-ea"/>
-                <a:ea typeface="+mn-ea"/>
-              </a:rPr>
-              <a:t>38,000</a:t>
-            </a:r>
-            <a:r>
-              <a:rPr lang="ko-KR" altLang="en-US" sz="600" dirty="0" smtClean="0">
-                <a:latin typeface="+mn-ea"/>
-                <a:ea typeface="+mn-ea"/>
-              </a:rPr>
-              <a:t>원</a:t>
-            </a:r>
-            <a:endParaRPr lang="ko-KR" altLang="en-US" sz="600" dirty="0">
-              <a:latin typeface="+mn-ea"/>
-              <a:ea typeface="+mn-ea"/>
-            </a:endParaRPr>
-          </a:p>
-        </p:txBody>
-      </p:sp>
-      <p:sp>
-        <p:nvSpPr>
-          <p:cNvPr id="144" name="직사각형 143"/>
-          <p:cNvSpPr/>
-          <p:nvPr/>
-        </p:nvSpPr>
-        <p:spPr>
-          <a:xfrm>
-            <a:off x="556695" y="2210020"/>
-            <a:ext cx="1080000" cy="1080000"/>
-          </a:xfrm>
-          <a:prstGeom prst="rect">
-            <a:avLst/>
-          </a:prstGeom>
-          <a:solidFill>
-            <a:schemeClr val="bg1">
-              <a:lumMod val="95000"/>
-            </a:schemeClr>
-          </a:solidFill>
-          <a:ln w="3175">
-            <a:noFill/>
-          </a:ln>
-        </p:spPr>
-        <p:style>
-          <a:lnRef idx="2">
-            <a:schemeClr val="accent1">
-              <a:shade val="50000"/>
-            </a:schemeClr>
-          </a:lnRef>
-          <a:fillRef idx="1">
-            <a:schemeClr val="accent1"/>
-          </a:fillRef>
-          <a:effectRef idx="0">
-            <a:schemeClr val="accent1"/>
-          </a:effectRef>
-          <a:fontRef idx="minor">
-            <a:schemeClr val="lt1"/>
-          </a:fontRef>
-        </p:style>
-        <p:txBody>
-          <a:bodyPr rtlCol="0" anchor="ctr"/>
-          <a:lstStyle/>
-          <a:p>
-            <a:pPr algn="ctr"/>
-            <a:endParaRPr lang="ko-KR" altLang="en-US"/>
-          </a:p>
-        </p:txBody>
-      </p:sp>
-      <p:cxnSp>
-        <p:nvCxnSpPr>
-          <p:cNvPr id="145" name="직선 연결선 144"/>
-          <p:cNvCxnSpPr/>
-          <p:nvPr/>
-        </p:nvCxnSpPr>
-        <p:spPr>
-          <a:xfrm flipV="1">
-            <a:off x="540515" y="2210020"/>
-            <a:ext cx="1080000" cy="1080001"/>
-          </a:xfrm>
-          <a:prstGeom prst="line">
-            <a:avLst/>
-          </a:prstGeom>
-          <a:ln w="3175">
-            <a:solidFill>
-              <a:schemeClr val="bg1">
-                <a:lumMod val="65000"/>
-              </a:schemeClr>
-            </a:solidFill>
-          </a:ln>
-        </p:spPr>
-        <p:style>
-          <a:lnRef idx="1">
-            <a:schemeClr val="accent1"/>
-          </a:lnRef>
-          <a:fillRef idx="0">
-            <a:schemeClr val="accent1"/>
-          </a:fillRef>
-          <a:effectRef idx="0">
-            <a:schemeClr val="accent1"/>
-          </a:effectRef>
-          <a:fontRef idx="minor">
-            <a:schemeClr val="tx1"/>
-          </a:fontRef>
-        </p:style>
-      </p:cxnSp>
-      <p:sp>
-        <p:nvSpPr>
-          <p:cNvPr id="146" name="직사각형 145"/>
-          <p:cNvSpPr/>
-          <p:nvPr/>
-        </p:nvSpPr>
-        <p:spPr>
-          <a:xfrm>
-            <a:off x="2910781" y="2210020"/>
-            <a:ext cx="1080000" cy="1080000"/>
-          </a:xfrm>
-          <a:prstGeom prst="rect">
-            <a:avLst/>
-          </a:prstGeom>
-          <a:solidFill>
-            <a:schemeClr val="bg1">
-              <a:lumMod val="95000"/>
-            </a:schemeClr>
-          </a:solidFill>
-          <a:ln w="3175">
-            <a:noFill/>
-          </a:ln>
-        </p:spPr>
-        <p:style>
-          <a:lnRef idx="2">
-            <a:schemeClr val="accent1">
-              <a:shade val="50000"/>
-            </a:schemeClr>
-          </a:lnRef>
-          <a:fillRef idx="1">
-            <a:schemeClr val="accent1"/>
-          </a:fillRef>
-          <a:effectRef idx="0">
-            <a:schemeClr val="accent1"/>
-          </a:effectRef>
-          <a:fontRef idx="minor">
-            <a:schemeClr val="lt1"/>
-          </a:fontRef>
-        </p:style>
-        <p:txBody>
-          <a:bodyPr rtlCol="0" anchor="ctr"/>
-          <a:lstStyle/>
-          <a:p>
-            <a:pPr algn="ctr"/>
-            <a:endParaRPr lang="ko-KR" altLang="en-US"/>
-          </a:p>
-        </p:txBody>
-      </p:sp>
-      <p:sp>
-        <p:nvSpPr>
-          <p:cNvPr id="148" name="직사각형 147"/>
-          <p:cNvSpPr/>
-          <p:nvPr/>
-        </p:nvSpPr>
-        <p:spPr>
-          <a:xfrm>
-            <a:off x="1735803" y="2210020"/>
-            <a:ext cx="1080000" cy="1080000"/>
-          </a:xfrm>
-          <a:prstGeom prst="rect">
-            <a:avLst/>
-          </a:prstGeom>
-          <a:solidFill>
-            <a:schemeClr val="bg1">
-              <a:lumMod val="95000"/>
-            </a:schemeClr>
-          </a:solidFill>
-          <a:ln w="3175">
-            <a:noFill/>
-          </a:ln>
-        </p:spPr>
-        <p:style>
-          <a:lnRef idx="2">
-            <a:schemeClr val="accent1">
-              <a:shade val="50000"/>
-            </a:schemeClr>
-          </a:lnRef>
-          <a:fillRef idx="1">
-            <a:schemeClr val="accent1"/>
-          </a:fillRef>
-          <a:effectRef idx="0">
-            <a:schemeClr val="accent1"/>
-          </a:effectRef>
-          <a:fontRef idx="minor">
-            <a:schemeClr val="lt1"/>
-          </a:fontRef>
-        </p:style>
-        <p:txBody>
-          <a:bodyPr rtlCol="0" anchor="ctr"/>
-          <a:lstStyle/>
-          <a:p>
-            <a:pPr algn="ctr"/>
-            <a:endParaRPr lang="ko-KR" altLang="en-US"/>
-          </a:p>
-        </p:txBody>
-      </p:sp>
-      <p:sp>
-        <p:nvSpPr>
-          <p:cNvPr id="153" name="직사각형 152"/>
-          <p:cNvSpPr/>
-          <p:nvPr/>
-        </p:nvSpPr>
-        <p:spPr>
-          <a:xfrm>
-            <a:off x="5267714" y="2210020"/>
-            <a:ext cx="1080000" cy="1080000"/>
-          </a:xfrm>
-          <a:prstGeom prst="rect">
-            <a:avLst/>
-          </a:prstGeom>
-          <a:solidFill>
-            <a:schemeClr val="bg1">
-              <a:lumMod val="95000"/>
-            </a:schemeClr>
-          </a:solidFill>
-          <a:ln w="3175">
-            <a:noFill/>
-          </a:ln>
-        </p:spPr>
-        <p:style>
-          <a:lnRef idx="2">
-            <a:schemeClr val="accent1">
-              <a:shade val="50000"/>
-            </a:schemeClr>
-          </a:lnRef>
-          <a:fillRef idx="1">
-            <a:schemeClr val="accent1"/>
-          </a:fillRef>
-          <a:effectRef idx="0">
-            <a:schemeClr val="accent1"/>
-          </a:effectRef>
-          <a:fontRef idx="minor">
-            <a:schemeClr val="lt1"/>
-          </a:fontRef>
-        </p:style>
-        <p:txBody>
-          <a:bodyPr rtlCol="0" anchor="ctr"/>
-          <a:lstStyle/>
-          <a:p>
-            <a:pPr algn="ctr"/>
-            <a:endParaRPr lang="ko-KR" altLang="en-US"/>
-          </a:p>
-        </p:txBody>
-      </p:sp>
-      <p:sp>
-        <p:nvSpPr>
-          <p:cNvPr id="154" name="직사각형 153"/>
-          <p:cNvSpPr/>
-          <p:nvPr/>
-        </p:nvSpPr>
-        <p:spPr>
-          <a:xfrm>
-            <a:off x="4084223" y="2210020"/>
-            <a:ext cx="1080000" cy="1080000"/>
-          </a:xfrm>
-          <a:prstGeom prst="rect">
-            <a:avLst/>
-          </a:prstGeom>
-          <a:solidFill>
-            <a:schemeClr val="bg1">
-              <a:lumMod val="95000"/>
-            </a:schemeClr>
-          </a:solidFill>
-          <a:ln w="3175">
-            <a:noFill/>
-          </a:ln>
-        </p:spPr>
-        <p:style>
-          <a:lnRef idx="2">
-            <a:schemeClr val="accent1">
-              <a:shade val="50000"/>
-            </a:schemeClr>
-          </a:lnRef>
-          <a:fillRef idx="1">
-            <a:schemeClr val="accent1"/>
-          </a:fillRef>
-          <a:effectRef idx="0">
-            <a:schemeClr val="accent1"/>
-          </a:effectRef>
-          <a:fontRef idx="minor">
-            <a:schemeClr val="lt1"/>
-          </a:fontRef>
-        </p:style>
-        <p:txBody>
-          <a:bodyPr rtlCol="0" anchor="ctr"/>
-          <a:lstStyle/>
-          <a:p>
-            <a:pPr algn="ctr"/>
-            <a:endParaRPr lang="ko-KR" altLang="en-US"/>
-          </a:p>
-        </p:txBody>
-      </p:sp>
-      <p:cxnSp>
-        <p:nvCxnSpPr>
-          <p:cNvPr id="156" name="직선 연결선 155"/>
-          <p:cNvCxnSpPr/>
-          <p:nvPr/>
-        </p:nvCxnSpPr>
-        <p:spPr>
-          <a:xfrm flipV="1">
-            <a:off x="1735803" y="2210020"/>
-            <a:ext cx="1080000" cy="1080001"/>
-          </a:xfrm>
-          <a:prstGeom prst="line">
-            <a:avLst/>
-          </a:prstGeom>
-          <a:ln w="3175">
-            <a:solidFill>
-              <a:schemeClr val="bg1">
-                <a:lumMod val="65000"/>
-              </a:schemeClr>
-            </a:solidFill>
-          </a:ln>
-        </p:spPr>
-        <p:style>
-          <a:lnRef idx="1">
-            <a:schemeClr val="accent1"/>
-          </a:lnRef>
-          <a:fillRef idx="0">
-            <a:schemeClr val="accent1"/>
-          </a:fillRef>
-          <a:effectRef idx="0">
-            <a:schemeClr val="accent1"/>
-          </a:effectRef>
-          <a:fontRef idx="minor">
-            <a:schemeClr val="tx1"/>
-          </a:fontRef>
-        </p:style>
-      </p:cxnSp>
-      <p:cxnSp>
-        <p:nvCxnSpPr>
-          <p:cNvPr id="157" name="직선 연결선 156"/>
-          <p:cNvCxnSpPr/>
-          <p:nvPr/>
-        </p:nvCxnSpPr>
-        <p:spPr>
-          <a:xfrm flipV="1">
-            <a:off x="2910781" y="2210020"/>
-            <a:ext cx="1080000" cy="1080001"/>
-          </a:xfrm>
-          <a:prstGeom prst="line">
-            <a:avLst/>
-          </a:prstGeom>
-          <a:ln w="3175">
-            <a:solidFill>
-              <a:schemeClr val="bg1">
-                <a:lumMod val="65000"/>
-              </a:schemeClr>
-            </a:solidFill>
-          </a:ln>
-        </p:spPr>
-        <p:style>
-          <a:lnRef idx="1">
-            <a:schemeClr val="accent1"/>
-          </a:lnRef>
-          <a:fillRef idx="0">
-            <a:schemeClr val="accent1"/>
-          </a:fillRef>
-          <a:effectRef idx="0">
-            <a:schemeClr val="accent1"/>
-          </a:effectRef>
-          <a:fontRef idx="minor">
-            <a:schemeClr val="tx1"/>
-          </a:fontRef>
-        </p:style>
-      </p:cxnSp>
-      <p:cxnSp>
-        <p:nvCxnSpPr>
-          <p:cNvPr id="158" name="직선 연결선 157"/>
-          <p:cNvCxnSpPr/>
-          <p:nvPr/>
-        </p:nvCxnSpPr>
-        <p:spPr>
-          <a:xfrm flipV="1">
-            <a:off x="4084223" y="2210020"/>
-            <a:ext cx="1080000" cy="1079321"/>
-          </a:xfrm>
-          <a:prstGeom prst="line">
-            <a:avLst/>
-          </a:prstGeom>
-          <a:ln w="3175">
-            <a:solidFill>
-              <a:schemeClr val="bg1">
-                <a:lumMod val="65000"/>
-              </a:schemeClr>
-            </a:solidFill>
-          </a:ln>
-        </p:spPr>
-        <p:style>
-          <a:lnRef idx="1">
-            <a:schemeClr val="accent1"/>
-          </a:lnRef>
-          <a:fillRef idx="0">
-            <a:schemeClr val="accent1"/>
-          </a:fillRef>
-          <a:effectRef idx="0">
-            <a:schemeClr val="accent1"/>
-          </a:effectRef>
-          <a:fontRef idx="minor">
-            <a:schemeClr val="tx1"/>
-          </a:fontRef>
-        </p:style>
-      </p:cxnSp>
-      <p:cxnSp>
-        <p:nvCxnSpPr>
-          <p:cNvPr id="159" name="직선 연결선 158"/>
-          <p:cNvCxnSpPr/>
-          <p:nvPr/>
-        </p:nvCxnSpPr>
-        <p:spPr>
-          <a:xfrm flipV="1">
-            <a:off x="5254860" y="2209340"/>
-            <a:ext cx="1080000" cy="1080001"/>
-          </a:xfrm>
-          <a:prstGeom prst="line">
-            <a:avLst/>
-          </a:prstGeom>
-          <a:ln w="3175">
-            <a:solidFill>
-              <a:schemeClr val="bg1">
-                <a:lumMod val="65000"/>
-              </a:schemeClr>
-            </a:solidFill>
-          </a:ln>
-        </p:spPr>
-        <p:style>
-          <a:lnRef idx="1">
-            <a:schemeClr val="accent1"/>
-          </a:lnRef>
-          <a:fillRef idx="0">
-            <a:schemeClr val="accent1"/>
-          </a:fillRef>
-          <a:effectRef idx="0">
-            <a:schemeClr val="accent1"/>
-          </a:effectRef>
-          <a:fontRef idx="minor">
-            <a:schemeClr val="tx1"/>
-          </a:fontRef>
-        </p:style>
-      </p:cxnSp>
-      <p:sp>
-        <p:nvSpPr>
-          <p:cNvPr id="180" name="TextBox 179"/>
-          <p:cNvSpPr txBox="1"/>
-          <p:nvPr/>
-        </p:nvSpPr>
-        <p:spPr>
-          <a:xfrm>
-            <a:off x="3094064" y="3965808"/>
-            <a:ext cx="729687" cy="253916"/>
-          </a:xfrm>
-          <a:prstGeom prst="rect">
-            <a:avLst/>
-          </a:prstGeom>
-          <a:noFill/>
-          <a:ln w="3175">
-            <a:noFill/>
-          </a:ln>
-        </p:spPr>
-        <p:txBody>
-          <a:bodyPr wrap="none" rtlCol="0">
-            <a:spAutoFit/>
-          </a:bodyPr>
-          <a:lstStyle/>
-          <a:p>
-            <a:pPr algn="ctr"/>
-            <a:r>
-              <a:rPr lang="ko-KR" altLang="en-US" sz="1050" b="1" dirty="0" smtClean="0">
-                <a:solidFill>
-                  <a:schemeClr val="tx1"/>
-                </a:solidFill>
-                <a:latin typeface="+mj-ea"/>
-                <a:ea typeface="+mj-ea"/>
-              </a:rPr>
-              <a:t>추천 상품</a:t>
-            </a:r>
-            <a:endParaRPr lang="ko-KR" altLang="en-US" sz="1050" b="1" dirty="0">
-              <a:solidFill>
-                <a:schemeClr val="tx1"/>
-              </a:solidFill>
-              <a:latin typeface="+mj-ea"/>
-              <a:ea typeface="+mj-ea"/>
-            </a:endParaRPr>
-          </a:p>
-        </p:txBody>
-      </p:sp>
-      <p:cxnSp>
-        <p:nvCxnSpPr>
-          <p:cNvPr id="181" name="직선 연결선 180"/>
-          <p:cNvCxnSpPr/>
-          <p:nvPr/>
-        </p:nvCxnSpPr>
-        <p:spPr>
-          <a:xfrm flipH="1">
-            <a:off x="543226" y="4104308"/>
-            <a:ext cx="2587800" cy="0"/>
-          </a:xfrm>
-          <a:prstGeom prst="line">
-            <a:avLst/>
-          </a:prstGeom>
-          <a:ln w="3175">
-            <a:solidFill>
-              <a:schemeClr val="bg1">
-                <a:lumMod val="65000"/>
-              </a:schemeClr>
-            </a:solidFill>
-          </a:ln>
-        </p:spPr>
-        <p:style>
-          <a:lnRef idx="1">
-            <a:schemeClr val="accent1"/>
-          </a:lnRef>
-          <a:fillRef idx="0">
-            <a:schemeClr val="accent1"/>
-          </a:fillRef>
-          <a:effectRef idx="0">
-            <a:schemeClr val="accent1"/>
-          </a:effectRef>
-          <a:fontRef idx="minor">
-            <a:schemeClr val="tx1"/>
-          </a:fontRef>
-        </p:style>
-      </p:cxnSp>
-      <p:cxnSp>
-        <p:nvCxnSpPr>
-          <p:cNvPr id="182" name="직선 연결선 181"/>
-          <p:cNvCxnSpPr/>
-          <p:nvPr/>
-        </p:nvCxnSpPr>
-        <p:spPr>
-          <a:xfrm flipH="1">
-            <a:off x="3767740" y="4104307"/>
-            <a:ext cx="2582685" cy="0"/>
-          </a:xfrm>
-          <a:prstGeom prst="line">
-            <a:avLst/>
-          </a:prstGeom>
-          <a:ln w="3175">
-            <a:solidFill>
-              <a:schemeClr val="bg1">
-                <a:lumMod val="65000"/>
-              </a:schemeClr>
-            </a:solidFill>
-          </a:ln>
-        </p:spPr>
-        <p:style>
-          <a:lnRef idx="1">
-            <a:schemeClr val="accent1"/>
-          </a:lnRef>
-          <a:fillRef idx="0">
-            <a:schemeClr val="accent1"/>
-          </a:fillRef>
-          <a:effectRef idx="0">
-            <a:schemeClr val="accent1"/>
-          </a:effectRef>
-          <a:fontRef idx="minor">
-            <a:schemeClr val="tx1"/>
-          </a:fontRef>
-        </p:style>
-      </p:cxnSp>
-      <p:sp>
-        <p:nvSpPr>
-          <p:cNvPr id="183" name="TextBox 182"/>
-          <p:cNvSpPr txBox="1"/>
-          <p:nvPr/>
-        </p:nvSpPr>
-        <p:spPr>
-          <a:xfrm>
-            <a:off x="2909922" y="3609203"/>
-            <a:ext cx="1066478" cy="276999"/>
-          </a:xfrm>
-          <a:prstGeom prst="rect">
-            <a:avLst/>
-          </a:prstGeom>
-          <a:noFill/>
-        </p:spPr>
-        <p:txBody>
-          <a:bodyPr wrap="square" rtlCol="0" anchor="ctr">
-            <a:spAutoFit/>
-          </a:bodyPr>
-          <a:lstStyle/>
-          <a:p>
-            <a:pPr algn="ctr"/>
-            <a:r>
-              <a:rPr lang="ko-KR" altLang="en-US" sz="700" dirty="0" err="1" smtClean="0">
-                <a:solidFill>
-                  <a:schemeClr val="bg1">
-                    <a:lumMod val="50000"/>
-                  </a:schemeClr>
-                </a:solidFill>
-                <a:latin typeface="+mn-ea"/>
-                <a:ea typeface="+mn-ea"/>
-              </a:rPr>
-              <a:t>더보기</a:t>
-            </a:r>
-            <a:endParaRPr lang="en-US" altLang="ko-KR" sz="700" dirty="0">
-              <a:solidFill>
-                <a:schemeClr val="bg1">
-                  <a:lumMod val="50000"/>
-                </a:schemeClr>
-              </a:solidFill>
-              <a:latin typeface="+mn-ea"/>
-              <a:ea typeface="+mn-ea"/>
-            </a:endParaRPr>
-          </a:p>
-          <a:p>
-            <a:pPr algn="ctr"/>
-            <a:r>
-              <a:rPr lang="ko-KR" altLang="en-US" sz="500" dirty="0" smtClean="0">
-                <a:solidFill>
-                  <a:schemeClr val="bg1">
-                    <a:lumMod val="50000"/>
-                  </a:schemeClr>
-                </a:solidFill>
-                <a:latin typeface="+mn-ea"/>
-                <a:ea typeface="+mn-ea"/>
-              </a:rPr>
-              <a:t>∨</a:t>
-            </a:r>
-            <a:endParaRPr lang="ko-KR" altLang="en-US" sz="500" dirty="0">
-              <a:solidFill>
-                <a:schemeClr val="bg1">
-                  <a:lumMod val="50000"/>
-                </a:schemeClr>
-              </a:solidFill>
-              <a:latin typeface="+mn-ea"/>
-              <a:ea typeface="+mn-ea"/>
-            </a:endParaRPr>
-          </a:p>
-        </p:txBody>
-      </p:sp>
-      <p:sp>
-        <p:nvSpPr>
-          <p:cNvPr id="186" name="직사각형 185"/>
-          <p:cNvSpPr/>
-          <p:nvPr/>
-        </p:nvSpPr>
-        <p:spPr>
-          <a:xfrm>
-            <a:off x="3549970" y="4340490"/>
-            <a:ext cx="1312396" cy="803010"/>
-          </a:xfrm>
-          <a:prstGeom prst="rect">
-            <a:avLst/>
-          </a:prstGeom>
-          <a:solidFill>
-            <a:schemeClr val="bg1">
-              <a:lumMod val="95000"/>
-            </a:schemeClr>
-          </a:solidFill>
-          <a:ln w="3175">
-            <a:noFill/>
-          </a:ln>
-        </p:spPr>
-        <p:style>
-          <a:lnRef idx="2">
-            <a:schemeClr val="accent1">
-              <a:shade val="50000"/>
-            </a:schemeClr>
-          </a:lnRef>
-          <a:fillRef idx="1">
-            <a:schemeClr val="accent1"/>
-          </a:fillRef>
-          <a:effectRef idx="0">
-            <a:schemeClr val="accent1"/>
-          </a:effectRef>
-          <a:fontRef idx="minor">
-            <a:schemeClr val="lt1"/>
-          </a:fontRef>
-        </p:style>
-        <p:txBody>
-          <a:bodyPr rtlCol="0" anchor="ctr"/>
-          <a:lstStyle/>
-          <a:p>
-            <a:pPr algn="ctr"/>
-            <a:endParaRPr lang="ko-KR" altLang="en-US"/>
-          </a:p>
-        </p:txBody>
-      </p:sp>
-      <p:sp>
-        <p:nvSpPr>
-          <p:cNvPr id="192" name="직사각형 191"/>
-          <p:cNvSpPr/>
-          <p:nvPr/>
-        </p:nvSpPr>
-        <p:spPr>
-          <a:xfrm>
-            <a:off x="5037626" y="4340488"/>
-            <a:ext cx="1312396" cy="803012"/>
-          </a:xfrm>
-          <a:prstGeom prst="rect">
-            <a:avLst/>
-          </a:prstGeom>
-          <a:solidFill>
-            <a:schemeClr val="bg1">
-              <a:lumMod val="95000"/>
-            </a:schemeClr>
-          </a:solidFill>
-          <a:ln w="3175">
-            <a:noFill/>
-          </a:ln>
-        </p:spPr>
-        <p:style>
-          <a:lnRef idx="2">
-            <a:schemeClr val="accent1">
-              <a:shade val="50000"/>
-            </a:schemeClr>
-          </a:lnRef>
-          <a:fillRef idx="1">
-            <a:schemeClr val="accent1"/>
-          </a:fillRef>
-          <a:effectRef idx="0">
-            <a:schemeClr val="accent1"/>
-          </a:effectRef>
-          <a:fontRef idx="minor">
-            <a:schemeClr val="lt1"/>
-          </a:fontRef>
-        </p:style>
-        <p:txBody>
-          <a:bodyPr rtlCol="0" anchor="ctr"/>
-          <a:lstStyle/>
-          <a:p>
-            <a:pPr algn="ctr"/>
-            <a:endParaRPr lang="ko-KR" altLang="en-US"/>
-          </a:p>
-        </p:txBody>
-      </p:sp>
-      <p:sp>
-        <p:nvSpPr>
-          <p:cNvPr id="194" name="직사각형 193"/>
-          <p:cNvSpPr/>
-          <p:nvPr/>
-        </p:nvSpPr>
-        <p:spPr>
-          <a:xfrm>
-            <a:off x="555680" y="4340492"/>
-            <a:ext cx="1312396" cy="803009"/>
-          </a:xfrm>
-          <a:prstGeom prst="rect">
-            <a:avLst/>
-          </a:prstGeom>
-          <a:solidFill>
-            <a:schemeClr val="bg1">
-              <a:lumMod val="95000"/>
-            </a:schemeClr>
-          </a:solidFill>
-          <a:ln w="3175">
-            <a:noFill/>
-          </a:ln>
-        </p:spPr>
-        <p:style>
-          <a:lnRef idx="2">
-            <a:schemeClr val="accent1">
-              <a:shade val="50000"/>
-            </a:schemeClr>
-          </a:lnRef>
-          <a:fillRef idx="1">
-            <a:schemeClr val="accent1"/>
-          </a:fillRef>
-          <a:effectRef idx="0">
-            <a:schemeClr val="accent1"/>
-          </a:effectRef>
-          <a:fontRef idx="minor">
-            <a:schemeClr val="lt1"/>
-          </a:fontRef>
-        </p:style>
-        <p:txBody>
-          <a:bodyPr rtlCol="0" anchor="ctr"/>
-          <a:lstStyle/>
-          <a:p>
-            <a:pPr algn="ctr"/>
-            <a:endParaRPr lang="ko-KR" altLang="en-US"/>
-          </a:p>
-        </p:txBody>
-      </p:sp>
-      <p:sp>
-        <p:nvSpPr>
-          <p:cNvPr id="197" name="직사각형 196"/>
-          <p:cNvSpPr/>
-          <p:nvPr/>
-        </p:nvSpPr>
-        <p:spPr>
-          <a:xfrm>
-            <a:off x="2049200" y="4340488"/>
-            <a:ext cx="1312396" cy="803012"/>
-          </a:xfrm>
-          <a:prstGeom prst="rect">
-            <a:avLst/>
-          </a:prstGeom>
-          <a:solidFill>
-            <a:schemeClr val="bg1">
-              <a:lumMod val="95000"/>
-            </a:schemeClr>
-          </a:solidFill>
-          <a:ln w="3175">
-            <a:noFill/>
-          </a:ln>
-        </p:spPr>
-        <p:style>
-          <a:lnRef idx="2">
-            <a:schemeClr val="accent1">
-              <a:shade val="50000"/>
-            </a:schemeClr>
-          </a:lnRef>
-          <a:fillRef idx="1">
-            <a:schemeClr val="accent1"/>
-          </a:fillRef>
-          <a:effectRef idx="0">
-            <a:schemeClr val="accent1"/>
-          </a:effectRef>
-          <a:fontRef idx="minor">
-            <a:schemeClr val="lt1"/>
-          </a:fontRef>
-        </p:style>
-        <p:txBody>
-          <a:bodyPr rtlCol="0" anchor="ctr"/>
-          <a:lstStyle/>
-          <a:p>
-            <a:pPr algn="ctr"/>
-            <a:endParaRPr lang="ko-KR" altLang="en-US"/>
-          </a:p>
-        </p:txBody>
-      </p:sp>
-      <p:cxnSp>
-        <p:nvCxnSpPr>
-          <p:cNvPr id="201" name="직선 연결선 200"/>
-          <p:cNvCxnSpPr/>
-          <p:nvPr/>
-        </p:nvCxnSpPr>
-        <p:spPr>
-          <a:xfrm flipV="1">
-            <a:off x="577136" y="4340488"/>
-            <a:ext cx="1290940" cy="803012"/>
-          </a:xfrm>
-          <a:prstGeom prst="line">
-            <a:avLst/>
-          </a:prstGeom>
-          <a:ln w="3175">
-            <a:solidFill>
-              <a:schemeClr val="bg1">
-                <a:lumMod val="65000"/>
-              </a:schemeClr>
-            </a:solidFill>
-          </a:ln>
-        </p:spPr>
-        <p:style>
-          <a:lnRef idx="1">
-            <a:schemeClr val="accent1"/>
-          </a:lnRef>
-          <a:fillRef idx="0">
-            <a:schemeClr val="accent1"/>
-          </a:fillRef>
-          <a:effectRef idx="0">
-            <a:schemeClr val="accent1"/>
-          </a:effectRef>
-          <a:fontRef idx="minor">
-            <a:schemeClr val="tx1"/>
-          </a:fontRef>
-        </p:style>
-      </p:cxnSp>
-      <p:cxnSp>
-        <p:nvCxnSpPr>
-          <p:cNvPr id="202" name="직선 연결선 201"/>
-          <p:cNvCxnSpPr/>
-          <p:nvPr/>
-        </p:nvCxnSpPr>
-        <p:spPr>
-          <a:xfrm flipV="1">
-            <a:off x="2070656" y="4340492"/>
-            <a:ext cx="1290940" cy="803012"/>
-          </a:xfrm>
-          <a:prstGeom prst="line">
-            <a:avLst/>
-          </a:prstGeom>
-          <a:ln w="3175">
-            <a:solidFill>
-              <a:schemeClr val="bg1">
-                <a:lumMod val="65000"/>
-              </a:schemeClr>
-            </a:solidFill>
-          </a:ln>
-        </p:spPr>
-        <p:style>
-          <a:lnRef idx="1">
-            <a:schemeClr val="accent1"/>
-          </a:lnRef>
-          <a:fillRef idx="0">
-            <a:schemeClr val="accent1"/>
-          </a:fillRef>
-          <a:effectRef idx="0">
-            <a:schemeClr val="accent1"/>
-          </a:effectRef>
-          <a:fontRef idx="minor">
-            <a:schemeClr val="tx1"/>
-          </a:fontRef>
-        </p:style>
-      </p:cxnSp>
-      <p:cxnSp>
-        <p:nvCxnSpPr>
-          <p:cNvPr id="203" name="직선 연결선 202"/>
-          <p:cNvCxnSpPr/>
-          <p:nvPr/>
-        </p:nvCxnSpPr>
-        <p:spPr>
-          <a:xfrm flipV="1">
-            <a:off x="3560698" y="4340492"/>
-            <a:ext cx="1290940" cy="803012"/>
-          </a:xfrm>
-          <a:prstGeom prst="line">
-            <a:avLst/>
-          </a:prstGeom>
-          <a:ln w="3175">
-            <a:solidFill>
-              <a:schemeClr val="bg1">
-                <a:lumMod val="65000"/>
-              </a:schemeClr>
-            </a:solidFill>
-          </a:ln>
-        </p:spPr>
-        <p:style>
-          <a:lnRef idx="1">
-            <a:schemeClr val="accent1"/>
-          </a:lnRef>
-          <a:fillRef idx="0">
-            <a:schemeClr val="accent1"/>
-          </a:fillRef>
-          <a:effectRef idx="0">
-            <a:schemeClr val="accent1"/>
-          </a:effectRef>
-          <a:fontRef idx="minor">
-            <a:schemeClr val="tx1"/>
-          </a:fontRef>
-        </p:style>
-      </p:cxnSp>
-      <p:cxnSp>
-        <p:nvCxnSpPr>
-          <p:cNvPr id="204" name="직선 연결선 203"/>
-          <p:cNvCxnSpPr/>
-          <p:nvPr/>
-        </p:nvCxnSpPr>
-        <p:spPr>
-          <a:xfrm flipV="1">
-            <a:off x="5049179" y="4340492"/>
-            <a:ext cx="1290940" cy="803012"/>
-          </a:xfrm>
-          <a:prstGeom prst="line">
-            <a:avLst/>
-          </a:prstGeom>
-          <a:ln w="3175">
-            <a:solidFill>
-              <a:schemeClr val="bg1">
-                <a:lumMod val="65000"/>
-              </a:schemeClr>
-            </a:solidFill>
-          </a:ln>
-        </p:spPr>
-        <p:style>
-          <a:lnRef idx="1">
-            <a:schemeClr val="accent1"/>
-          </a:lnRef>
-          <a:fillRef idx="0">
-            <a:schemeClr val="accent1"/>
-          </a:fillRef>
-          <a:effectRef idx="0">
-            <a:schemeClr val="accent1"/>
-          </a:effectRef>
-          <a:fontRef idx="minor">
-            <a:schemeClr val="tx1"/>
-          </a:fontRef>
-        </p:style>
-      </p:cxnSp>
-      <p:sp>
-        <p:nvSpPr>
-          <p:cNvPr id="32" name="직사각형 31"/>
-          <p:cNvSpPr/>
-          <p:nvPr/>
-        </p:nvSpPr>
-        <p:spPr>
-          <a:xfrm>
-            <a:off x="329253" y="4957539"/>
-            <a:ext cx="6253168" cy="185961"/>
-          </a:xfrm>
-          <a:prstGeom prst="rect">
             <a:avLst/>
           </a:prstGeom>
           <a:solidFill>
@@ -15420,203 +10607,48 @@
       </p:sp>
       <p:sp>
         <p:nvSpPr>
-          <p:cNvPr id="205" name="TextBox 204"/>
+          <p:cNvPr id="28" name="TextBox 27"/>
           <p:cNvSpPr txBox="1"/>
           <p:nvPr/>
         </p:nvSpPr>
         <p:spPr>
           <a:xfrm>
-            <a:off x="6889175" y="439594"/>
-            <a:ext cx="2254825" cy="1477328"/>
+            <a:off x="5908067" y="3035441"/>
+            <a:ext cx="635109" cy="214674"/>
           </a:xfrm>
           <a:prstGeom prst="rect">
             <a:avLst/>
           </a:prstGeom>
           <a:noFill/>
+          <a:ln w="3175">
+            <a:noFill/>
+          </a:ln>
         </p:spPr>
         <p:txBody>
-          <a:bodyPr wrap="square" rtlCol="0">
+          <a:bodyPr wrap="none" rtlCol="0" anchor="ctr">
             <a:spAutoFit/>
           </a:bodyPr>
           <a:lstStyle/>
           <a:p>
-            <a:pPr>
+            <a:pPr algn="ctr">
               <a:lnSpc>
                 <a:spcPct val="150000"/>
               </a:lnSpc>
             </a:pPr>
             <a:r>
-              <a:rPr lang="en-US" altLang="ko-KR" sz="1000" dirty="0" smtClean="0">
+              <a:rPr lang="en-US" altLang="ko-KR" sz="600" dirty="0" smtClean="0">
+                <a:solidFill>
+                  <a:schemeClr val="tx1"/>
+                </a:solidFill>
                 <a:latin typeface="+mn-ea"/>
                 <a:ea typeface="+mn-ea"/>
               </a:rPr>
-              <a:t>3_2. </a:t>
-            </a:r>
-            <a:r>
-              <a:rPr lang="ko-KR" altLang="en-US" sz="1000" dirty="0" smtClean="0">
-                <a:latin typeface="+mn-ea"/>
-                <a:ea typeface="+mn-ea"/>
-              </a:rPr>
-              <a:t>제품 정보 클릭할 경우</a:t>
-            </a:r>
-            <a:endParaRPr lang="en-US" altLang="ko-KR" sz="1000" dirty="0" smtClean="0">
-              <a:latin typeface="+mn-ea"/>
-              <a:ea typeface="+mn-ea"/>
-            </a:endParaRPr>
-          </a:p>
-          <a:p>
-            <a:pPr>
-              <a:lnSpc>
-                <a:spcPct val="150000"/>
-              </a:lnSpc>
-            </a:pPr>
-            <a:r>
-              <a:rPr lang="en-US" altLang="ko-KR" sz="1000" dirty="0" smtClean="0">
-                <a:latin typeface="+mn-ea"/>
-                <a:ea typeface="+mn-ea"/>
-              </a:rPr>
-              <a:t>        </a:t>
-            </a:r>
-            <a:r>
-              <a:rPr lang="ko-KR" altLang="en-US" sz="1000" dirty="0" smtClean="0">
-                <a:latin typeface="+mn-ea"/>
-                <a:ea typeface="+mn-ea"/>
-              </a:rPr>
-              <a:t>해당 </a:t>
-            </a:r>
-            <a:r>
-              <a:rPr lang="ko-KR" altLang="en-US" sz="1000" dirty="0">
-                <a:latin typeface="+mn-ea"/>
-                <a:ea typeface="+mn-ea"/>
-              </a:rPr>
-              <a:t>제품 상세페이지</a:t>
-            </a:r>
-          </a:p>
-          <a:p>
-            <a:pPr>
-              <a:lnSpc>
-                <a:spcPct val="150000"/>
-              </a:lnSpc>
-            </a:pPr>
-            <a:r>
-              <a:rPr lang="ko-KR" altLang="en-US" sz="1000" dirty="0">
-                <a:latin typeface="+mn-ea"/>
-                <a:ea typeface="+mn-ea"/>
-              </a:rPr>
-              <a:t>        </a:t>
-            </a:r>
-            <a:r>
-              <a:rPr lang="ko-KR" altLang="en-US" sz="1000" dirty="0" err="1">
-                <a:latin typeface="+mn-ea"/>
-                <a:ea typeface="+mn-ea"/>
-              </a:rPr>
-              <a:t>바로가기</a:t>
-            </a:r>
-            <a:r>
-              <a:rPr lang="ko-KR" altLang="en-US" sz="1000" dirty="0">
-                <a:latin typeface="+mn-ea"/>
-                <a:ea typeface="+mn-ea"/>
-              </a:rPr>
-              <a:t> </a:t>
-            </a:r>
-            <a:r>
-              <a:rPr lang="en-US" altLang="ko-KR" sz="1000" dirty="0" smtClean="0">
-                <a:latin typeface="+mn-ea"/>
-              </a:rPr>
-              <a:t>link</a:t>
-            </a:r>
-          </a:p>
-          <a:p>
-            <a:pPr>
-              <a:lnSpc>
-                <a:spcPct val="150000"/>
-              </a:lnSpc>
-            </a:pPr>
-            <a:endParaRPr lang="en-US" altLang="ko-KR" sz="1000" dirty="0" smtClean="0">
-              <a:latin typeface="+mn-ea"/>
-              <a:ea typeface="+mn-ea"/>
-            </a:endParaRPr>
-          </a:p>
-          <a:p>
-            <a:pPr>
-              <a:lnSpc>
-                <a:spcPct val="150000"/>
-              </a:lnSpc>
-            </a:pPr>
-            <a:r>
-              <a:rPr lang="en-US" altLang="ko-KR" sz="1000" dirty="0" smtClean="0">
-                <a:latin typeface="+mn-ea"/>
-                <a:ea typeface="+mn-ea"/>
-              </a:rPr>
-              <a:t>5_1. </a:t>
-            </a:r>
-            <a:r>
-              <a:rPr lang="ko-KR" altLang="en-US" sz="1000" dirty="0" err="1" smtClean="0">
-                <a:latin typeface="+mn-ea"/>
-                <a:ea typeface="+mn-ea"/>
-              </a:rPr>
-              <a:t>더보기</a:t>
-            </a:r>
-            <a:r>
-              <a:rPr lang="ko-KR" altLang="en-US" sz="1000" dirty="0" smtClean="0">
-                <a:latin typeface="+mn-ea"/>
-                <a:ea typeface="+mn-ea"/>
-              </a:rPr>
-              <a:t> 클릭할 경우</a:t>
-            </a:r>
-            <a:endParaRPr lang="en-US" altLang="ko-KR" sz="1000" dirty="0" smtClean="0">
-              <a:latin typeface="+mn-ea"/>
-              <a:ea typeface="+mn-ea"/>
-            </a:endParaRPr>
-          </a:p>
-          <a:p>
-            <a:pPr>
-              <a:lnSpc>
-                <a:spcPct val="150000"/>
-              </a:lnSpc>
-            </a:pPr>
-            <a:r>
-              <a:rPr lang="en-US" altLang="ko-KR" sz="1000" dirty="0">
-                <a:latin typeface="+mn-ea"/>
-                <a:ea typeface="+mn-ea"/>
-              </a:rPr>
-              <a:t> </a:t>
-            </a:r>
-            <a:r>
-              <a:rPr lang="en-US" altLang="ko-KR" sz="1000" dirty="0" smtClean="0">
-                <a:latin typeface="+mn-ea"/>
-                <a:ea typeface="+mn-ea"/>
-              </a:rPr>
-              <a:t>       </a:t>
-            </a:r>
-            <a:r>
-              <a:rPr lang="ko-KR" altLang="en-US" sz="1000" dirty="0" smtClean="0">
-                <a:latin typeface="+mn-ea"/>
-                <a:ea typeface="+mn-ea"/>
-              </a:rPr>
-              <a:t>해당 페이지 </a:t>
-            </a:r>
-            <a:r>
-              <a:rPr lang="ko-KR" altLang="en-US" sz="1000" dirty="0" err="1" smtClean="0">
-                <a:latin typeface="+mn-ea"/>
-                <a:ea typeface="+mn-ea"/>
-              </a:rPr>
-              <a:t>바로가기</a:t>
-            </a:r>
-            <a:r>
-              <a:rPr lang="ko-KR" altLang="en-US" sz="1000" dirty="0" smtClean="0">
-                <a:latin typeface="+mn-ea"/>
-                <a:ea typeface="+mn-ea"/>
-              </a:rPr>
-              <a:t> </a:t>
-            </a:r>
-            <a:r>
-              <a:rPr lang="en-US" altLang="ko-KR" sz="1000" dirty="0">
-                <a:latin typeface="+mn-ea"/>
-              </a:rPr>
-              <a:t>link</a:t>
-            </a:r>
-            <a:endParaRPr lang="ko-KR" altLang="en-US" sz="1000" dirty="0">
+              <a:t>My 2020 S/S</a:t>
+            </a:r>
+            <a:endParaRPr lang="ko-KR" altLang="en-US" sz="600" dirty="0">
+              <a:solidFill>
+                <a:schemeClr val="tx1"/>
+              </a:solidFill>
               <a:latin typeface="+mn-ea"/>
               <a:ea typeface="+mn-ea"/>
             </a:endParaRPr>
@@ -15625,13 +10657,13 @@
       </p:sp>
       <p:sp>
         <p:nvSpPr>
-          <p:cNvPr id="188" name="Google Shape;188;p14"/>
+          <p:cNvPr id="29" name="Google Shape;189;p14"/>
           <p:cNvSpPr/>
           <p:nvPr/>
         </p:nvSpPr>
         <p:spPr>
           <a:xfrm>
-            <a:off x="3075014" y="3620640"/>
+            <a:off x="5800055" y="1946088"/>
             <a:ext cx="216024" cy="216024"/>
           </a:xfrm>
           <a:prstGeom prst="roundRect">
@@ -15642,7 +10674,7 @@
           <a:solidFill>
             <a:srgbClr val="E36C09"/>
           </a:solidFill>
-          <a:ln>
+          <a:ln w="3175">
             <a:noFill/>
           </a:ln>
         </p:spPr>
@@ -15662,16 +10694,12 @@
               <a:buNone/>
             </a:pPr>
             <a:r>
-              <a:rPr lang="en-US" sz="1050" b="1" dirty="0" smtClean="0">
+              <a:rPr lang="en-US" sz="1050" b="1" dirty="0">
                 <a:solidFill>
                   <a:schemeClr val="lt1"/>
                 </a:solidFill>
-                <a:latin typeface="Arial"/>
-                <a:ea typeface="Arial"/>
-                <a:cs typeface="Arial"/>
-                <a:sym typeface="Arial"/>
               </a:rPr>
-              <a:t>5</a:t>
+              <a:t>3</a:t>
             </a:r>
             <a:endParaRPr sz="1050" b="1" dirty="0">
               <a:solidFill>
@@ -15687,76 +10715,14 @@
       </p:sp>
       <p:sp>
         <p:nvSpPr>
-          <p:cNvPr id="190" name="Google Shape;190;p14"/>
+          <p:cNvPr id="30" name="Google Shape;218;p15"/>
           <p:cNvSpPr/>
           <p:nvPr/>
         </p:nvSpPr>
         <p:spPr>
           <a:xfrm>
-            <a:off x="221241" y="814418"/>
-            <a:ext cx="216024" cy="216024"/>
-          </a:xfrm>
-          <a:prstGeom prst="roundRect">
-            <a:avLst>
-              <a:gd name="adj" fmla="val 16667"/>
-            </a:avLst>
-          </a:prstGeom>
-          <a:solidFill>
-            <a:srgbClr val="E36C09"/>
-          </a:solidFill>
-          <a:ln>
-            <a:noFill/>
-          </a:ln>
-        </p:spPr>
-        <p:txBody>
-          <a:bodyPr spcFirstLastPara="1" wrap="square" lIns="0" tIns="45700" rIns="0" bIns="45700" anchor="ctr" anchorCtr="0">
-            <a:noAutofit/>
-          </a:bodyPr>
-          <a:lstStyle/>
-          <a:p>
-            <a:pPr marL="0" marR="0" lvl="0" indent="0" algn="ctr" rtl="0">
-              <a:spcBef>
-                <a:spcPts val="0"/>
-              </a:spcBef>
-              <a:spcAft>
-                <a:spcPts val="0"/>
-              </a:spcAft>
-              <a:buNone/>
-            </a:pPr>
-            <a:r>
-              <a:rPr lang="en-US" sz="1050" b="1" dirty="0">
-                <a:solidFill>
-                  <a:schemeClr val="lt1"/>
-                </a:solidFill>
-                <a:latin typeface="Arial"/>
-                <a:ea typeface="Arial"/>
-                <a:cs typeface="Arial"/>
-                <a:sym typeface="Arial"/>
-              </a:rPr>
-              <a:t>3</a:t>
-            </a:r>
-            <a:endParaRPr sz="1050" b="1" dirty="0">
-              <a:solidFill>
-                <a:schemeClr val="lt1"/>
-              </a:solidFill>
-              <a:latin typeface="Arial"/>
-              <a:ea typeface="Arial"/>
-              <a:cs typeface="Arial"/>
-              <a:sym typeface="Arial"/>
-            </a:endParaRPr>
-          </a:p>
-        </p:txBody>
-      </p:sp>
-      <p:sp>
-        <p:nvSpPr>
-          <p:cNvPr id="67" name="Google Shape;218;p15"/>
-          <p:cNvSpPr/>
-          <p:nvPr/>
-        </p:nvSpPr>
-        <p:spPr>
-          <a:xfrm>
-            <a:off x="494200" y="444204"/>
-            <a:ext cx="5923249" cy="3127866"/>
+            <a:off x="5908067" y="2060641"/>
+            <a:ext cx="815162" cy="1292159"/>
           </a:xfrm>
           <a:prstGeom prst="roundRect">
             <a:avLst>
@@ -15805,24 +10771,22 @@
       </p:sp>
       <p:sp>
         <p:nvSpPr>
-          <p:cNvPr id="82" name="타원 81"/>
+          <p:cNvPr id="31" name="타원 30"/>
           <p:cNvSpPr/>
           <p:nvPr/>
         </p:nvSpPr>
         <p:spPr>
           <a:xfrm>
-            <a:off x="6429450" y="4577952"/>
-            <a:ext cx="288000" cy="288000"/>
+            <a:off x="6525504" y="2209791"/>
+            <a:ext cx="71438" cy="71438"/>
           </a:xfrm>
           <a:prstGeom prst="ellipse">
             <a:avLst/>
           </a:prstGeom>
           <a:solidFill>
-            <a:schemeClr val="bg1">
-              <a:lumMod val="95000"/>
-            </a:schemeClr>
+            <a:schemeClr val="bg1"/>
           </a:solidFill>
-          <a:ln w="3175">
+          <a:ln>
             <a:noFill/>
           </a:ln>
         </p:spPr>
@@ -15851,10 +10815,1226 @@
           </a:p>
         </p:txBody>
       </p:sp>
+      <p:sp>
+        <p:nvSpPr>
+          <p:cNvPr id="33" name="타원 32"/>
+          <p:cNvSpPr/>
+          <p:nvPr/>
+        </p:nvSpPr>
+        <p:spPr>
+          <a:xfrm>
+            <a:off x="6525520" y="2438078"/>
+            <a:ext cx="71438" cy="71438"/>
+          </a:xfrm>
+          <a:prstGeom prst="ellipse">
+            <a:avLst/>
+          </a:prstGeom>
+          <a:solidFill>
+            <a:schemeClr val="bg1"/>
+          </a:solidFill>
+          <a:ln>
+            <a:noFill/>
+          </a:ln>
+        </p:spPr>
+        <p:style>
+          <a:lnRef idx="2">
+            <a:schemeClr val="accent1">
+              <a:shade val="50000"/>
+            </a:schemeClr>
+          </a:lnRef>
+          <a:fillRef idx="1">
+            <a:schemeClr val="accent1"/>
+          </a:fillRef>
+          <a:effectRef idx="0">
+            <a:schemeClr val="accent1"/>
+          </a:effectRef>
+          <a:fontRef idx="minor">
+            <a:schemeClr val="lt1"/>
+          </a:fontRef>
+        </p:style>
+        <p:txBody>
+          <a:bodyPr rtlCol="0" anchor="ctr"/>
+          <a:lstStyle/>
+          <a:p>
+            <a:pPr algn="ctr"/>
+            <a:endParaRPr lang="ko-KR" altLang="en-US"/>
+          </a:p>
+        </p:txBody>
+      </p:sp>
+      <p:sp>
+        <p:nvSpPr>
+          <p:cNvPr id="34" name="타원 33"/>
+          <p:cNvSpPr/>
+          <p:nvPr/>
+        </p:nvSpPr>
+        <p:spPr>
+          <a:xfrm>
+            <a:off x="6523687" y="3122939"/>
+            <a:ext cx="71438" cy="71438"/>
+          </a:xfrm>
+          <a:prstGeom prst="ellipse">
+            <a:avLst/>
+          </a:prstGeom>
+          <a:solidFill>
+            <a:schemeClr val="bg1">
+              <a:lumMod val="50000"/>
+            </a:schemeClr>
+          </a:solidFill>
+          <a:ln>
+            <a:noFill/>
+          </a:ln>
+        </p:spPr>
+        <p:style>
+          <a:lnRef idx="2">
+            <a:schemeClr val="accent1">
+              <a:shade val="50000"/>
+            </a:schemeClr>
+          </a:lnRef>
+          <a:fillRef idx="1">
+            <a:schemeClr val="accent1"/>
+          </a:fillRef>
+          <a:effectRef idx="0">
+            <a:schemeClr val="accent1"/>
+          </a:effectRef>
+          <a:fontRef idx="minor">
+            <a:schemeClr val="lt1"/>
+          </a:fontRef>
+        </p:style>
+        <p:txBody>
+          <a:bodyPr rtlCol="0" anchor="ctr"/>
+          <a:lstStyle/>
+          <a:p>
+            <a:pPr algn="ctr"/>
+            <a:endParaRPr lang="ko-KR" altLang="en-US"/>
+          </a:p>
+        </p:txBody>
+      </p:sp>
+      <p:sp>
+        <p:nvSpPr>
+          <p:cNvPr id="35" name="타원 34"/>
+          <p:cNvSpPr/>
+          <p:nvPr/>
+        </p:nvSpPr>
+        <p:spPr>
+          <a:xfrm>
+            <a:off x="6523687" y="2894652"/>
+            <a:ext cx="71438" cy="71438"/>
+          </a:xfrm>
+          <a:prstGeom prst="ellipse">
+            <a:avLst/>
+          </a:prstGeom>
+          <a:solidFill>
+            <a:schemeClr val="bg1"/>
+          </a:solidFill>
+          <a:ln>
+            <a:noFill/>
+          </a:ln>
+        </p:spPr>
+        <p:style>
+          <a:lnRef idx="2">
+            <a:schemeClr val="accent1">
+              <a:shade val="50000"/>
+            </a:schemeClr>
+          </a:lnRef>
+          <a:fillRef idx="1">
+            <a:schemeClr val="accent1"/>
+          </a:fillRef>
+          <a:effectRef idx="0">
+            <a:schemeClr val="accent1"/>
+          </a:effectRef>
+          <a:fontRef idx="minor">
+            <a:schemeClr val="lt1"/>
+          </a:fontRef>
+        </p:style>
+        <p:txBody>
+          <a:bodyPr rtlCol="0" anchor="ctr"/>
+          <a:lstStyle/>
+          <a:p>
+            <a:pPr algn="ctr"/>
+            <a:endParaRPr lang="ko-KR" altLang="en-US"/>
+          </a:p>
+        </p:txBody>
+      </p:sp>
+      <p:grpSp>
+        <p:nvGrpSpPr>
+          <p:cNvPr id="36" name="그룹 35"/>
+          <p:cNvGrpSpPr/>
+          <p:nvPr/>
+        </p:nvGrpSpPr>
+        <p:grpSpPr>
+          <a:xfrm>
+            <a:off x="4165497" y="572539"/>
+            <a:ext cx="1262256" cy="1210541"/>
+            <a:chOff x="1775460" y="1541146"/>
+            <a:chExt cx="1262256" cy="2119312"/>
+          </a:xfrm>
+        </p:grpSpPr>
+        <p:sp>
+          <p:nvSpPr>
+            <p:cNvPr id="37" name="직사각형 36"/>
+            <p:cNvSpPr/>
+            <p:nvPr/>
+          </p:nvSpPr>
+          <p:spPr>
+            <a:xfrm>
+              <a:off x="1775460" y="1541146"/>
+              <a:ext cx="1262256" cy="2110740"/>
+            </a:xfrm>
+            <a:prstGeom prst="rect">
+              <a:avLst/>
+            </a:prstGeom>
+            <a:solidFill>
+              <a:schemeClr val="bg1">
+                <a:lumMod val="95000"/>
+              </a:schemeClr>
+            </a:solidFill>
+            <a:ln w="3175">
+              <a:solidFill>
+                <a:schemeClr val="bg1">
+                  <a:lumMod val="50000"/>
+                </a:schemeClr>
+              </a:solidFill>
+            </a:ln>
+          </p:spPr>
+          <p:style>
+            <a:lnRef idx="2">
+              <a:schemeClr val="accent1">
+                <a:shade val="50000"/>
+              </a:schemeClr>
+            </a:lnRef>
+            <a:fillRef idx="1">
+              <a:schemeClr val="accent1"/>
+            </a:fillRef>
+            <a:effectRef idx="0">
+              <a:schemeClr val="accent1"/>
+            </a:effectRef>
+            <a:fontRef idx="minor">
+              <a:schemeClr val="lt1"/>
+            </a:fontRef>
+          </p:style>
+          <p:txBody>
+            <a:bodyPr rtlCol="0" anchor="ctr"/>
+            <a:lstStyle/>
+            <a:p>
+              <a:pPr algn="ctr"/>
+              <a:endParaRPr lang="ko-KR" altLang="en-US"/>
+            </a:p>
+          </p:txBody>
+        </p:sp>
+        <p:cxnSp>
+          <p:nvCxnSpPr>
+            <p:cNvPr id="38" name="직선 연결선 37"/>
+            <p:cNvCxnSpPr/>
+            <p:nvPr/>
+          </p:nvCxnSpPr>
+          <p:spPr>
+            <a:xfrm flipH="1">
+              <a:off x="1775460" y="1549718"/>
+              <a:ext cx="1262256" cy="2110740"/>
+            </a:xfrm>
+            <a:prstGeom prst="line">
+              <a:avLst/>
+            </a:prstGeom>
+            <a:ln w="3175">
+              <a:solidFill>
+                <a:schemeClr val="bg1">
+                  <a:lumMod val="50000"/>
+                </a:schemeClr>
+              </a:solidFill>
+            </a:ln>
+          </p:spPr>
+          <p:style>
+            <a:lnRef idx="1">
+              <a:schemeClr val="accent1"/>
+            </a:lnRef>
+            <a:fillRef idx="0">
+              <a:schemeClr val="accent1"/>
+            </a:fillRef>
+            <a:effectRef idx="0">
+              <a:schemeClr val="accent1"/>
+            </a:effectRef>
+            <a:fontRef idx="minor">
+              <a:schemeClr val="tx1"/>
+            </a:fontRef>
+          </p:style>
+        </p:cxnSp>
+      </p:grpSp>
+      <p:grpSp>
+        <p:nvGrpSpPr>
+          <p:cNvPr id="39" name="그룹 38"/>
+          <p:cNvGrpSpPr/>
+          <p:nvPr/>
+        </p:nvGrpSpPr>
+        <p:grpSpPr>
+          <a:xfrm>
+            <a:off x="797622" y="3744160"/>
+            <a:ext cx="1137858" cy="1091240"/>
+            <a:chOff x="1775460" y="1541146"/>
+            <a:chExt cx="1262256" cy="2119312"/>
+          </a:xfrm>
+        </p:grpSpPr>
+        <p:sp>
+          <p:nvSpPr>
+            <p:cNvPr id="40" name="직사각형 39"/>
+            <p:cNvSpPr/>
+            <p:nvPr/>
+          </p:nvSpPr>
+          <p:spPr>
+            <a:xfrm>
+              <a:off x="1775460" y="1541146"/>
+              <a:ext cx="1262256" cy="2110740"/>
+            </a:xfrm>
+            <a:prstGeom prst="rect">
+              <a:avLst/>
+            </a:prstGeom>
+            <a:solidFill>
+              <a:schemeClr val="bg1">
+                <a:lumMod val="95000"/>
+              </a:schemeClr>
+            </a:solidFill>
+            <a:ln w="3175">
+              <a:solidFill>
+                <a:schemeClr val="bg1">
+                  <a:lumMod val="50000"/>
+                </a:schemeClr>
+              </a:solidFill>
+            </a:ln>
+          </p:spPr>
+          <p:style>
+            <a:lnRef idx="2">
+              <a:schemeClr val="accent1">
+                <a:shade val="50000"/>
+              </a:schemeClr>
+            </a:lnRef>
+            <a:fillRef idx="1">
+              <a:schemeClr val="accent1"/>
+            </a:fillRef>
+            <a:effectRef idx="0">
+              <a:schemeClr val="accent1"/>
+            </a:effectRef>
+            <a:fontRef idx="minor">
+              <a:schemeClr val="lt1"/>
+            </a:fontRef>
+          </p:style>
+          <p:txBody>
+            <a:bodyPr rtlCol="0" anchor="ctr"/>
+            <a:lstStyle/>
+            <a:p>
+              <a:pPr algn="ctr"/>
+              <a:endParaRPr lang="ko-KR" altLang="en-US"/>
+            </a:p>
+          </p:txBody>
+        </p:sp>
+        <p:cxnSp>
+          <p:nvCxnSpPr>
+            <p:cNvPr id="41" name="직선 연결선 40"/>
+            <p:cNvCxnSpPr/>
+            <p:nvPr/>
+          </p:nvCxnSpPr>
+          <p:spPr>
+            <a:xfrm flipH="1">
+              <a:off x="1775460" y="1549718"/>
+              <a:ext cx="1262256" cy="2110740"/>
+            </a:xfrm>
+            <a:prstGeom prst="line">
+              <a:avLst/>
+            </a:prstGeom>
+            <a:ln w="3175">
+              <a:solidFill>
+                <a:schemeClr val="bg1">
+                  <a:lumMod val="50000"/>
+                </a:schemeClr>
+              </a:solidFill>
+            </a:ln>
+          </p:spPr>
+          <p:style>
+            <a:lnRef idx="1">
+              <a:schemeClr val="accent1"/>
+            </a:lnRef>
+            <a:fillRef idx="0">
+              <a:schemeClr val="accent1"/>
+            </a:fillRef>
+            <a:effectRef idx="0">
+              <a:schemeClr val="accent1"/>
+            </a:effectRef>
+            <a:fontRef idx="minor">
+              <a:schemeClr val="tx1"/>
+            </a:fontRef>
+          </p:style>
+        </p:cxnSp>
+      </p:grpSp>
+      <p:sp>
+        <p:nvSpPr>
+          <p:cNvPr id="18" name="Google Shape;218;p15"/>
+          <p:cNvSpPr/>
+          <p:nvPr/>
+        </p:nvSpPr>
+        <p:spPr>
+          <a:xfrm>
+            <a:off x="4644898" y="1982042"/>
+            <a:ext cx="981635" cy="1615047"/>
+          </a:xfrm>
+          <a:prstGeom prst="roundRect">
+            <a:avLst>
+              <a:gd name="adj" fmla="val 9813"/>
+            </a:avLst>
+          </a:prstGeom>
+          <a:noFill/>
+          <a:ln w="9525" cap="flat" cmpd="sng">
+            <a:solidFill>
+              <a:schemeClr val="accent6">
+                <a:lumMod val="75000"/>
+              </a:schemeClr>
+            </a:solidFill>
+            <a:prstDash val="solid"/>
+            <a:round/>
+            <a:headEnd type="none" w="sm" len="sm"/>
+            <a:tailEnd type="none" w="sm" len="sm"/>
+          </a:ln>
+        </p:spPr>
+        <p:txBody>
+          <a:bodyPr spcFirstLastPara="1" wrap="square" lIns="91425" tIns="45700" rIns="91425" bIns="45700" anchor="ctr" anchorCtr="0">
+            <a:noAutofit/>
+          </a:bodyPr>
+          <a:lstStyle/>
+          <a:p>
+            <a:pPr marL="0" marR="0" lvl="0" indent="0" algn="l" rtl="0">
+              <a:spcBef>
+                <a:spcPts val="0"/>
+              </a:spcBef>
+              <a:spcAft>
+                <a:spcPts val="0"/>
+              </a:spcAft>
+              <a:buNone/>
+            </a:pPr>
+            <a:endParaRPr sz="700">
+              <a:solidFill>
+                <a:srgbClr val="953734"/>
+              </a:solidFill>
+              <a:latin typeface="Arial"/>
+              <a:ea typeface="Arial"/>
+              <a:cs typeface="Arial"/>
+              <a:sym typeface="Arial"/>
+            </a:endParaRPr>
+          </a:p>
+        </p:txBody>
+      </p:sp>
+      <p:grpSp>
+        <p:nvGrpSpPr>
+          <p:cNvPr id="42" name="그룹 41"/>
+          <p:cNvGrpSpPr/>
+          <p:nvPr/>
+        </p:nvGrpSpPr>
+        <p:grpSpPr>
+          <a:xfrm>
+            <a:off x="5580083" y="3602927"/>
+            <a:ext cx="1015042" cy="973455"/>
+            <a:chOff x="1775460" y="1541146"/>
+            <a:chExt cx="1262256" cy="2119312"/>
+          </a:xfrm>
+        </p:grpSpPr>
+        <p:sp>
+          <p:nvSpPr>
+            <p:cNvPr id="43" name="직사각형 42"/>
+            <p:cNvSpPr/>
+            <p:nvPr/>
+          </p:nvSpPr>
+          <p:spPr>
+            <a:xfrm>
+              <a:off x="1775460" y="1541146"/>
+              <a:ext cx="1262256" cy="2110740"/>
+            </a:xfrm>
+            <a:prstGeom prst="rect">
+              <a:avLst/>
+            </a:prstGeom>
+            <a:solidFill>
+              <a:schemeClr val="bg1">
+                <a:lumMod val="95000"/>
+              </a:schemeClr>
+            </a:solidFill>
+            <a:ln w="3175">
+              <a:solidFill>
+                <a:schemeClr val="bg1">
+                  <a:lumMod val="50000"/>
+                </a:schemeClr>
+              </a:solidFill>
+            </a:ln>
+          </p:spPr>
+          <p:style>
+            <a:lnRef idx="2">
+              <a:schemeClr val="accent1">
+                <a:shade val="50000"/>
+              </a:schemeClr>
+            </a:lnRef>
+            <a:fillRef idx="1">
+              <a:schemeClr val="accent1"/>
+            </a:fillRef>
+            <a:effectRef idx="0">
+              <a:schemeClr val="accent1"/>
+            </a:effectRef>
+            <a:fontRef idx="minor">
+              <a:schemeClr val="lt1"/>
+            </a:fontRef>
+          </p:style>
+          <p:txBody>
+            <a:bodyPr rtlCol="0" anchor="ctr"/>
+            <a:lstStyle/>
+            <a:p>
+              <a:pPr algn="ctr"/>
+              <a:endParaRPr lang="ko-KR" altLang="en-US"/>
+            </a:p>
+          </p:txBody>
+        </p:sp>
+        <p:cxnSp>
+          <p:nvCxnSpPr>
+            <p:cNvPr id="44" name="직선 연결선 43"/>
+            <p:cNvCxnSpPr/>
+            <p:nvPr/>
+          </p:nvCxnSpPr>
+          <p:spPr>
+            <a:xfrm flipH="1">
+              <a:off x="1775460" y="1549718"/>
+              <a:ext cx="1262256" cy="2110740"/>
+            </a:xfrm>
+            <a:prstGeom prst="line">
+              <a:avLst/>
+            </a:prstGeom>
+            <a:ln w="3175">
+              <a:solidFill>
+                <a:schemeClr val="bg1">
+                  <a:lumMod val="50000"/>
+                </a:schemeClr>
+              </a:solidFill>
+            </a:ln>
+          </p:spPr>
+          <p:style>
+            <a:lnRef idx="1">
+              <a:schemeClr val="accent1"/>
+            </a:lnRef>
+            <a:fillRef idx="0">
+              <a:schemeClr val="accent1"/>
+            </a:fillRef>
+            <a:effectRef idx="0">
+              <a:schemeClr val="accent1"/>
+            </a:effectRef>
+            <a:fontRef idx="minor">
+              <a:schemeClr val="tx1"/>
+            </a:fontRef>
+          </p:style>
+        </p:cxnSp>
+      </p:grpSp>
+      <p:sp>
+        <p:nvSpPr>
+          <p:cNvPr id="20" name="Google Shape;218;p15"/>
+          <p:cNvSpPr/>
+          <p:nvPr/>
+        </p:nvSpPr>
+        <p:spPr>
+          <a:xfrm>
+            <a:off x="464822" y="2134442"/>
+            <a:ext cx="3904412" cy="1462647"/>
+          </a:xfrm>
+          <a:prstGeom prst="roundRect">
+            <a:avLst>
+              <a:gd name="adj" fmla="val 9813"/>
+            </a:avLst>
+          </a:prstGeom>
+          <a:noFill/>
+          <a:ln w="9525" cap="flat" cmpd="sng">
+            <a:solidFill>
+              <a:schemeClr val="accent6">
+                <a:lumMod val="75000"/>
+              </a:schemeClr>
+            </a:solidFill>
+            <a:prstDash val="solid"/>
+            <a:round/>
+            <a:headEnd type="none" w="sm" len="sm"/>
+            <a:tailEnd type="none" w="sm" len="sm"/>
+          </a:ln>
+        </p:spPr>
+        <p:txBody>
+          <a:bodyPr spcFirstLastPara="1" wrap="square" lIns="91425" tIns="45700" rIns="91425" bIns="45700" anchor="ctr" anchorCtr="0">
+            <a:noAutofit/>
+          </a:bodyPr>
+          <a:lstStyle/>
+          <a:p>
+            <a:pPr marL="0" marR="0" lvl="0" indent="0" algn="l" rtl="0">
+              <a:spcBef>
+                <a:spcPts val="0"/>
+              </a:spcBef>
+              <a:spcAft>
+                <a:spcPts val="0"/>
+              </a:spcAft>
+              <a:buNone/>
+            </a:pPr>
+            <a:endParaRPr sz="700">
+              <a:solidFill>
+                <a:srgbClr val="953734"/>
+              </a:solidFill>
+              <a:latin typeface="Arial"/>
+              <a:ea typeface="Arial"/>
+              <a:cs typeface="Arial"/>
+              <a:sym typeface="Arial"/>
+            </a:endParaRPr>
+          </a:p>
+        </p:txBody>
+      </p:sp>
+      <p:sp>
+        <p:nvSpPr>
+          <p:cNvPr id="21" name="Google Shape;189;p14"/>
+          <p:cNvSpPr/>
+          <p:nvPr/>
+        </p:nvSpPr>
+        <p:spPr>
+          <a:xfrm>
+            <a:off x="4536886" y="1874030"/>
+            <a:ext cx="216024" cy="216024"/>
+          </a:xfrm>
+          <a:prstGeom prst="roundRect">
+            <a:avLst>
+              <a:gd name="adj" fmla="val 16667"/>
+            </a:avLst>
+          </a:prstGeom>
+          <a:solidFill>
+            <a:srgbClr val="E36C09"/>
+          </a:solidFill>
+          <a:ln w="3175">
+            <a:noFill/>
+          </a:ln>
+        </p:spPr>
+        <p:txBody>
+          <a:bodyPr spcFirstLastPara="1" wrap="square" lIns="0" tIns="45700" rIns="0" bIns="45700" anchor="ctr" anchorCtr="0">
+            <a:noAutofit/>
+          </a:bodyPr>
+          <a:lstStyle/>
+          <a:p>
+            <a:pPr marL="0" marR="0" lvl="0" indent="0" algn="ctr" rtl="0">
+              <a:spcBef>
+                <a:spcPts val="0"/>
+              </a:spcBef>
+              <a:spcAft>
+                <a:spcPts val="0"/>
+              </a:spcAft>
+              <a:buNone/>
+            </a:pPr>
+            <a:r>
+              <a:rPr lang="en-US" sz="1050" b="1" dirty="0" smtClean="0">
+                <a:solidFill>
+                  <a:schemeClr val="lt1"/>
+                </a:solidFill>
+              </a:rPr>
+              <a:t>5</a:t>
+            </a:r>
+          </a:p>
+        </p:txBody>
+      </p:sp>
+      <p:sp>
+        <p:nvSpPr>
+          <p:cNvPr id="45" name="Google Shape;189;p14"/>
+          <p:cNvSpPr/>
+          <p:nvPr/>
+        </p:nvSpPr>
+        <p:spPr>
+          <a:xfrm>
+            <a:off x="4680054" y="1072245"/>
+            <a:ext cx="216024" cy="216024"/>
+          </a:xfrm>
+          <a:prstGeom prst="roundRect">
+            <a:avLst>
+              <a:gd name="adj" fmla="val 16667"/>
+            </a:avLst>
+          </a:prstGeom>
+          <a:solidFill>
+            <a:srgbClr val="E36C09"/>
+          </a:solidFill>
+          <a:ln w="3175">
+            <a:noFill/>
+          </a:ln>
+        </p:spPr>
+        <p:txBody>
+          <a:bodyPr spcFirstLastPara="1" wrap="square" lIns="0" tIns="45700" rIns="0" bIns="45700" anchor="ctr" anchorCtr="0">
+            <a:noAutofit/>
+          </a:bodyPr>
+          <a:lstStyle/>
+          <a:p>
+            <a:pPr marL="0" marR="0" lvl="0" indent="0" algn="ctr" rtl="0">
+              <a:spcBef>
+                <a:spcPts val="0"/>
+              </a:spcBef>
+              <a:spcAft>
+                <a:spcPts val="0"/>
+              </a:spcAft>
+              <a:buNone/>
+            </a:pPr>
+            <a:r>
+              <a:rPr lang="en-US" sz="1050" b="1" dirty="0">
+                <a:solidFill>
+                  <a:schemeClr val="lt1"/>
+                </a:solidFill>
+              </a:rPr>
+              <a:t>6</a:t>
+            </a:r>
+            <a:endParaRPr lang="en-US" sz="1050" b="1" dirty="0" smtClean="0">
+              <a:solidFill>
+                <a:schemeClr val="lt1"/>
+              </a:solidFill>
+            </a:endParaRPr>
+          </a:p>
+        </p:txBody>
+      </p:sp>
+      <p:sp>
+        <p:nvSpPr>
+          <p:cNvPr id="47" name="Google Shape;189;p14"/>
+          <p:cNvSpPr/>
+          <p:nvPr/>
+        </p:nvSpPr>
+        <p:spPr>
+          <a:xfrm>
+            <a:off x="1258539" y="4179561"/>
+            <a:ext cx="216024" cy="216024"/>
+          </a:xfrm>
+          <a:prstGeom prst="roundRect">
+            <a:avLst>
+              <a:gd name="adj" fmla="val 16667"/>
+            </a:avLst>
+          </a:prstGeom>
+          <a:solidFill>
+            <a:srgbClr val="E36C09"/>
+          </a:solidFill>
+          <a:ln w="3175">
+            <a:noFill/>
+          </a:ln>
+        </p:spPr>
+        <p:txBody>
+          <a:bodyPr spcFirstLastPara="1" wrap="square" lIns="0" tIns="45700" rIns="0" bIns="45700" anchor="ctr" anchorCtr="0">
+            <a:noAutofit/>
+          </a:bodyPr>
+          <a:lstStyle/>
+          <a:p>
+            <a:pPr marL="0" marR="0" lvl="0" indent="0" algn="ctr" rtl="0">
+              <a:spcBef>
+                <a:spcPts val="0"/>
+              </a:spcBef>
+              <a:spcAft>
+                <a:spcPts val="0"/>
+              </a:spcAft>
+              <a:buNone/>
+            </a:pPr>
+            <a:r>
+              <a:rPr lang="en-US" sz="1050" b="1" dirty="0">
+                <a:solidFill>
+                  <a:schemeClr val="lt1"/>
+                </a:solidFill>
+              </a:rPr>
+              <a:t>6</a:t>
+            </a:r>
+            <a:endParaRPr lang="en-US" sz="1050" b="1" dirty="0" smtClean="0">
+              <a:solidFill>
+                <a:schemeClr val="lt1"/>
+              </a:solidFill>
+            </a:endParaRPr>
+          </a:p>
+        </p:txBody>
+      </p:sp>
+      <p:sp>
+        <p:nvSpPr>
+          <p:cNvPr id="48" name="Google Shape;189;p14"/>
+          <p:cNvSpPr/>
+          <p:nvPr/>
+        </p:nvSpPr>
+        <p:spPr>
+          <a:xfrm>
+            <a:off x="5979592" y="3979674"/>
+            <a:ext cx="216024" cy="216024"/>
+          </a:xfrm>
+          <a:prstGeom prst="roundRect">
+            <a:avLst>
+              <a:gd name="adj" fmla="val 16667"/>
+            </a:avLst>
+          </a:prstGeom>
+          <a:solidFill>
+            <a:srgbClr val="E36C09"/>
+          </a:solidFill>
+          <a:ln w="3175">
+            <a:noFill/>
+          </a:ln>
+        </p:spPr>
+        <p:txBody>
+          <a:bodyPr spcFirstLastPara="1" wrap="square" lIns="0" tIns="45700" rIns="0" bIns="45700" anchor="ctr" anchorCtr="0">
+            <a:noAutofit/>
+          </a:bodyPr>
+          <a:lstStyle/>
+          <a:p>
+            <a:pPr marL="0" marR="0" lvl="0" indent="0" algn="ctr" rtl="0">
+              <a:spcBef>
+                <a:spcPts val="0"/>
+              </a:spcBef>
+              <a:spcAft>
+                <a:spcPts val="0"/>
+              </a:spcAft>
+              <a:buNone/>
+            </a:pPr>
+            <a:r>
+              <a:rPr lang="en-US" sz="1050" b="1" dirty="0">
+                <a:solidFill>
+                  <a:schemeClr val="lt1"/>
+                </a:solidFill>
+              </a:rPr>
+              <a:t>6</a:t>
+            </a:r>
+            <a:endParaRPr lang="en-US" sz="1050" b="1" dirty="0" smtClean="0">
+              <a:solidFill>
+                <a:schemeClr val="lt1"/>
+              </a:solidFill>
+            </a:endParaRPr>
+          </a:p>
+        </p:txBody>
+      </p:sp>
+      <p:sp>
+        <p:nvSpPr>
+          <p:cNvPr id="17" name="Google Shape;189;p14"/>
+          <p:cNvSpPr/>
+          <p:nvPr/>
+        </p:nvSpPr>
+        <p:spPr>
+          <a:xfrm>
+            <a:off x="644398" y="1995844"/>
+            <a:ext cx="216024" cy="216024"/>
+          </a:xfrm>
+          <a:prstGeom prst="roundRect">
+            <a:avLst>
+              <a:gd name="adj" fmla="val 16667"/>
+            </a:avLst>
+          </a:prstGeom>
+          <a:solidFill>
+            <a:srgbClr val="E36C09"/>
+          </a:solidFill>
+          <a:ln w="3175">
+            <a:noFill/>
+          </a:ln>
+        </p:spPr>
+        <p:txBody>
+          <a:bodyPr spcFirstLastPara="1" wrap="square" lIns="0" tIns="45700" rIns="0" bIns="45700" anchor="ctr" anchorCtr="0">
+            <a:noAutofit/>
+          </a:bodyPr>
+          <a:lstStyle/>
+          <a:p>
+            <a:pPr marL="0" marR="0" lvl="0" indent="0" algn="ctr" rtl="0">
+              <a:spcBef>
+                <a:spcPts val="0"/>
+              </a:spcBef>
+              <a:spcAft>
+                <a:spcPts val="0"/>
+              </a:spcAft>
+              <a:buNone/>
+            </a:pPr>
+            <a:r>
+              <a:rPr lang="en-US" sz="1050" b="1" dirty="0">
+                <a:solidFill>
+                  <a:schemeClr val="lt1"/>
+                </a:solidFill>
+              </a:rPr>
+              <a:t>4</a:t>
+            </a:r>
+            <a:endParaRPr sz="1050" b="1" dirty="0">
+              <a:solidFill>
+                <a:schemeClr val="lt1"/>
+              </a:solidFill>
+              <a:latin typeface="Arial"/>
+              <a:ea typeface="Arial"/>
+              <a:cs typeface="Arial"/>
+              <a:sym typeface="Arial"/>
+            </a:endParaRPr>
+          </a:p>
+        </p:txBody>
+      </p:sp>
+      <p:sp>
+        <p:nvSpPr>
+          <p:cNvPr id="7" name="TextBox 6"/>
+          <p:cNvSpPr txBox="1"/>
+          <p:nvPr/>
+        </p:nvSpPr>
+        <p:spPr>
+          <a:xfrm>
+            <a:off x="1708771" y="1132394"/>
+            <a:ext cx="3449983" cy="418576"/>
+          </a:xfrm>
+          <a:prstGeom prst="rect">
+            <a:avLst/>
+          </a:prstGeom>
+          <a:noFill/>
+          <a:ln w="3175">
+            <a:noFill/>
+          </a:ln>
+        </p:spPr>
+        <p:txBody>
+          <a:bodyPr wrap="none" rtlCol="0">
+            <a:spAutoFit/>
+          </a:bodyPr>
+          <a:lstStyle/>
+          <a:p>
+            <a:pPr algn="ctr">
+              <a:lnSpc>
+                <a:spcPct val="150000"/>
+              </a:lnSpc>
+            </a:pPr>
+            <a:r>
+              <a:rPr lang="en-US" altLang="ko-KR" sz="1100" dirty="0" smtClean="0">
+                <a:solidFill>
+                  <a:schemeClr val="tx1"/>
+                </a:solidFill>
+                <a:latin typeface="+mn-ea"/>
+                <a:ea typeface="+mn-ea"/>
+              </a:rPr>
+              <a:t>2020 S/S </a:t>
+            </a:r>
+            <a:r>
+              <a:rPr lang="ko-KR" altLang="en-US" sz="1100" dirty="0" smtClean="0">
+                <a:solidFill>
+                  <a:schemeClr val="tx1"/>
+                </a:solidFill>
+                <a:latin typeface="+mn-ea"/>
+                <a:ea typeface="+mn-ea"/>
+              </a:rPr>
+              <a:t>시즌을 앞둔 </a:t>
+            </a:r>
+            <a:r>
+              <a:rPr lang="en-US" altLang="ko-KR" sz="1100" dirty="0">
+                <a:solidFill>
+                  <a:schemeClr val="tx1"/>
+                </a:solidFill>
+                <a:latin typeface="+mn-ea"/>
+                <a:ea typeface="+mn-ea"/>
+              </a:rPr>
+              <a:t> </a:t>
+            </a:r>
+            <a:r>
+              <a:rPr lang="ko-KR" altLang="en-US" sz="1600" b="1" dirty="0" smtClean="0">
+                <a:solidFill>
+                  <a:schemeClr val="tx1"/>
+                </a:solidFill>
+                <a:latin typeface="+mn-ea"/>
+                <a:ea typeface="+mn-ea"/>
+              </a:rPr>
+              <a:t>나</a:t>
+            </a:r>
+            <a:r>
+              <a:rPr lang="ko-KR" altLang="en-US" sz="1100" dirty="0" smtClean="0">
+                <a:solidFill>
+                  <a:schemeClr val="tx1"/>
+                </a:solidFill>
+                <a:latin typeface="+mn-ea"/>
+                <a:ea typeface="+mn-ea"/>
+              </a:rPr>
+              <a:t>에게 가장 필요한 아이템은</a:t>
+            </a:r>
+            <a:r>
+              <a:rPr lang="en-US" altLang="ko-KR" sz="1100" dirty="0" smtClean="0">
+                <a:solidFill>
+                  <a:schemeClr val="tx1"/>
+                </a:solidFill>
+                <a:latin typeface="+mn-ea"/>
+                <a:ea typeface="+mn-ea"/>
+              </a:rPr>
+              <a:t>?</a:t>
+            </a:r>
+            <a:endParaRPr lang="ko-KR" altLang="en-US" sz="1100" dirty="0">
+              <a:solidFill>
+                <a:schemeClr val="tx1"/>
+              </a:solidFill>
+              <a:latin typeface="+mn-ea"/>
+              <a:ea typeface="+mn-ea"/>
+            </a:endParaRPr>
+          </a:p>
+        </p:txBody>
+      </p:sp>
+      <p:sp>
+        <p:nvSpPr>
+          <p:cNvPr id="19" name="Google Shape;189;p14"/>
+          <p:cNvSpPr/>
+          <p:nvPr/>
+        </p:nvSpPr>
+        <p:spPr>
+          <a:xfrm>
+            <a:off x="1570267" y="1288834"/>
+            <a:ext cx="216024" cy="216024"/>
+          </a:xfrm>
+          <a:prstGeom prst="roundRect">
+            <a:avLst>
+              <a:gd name="adj" fmla="val 16667"/>
+            </a:avLst>
+          </a:prstGeom>
+          <a:solidFill>
+            <a:srgbClr val="E36C09"/>
+          </a:solidFill>
+          <a:ln w="3175">
+            <a:noFill/>
+          </a:ln>
+        </p:spPr>
+        <p:txBody>
+          <a:bodyPr spcFirstLastPara="1" wrap="square" lIns="0" tIns="45700" rIns="0" bIns="45700" anchor="ctr" anchorCtr="0">
+            <a:noAutofit/>
+          </a:bodyPr>
+          <a:lstStyle/>
+          <a:p>
+            <a:pPr marL="0" marR="0" lvl="0" indent="0" algn="ctr" rtl="0">
+              <a:spcBef>
+                <a:spcPts val="0"/>
+              </a:spcBef>
+              <a:spcAft>
+                <a:spcPts val="0"/>
+              </a:spcAft>
+              <a:buNone/>
+            </a:pPr>
+            <a:r>
+              <a:rPr lang="en-US" sz="1050" b="1" dirty="0">
+                <a:solidFill>
+                  <a:schemeClr val="lt1"/>
+                </a:solidFill>
+              </a:rPr>
+              <a:t>1</a:t>
+            </a:r>
+            <a:endParaRPr sz="1050" b="1" dirty="0">
+              <a:solidFill>
+                <a:schemeClr val="lt1"/>
+              </a:solidFill>
+              <a:latin typeface="Arial"/>
+              <a:ea typeface="Arial"/>
+              <a:cs typeface="Arial"/>
+              <a:sym typeface="Arial"/>
+            </a:endParaRPr>
+          </a:p>
+        </p:txBody>
+      </p:sp>
+      <p:sp>
+        <p:nvSpPr>
+          <p:cNvPr id="23" name="Google Shape;218;p15"/>
+          <p:cNvSpPr/>
+          <p:nvPr/>
+        </p:nvSpPr>
+        <p:spPr>
+          <a:xfrm>
+            <a:off x="3168663" y="1241141"/>
+            <a:ext cx="288399" cy="263717"/>
+          </a:xfrm>
+          <a:prstGeom prst="roundRect">
+            <a:avLst>
+              <a:gd name="adj" fmla="val 9813"/>
+            </a:avLst>
+          </a:prstGeom>
+          <a:noFill/>
+          <a:ln w="9525" cap="flat" cmpd="sng">
+            <a:solidFill>
+              <a:schemeClr val="accent6">
+                <a:lumMod val="75000"/>
+              </a:schemeClr>
+            </a:solidFill>
+            <a:prstDash val="solid"/>
+            <a:round/>
+            <a:headEnd type="none" w="sm" len="sm"/>
+            <a:tailEnd type="none" w="sm" len="sm"/>
+          </a:ln>
+        </p:spPr>
+        <p:txBody>
+          <a:bodyPr spcFirstLastPara="1" wrap="square" lIns="91425" tIns="45700" rIns="91425" bIns="45700" anchor="ctr" anchorCtr="0">
+            <a:noAutofit/>
+          </a:bodyPr>
+          <a:lstStyle/>
+          <a:p>
+            <a:pPr marL="0" marR="0" lvl="0" indent="0" algn="l" rtl="0">
+              <a:spcBef>
+                <a:spcPts val="0"/>
+              </a:spcBef>
+              <a:spcAft>
+                <a:spcPts val="0"/>
+              </a:spcAft>
+              <a:buNone/>
+            </a:pPr>
+            <a:endParaRPr sz="700">
+              <a:solidFill>
+                <a:srgbClr val="953734"/>
+              </a:solidFill>
+              <a:latin typeface="Arial"/>
+              <a:ea typeface="Arial"/>
+              <a:cs typeface="Arial"/>
+              <a:sym typeface="Arial"/>
+            </a:endParaRPr>
+          </a:p>
+        </p:txBody>
+      </p:sp>
+      <p:sp>
+        <p:nvSpPr>
+          <p:cNvPr id="22" name="Google Shape;189;p14"/>
+          <p:cNvSpPr/>
+          <p:nvPr/>
+        </p:nvSpPr>
+        <p:spPr>
+          <a:xfrm>
+            <a:off x="3033755" y="1072810"/>
+            <a:ext cx="216024" cy="216024"/>
+          </a:xfrm>
+          <a:prstGeom prst="roundRect">
+            <a:avLst>
+              <a:gd name="adj" fmla="val 16667"/>
+            </a:avLst>
+          </a:prstGeom>
+          <a:solidFill>
+            <a:srgbClr val="E36C09"/>
+          </a:solidFill>
+          <a:ln w="3175">
+            <a:noFill/>
+          </a:ln>
+        </p:spPr>
+        <p:txBody>
+          <a:bodyPr spcFirstLastPara="1" wrap="square" lIns="0" tIns="45700" rIns="0" bIns="45700" anchor="ctr" anchorCtr="0">
+            <a:noAutofit/>
+          </a:bodyPr>
+          <a:lstStyle/>
+          <a:p>
+            <a:pPr marL="0" marR="0" lvl="0" indent="0" algn="ctr" rtl="0">
+              <a:spcBef>
+                <a:spcPts val="0"/>
+              </a:spcBef>
+              <a:spcAft>
+                <a:spcPts val="0"/>
+              </a:spcAft>
+              <a:buNone/>
+            </a:pPr>
+            <a:r>
+              <a:rPr lang="en-US" sz="1050" b="1" dirty="0">
+                <a:solidFill>
+                  <a:schemeClr val="lt1"/>
+                </a:solidFill>
+              </a:rPr>
+              <a:t>2</a:t>
+            </a:r>
+            <a:endParaRPr sz="1050" b="1" dirty="0">
+              <a:solidFill>
+                <a:schemeClr val="lt1"/>
+              </a:solidFill>
+              <a:latin typeface="Arial"/>
+              <a:ea typeface="Arial"/>
+              <a:cs typeface="Arial"/>
+              <a:sym typeface="Arial"/>
+            </a:endParaRPr>
+          </a:p>
+        </p:txBody>
+      </p:sp>
+      <p:cxnSp>
+        <p:nvCxnSpPr>
+          <p:cNvPr id="54" name="직선 연결선 53"/>
+          <p:cNvCxnSpPr/>
+          <p:nvPr/>
+        </p:nvCxnSpPr>
+        <p:spPr>
+          <a:xfrm>
+            <a:off x="4526280" y="466725"/>
+            <a:ext cx="0" cy="110710"/>
+          </a:xfrm>
+          <a:prstGeom prst="line">
+            <a:avLst/>
+          </a:prstGeom>
+          <a:ln w="3175">
+            <a:solidFill>
+              <a:schemeClr val="bg1">
+                <a:lumMod val="50000"/>
+              </a:schemeClr>
+            </a:solidFill>
+          </a:ln>
+        </p:spPr>
+        <p:style>
+          <a:lnRef idx="1">
+            <a:schemeClr val="accent1"/>
+          </a:lnRef>
+          <a:fillRef idx="0">
+            <a:schemeClr val="accent1"/>
+          </a:fillRef>
+          <a:effectRef idx="0">
+            <a:schemeClr val="accent1"/>
+          </a:effectRef>
+          <a:fontRef idx="minor">
+            <a:schemeClr val="tx1"/>
+          </a:fontRef>
+        </p:style>
+      </p:cxnSp>
+      <p:cxnSp>
+        <p:nvCxnSpPr>
+          <p:cNvPr id="56" name="직선 연결선 55"/>
+          <p:cNvCxnSpPr/>
+          <p:nvPr/>
+        </p:nvCxnSpPr>
+        <p:spPr>
+          <a:xfrm>
+            <a:off x="1258539" y="461829"/>
+            <a:ext cx="0" cy="3282331"/>
+          </a:xfrm>
+          <a:prstGeom prst="line">
+            <a:avLst/>
+          </a:prstGeom>
+          <a:ln w="3175">
+            <a:solidFill>
+              <a:schemeClr val="bg1">
+                <a:lumMod val="50000"/>
+              </a:schemeClr>
+            </a:solidFill>
+          </a:ln>
+        </p:spPr>
+        <p:style>
+          <a:lnRef idx="1">
+            <a:schemeClr val="accent1"/>
+          </a:lnRef>
+          <a:fillRef idx="0">
+            <a:schemeClr val="accent1"/>
+          </a:fillRef>
+          <a:effectRef idx="0">
+            <a:schemeClr val="accent1"/>
+          </a:effectRef>
+          <a:fontRef idx="minor">
+            <a:schemeClr val="tx1"/>
+          </a:fontRef>
+        </p:style>
+      </p:cxnSp>
+      <p:cxnSp>
+        <p:nvCxnSpPr>
+          <p:cNvPr id="58" name="직선 연결선 57"/>
+          <p:cNvCxnSpPr/>
+          <p:nvPr/>
+        </p:nvCxnSpPr>
+        <p:spPr>
+          <a:xfrm>
+            <a:off x="6024938" y="466725"/>
+            <a:ext cx="0" cy="3140139"/>
+          </a:xfrm>
+          <a:prstGeom prst="line">
+            <a:avLst/>
+          </a:prstGeom>
+          <a:ln w="3175">
+            <a:solidFill>
+              <a:schemeClr val="bg1">
+                <a:lumMod val="50000"/>
+              </a:schemeClr>
+            </a:solidFill>
+          </a:ln>
+        </p:spPr>
+        <p:style>
+          <a:lnRef idx="1">
+            <a:schemeClr val="accent1"/>
+          </a:lnRef>
+          <a:fillRef idx="0">
+            <a:schemeClr val="accent1"/>
+          </a:fillRef>
+          <a:effectRef idx="0">
+            <a:schemeClr val="accent1"/>
+          </a:effectRef>
+          <a:fontRef idx="minor">
+            <a:schemeClr val="tx1"/>
+          </a:fontRef>
+        </p:style>
+      </p:cxnSp>
     </p:spTree>
     <p:extLst>
       <p:ext uri="{BB962C8B-B14F-4D97-AF65-F5344CB8AC3E}">
-        <p14:creationId xmlns:p14="http://schemas.microsoft.com/office/powerpoint/2010/main" val="2422340362"/>
+        <p14:creationId xmlns:p14="http://schemas.microsoft.com/office/powerpoint/2010/main" val="3514931827"/>
       </p:ext>
     </p:extLst>
   </p:cSld>
@@ -24226,7 +20406,23 @@
             </a:r>
             <a:r>
               <a:rPr lang="ko-KR" altLang="en-US" dirty="0" smtClean="0"/>
-              <a:t>다음 페이지로 이동</a:t>
+              <a:t>다음 </a:t>
+            </a:r>
+            <a:r>
+              <a:rPr lang="ko-KR" altLang="en-US" dirty="0"/>
+              <a:t>페이지 </a:t>
+            </a:r>
+            <a:r>
+              <a:rPr lang="ko-KR" altLang="en-US" dirty="0" err="1"/>
+              <a:t>바로가기</a:t>
+            </a:r>
+            <a:r>
+              <a:rPr lang="ko-KR" altLang="en-US" dirty="0"/>
+              <a:t> </a:t>
+            </a:r>
+            <a:r>
+              <a:rPr lang="ko-KR" altLang="en-US" dirty="0" smtClean="0"/>
+              <a:t>이동</a:t>
             </a:r>
             <a:endParaRPr lang="en-US" altLang="ko-KR" dirty="0" smtClean="0"/>
           </a:p>
@@ -24268,7 +20464,19 @@
             </a:r>
             <a:r>
               <a:rPr lang="ko-KR" altLang="en-US" dirty="0" smtClean="0"/>
-              <a:t>해당 페이지로 </a:t>
+              <a:t>해당 </a:t>
+            </a:r>
+            <a:r>
+              <a:rPr lang="ko-KR" altLang="en-US" dirty="0"/>
+              <a:t>페이지 </a:t>
+            </a:r>
+            <a:r>
+              <a:rPr lang="ko-KR" altLang="en-US" dirty="0" err="1"/>
+              <a:t>바로가기</a:t>
+            </a:r>
+            <a:r>
+              <a:rPr lang="ko-KR" altLang="en-US" dirty="0"/>
+              <a:t> </a:t>
             </a:r>
             <a:r>
               <a:rPr lang="en-US" altLang="ko-KR" dirty="0" smtClean="0"/>
@@ -24288,7 +20496,6 @@
               <a:rPr lang="en-US" altLang="ko-KR" dirty="0" smtClean="0"/>
               <a:t>translate</a:t>
             </a:r>
-            <a:endParaRPr lang="en-US" altLang="ko-KR" dirty="0" smtClean="0"/>
           </a:p>
           <a:p>
             <a:endParaRPr lang="en-US" altLang="ko-KR" dirty="0"/>
@@ -24345,7 +20552,6 @@
               <a:rPr lang="en-US" altLang="ko-KR" dirty="0" smtClean="0"/>
               <a:t>100%</a:t>
             </a:r>
-            <a:endParaRPr lang="en-US" altLang="ko-KR" dirty="0" smtClean="0"/>
           </a:p>
           <a:p>
             <a:endParaRPr lang="en-US" altLang="ko-KR" dirty="0"/>
@@ -24357,11 +20563,7 @@
             </a:r>
             <a:r>
               <a:rPr lang="en-US" altLang="ko-KR" dirty="0" smtClean="0"/>
-              <a:t>_1</a:t>
-            </a:r>
-            <a:r>
-              <a:rPr lang="en-US" altLang="ko-KR" dirty="0" smtClean="0"/>
-              <a:t>. </a:t>
+              <a:t>_1. </a:t>
             </a:r>
             <a:r>
               <a:rPr lang="ko-KR" altLang="en-US" dirty="0" smtClean="0"/>
@@ -24379,7 +20581,19 @@
             </a:r>
             <a:r>
               <a:rPr lang="ko-KR" altLang="en-US" dirty="0" smtClean="0"/>
-              <a:t>해당 페이지로 </a:t>
+              <a:t>해당 </a:t>
+            </a:r>
+            <a:r>
+              <a:rPr lang="ko-KR" altLang="en-US" dirty="0" smtClean="0"/>
+              <a:t>페이지 </a:t>
+            </a:r>
+            <a:r>
+              <a:rPr lang="ko-KR" altLang="en-US" dirty="0" err="1" smtClean="0"/>
+              <a:t>바로가기</a:t>
+            </a:r>
+            <a:r>
+              <a:rPr lang="ko-KR" altLang="en-US" dirty="0" smtClean="0"/>
+              <a:t> </a:t>
             </a:r>
             <a:r>
               <a:rPr lang="en-US" altLang="ko-KR" dirty="0" smtClean="0"/>
@@ -24427,7 +20641,7 @@
           </a:prstGeom>
           <a:solidFill>
             <a:schemeClr val="bg1">
-              <a:lumMod val="85000"/>
+              <a:lumMod val="95000"/>
             </a:schemeClr>
           </a:solidFill>
           <a:ln w="3175"/>
@@ -24575,7 +20789,7 @@
         </p:nvSpPr>
         <p:spPr>
           <a:xfrm>
-            <a:off x="3082008" y="4375604"/>
+            <a:off x="3041148" y="4592195"/>
             <a:ext cx="216024" cy="216024"/>
           </a:xfrm>
           <a:prstGeom prst="roundRect">
@@ -24645,11 +20859,7 @@
             </a:schemeClr>
           </a:solidFill>
           <a:ln w="3175">
-            <a:solidFill>
-              <a:schemeClr val="bg1">
-                <a:lumMod val="50000"/>
-              </a:schemeClr>
-            </a:solidFill>
+            <a:noFill/>
           </a:ln>
         </p:spPr>
         <p:style>
@@ -24727,13 +20937,13 @@
       </p:sp>
       <p:sp>
         <p:nvSpPr>
-          <p:cNvPr id="30" name="타원 29"/>
+          <p:cNvPr id="31" name="타원 30"/>
           <p:cNvSpPr/>
           <p:nvPr/>
         </p:nvSpPr>
         <p:spPr>
           <a:xfrm>
-            <a:off x="6524148" y="2388394"/>
+            <a:off x="6524148" y="2433638"/>
             <a:ext cx="71438" cy="71438"/>
           </a:xfrm>
           <a:prstGeom prst="ellipse">
@@ -24773,13 +20983,13 @@
       </p:sp>
       <p:sp>
         <p:nvSpPr>
-          <p:cNvPr id="31" name="타원 30"/>
+          <p:cNvPr id="32" name="타원 31"/>
           <p:cNvSpPr/>
           <p:nvPr/>
         </p:nvSpPr>
         <p:spPr>
           <a:xfrm>
-            <a:off x="6524148" y="2569369"/>
+            <a:off x="6524148" y="2659857"/>
             <a:ext cx="71438" cy="71438"/>
           </a:xfrm>
           <a:prstGeom prst="ellipse">
@@ -24819,59 +21029,13 @@
       </p:sp>
       <p:sp>
         <p:nvSpPr>
-          <p:cNvPr id="32" name="타원 31"/>
-          <p:cNvSpPr/>
-          <p:nvPr/>
-        </p:nvSpPr>
-        <p:spPr>
-          <a:xfrm>
-            <a:off x="6524148" y="2750344"/>
-            <a:ext cx="71438" cy="71438"/>
-          </a:xfrm>
-          <a:prstGeom prst="ellipse">
-            <a:avLst/>
-          </a:prstGeom>
-          <a:solidFill>
-            <a:schemeClr val="bg1"/>
-          </a:solidFill>
-          <a:ln>
-            <a:noFill/>
-          </a:ln>
-        </p:spPr>
-        <p:style>
-          <a:lnRef idx="2">
-            <a:schemeClr val="accent1">
-              <a:shade val="50000"/>
-            </a:schemeClr>
-          </a:lnRef>
-          <a:fillRef idx="1">
-            <a:schemeClr val="accent1"/>
-          </a:fillRef>
-          <a:effectRef idx="0">
-            <a:schemeClr val="accent1"/>
-          </a:effectRef>
-          <a:fontRef idx="minor">
-            <a:schemeClr val="lt1"/>
-          </a:fontRef>
-        </p:style>
-        <p:txBody>
-          <a:bodyPr rtlCol="0" anchor="ctr"/>
-          <a:lstStyle/>
-          <a:p>
-            <a:pPr algn="ctr"/>
-            <a:endParaRPr lang="ko-KR" altLang="en-US"/>
-          </a:p>
-        </p:txBody>
-      </p:sp>
-      <p:sp>
-        <p:nvSpPr>
           <p:cNvPr id="33" name="타원 32"/>
           <p:cNvSpPr/>
           <p:nvPr/>
         </p:nvSpPr>
         <p:spPr>
           <a:xfrm>
-            <a:off x="6524148" y="2931319"/>
+            <a:off x="6524148" y="2886076"/>
             <a:ext cx="71438" cy="71438"/>
           </a:xfrm>
           <a:prstGeom prst="ellipse">
@@ -24963,8 +21127,8 @@
         </p:nvSpPr>
         <p:spPr>
           <a:xfrm>
-            <a:off x="6004119" y="2073117"/>
-            <a:ext cx="505267" cy="275845"/>
+            <a:off x="6164968" y="2122752"/>
+            <a:ext cx="399468" cy="214674"/>
           </a:xfrm>
           <a:prstGeom prst="rect">
             <a:avLst/>
@@ -24986,18 +21150,22 @@
               </a:lnSpc>
             </a:pPr>
             <a:r>
-              <a:rPr lang="en-US" altLang="ko-KR" sz="900" dirty="0" smtClean="0">
+              <a:rPr lang="en-US" altLang="ko-KR" sz="600" dirty="0" smtClean="0">
                 <a:solidFill>
-                  <a:schemeClr val="bg1"/>
+                  <a:schemeClr val="bg1">
+                    <a:lumMod val="75000"/>
+                  </a:schemeClr>
                 </a:solidFill>
                 <a:latin typeface="+mn-ea"/>
                 <a:ea typeface="+mn-ea"/>
               </a:rPr>
               <a:t>Home</a:t>
             </a:r>
-            <a:endParaRPr lang="ko-KR" altLang="en-US" sz="900" dirty="0">
+            <a:endParaRPr lang="ko-KR" altLang="en-US" sz="600" dirty="0">
               <a:solidFill>
-                <a:schemeClr val="bg1"/>
+                <a:schemeClr val="bg1">
+                  <a:lumMod val="75000"/>
+                </a:schemeClr>
               </a:solidFill>
               <a:latin typeface="+mn-ea"/>
               <a:ea typeface="+mn-ea"/>
@@ -25069,62 +21237,6 @@
       </p:sp>
       <p:sp>
         <p:nvSpPr>
-          <p:cNvPr id="37" name="Google Shape;218;p15"/>
-          <p:cNvSpPr/>
-          <p:nvPr/>
-        </p:nvSpPr>
-        <p:spPr>
-          <a:xfrm>
-            <a:off x="6049838" y="2060641"/>
-            <a:ext cx="673391" cy="1292159"/>
-          </a:xfrm>
-          <a:prstGeom prst="roundRect">
-            <a:avLst>
-              <a:gd name="adj" fmla="val 9813"/>
-            </a:avLst>
-          </a:prstGeom>
-          <a:noFill/>
-          <a:ln w="9525" cap="flat" cmpd="sng">
-            <a:solidFill>
-              <a:schemeClr val="accent6">
-                <a:lumMod val="75000"/>
-              </a:schemeClr>
-            </a:solidFill>
-            <a:prstDash val="solid"/>
-            <a:round/>
-            <a:headEnd type="none" w="sm" len="sm"/>
-            <a:tailEnd type="none" w="sm" len="sm"/>
-          </a:ln>
-        </p:spPr>
-        <p:txBody>
-          <a:bodyPr spcFirstLastPara="1" wrap="square" lIns="91425" tIns="45700" rIns="91425" bIns="45700" anchor="ctr" anchorCtr="0">
-            <a:noAutofit/>
-          </a:bodyPr>
-          <a:lstStyle/>
-          <a:p>
-            <a:pPr marL="0" marR="0" lvl="0" indent="0" algn="l" rtl="0">
-              <a:spcBef>
-                <a:spcPts val="0"/>
-              </a:spcBef>
-              <a:spcAft>
-                <a:spcPts val="0"/>
-              </a:spcAft>
-              <a:buNone/>
-            </a:pPr>
-            <a:endParaRPr sz="700">
-              <a:solidFill>
-                <a:srgbClr val="953734"/>
-              </a:solidFill>
-              <a:latin typeface="Arial"/>
-              <a:ea typeface="Arial"/>
-              <a:cs typeface="Arial"/>
-              <a:sym typeface="Arial"/>
-            </a:endParaRPr>
-          </a:p>
-        </p:txBody>
-      </p:sp>
-      <p:sp>
-        <p:nvSpPr>
           <p:cNvPr id="38" name="TextBox 37"/>
           <p:cNvSpPr txBox="1"/>
           <p:nvPr/>
@@ -25260,6 +21372,62 @@
             <a:endParaRPr sz="1050" b="1" dirty="0">
               <a:solidFill>
                 <a:schemeClr val="lt1"/>
+              </a:solidFill>
+              <a:latin typeface="Arial"/>
+              <a:ea typeface="Arial"/>
+              <a:cs typeface="Arial"/>
+              <a:sym typeface="Arial"/>
+            </a:endParaRPr>
+          </a:p>
+        </p:txBody>
+      </p:sp>
+      <p:sp>
+        <p:nvSpPr>
+          <p:cNvPr id="22" name="Google Shape;218;p15"/>
+          <p:cNvSpPr/>
+          <p:nvPr/>
+        </p:nvSpPr>
+        <p:spPr>
+          <a:xfrm>
+            <a:off x="6142711" y="2060641"/>
+            <a:ext cx="580518" cy="1292159"/>
+          </a:xfrm>
+          <a:prstGeom prst="roundRect">
+            <a:avLst>
+              <a:gd name="adj" fmla="val 9813"/>
+            </a:avLst>
+          </a:prstGeom>
+          <a:noFill/>
+          <a:ln w="9525" cap="flat" cmpd="sng">
+            <a:solidFill>
+              <a:schemeClr val="accent6">
+                <a:lumMod val="75000"/>
+              </a:schemeClr>
+            </a:solidFill>
+            <a:prstDash val="solid"/>
+            <a:round/>
+            <a:headEnd type="none" w="sm" len="sm"/>
+            <a:tailEnd type="none" w="sm" len="sm"/>
+          </a:ln>
+        </p:spPr>
+        <p:txBody>
+          <a:bodyPr spcFirstLastPara="1" wrap="square" lIns="91425" tIns="45700" rIns="91425" bIns="45700" anchor="ctr" anchorCtr="0">
+            <a:noAutofit/>
+          </a:bodyPr>
+          <a:lstStyle/>
+          <a:p>
+            <a:pPr marL="0" marR="0" lvl="0" indent="0" algn="l" rtl="0">
+              <a:spcBef>
+                <a:spcPts val="0"/>
+              </a:spcBef>
+              <a:spcAft>
+                <a:spcPts val="0"/>
+              </a:spcAft>
+              <a:buNone/>
+            </a:pPr>
+            <a:endParaRPr sz="700">
+              <a:solidFill>
+                <a:srgbClr val="953734"/>
               </a:solidFill>
               <a:latin typeface="Arial"/>
               <a:ea typeface="Arial"/>
@@ -25419,7 +21587,19 @@
             </a:r>
             <a:r>
               <a:rPr lang="ko-KR" altLang="en-US" dirty="0"/>
-              <a:t>해당 페이지로 </a:t>
+              <a:t>해당 </a:t>
+            </a:r>
+            <a:r>
+              <a:rPr lang="ko-KR" altLang="en-US" dirty="0"/>
+              <a:t>페이지 </a:t>
+            </a:r>
+            <a:r>
+              <a:rPr lang="ko-KR" altLang="en-US" dirty="0" err="1"/>
+              <a:t>바로가기</a:t>
+            </a:r>
+            <a:r>
+              <a:rPr lang="ko-KR" altLang="en-US" dirty="0"/>
+              <a:t> </a:t>
             </a:r>
             <a:r>
               <a:rPr lang="en-US" altLang="ko-KR" dirty="0"/>
@@ -25444,7 +21624,15 @@
           <a:p>
             <a:r>
               <a:rPr lang="en-US" altLang="ko-KR" dirty="0"/>
-              <a:t>        translate (transition: 0.5s) </a:t>
+              <a:t>        translate (</a:t>
+            </a:r>
+            <a:r>
+              <a:rPr lang="en-US" altLang="ko-KR" dirty="0" smtClean="0"/>
+              <a:t>transition </a:t>
+            </a:r>
+            <a:r>
+              <a:rPr lang="en-US" altLang="ko-KR" dirty="0"/>
+              <a:t>0.5s) </a:t>
             </a:r>
             <a:r>
               <a:rPr lang="en-US" altLang="ko-KR" dirty="0" smtClean="0"/>
@@ -25470,7 +21658,15 @@
             </a:r>
             <a:r>
               <a:rPr lang="en-US" altLang="ko-KR" dirty="0"/>
-              <a:t>translate (transition: 0.5s) </a:t>
+              <a:t>translate (</a:t>
+            </a:r>
+            <a:r>
+              <a:rPr lang="en-US" altLang="ko-KR" dirty="0" smtClean="0"/>
+              <a:t>transition </a:t>
+            </a:r>
+            <a:r>
+              <a:rPr lang="en-US" altLang="ko-KR" dirty="0"/>
+              <a:t>0.5s) </a:t>
             </a:r>
           </a:p>
           <a:p>
@@ -25496,7 +21692,11 @@
           <a:p>
             <a:r>
               <a:rPr lang="en-US" altLang="ko-KR" dirty="0"/>
-              <a:t>         (transition: </a:t>
+              <a:t>         (</a:t>
+            </a:r>
+            <a:r>
+              <a:rPr lang="en-US" altLang="ko-KR" dirty="0" smtClean="0"/>
+              <a:t>transition </a:t>
             </a:r>
             <a:r>
               <a:rPr lang="en-US" altLang="ko-KR" dirty="0" smtClean="0"/>
@@ -25566,7 +21766,15 @@
             </a:r>
             <a:r>
               <a:rPr lang="en-US" altLang="ko-KR" dirty="0" smtClean="0"/>
-              <a:t>       (transition: .5s)</a:t>
+              <a:t>       (</a:t>
+            </a:r>
+            <a:r>
+              <a:rPr lang="en-US" altLang="ko-KR" dirty="0" smtClean="0"/>
+              <a:t>transition </a:t>
+            </a:r>
+            <a:r>
+              <a:rPr lang="en-US" altLang="ko-KR" dirty="0" smtClean="0"/>
+              <a:t>.5s)</a:t>
             </a:r>
           </a:p>
           <a:p>
@@ -25602,7 +21810,50 @@
             </a:r>
             <a:r>
               <a:rPr lang="en-US" altLang="ko-KR" dirty="0" smtClean="0"/>
-              <a:t>5s)</a:t>
+              <a:t>5s</a:t>
+            </a:r>
+            <a:r>
+              <a:rPr lang="en-US" altLang="ko-KR" dirty="0" smtClean="0"/>
+              <a:t>)</a:t>
+            </a:r>
+          </a:p>
+          <a:p>
+            <a:endParaRPr lang="en-US" altLang="ko-KR" dirty="0"/>
+          </a:p>
+          <a:p>
+            <a:r>
+              <a:rPr lang="en-US" altLang="ko-KR" dirty="0" smtClean="0"/>
+              <a:t>6_1. </a:t>
+            </a:r>
+            <a:r>
+              <a:rPr lang="ko-KR" altLang="en-US" dirty="0"/>
+              <a:t>클릭할 경우</a:t>
+            </a:r>
+            <a:r>
+              <a:rPr lang="en-US" altLang="ko-KR" dirty="0"/>
+              <a:t>,</a:t>
+            </a:r>
+          </a:p>
+          <a:p>
+            <a:r>
+              <a:rPr lang="en-US" altLang="ko-KR" dirty="0"/>
+              <a:t>        </a:t>
+            </a:r>
+            <a:r>
+              <a:rPr lang="ko-KR" altLang="en-US" dirty="0"/>
+              <a:t>해당 페이지 </a:t>
+            </a:r>
+            <a:r>
+              <a:rPr lang="ko-KR" altLang="en-US" dirty="0" err="1"/>
+              <a:t>바로가기</a:t>
+            </a:r>
+            <a:r>
+              <a:rPr lang="ko-KR" altLang="en-US" dirty="0"/>
+              <a:t> </a:t>
+            </a:r>
+            <a:r>
+              <a:rPr lang="en-US" altLang="ko-KR" dirty="0" smtClean="0"/>
+              <a:t>link</a:t>
             </a:r>
             <a:endParaRPr lang="en-US" altLang="ko-KR" dirty="0"/>
           </a:p>
@@ -25655,7 +21906,7 @@
           </a:prstGeom>
           <a:solidFill>
             <a:schemeClr val="bg1">
-              <a:lumMod val="75000"/>
+              <a:lumMod val="85000"/>
             </a:schemeClr>
           </a:solidFill>
           <a:ln w="3175"/>
@@ -25705,11 +21956,7 @@
             </a:schemeClr>
           </a:solidFill>
           <a:ln w="3175">
-            <a:solidFill>
-              <a:schemeClr val="bg1">
-                <a:lumMod val="50000"/>
-              </a:schemeClr>
-            </a:solidFill>
+            <a:noFill/>
           </a:ln>
         </p:spPr>
         <p:style>
@@ -25739,13 +21986,13 @@
       </p:sp>
       <p:sp>
         <p:nvSpPr>
-          <p:cNvPr id="17" name="타원 16"/>
+          <p:cNvPr id="18" name="타원 17"/>
           <p:cNvSpPr/>
           <p:nvPr/>
         </p:nvSpPr>
         <p:spPr>
           <a:xfrm>
-            <a:off x="6524148" y="2569369"/>
+            <a:off x="6524148" y="2661043"/>
             <a:ext cx="71438" cy="71438"/>
           </a:xfrm>
           <a:prstGeom prst="ellipse">
@@ -25785,59 +22032,13 @@
       </p:sp>
       <p:sp>
         <p:nvSpPr>
-          <p:cNvPr id="18" name="타원 17"/>
-          <p:cNvSpPr/>
-          <p:nvPr/>
-        </p:nvSpPr>
-        <p:spPr>
-          <a:xfrm>
-            <a:off x="6524148" y="2750344"/>
-            <a:ext cx="71438" cy="71438"/>
-          </a:xfrm>
-          <a:prstGeom prst="ellipse">
-            <a:avLst/>
-          </a:prstGeom>
-          <a:solidFill>
-            <a:schemeClr val="bg1"/>
-          </a:solidFill>
-          <a:ln>
-            <a:noFill/>
-          </a:ln>
-        </p:spPr>
-        <p:style>
-          <a:lnRef idx="2">
-            <a:schemeClr val="accent1">
-              <a:shade val="50000"/>
-            </a:schemeClr>
-          </a:lnRef>
-          <a:fillRef idx="1">
-            <a:schemeClr val="accent1"/>
-          </a:fillRef>
-          <a:effectRef idx="0">
-            <a:schemeClr val="accent1"/>
-          </a:effectRef>
-          <a:fontRef idx="minor">
-            <a:schemeClr val="lt1"/>
-          </a:fontRef>
-        </p:style>
-        <p:txBody>
-          <a:bodyPr rtlCol="0" anchor="ctr"/>
-          <a:lstStyle/>
-          <a:p>
-            <a:pPr algn="ctr"/>
-            <a:endParaRPr lang="ko-KR" altLang="en-US"/>
-          </a:p>
-        </p:txBody>
-      </p:sp>
-      <p:sp>
-        <p:nvSpPr>
           <p:cNvPr id="19" name="타원 18"/>
           <p:cNvSpPr/>
           <p:nvPr/>
         </p:nvSpPr>
         <p:spPr>
           <a:xfrm>
-            <a:off x="6524148" y="2931319"/>
+            <a:off x="6524148" y="2886669"/>
             <a:ext cx="71438" cy="71438"/>
           </a:xfrm>
           <a:prstGeom prst="ellipse">
@@ -25929,8 +22130,8 @@
         </p:nvSpPr>
         <p:spPr>
           <a:xfrm>
-            <a:off x="5996103" y="2255997"/>
-            <a:ext cx="521297" cy="275845"/>
+            <a:off x="6142711" y="2342003"/>
+            <a:ext cx="405880" cy="230832"/>
           </a:xfrm>
           <a:prstGeom prst="rect">
             <a:avLst/>
@@ -25952,7 +22153,7 @@
               </a:lnSpc>
             </a:pPr>
             <a:r>
-              <a:rPr lang="en-US" altLang="ko-KR" sz="900" dirty="0" smtClean="0">
+              <a:rPr lang="en-US" altLang="ko-KR" sz="600" dirty="0" smtClean="0">
                 <a:solidFill>
                   <a:schemeClr val="bg1"/>
                 </a:solidFill>
@@ -25961,7 +22162,7 @@
               </a:rPr>
               <a:t>Shorts</a:t>
             </a:r>
-            <a:endParaRPr lang="ko-KR" altLang="en-US" sz="900" dirty="0">
+            <a:endParaRPr lang="ko-KR" altLang="en-US" sz="600" dirty="0">
               <a:solidFill>
                 <a:schemeClr val="bg1"/>
               </a:solidFill>
@@ -26147,14 +22348,7 @@
                 <a:latin typeface="+mn-ea"/>
                 <a:ea typeface="+mn-ea"/>
               </a:rPr>
-              <a:t>아이템 하나면 </a:t>
-            </a:r>
-            <a:r>
-              <a:rPr lang="ko-KR" altLang="en-US" sz="900" dirty="0" smtClean="0">
-                <a:latin typeface="+mn-ea"/>
-                <a:ea typeface="+mn-ea"/>
-              </a:rPr>
-              <a:t>이번</a:t>
+              <a:t>아이템 하나면 이번</a:t>
             </a:r>
             <a:r>
               <a:rPr lang="en-US" altLang="ko-KR" sz="900" dirty="0" smtClean="0">
@@ -26168,14 +22362,7 @@
                 <a:latin typeface="+mn-ea"/>
                 <a:ea typeface="+mn-ea"/>
               </a:rPr>
-              <a:t>시즌 </a:t>
-            </a:r>
-            <a:r>
-              <a:rPr lang="ko-KR" altLang="en-US" sz="900" dirty="0" smtClean="0">
-                <a:latin typeface="+mn-ea"/>
-                <a:ea typeface="+mn-ea"/>
-              </a:rPr>
-              <a:t>준비 완료</a:t>
+              <a:t>시즌 준비 완료</a:t>
             </a:r>
             <a:r>
               <a:rPr lang="en-US" altLang="ko-KR" sz="900" dirty="0" smtClean="0">
@@ -26236,14 +22423,7 @@
                 <a:latin typeface="+mn-ea"/>
                 <a:ea typeface="+mn-ea"/>
               </a:rPr>
-              <a:t>한계 없는 다양한 </a:t>
-            </a:r>
-            <a:r>
-              <a:rPr lang="ko-KR" altLang="en-US" sz="800" dirty="0" smtClean="0">
-                <a:latin typeface="+mn-ea"/>
-                <a:ea typeface="+mn-ea"/>
-              </a:rPr>
-              <a:t>소재를 활용한</a:t>
+              <a:t>한계 없는 다양한 소재를 활용한</a:t>
             </a:r>
             <a:endParaRPr lang="en-US" altLang="ko-KR" sz="800" dirty="0" smtClean="0">
               <a:latin typeface="+mn-ea"/>
@@ -26282,14 +22462,7 @@
                 <a:latin typeface="+mn-ea"/>
                 <a:ea typeface="+mn-ea"/>
               </a:rPr>
-              <a:t> </a:t>
-            </a:r>
-            <a:r>
-              <a:rPr lang="ko-KR" altLang="en-US" sz="800" dirty="0" smtClean="0">
-                <a:latin typeface="+mn-ea"/>
-                <a:ea typeface="+mn-ea"/>
-              </a:rPr>
-              <a:t>변주곡을 연출해보자</a:t>
+              <a:t> 변주곡을 연출해보자</a:t>
             </a:r>
             <a:endParaRPr lang="en-US" altLang="ko-KR" sz="800" dirty="0" smtClean="0">
               <a:latin typeface="+mn-ea"/>
@@ -26784,8 +22957,8 @@
         </p:nvSpPr>
         <p:spPr>
           <a:xfrm>
-            <a:off x="6049838" y="2060641"/>
-            <a:ext cx="673391" cy="1292159"/>
+            <a:off x="6142711" y="2060641"/>
+            <a:ext cx="580518" cy="1292159"/>
           </a:xfrm>
           <a:prstGeom prst="roundRect">
             <a:avLst>
@@ -26954,7 +23127,7 @@
         </p:nvSpPr>
         <p:spPr>
           <a:xfrm>
-            <a:off x="3298032" y="4536760"/>
+            <a:off x="3298032" y="4568510"/>
             <a:ext cx="271459" cy="271459"/>
           </a:xfrm>
           <a:prstGeom prst="ellipse">
@@ -26966,7 +23139,11 @@
             </a:schemeClr>
           </a:solidFill>
           <a:ln w="3175">
-            <a:noFill/>
+            <a:solidFill>
+              <a:schemeClr val="bg1">
+                <a:lumMod val="50000"/>
+              </a:schemeClr>
+            </a:solidFill>
           </a:ln>
         </p:spPr>
         <p:style>
@@ -27182,7 +23359,7 @@
         </p:nvSpPr>
         <p:spPr>
           <a:xfrm>
-            <a:off x="6524132" y="2388397"/>
+            <a:off x="6524132" y="2435417"/>
             <a:ext cx="71438" cy="71438"/>
           </a:xfrm>
           <a:prstGeom prst="ellipse">
@@ -27265,6 +23442,64 @@
           <a:p>
             <a:pPr algn="ctr"/>
             <a:endParaRPr lang="ko-KR" altLang="en-US"/>
+          </a:p>
+        </p:txBody>
+      </p:sp>
+      <p:sp>
+        <p:nvSpPr>
+          <p:cNvPr id="52" name="Google Shape;189;p14"/>
+          <p:cNvSpPr/>
+          <p:nvPr/>
+        </p:nvSpPr>
+        <p:spPr>
+          <a:xfrm>
+            <a:off x="3079478" y="4633289"/>
+            <a:ext cx="216024" cy="216024"/>
+          </a:xfrm>
+          <a:prstGeom prst="roundRect">
+            <a:avLst>
+              <a:gd name="adj" fmla="val 16667"/>
+            </a:avLst>
+          </a:prstGeom>
+          <a:solidFill>
+            <a:srgbClr val="E36C09"/>
+          </a:solidFill>
+          <a:ln w="3175">
+            <a:noFill/>
+          </a:ln>
+        </p:spPr>
+        <p:txBody>
+          <a:bodyPr spcFirstLastPara="1" wrap="square" lIns="0" tIns="45700" rIns="0" bIns="45700" anchor="ctr" anchorCtr="0">
+            <a:noAutofit/>
+          </a:bodyPr>
+          <a:lstStyle/>
+          <a:p>
+            <a:pPr marL="0" marR="0" lvl="0" indent="0" algn="ctr" rtl="0">
+              <a:spcBef>
+                <a:spcPts val="0"/>
+              </a:spcBef>
+              <a:spcAft>
+                <a:spcPts val="0"/>
+              </a:spcAft>
+              <a:buNone/>
+            </a:pPr>
+            <a:r>
+              <a:rPr lang="en-US" sz="1050" b="1" dirty="0">
+                <a:solidFill>
+                  <a:schemeClr val="lt1"/>
+                </a:solidFill>
+              </a:rPr>
+              <a:t>6</a:t>
+            </a:r>
+            <a:endParaRPr sz="1050" b="1" dirty="0">
+              <a:solidFill>
+                <a:schemeClr val="lt1"/>
+              </a:solidFill>
+              <a:latin typeface="Arial"/>
+              <a:ea typeface="Arial"/>
+              <a:cs typeface="Arial"/>
+              <a:sym typeface="Arial"/>
+            </a:endParaRPr>
           </a:p>
         </p:txBody>
       </p:sp>
@@ -27422,7 +23657,15 @@
             </a:r>
             <a:r>
               <a:rPr lang="ko-KR" altLang="en-US" dirty="0"/>
-              <a:t>페이지로 </a:t>
+              <a:t>페이지 </a:t>
+            </a:r>
+            <a:r>
+              <a:rPr lang="ko-KR" altLang="en-US" dirty="0" err="1"/>
+              <a:t>바로가기</a:t>
+            </a:r>
+            <a:r>
+              <a:rPr lang="ko-KR" altLang="en-US" dirty="0"/>
+              <a:t> </a:t>
             </a:r>
             <a:r>
               <a:rPr lang="en-US" altLang="ko-KR" dirty="0"/>
@@ -27455,7 +23698,15 @@
             </a:r>
             <a:r>
               <a:rPr lang="en-US" altLang="ko-KR" dirty="0" smtClean="0"/>
-              <a:t>       translate (transition: 0.5s)</a:t>
+              <a:t>       translate (</a:t>
+            </a:r>
+            <a:r>
+              <a:rPr lang="en-US" altLang="ko-KR" dirty="0" smtClean="0"/>
+              <a:t>transition </a:t>
+            </a:r>
+            <a:r>
+              <a:rPr lang="en-US" altLang="ko-KR" dirty="0" smtClean="0"/>
+              <a:t>0.5s)</a:t>
             </a:r>
           </a:p>
           <a:p>
@@ -27484,7 +23735,15 @@
             </a:r>
             <a:r>
               <a:rPr lang="en-US" altLang="ko-KR" dirty="0" smtClean="0"/>
-              <a:t>       translate (transition: 0.5s) </a:t>
+              <a:t>       translate (</a:t>
+            </a:r>
+            <a:r>
+              <a:rPr lang="en-US" altLang="ko-KR" dirty="0" smtClean="0"/>
+              <a:t>transition </a:t>
+            </a:r>
+            <a:r>
+              <a:rPr lang="en-US" altLang="ko-KR" dirty="0" smtClean="0"/>
+              <a:t>0.5s) </a:t>
             </a:r>
             <a:endParaRPr lang="en-US" altLang="ko-KR" dirty="0"/>
           </a:p>
@@ -27508,7 +23767,15 @@
           <a:p>
             <a:r>
               <a:rPr lang="en-US" altLang="ko-KR" dirty="0"/>
-              <a:t>         (transition: .5s)</a:t>
+              <a:t>         (</a:t>
+            </a:r>
+            <a:r>
+              <a:rPr lang="en-US" altLang="ko-KR" dirty="0" smtClean="0"/>
+              <a:t>transition </a:t>
+            </a:r>
+            <a:r>
+              <a:rPr lang="en-US" altLang="ko-KR" dirty="0"/>
+              <a:t>.5s)</a:t>
             </a:r>
           </a:p>
           <a:p>
@@ -27570,7 +23837,15 @@
             </a:r>
             <a:r>
               <a:rPr lang="en-US" altLang="ko-KR" dirty="0" smtClean="0"/>
-              <a:t>       (transition: .5s)</a:t>
+              <a:t>       (</a:t>
+            </a:r>
+            <a:r>
+              <a:rPr lang="en-US" altLang="ko-KR" dirty="0" smtClean="0"/>
+              <a:t>transition </a:t>
+            </a:r>
+            <a:r>
+              <a:rPr lang="en-US" altLang="ko-KR" dirty="0" smtClean="0"/>
+              <a:t>.5s)</a:t>
             </a:r>
           </a:p>
           <a:p>
@@ -27598,16 +23873,65 @@
             </a:r>
             <a:r>
               <a:rPr lang="en-US" altLang="ko-KR" dirty="0" smtClean="0"/>
-              <a:t>(transition</a:t>
+              <a:t>(</a:t>
+            </a:r>
+            <a:r>
+              <a:rPr lang="en-US" altLang="ko-KR" dirty="0" smtClean="0"/>
+              <a:t>transition </a:t>
             </a:r>
             <a:r>
               <a:rPr lang="en-US" altLang="ko-KR" dirty="0"/>
-              <a:t>: .</a:t>
+              <a:t>.</a:t>
             </a:r>
             <a:r>
               <a:rPr lang="en-US" altLang="ko-KR" dirty="0" smtClean="0"/>
-              <a:t>5s)</a:t>
-            </a:r>
+              <a:t>5s</a:t>
+            </a:r>
+            <a:r>
+              <a:rPr lang="en-US" altLang="ko-KR" dirty="0" smtClean="0"/>
+              <a:t>)</a:t>
+            </a:r>
+          </a:p>
+          <a:p>
+            <a:endParaRPr lang="en-US" altLang="ko-KR" dirty="0"/>
+          </a:p>
+          <a:p>
+            <a:r>
+              <a:rPr lang="en-US" altLang="ko-KR" dirty="0"/>
+              <a:t>6_1. </a:t>
+            </a:r>
+            <a:r>
+              <a:rPr lang="ko-KR" altLang="en-US" dirty="0"/>
+              <a:t>클릭할 경우</a:t>
+            </a:r>
+            <a:r>
+              <a:rPr lang="en-US" altLang="ko-KR" dirty="0"/>
+              <a:t>,</a:t>
+            </a:r>
+          </a:p>
+          <a:p>
+            <a:r>
+              <a:rPr lang="en-US" altLang="ko-KR" dirty="0"/>
+              <a:t>        </a:t>
+            </a:r>
+            <a:r>
+              <a:rPr lang="ko-KR" altLang="en-US" dirty="0"/>
+              <a:t>해당 페이지 </a:t>
+            </a:r>
+            <a:r>
+              <a:rPr lang="ko-KR" altLang="en-US" dirty="0" err="1"/>
+              <a:t>바로가기</a:t>
+            </a:r>
+            <a:r>
+              <a:rPr lang="ko-KR" altLang="en-US" dirty="0"/>
+              <a:t> </a:t>
+            </a:r>
+            <a:r>
+              <a:rPr lang="en-US" altLang="ko-KR"/>
+              <a:t>link</a:t>
+            </a:r>
+          </a:p>
+          <a:p>
             <a:endParaRPr lang="en-US" altLang="ko-KR" dirty="0"/>
           </a:p>
         </p:txBody>
@@ -27751,59 +24075,13 @@
       </p:sp>
       <p:sp>
         <p:nvSpPr>
-          <p:cNvPr id="18" name="타원 17"/>
-          <p:cNvSpPr/>
-          <p:nvPr/>
-        </p:nvSpPr>
-        <p:spPr>
-          <a:xfrm>
-            <a:off x="6524148" y="2750344"/>
-            <a:ext cx="71438" cy="71438"/>
-          </a:xfrm>
-          <a:prstGeom prst="ellipse">
-            <a:avLst/>
-          </a:prstGeom>
-          <a:solidFill>
-            <a:schemeClr val="bg1"/>
-          </a:solidFill>
-          <a:ln>
-            <a:noFill/>
-          </a:ln>
-        </p:spPr>
-        <p:style>
-          <a:lnRef idx="2">
-            <a:schemeClr val="accent1">
-              <a:shade val="50000"/>
-            </a:schemeClr>
-          </a:lnRef>
-          <a:fillRef idx="1">
-            <a:schemeClr val="accent1"/>
-          </a:fillRef>
-          <a:effectRef idx="0">
-            <a:schemeClr val="accent1"/>
-          </a:effectRef>
-          <a:fontRef idx="minor">
-            <a:schemeClr val="lt1"/>
-          </a:fontRef>
-        </p:style>
-        <p:txBody>
-          <a:bodyPr rtlCol="0" anchor="ctr"/>
-          <a:lstStyle/>
-          <a:p>
-            <a:pPr algn="ctr"/>
-            <a:endParaRPr lang="ko-KR" altLang="en-US"/>
-          </a:p>
-        </p:txBody>
-      </p:sp>
-      <p:sp>
-        <p:nvSpPr>
           <p:cNvPr id="19" name="타원 18"/>
           <p:cNvSpPr/>
           <p:nvPr/>
         </p:nvSpPr>
         <p:spPr>
           <a:xfrm>
-            <a:off x="6524148" y="2931319"/>
+            <a:off x="6524148" y="2886669"/>
             <a:ext cx="71438" cy="71438"/>
           </a:xfrm>
           <a:prstGeom prst="ellipse">
@@ -27895,8 +24173,8 @@
         </p:nvSpPr>
         <p:spPr>
           <a:xfrm>
-            <a:off x="6015339" y="2429140"/>
-            <a:ext cx="482824" cy="300082"/>
+            <a:off x="6173783" y="2565364"/>
+            <a:ext cx="381835" cy="230832"/>
           </a:xfrm>
           <a:prstGeom prst="rect">
             <a:avLst/>
@@ -27918,7 +24196,7 @@
               </a:lnSpc>
             </a:pPr>
             <a:r>
-              <a:rPr lang="en-US" altLang="ko-KR" sz="900" dirty="0" smtClean="0">
+              <a:rPr lang="en-US" altLang="ko-KR" sz="600" dirty="0" smtClean="0">
                 <a:solidFill>
                   <a:schemeClr val="bg1"/>
                 </a:solidFill>
@@ -27927,7 +24205,7 @@
               </a:rPr>
               <a:t>Prints</a:t>
             </a:r>
-            <a:endParaRPr lang="ko-KR" altLang="en-US" sz="900" dirty="0">
+            <a:endParaRPr lang="ko-KR" altLang="en-US" sz="600" dirty="0">
               <a:solidFill>
                 <a:schemeClr val="bg1"/>
               </a:solidFill>
@@ -28210,14 +24488,7 @@
                 <a:latin typeface="+mn-ea"/>
                 <a:ea typeface="+mn-ea"/>
               </a:rPr>
-              <a:t>대담한 </a:t>
-            </a:r>
-            <a:r>
-              <a:rPr lang="ko-KR" altLang="en-US" sz="800" dirty="0" smtClean="0">
-                <a:latin typeface="+mn-ea"/>
-                <a:ea typeface="+mn-ea"/>
-              </a:rPr>
-              <a:t>프린트 아이템을 활용하여 </a:t>
+              <a:t>대담한 프린트 아이템을 활용하여 </a:t>
             </a:r>
             <a:r>
               <a:rPr lang="ko-KR" altLang="en-US" sz="800" dirty="0" err="1" smtClean="0">
@@ -29170,7 +25441,7 @@
         </p:nvSpPr>
         <p:spPr>
           <a:xfrm>
-            <a:off x="6524140" y="2569369"/>
+            <a:off x="6524140" y="2661043"/>
             <a:ext cx="71438" cy="71438"/>
           </a:xfrm>
           <a:prstGeom prst="ellipse">
@@ -29218,7 +25489,7 @@
         </p:nvSpPr>
         <p:spPr>
           <a:xfrm>
-            <a:off x="6525512" y="2388395"/>
+            <a:off x="6525512" y="2435417"/>
             <a:ext cx="71438" cy="71438"/>
           </a:xfrm>
           <a:prstGeom prst="ellipse">
@@ -29253,6 +25524,64 @@
           <a:p>
             <a:pPr algn="ctr"/>
             <a:endParaRPr lang="ko-KR" altLang="en-US"/>
+          </a:p>
+        </p:txBody>
+      </p:sp>
+      <p:sp>
+        <p:nvSpPr>
+          <p:cNvPr id="50" name="Google Shape;189;p14"/>
+          <p:cNvSpPr/>
+          <p:nvPr/>
+        </p:nvSpPr>
+        <p:spPr>
+          <a:xfrm>
+            <a:off x="3064238" y="4591628"/>
+            <a:ext cx="216024" cy="216024"/>
+          </a:xfrm>
+          <a:prstGeom prst="roundRect">
+            <a:avLst>
+              <a:gd name="adj" fmla="val 16667"/>
+            </a:avLst>
+          </a:prstGeom>
+          <a:solidFill>
+            <a:srgbClr val="E36C09"/>
+          </a:solidFill>
+          <a:ln w="3175">
+            <a:noFill/>
+          </a:ln>
+        </p:spPr>
+        <p:txBody>
+          <a:bodyPr spcFirstLastPara="1" wrap="square" lIns="0" tIns="45700" rIns="0" bIns="45700" anchor="ctr" anchorCtr="0">
+            <a:noAutofit/>
+          </a:bodyPr>
+          <a:lstStyle/>
+          <a:p>
+            <a:pPr marL="0" marR="0" lvl="0" indent="0" algn="ctr" rtl="0">
+              <a:spcBef>
+                <a:spcPts val="0"/>
+              </a:spcBef>
+              <a:spcAft>
+                <a:spcPts val="0"/>
+              </a:spcAft>
+              <a:buNone/>
+            </a:pPr>
+            <a:r>
+              <a:rPr lang="en-US" sz="1050" b="1" dirty="0" smtClean="0">
+                <a:solidFill>
+                  <a:schemeClr val="lt1"/>
+                </a:solidFill>
+              </a:rPr>
+              <a:t>6</a:t>
+            </a:r>
+            <a:endParaRPr sz="1050" b="1" dirty="0">
+              <a:solidFill>
+                <a:schemeClr val="lt1"/>
+              </a:solidFill>
+              <a:latin typeface="Arial"/>
+              <a:ea typeface="Arial"/>
+              <a:cs typeface="Arial"/>
+              <a:sym typeface="Arial"/>
+            </a:endParaRPr>
           </a:p>
         </p:txBody>
       </p:sp>
@@ -29406,7 +25735,19 @@
             </a:r>
             <a:r>
               <a:rPr lang="ko-KR" altLang="en-US" dirty="0"/>
-              <a:t>해당 페이지로 </a:t>
+              <a:t>해당 </a:t>
+            </a:r>
+            <a:r>
+              <a:rPr lang="ko-KR" altLang="en-US" dirty="0"/>
+              <a:t>페이지 </a:t>
+            </a:r>
+            <a:r>
+              <a:rPr lang="ko-KR" altLang="en-US" dirty="0" err="1"/>
+              <a:t>바로가기</a:t>
+            </a:r>
+            <a:r>
+              <a:rPr lang="ko-KR" altLang="en-US" dirty="0"/>
+              <a:t> </a:t>
             </a:r>
             <a:r>
               <a:rPr lang="en-US" altLang="ko-KR" dirty="0"/>
@@ -29431,7 +25772,15 @@
           <a:p>
             <a:r>
               <a:rPr lang="en-US" altLang="ko-KR" dirty="0"/>
-              <a:t>        translate (transition: 0.5s)</a:t>
+              <a:t>        translate (</a:t>
+            </a:r>
+            <a:r>
+              <a:rPr lang="en-US" altLang="ko-KR" dirty="0" smtClean="0"/>
+              <a:t>transition </a:t>
+            </a:r>
+            <a:r>
+              <a:rPr lang="en-US" altLang="ko-KR" dirty="0"/>
+              <a:t>0.5s)</a:t>
             </a:r>
           </a:p>
           <a:p>
@@ -29456,7 +25805,15 @@
           <a:p>
             <a:r>
               <a:rPr lang="en-US" altLang="ko-KR" dirty="0"/>
-              <a:t>        translate (transition: 0.5s) </a:t>
+              <a:t>        translate (</a:t>
+            </a:r>
+            <a:r>
+              <a:rPr lang="en-US" altLang="ko-KR" dirty="0" smtClean="0"/>
+              <a:t>transition </a:t>
+            </a:r>
+            <a:r>
+              <a:rPr lang="en-US" altLang="ko-KR" dirty="0"/>
+              <a:t>0.5s) </a:t>
             </a:r>
           </a:p>
           <a:p>
@@ -29479,7 +25836,15 @@
           <a:p>
             <a:r>
               <a:rPr lang="en-US" altLang="ko-KR" dirty="0"/>
-              <a:t>         (transition: .5s)</a:t>
+              <a:t>         (</a:t>
+            </a:r>
+            <a:r>
+              <a:rPr lang="en-US" altLang="ko-KR" dirty="0" smtClean="0"/>
+              <a:t>transition </a:t>
+            </a:r>
+            <a:r>
+              <a:rPr lang="en-US" altLang="ko-KR" dirty="0"/>
+              <a:t>.5s)</a:t>
             </a:r>
           </a:p>
           <a:p>
@@ -29541,7 +25906,15 @@
             </a:r>
             <a:r>
               <a:rPr lang="en-US" altLang="ko-KR" dirty="0" smtClean="0"/>
-              <a:t>       (transition: .5s)</a:t>
+              <a:t>       (</a:t>
+            </a:r>
+            <a:r>
+              <a:rPr lang="en-US" altLang="ko-KR" dirty="0" smtClean="0"/>
+              <a:t>transition </a:t>
+            </a:r>
+            <a:r>
+              <a:rPr lang="en-US" altLang="ko-KR" dirty="0" smtClean="0"/>
+              <a:t>.5s)</a:t>
             </a:r>
           </a:p>
           <a:p>
@@ -29569,11 +25942,15 @@
             </a:r>
             <a:r>
               <a:rPr lang="en-US" altLang="ko-KR" dirty="0" smtClean="0"/>
-              <a:t>(transition</a:t>
+              <a:t>(</a:t>
+            </a:r>
+            <a:r>
+              <a:rPr lang="en-US" altLang="ko-KR" dirty="0" smtClean="0"/>
+              <a:t>transition </a:t>
             </a:r>
             <a:r>
               <a:rPr lang="en-US" altLang="ko-KR" dirty="0"/>
-              <a:t>: .</a:t>
+              <a:t>.</a:t>
             </a:r>
             <a:r>
               <a:rPr lang="en-US" altLang="ko-KR" dirty="0" smtClean="0"/>
@@ -29654,7 +26031,7 @@
           </a:prstGeom>
           <a:solidFill>
             <a:schemeClr val="bg1">
-              <a:lumMod val="75000"/>
+              <a:lumMod val="65000"/>
             </a:schemeClr>
           </a:solidFill>
           <a:ln w="3175"/>
@@ -29704,56 +26081,6 @@
             </a:schemeClr>
           </a:solidFill>
           <a:ln w="3175">
-            <a:solidFill>
-              <a:schemeClr val="bg1">
-                <a:lumMod val="50000"/>
-              </a:schemeClr>
-            </a:solidFill>
-          </a:ln>
-        </p:spPr>
-        <p:style>
-          <a:lnRef idx="2">
-            <a:schemeClr val="accent1">
-              <a:shade val="50000"/>
-            </a:schemeClr>
-          </a:lnRef>
-          <a:fillRef idx="1">
-            <a:schemeClr val="accent1"/>
-          </a:fillRef>
-          <a:effectRef idx="0">
-            <a:schemeClr val="accent1"/>
-          </a:effectRef>
-          <a:fontRef idx="minor">
-            <a:schemeClr val="lt1"/>
-          </a:fontRef>
-        </p:style>
-        <p:txBody>
-          <a:bodyPr rtlCol="0" anchor="ctr"/>
-          <a:lstStyle/>
-          <a:p>
-            <a:pPr algn="ctr"/>
-            <a:endParaRPr lang="ko-KR" altLang="en-US"/>
-          </a:p>
-        </p:txBody>
-      </p:sp>
-      <p:sp>
-        <p:nvSpPr>
-          <p:cNvPr id="17" name="타원 16"/>
-          <p:cNvSpPr/>
-          <p:nvPr/>
-        </p:nvSpPr>
-        <p:spPr>
-          <a:xfrm>
-            <a:off x="6524148" y="2569369"/>
-            <a:ext cx="71438" cy="71438"/>
-          </a:xfrm>
-          <a:prstGeom prst="ellipse">
-            <a:avLst/>
-          </a:prstGeom>
-          <a:solidFill>
-            <a:schemeClr val="bg1"/>
-          </a:solidFill>
-          <a:ln>
             <a:noFill/>
           </a:ln>
         </p:spPr>
@@ -29784,13 +26111,13 @@
       </p:sp>
       <p:sp>
         <p:nvSpPr>
-          <p:cNvPr id="19" name="타원 18"/>
+          <p:cNvPr id="17" name="타원 16"/>
           <p:cNvSpPr/>
           <p:nvPr/>
         </p:nvSpPr>
         <p:spPr>
           <a:xfrm>
-            <a:off x="6524148" y="2931319"/>
+            <a:off x="6524148" y="2661043"/>
             <a:ext cx="71438" cy="71438"/>
           </a:xfrm>
           <a:prstGeom prst="ellipse">
@@ -29882,8 +26209,8 @@
         </p:nvSpPr>
         <p:spPr>
           <a:xfrm>
-            <a:off x="5936794" y="2617259"/>
-            <a:ext cx="639919" cy="300082"/>
+            <a:off x="6062133" y="2791583"/>
+            <a:ext cx="490840" cy="230832"/>
           </a:xfrm>
           <a:prstGeom prst="rect">
             <a:avLst/>
@@ -29905,7 +26232,7 @@
               </a:lnSpc>
             </a:pPr>
             <a:r>
-              <a:rPr lang="en-US" altLang="ko-KR" sz="900" dirty="0" smtClean="0">
+              <a:rPr lang="en-US" altLang="ko-KR" sz="600" dirty="0" smtClean="0">
                 <a:solidFill>
                   <a:schemeClr val="bg1"/>
                 </a:solidFill>
@@ -29914,7 +26241,7 @@
               </a:rPr>
               <a:t>All-black</a:t>
             </a:r>
-            <a:endParaRPr lang="ko-KR" altLang="en-US" sz="900" dirty="0">
+            <a:endParaRPr lang="ko-KR" altLang="en-US" sz="600" dirty="0">
               <a:solidFill>
                 <a:schemeClr val="bg1"/>
               </a:solidFill>
@@ -30107,14 +26434,7 @@
                 <a:latin typeface="+mn-ea"/>
                 <a:ea typeface="+mn-ea"/>
               </a:rPr>
-              <a:t>머리 </a:t>
-            </a:r>
-            <a:r>
-              <a:rPr lang="ko-KR" altLang="en-US" sz="900" dirty="0" smtClean="0">
-                <a:latin typeface="+mn-ea"/>
-                <a:ea typeface="+mn-ea"/>
-              </a:rPr>
-              <a:t>끝부터 발끝까지</a:t>
+              <a:t>머리 끝부터 발끝까지</a:t>
             </a:r>
             <a:r>
               <a:rPr lang="en-US" altLang="ko-KR" sz="900" dirty="0">
@@ -31157,7 +27477,7 @@
         </p:nvSpPr>
         <p:spPr>
           <a:xfrm>
-            <a:off x="6676532" y="2750344"/>
+            <a:off x="6524148" y="2886669"/>
             <a:ext cx="71438" cy="71438"/>
           </a:xfrm>
           <a:prstGeom prst="ellipse">
@@ -31205,7 +27525,7 @@
         </p:nvSpPr>
         <p:spPr>
           <a:xfrm>
-            <a:off x="6677904" y="2388395"/>
+            <a:off x="6525520" y="2435417"/>
             <a:ext cx="71438" cy="71438"/>
           </a:xfrm>
           <a:prstGeom prst="ellipse">
@@ -31245,95 +27565,59 @@
       </p:sp>
       <p:sp>
         <p:nvSpPr>
-          <p:cNvPr id="18" name="타원 17"/>
+          <p:cNvPr id="50" name="Google Shape;189;p14"/>
           <p:cNvSpPr/>
           <p:nvPr/>
         </p:nvSpPr>
         <p:spPr>
           <a:xfrm>
-            <a:off x="6524148" y="2750344"/>
-            <a:ext cx="71438" cy="71438"/>
+            <a:off x="3064238" y="4591628"/>
+            <a:ext cx="216024" cy="216024"/>
           </a:xfrm>
-          <a:prstGeom prst="ellipse">
-            <a:avLst/>
+          <a:prstGeom prst="roundRect">
+            <a:avLst>
+              <a:gd name="adj" fmla="val 16667"/>
+            </a:avLst>
           </a:prstGeom>
           <a:solidFill>
-            <a:schemeClr val="bg1"/>
+            <a:srgbClr val="E36C09"/>
           </a:solidFill>
-          <a:ln>
+          <a:ln w="3175">
             <a:noFill/>
           </a:ln>
         </p:spPr>
-        <p:style>
-          <a:lnRef idx="2">
-            <a:schemeClr val="accent1">
-              <a:shade val="50000"/>
-            </a:schemeClr>
-          </a:lnRef>
-          <a:fillRef idx="1">
-            <a:schemeClr val="accent1"/>
-          </a:fillRef>
-          <a:effectRef idx="0">
-            <a:schemeClr val="accent1"/>
-          </a:effectRef>
-          <a:fontRef idx="minor">
-            <a:schemeClr val="lt1"/>
-          </a:fontRef>
-        </p:style>
         <p:txBody>
-          <a:bodyPr rtlCol="0" anchor="ctr"/>
+          <a:bodyPr spcFirstLastPara="1" wrap="square" lIns="0" tIns="45700" rIns="0" bIns="45700" anchor="ctr" anchorCtr="0">
+            <a:noAutofit/>
+          </a:bodyPr>
           <a:lstStyle/>
           <a:p>
-            <a:pPr algn="ctr"/>
-            <a:endParaRPr lang="ko-KR" altLang="en-US"/>
-          </a:p>
-        </p:txBody>
-      </p:sp>
-      <p:sp>
-        <p:nvSpPr>
-          <p:cNvPr id="50" name="타원 49"/>
-          <p:cNvSpPr/>
-          <p:nvPr/>
-        </p:nvSpPr>
-        <p:spPr>
-          <a:xfrm>
-            <a:off x="6524132" y="2388397"/>
-            <a:ext cx="71438" cy="71438"/>
-          </a:xfrm>
-          <a:prstGeom prst="ellipse">
-            <a:avLst/>
-          </a:prstGeom>
-          <a:solidFill>
-            <a:schemeClr val="bg1">
-              <a:lumMod val="50000"/>
-            </a:schemeClr>
-          </a:solidFill>
-          <a:ln>
-            <a:noFill/>
-          </a:ln>
-        </p:spPr>
-        <p:style>
-          <a:lnRef idx="2">
-            <a:schemeClr val="accent1">
-              <a:shade val="50000"/>
-            </a:schemeClr>
-          </a:lnRef>
-          <a:fillRef idx="1">
-            <a:schemeClr val="accent1"/>
-          </a:fillRef>
-          <a:effectRef idx="0">
-            <a:schemeClr val="accent1"/>
-          </a:effectRef>
-          <a:fontRef idx="minor">
-            <a:schemeClr val="lt1"/>
-          </a:fontRef>
-        </p:style>
-        <p:txBody>
-          <a:bodyPr rtlCol="0" anchor="ctr"/>
-          <a:lstStyle/>
-          <a:p>
-            <a:pPr algn="ctr"/>
-            <a:endParaRPr lang="ko-KR" altLang="en-US"/>
+            <a:pPr marL="0" marR="0" lvl="0" indent="0" algn="ctr" rtl="0">
+              <a:spcBef>
+                <a:spcPts val="0"/>
+              </a:spcBef>
+              <a:spcAft>
+                <a:spcPts val="0"/>
+              </a:spcAft>
+              <a:buNone/>
+            </a:pPr>
+            <a:r>
+              <a:rPr lang="en-US" sz="1050" b="1" dirty="0" smtClean="0">
+                <a:solidFill>
+                  <a:schemeClr val="lt1"/>
+                </a:solidFill>
+              </a:rPr>
+              <a:t>6</a:t>
+            </a:r>
+            <a:endParaRPr sz="1050" b="1" dirty="0">
+              <a:solidFill>
+                <a:schemeClr val="lt1"/>
+              </a:solidFill>
+              <a:latin typeface="Arial"/>
+              <a:ea typeface="Arial"/>
+              <a:cs typeface="Arial"/>
+              <a:sym typeface="Arial"/>
+            </a:endParaRPr>
           </a:p>
         </p:txBody>
       </p:sp>

--- a/assignment/storyboard/이채미.pptx
+++ b/assignment/storyboard/이채미.pptx
@@ -7,22 +7,21 @@
     <p:sldMasterId id="2147483656" r:id="rId3"/>
   </p:sldMasterIdLst>
   <p:notesMasterIdLst>
-    <p:notesMasterId r:id="rId14"/>
+    <p:notesMasterId r:id="rId13"/>
   </p:notesMasterIdLst>
   <p:handoutMasterIdLst>
-    <p:handoutMasterId r:id="rId15"/>
+    <p:handoutMasterId r:id="rId14"/>
   </p:handoutMasterIdLst>
   <p:sldIdLst>
     <p:sldId id="288" r:id="rId4"/>
     <p:sldId id="257" r:id="rId5"/>
     <p:sldId id="258" r:id="rId6"/>
     <p:sldId id="259" r:id="rId7"/>
-    <p:sldId id="289" r:id="rId8"/>
-    <p:sldId id="290" r:id="rId9"/>
-    <p:sldId id="291" r:id="rId10"/>
-    <p:sldId id="292" r:id="rId11"/>
-    <p:sldId id="293" r:id="rId12"/>
-    <p:sldId id="294" r:id="rId13"/>
+    <p:sldId id="290" r:id="rId8"/>
+    <p:sldId id="291" r:id="rId9"/>
+    <p:sldId id="292" r:id="rId10"/>
+    <p:sldId id="293" r:id="rId11"/>
+    <p:sldId id="294" r:id="rId12"/>
   </p:sldIdLst>
   <p:sldSz cx="9144000" cy="5143500" type="screen16x9"/>
   <p:notesSz cx="6858000" cy="9144000"/>
@@ -257,7 +256,7 @@
   </p:defaultTextStyle>
   <p:extLst>
     <p:ext uri="{EFAFB233-063F-42B5-8137-9DF3F51BA10A}">
-      <p15:sldGuideLst xmlns:p15="http://schemas.microsoft.com/office/powerpoint/2012/main" xmlns:p14="http://schemas.microsoft.com/office/powerpoint/2010/main" xmlns:com="http://schemas.openxmlformats.org/drawingml/2006/compatibility" xmlns:pvml="urn:schemas-microsoft-com:office:powerpoint" xmlns:v="urn:schemas-microsoft-com:vml" xmlns:o="urn:schemas-microsoft-com:office:office" xmlns:dgm="http://schemas.openxmlformats.org/drawingml/2006/diagram" xmlns:c="http://schemas.openxmlformats.org/drawingml/2006/chart" xmlns:mv="urn:schemas-microsoft-com:mac:vml" xmlns:mc="http://schemas.openxmlformats.org/markup-compatibility/2006" xmlns="">
+      <p15:sldGuideLst xmlns="" xmlns:mc="http://schemas.openxmlformats.org/markup-compatibility/2006" xmlns:mv="urn:schemas-microsoft-com:mac:vml" xmlns:c="http://schemas.openxmlformats.org/drawingml/2006/chart" xmlns:dgm="http://schemas.openxmlformats.org/drawingml/2006/diagram" xmlns:o="urn:schemas-microsoft-com:office:office" xmlns:v="urn:schemas-microsoft-com:vml" xmlns:pvml="urn:schemas-microsoft-com:office:powerpoint" xmlns:com="http://schemas.openxmlformats.org/drawingml/2006/compatibility" xmlns:p14="http://schemas.microsoft.com/office/powerpoint/2010/main" xmlns:p15="http://schemas.microsoft.com/office/powerpoint/2012/main">
         <p15:guide id="1" orient="horz" pos="1620">
           <p15:clr>
             <a:srgbClr val="000000"/>
@@ -1758,121 +1757,6 @@
 </p:notes>
 </file>
 
-<file path=ppt/notesSlides/notesSlide10.xml><?xml version="1.0" encoding="utf-8"?>
-<p:notes xmlns:a="http://schemas.openxmlformats.org/drawingml/2006/main" xmlns:r="http://schemas.openxmlformats.org/officeDocument/2006/relationships" xmlns:p="http://schemas.openxmlformats.org/presentationml/2006/main">
-  <p:cSld>
-    <p:spTree>
-      <p:nvGrpSpPr>
-        <p:cNvPr id="1" name=""/>
-        <p:cNvGrpSpPr/>
-        <p:nvPr/>
-      </p:nvGrpSpPr>
-      <p:grpSpPr>
-        <a:xfrm>
-          <a:off x="0" y="0"/>
-          <a:ext cx="0" cy="0"/>
-          <a:chOff x="0" y="0"/>
-          <a:chExt cx="0" cy="0"/>
-        </a:xfrm>
-      </p:grpSpPr>
-      <p:sp>
-        <p:nvSpPr>
-          <p:cNvPr id="2" name="슬라이드 이미지 개체 틀 1"/>
-          <p:cNvSpPr>
-            <a:spLocks noGrp="1" noRot="1" noChangeAspect="1"/>
-          </p:cNvSpPr>
-          <p:nvPr>
-            <p:ph type="sldImg"/>
-          </p:nvPr>
-        </p:nvSpPr>
-        <p:spPr/>
-      </p:sp>
-      <p:sp>
-        <p:nvSpPr>
-          <p:cNvPr id="3" name="슬라이드 노트 개체 틀 2"/>
-          <p:cNvSpPr>
-            <a:spLocks noGrp="1"/>
-          </p:cNvSpPr>
-          <p:nvPr>
-            <p:ph type="body" idx="1"/>
-          </p:nvPr>
-        </p:nvSpPr>
-        <p:spPr/>
-        <p:txBody>
-          <a:bodyPr/>
-          <a:lstStyle/>
-          <a:p>
-            <a:r>
-              <a:rPr lang="en-US" altLang="ko-KR" dirty="0" smtClean="0">
-                <a:hlinkClick r:id="rId3"/>
-              </a:rPr>
-              <a:t>http://www.ifancyasnog.com/#home</a:t>
-            </a:r>
-            <a:endParaRPr lang="ko-KR" altLang="en-US" dirty="0"/>
-          </a:p>
-        </p:txBody>
-      </p:sp>
-      <p:sp>
-        <p:nvSpPr>
-          <p:cNvPr id="4" name="슬라이드 번호 개체 틀 3"/>
-          <p:cNvSpPr>
-            <a:spLocks noGrp="1"/>
-          </p:cNvSpPr>
-          <p:nvPr>
-            <p:ph type="sldNum" idx="10"/>
-          </p:nvPr>
-        </p:nvSpPr>
-        <p:spPr/>
-        <p:txBody>
-          <a:bodyPr/>
-          <a:lstStyle/>
-          <a:p>
-            <a:pPr marL="0" marR="0" lvl="0" indent="0" algn="r" rtl="0">
-              <a:spcBef>
-                <a:spcPts val="0"/>
-              </a:spcBef>
-              <a:spcAft>
-                <a:spcPts val="0"/>
-              </a:spcAft>
-              <a:buNone/>
-            </a:pPr>
-            <a:fld id="{00000000-1234-1234-1234-123412341234}" type="slidenum">
-              <a:rPr lang="en-US" sz="1200" b="0" i="0" u="none" strike="noStrike" cap="none" smtClean="0">
-                <a:solidFill>
-                  <a:schemeClr val="dk1"/>
-                </a:solidFill>
-                <a:latin typeface="Arial"/>
-                <a:ea typeface="Arial"/>
-                <a:cs typeface="Arial"/>
-                <a:sym typeface="Arial"/>
-              </a:rPr>
-              <a:t>10</a:t>
-            </a:fld>
-            <a:endParaRPr lang="en-US" sz="1200" b="0" i="0" u="none" strike="noStrike" cap="none">
-              <a:solidFill>
-                <a:schemeClr val="dk1"/>
-              </a:solidFill>
-              <a:latin typeface="Arial"/>
-              <a:ea typeface="Arial"/>
-              <a:cs typeface="Arial"/>
-              <a:sym typeface="Arial"/>
-            </a:endParaRPr>
-          </a:p>
-        </p:txBody>
-      </p:sp>
-    </p:spTree>
-    <p:extLst>
-      <p:ext uri="{BB962C8B-B14F-4D97-AF65-F5344CB8AC3E}">
-        <p14:creationId xmlns:p14="http://schemas.microsoft.com/office/powerpoint/2010/main" val="3974821771"/>
-      </p:ext>
-    </p:extLst>
-  </p:cSld>
-  <p:clrMapOvr>
-    <a:masterClrMapping/>
-  </p:clrMapOvr>
-</p:notes>
-</file>
-
 <file path=ppt/notesSlides/notesSlide2.xml><?xml version="1.0" encoding="utf-8"?>
 <p:notes xmlns:a="http://schemas.openxmlformats.org/drawingml/2006/main" xmlns:r="http://schemas.openxmlformats.org/officeDocument/2006/relationships" xmlns:p="http://schemas.openxmlformats.org/presentationml/2006/main" showMasterSp="0" showMasterPhAnim="0">
   <p:cSld>
@@ -2322,10 +2206,8 @@
           <a:lstStyle/>
           <a:p>
             <a:r>
-              <a:rPr lang="en-US" altLang="ko-KR" dirty="0" smtClean="0">
-                <a:hlinkClick r:id="rId3"/>
-              </a:rPr>
-              <a:t>http://www.ifancyasnog.com/#home</a:t>
+              <a:rPr lang="en-US" altLang="ko-KR" dirty="0" smtClean="0"/>
+              <a:t>http://100everyday.org/</a:t>
             </a:r>
             <a:endParaRPr lang="ko-KR" altLang="en-US" dirty="0"/>
           </a:p>
@@ -2437,8 +2319,10 @@
           <a:lstStyle/>
           <a:p>
             <a:r>
-              <a:rPr lang="en-US" altLang="ko-KR" dirty="0" smtClean="0"/>
-              <a:t>http://100everyday.org/</a:t>
+              <a:rPr lang="en-US" altLang="ko-KR" dirty="0" smtClean="0">
+                <a:hlinkClick r:id="rId3"/>
+              </a:rPr>
+              <a:t>http://www.ifancyasnog.com/#home</a:t>
             </a:r>
             <a:endParaRPr lang="ko-KR" altLang="en-US" dirty="0"/>
           </a:p>
@@ -9632,2418 +9516,6 @@
 </p:sld>
 </file>
 
-<file path=ppt/slides/slide10.xml><?xml version="1.0" encoding="utf-8"?>
-<p:sld xmlns:a="http://schemas.openxmlformats.org/drawingml/2006/main" xmlns:r="http://schemas.openxmlformats.org/officeDocument/2006/relationships" xmlns:p="http://schemas.openxmlformats.org/presentationml/2006/main">
-  <p:cSld>
-    <p:spTree>
-      <p:nvGrpSpPr>
-        <p:cNvPr id="1" name=""/>
-        <p:cNvGrpSpPr/>
-        <p:nvPr/>
-      </p:nvGrpSpPr>
-      <p:grpSpPr>
-        <a:xfrm>
-          <a:off x="0" y="0"/>
-          <a:ext cx="0" cy="0"/>
-          <a:chOff x="0" y="0"/>
-          <a:chExt cx="0" cy="0"/>
-        </a:xfrm>
-      </p:grpSpPr>
-      <p:sp>
-        <p:nvSpPr>
-          <p:cNvPr id="2" name="슬라이드 번호 개체 틀 1"/>
-          <p:cNvSpPr>
-            <a:spLocks noGrp="1"/>
-          </p:cNvSpPr>
-          <p:nvPr>
-            <p:ph type="sldNum" idx="12"/>
-          </p:nvPr>
-        </p:nvSpPr>
-        <p:spPr/>
-        <p:txBody>
-          <a:bodyPr/>
-          <a:lstStyle/>
-          <a:p>
-            <a:fld id="{00000000-1234-1234-1234-123412341234}" type="slidenum">
-              <a:rPr lang="en-US" smtClean="0"/>
-              <a:pPr/>
-              <a:t>10</a:t>
-            </a:fld>
-            <a:endParaRPr lang="en-US"/>
-          </a:p>
-        </p:txBody>
-      </p:sp>
-      <p:sp>
-        <p:nvSpPr>
-          <p:cNvPr id="3" name="텍스트 개체 틀 2"/>
-          <p:cNvSpPr>
-            <a:spLocks noGrp="1"/>
-          </p:cNvSpPr>
-          <p:nvPr>
-            <p:ph type="body" idx="1"/>
-          </p:nvPr>
-        </p:nvSpPr>
-        <p:spPr/>
-        <p:txBody>
-          <a:bodyPr/>
-          <a:lstStyle/>
-          <a:p>
-            <a:r>
-              <a:rPr lang="en-US" altLang="ko-KR" dirty="0" smtClean="0"/>
-              <a:t>4.1</a:t>
-            </a:r>
-            <a:endParaRPr lang="ko-KR" altLang="en-US" dirty="0"/>
-          </a:p>
-        </p:txBody>
-      </p:sp>
-      <p:sp>
-        <p:nvSpPr>
-          <p:cNvPr id="4" name="텍스트 개체 틀 3"/>
-          <p:cNvSpPr>
-            <a:spLocks noGrp="1"/>
-          </p:cNvSpPr>
-          <p:nvPr>
-            <p:ph type="body" sz="quarter" idx="13"/>
-          </p:nvPr>
-        </p:nvSpPr>
-        <p:spPr/>
-        <p:txBody>
-          <a:bodyPr/>
-          <a:lstStyle/>
-          <a:p>
-            <a:r>
-              <a:rPr lang="en-US" altLang="ko-KR" dirty="0" smtClean="0"/>
-              <a:t>1_1. </a:t>
-            </a:r>
-            <a:r>
-              <a:rPr lang="ko-KR" altLang="en-US" dirty="0" smtClean="0"/>
-              <a:t>텍스트 하단에서 </a:t>
-            </a:r>
-            <a:r>
-              <a:rPr lang="en-US" altLang="ko-KR" dirty="0" smtClean="0"/>
-              <a:t>translate</a:t>
-            </a:r>
-          </a:p>
-          <a:p>
-            <a:r>
-              <a:rPr lang="en-US" altLang="ko-KR" dirty="0"/>
-              <a:t> </a:t>
-            </a:r>
-            <a:r>
-              <a:rPr lang="en-US" altLang="ko-KR" dirty="0" smtClean="0"/>
-              <a:t>       (transition 0.5s)</a:t>
-            </a:r>
-          </a:p>
-          <a:p>
-            <a:endParaRPr lang="en-US" altLang="ko-KR" dirty="0"/>
-          </a:p>
-          <a:p>
-            <a:r>
-              <a:rPr lang="en-US" altLang="ko-KR" dirty="0" smtClean="0"/>
-              <a:t>2_1. </a:t>
-            </a:r>
-            <a:r>
-              <a:rPr lang="ko-KR" altLang="en-US" dirty="0" smtClean="0"/>
-              <a:t>텍스트 상단에서 </a:t>
-            </a:r>
-            <a:r>
-              <a:rPr lang="en-US" altLang="ko-KR" dirty="0" smtClean="0"/>
-              <a:t>translate</a:t>
-            </a:r>
-          </a:p>
-          <a:p>
-            <a:r>
-              <a:rPr lang="en-US" altLang="ko-KR" dirty="0"/>
-              <a:t> </a:t>
-            </a:r>
-            <a:r>
-              <a:rPr lang="en-US" altLang="ko-KR" dirty="0" smtClean="0"/>
-              <a:t>       (transition 0.5s)</a:t>
-            </a:r>
-          </a:p>
-          <a:p>
-            <a:endParaRPr lang="en-US" altLang="ko-KR" dirty="0"/>
-          </a:p>
-          <a:p>
-            <a:r>
-              <a:rPr lang="en-US" altLang="ko-KR" dirty="0" smtClean="0"/>
-              <a:t>3_1</a:t>
-            </a:r>
-            <a:r>
-              <a:rPr lang="en-US" altLang="ko-KR" dirty="0"/>
-              <a:t>. </a:t>
-            </a:r>
-            <a:r>
-              <a:rPr lang="ko-KR" altLang="en-US" dirty="0"/>
-              <a:t>클릭할 경우</a:t>
-            </a:r>
-            <a:r>
-              <a:rPr lang="en-US" altLang="ko-KR" dirty="0"/>
-              <a:t>,</a:t>
-            </a:r>
-          </a:p>
-          <a:p>
-            <a:r>
-              <a:rPr lang="en-US" altLang="ko-KR" dirty="0"/>
-              <a:t>         </a:t>
-            </a:r>
-            <a:r>
-              <a:rPr lang="ko-KR" altLang="en-US" dirty="0"/>
-              <a:t>해당 </a:t>
-            </a:r>
-            <a:r>
-              <a:rPr lang="ko-KR" altLang="en-US" dirty="0" smtClean="0"/>
-              <a:t>페이지 </a:t>
-            </a:r>
-            <a:r>
-              <a:rPr lang="ko-KR" altLang="en-US" dirty="0" err="1" smtClean="0"/>
-              <a:t>바로가기</a:t>
-            </a:r>
-            <a:r>
-              <a:rPr lang="ko-KR" altLang="en-US" dirty="0" smtClean="0"/>
-              <a:t> </a:t>
-            </a:r>
-            <a:r>
-              <a:rPr lang="en-US" altLang="ko-KR" dirty="0"/>
-              <a:t>link</a:t>
-            </a:r>
-          </a:p>
-          <a:p>
-            <a:r>
-              <a:rPr lang="en-US" altLang="ko-KR" dirty="0" smtClean="0"/>
-              <a:t>3_2</a:t>
-            </a:r>
-            <a:r>
-              <a:rPr lang="en-US" altLang="ko-KR" dirty="0"/>
-              <a:t>. </a:t>
-            </a:r>
-            <a:r>
-              <a:rPr lang="ko-KR" altLang="en-US" dirty="0" err="1"/>
-              <a:t>인디케이터</a:t>
-            </a:r>
-            <a:r>
-              <a:rPr lang="ko-KR" altLang="en-US" dirty="0"/>
-              <a:t> 페이지 좌측에서 </a:t>
-            </a:r>
-            <a:endParaRPr lang="en-US" altLang="ko-KR" dirty="0"/>
-          </a:p>
-          <a:p>
-            <a:r>
-              <a:rPr lang="en-US" altLang="ko-KR" dirty="0"/>
-              <a:t>        translate (transition 0.5s)</a:t>
-            </a:r>
-          </a:p>
-          <a:p>
-            <a:r>
-              <a:rPr lang="en-US" altLang="ko-KR" dirty="0" smtClean="0"/>
-              <a:t>3_3</a:t>
-            </a:r>
-            <a:r>
-              <a:rPr lang="en-US" altLang="ko-KR" dirty="0"/>
-              <a:t>. </a:t>
-            </a:r>
-            <a:r>
-              <a:rPr lang="ko-KR" altLang="en-US" dirty="0"/>
-              <a:t>텍스트 </a:t>
-            </a:r>
-            <a:r>
-              <a:rPr lang="ko-KR" altLang="en-US" dirty="0" err="1"/>
-              <a:t>인디케이터</a:t>
-            </a:r>
-            <a:r>
-              <a:rPr lang="ko-KR" altLang="en-US" dirty="0"/>
-              <a:t> 좌측에서</a:t>
-            </a:r>
-            <a:endParaRPr lang="en-US" altLang="ko-KR" dirty="0"/>
-          </a:p>
-          <a:p>
-            <a:r>
-              <a:rPr lang="en-US" altLang="ko-KR" dirty="0"/>
-              <a:t>        translate (transition 0.5s) </a:t>
-            </a:r>
-            <a:endParaRPr lang="en-US" altLang="ko-KR" dirty="0" smtClean="0"/>
-          </a:p>
-          <a:p>
-            <a:endParaRPr lang="en-US" altLang="ko-KR" dirty="0"/>
-          </a:p>
-          <a:p>
-            <a:r>
-              <a:rPr lang="en-US" altLang="ko-KR" dirty="0" smtClean="0"/>
-              <a:t>4_1. </a:t>
-            </a:r>
-            <a:r>
-              <a:rPr lang="ko-KR" altLang="en-US" dirty="0" smtClean="0"/>
-              <a:t>텍스트 투명도 </a:t>
-            </a:r>
-            <a:r>
-              <a:rPr lang="en-US" altLang="ko-KR" dirty="0" smtClean="0"/>
-              <a:t>0 </a:t>
-            </a:r>
-            <a:r>
-              <a:rPr lang="ko-KR" altLang="en-US" dirty="0" smtClean="0"/>
-              <a:t>→ </a:t>
-            </a:r>
-            <a:r>
-              <a:rPr lang="en-US" altLang="ko-KR" dirty="0" smtClean="0"/>
-              <a:t>100%</a:t>
-            </a:r>
-          </a:p>
-          <a:p>
-            <a:r>
-              <a:rPr lang="en-US" altLang="ko-KR" dirty="0"/>
-              <a:t> </a:t>
-            </a:r>
-            <a:r>
-              <a:rPr lang="en-US" altLang="ko-KR" dirty="0" smtClean="0"/>
-              <a:t>       (transition 0.5s)</a:t>
-            </a:r>
-          </a:p>
-          <a:p>
-            <a:r>
-              <a:rPr lang="en-US" altLang="ko-KR" dirty="0" smtClean="0"/>
-              <a:t>4_2. </a:t>
-            </a:r>
-            <a:r>
-              <a:rPr lang="ko-KR" altLang="en-US" dirty="0" smtClean="0"/>
-              <a:t>키워드 </a:t>
-            </a:r>
-            <a:r>
-              <a:rPr lang="en-US" altLang="ko-KR" dirty="0" smtClean="0"/>
-              <a:t>scale 1 </a:t>
-            </a:r>
-            <a:r>
-              <a:rPr lang="ko-KR" altLang="en-US" dirty="0" smtClean="0"/>
-              <a:t>→</a:t>
-            </a:r>
-            <a:r>
-              <a:rPr lang="en-US" altLang="ko-KR" dirty="0" smtClean="0"/>
-              <a:t> 1.2</a:t>
-            </a:r>
-          </a:p>
-          <a:p>
-            <a:endParaRPr lang="en-US" altLang="ko-KR" dirty="0"/>
-          </a:p>
-          <a:p>
-            <a:r>
-              <a:rPr lang="en-US" altLang="ko-KR" dirty="0" smtClean="0"/>
-              <a:t>5_1. </a:t>
-            </a:r>
-            <a:r>
-              <a:rPr lang="ko-KR" altLang="en-US" dirty="0" smtClean="0"/>
-              <a:t>버튼에 </a:t>
-            </a:r>
-            <a:r>
-              <a:rPr lang="en-US" altLang="ko-KR" dirty="0" smtClean="0"/>
-              <a:t>hover</a:t>
-            </a:r>
-            <a:r>
-              <a:rPr lang="ko-KR" altLang="en-US" dirty="0" smtClean="0"/>
-              <a:t>할 경우</a:t>
-            </a:r>
-            <a:endParaRPr lang="en-US" altLang="ko-KR" dirty="0" smtClean="0"/>
-          </a:p>
-          <a:p>
-            <a:r>
-              <a:rPr lang="en-US" altLang="ko-KR" dirty="0" smtClean="0"/>
-              <a:t>       scale 1 </a:t>
-            </a:r>
-            <a:r>
-              <a:rPr lang="ko-KR" altLang="en-US" dirty="0" smtClean="0"/>
-              <a:t>→ </a:t>
-            </a:r>
-            <a:r>
-              <a:rPr lang="en-US" altLang="ko-KR" dirty="0" smtClean="0"/>
-              <a:t>1.2</a:t>
-            </a:r>
-          </a:p>
-          <a:p>
-            <a:r>
-              <a:rPr lang="en-US" altLang="ko-KR" dirty="0" smtClean="0"/>
-              <a:t>5_2. </a:t>
-            </a:r>
-            <a:r>
-              <a:rPr lang="ko-KR" altLang="en-US" dirty="0" smtClean="0"/>
-              <a:t>버튼 클릭할 경우</a:t>
-            </a:r>
-            <a:endParaRPr lang="en-US" altLang="ko-KR" dirty="0" smtClean="0"/>
-          </a:p>
-          <a:p>
-            <a:r>
-              <a:rPr lang="en-US" altLang="ko-KR" dirty="0"/>
-              <a:t> </a:t>
-            </a:r>
-            <a:r>
-              <a:rPr lang="en-US" altLang="ko-KR" dirty="0" smtClean="0"/>
-              <a:t>       </a:t>
-            </a:r>
-            <a:r>
-              <a:rPr lang="ko-KR" altLang="en-US" dirty="0" smtClean="0"/>
-              <a:t>해당 페이지 </a:t>
-            </a:r>
-            <a:r>
-              <a:rPr lang="ko-KR" altLang="en-US" dirty="0" err="1" smtClean="0"/>
-              <a:t>바로가기</a:t>
-            </a:r>
-            <a:r>
-              <a:rPr lang="ko-KR" altLang="en-US" dirty="0" smtClean="0"/>
-              <a:t> </a:t>
-            </a:r>
-            <a:r>
-              <a:rPr lang="en-US" altLang="ko-KR" dirty="0" smtClean="0"/>
-              <a:t>link   </a:t>
-            </a:r>
-            <a:endParaRPr lang="ko-KR" altLang="en-US" dirty="0"/>
-          </a:p>
-        </p:txBody>
-      </p:sp>
-      <p:sp>
-        <p:nvSpPr>
-          <p:cNvPr id="5" name="제목 4"/>
-          <p:cNvSpPr>
-            <a:spLocks noGrp="1"/>
-          </p:cNvSpPr>
-          <p:nvPr>
-            <p:ph type="title"/>
-          </p:nvPr>
-        </p:nvSpPr>
-        <p:spPr/>
-        <p:txBody>
-          <a:bodyPr/>
-          <a:lstStyle/>
-          <a:p>
-            <a:r>
-              <a:rPr lang="ko-KR" altLang="en-US" dirty="0" smtClean="0"/>
-              <a:t>나의 취향</a:t>
-            </a:r>
-            <a:endParaRPr lang="ko-KR" altLang="en-US" dirty="0"/>
-          </a:p>
-        </p:txBody>
-      </p:sp>
-      <p:sp>
-        <p:nvSpPr>
-          <p:cNvPr id="6" name="직사각형 5"/>
-          <p:cNvSpPr/>
-          <p:nvPr/>
-        </p:nvSpPr>
-        <p:spPr>
-          <a:xfrm>
-            <a:off x="95250" y="466725"/>
-            <a:ext cx="6677025" cy="4476750"/>
-          </a:xfrm>
-          <a:prstGeom prst="rect">
-            <a:avLst/>
-          </a:prstGeom>
-          <a:solidFill>
-            <a:schemeClr val="bg1"/>
-          </a:solidFill>
-          <a:ln w="3175"/>
-        </p:spPr>
-        <p:style>
-          <a:lnRef idx="2">
-            <a:schemeClr val="accent1">
-              <a:shade val="50000"/>
-            </a:schemeClr>
-          </a:lnRef>
-          <a:fillRef idx="1">
-            <a:schemeClr val="accent1"/>
-          </a:fillRef>
-          <a:effectRef idx="0">
-            <a:schemeClr val="accent1"/>
-          </a:effectRef>
-          <a:fontRef idx="minor">
-            <a:schemeClr val="lt1"/>
-          </a:fontRef>
-        </p:style>
-        <p:txBody>
-          <a:bodyPr rtlCol="0" anchor="ctr"/>
-          <a:lstStyle/>
-          <a:p>
-            <a:pPr algn="ctr"/>
-            <a:endParaRPr lang="ko-KR" altLang="en-US" dirty="0"/>
-          </a:p>
-        </p:txBody>
-      </p:sp>
-      <p:grpSp>
-        <p:nvGrpSpPr>
-          <p:cNvPr id="16" name="그룹 15"/>
-          <p:cNvGrpSpPr/>
-          <p:nvPr/>
-        </p:nvGrpSpPr>
-        <p:grpSpPr>
-          <a:xfrm>
-            <a:off x="464821" y="2103856"/>
-            <a:ext cx="4946545" cy="1569660"/>
-            <a:chOff x="878003" y="2175510"/>
-            <a:chExt cx="4716747" cy="1569660"/>
-          </a:xfrm>
-        </p:grpSpPr>
-        <p:sp>
-          <p:nvSpPr>
-            <p:cNvPr id="8" name="TextBox 7"/>
-            <p:cNvSpPr txBox="1"/>
-            <p:nvPr/>
-          </p:nvSpPr>
-          <p:spPr>
-            <a:xfrm>
-              <a:off x="878003" y="2175510"/>
-              <a:ext cx="3767956" cy="1569660"/>
-            </a:xfrm>
-            <a:prstGeom prst="rect">
-              <a:avLst/>
-            </a:prstGeom>
-            <a:noFill/>
-            <a:ln w="3175">
-              <a:noFill/>
-            </a:ln>
-          </p:spPr>
-          <p:txBody>
-            <a:bodyPr wrap="square" rtlCol="0">
-              <a:spAutoFit/>
-            </a:bodyPr>
-            <a:lstStyle/>
-            <a:p>
-              <a:pPr>
-                <a:lnSpc>
-                  <a:spcPct val="150000"/>
-                </a:lnSpc>
-              </a:pPr>
-              <a:r>
-                <a:rPr lang="en-US" altLang="ko-KR" sz="1100" dirty="0" smtClean="0">
-                  <a:solidFill>
-                    <a:schemeClr val="tx1"/>
-                  </a:solidFill>
-                  <a:latin typeface="+mn-ea"/>
-                  <a:ea typeface="+mn-ea"/>
-                </a:rPr>
-                <a:t>1. </a:t>
-              </a:r>
-              <a:r>
-                <a:rPr lang="ko-KR" altLang="en-US" sz="1100" dirty="0" smtClean="0">
-                  <a:solidFill>
-                    <a:schemeClr val="tx1"/>
-                  </a:solidFill>
-                  <a:latin typeface="+mn-ea"/>
-                  <a:ea typeface="+mn-ea"/>
-                </a:rPr>
-                <a:t>다양한 스타일에 활용할 수 있는 </a:t>
-              </a:r>
-              <a:r>
-                <a:rPr lang="ko-KR" altLang="en-US" dirty="0" smtClean="0">
-                  <a:solidFill>
-                    <a:schemeClr val="tx1"/>
-                  </a:solidFill>
-                  <a:latin typeface="+mn-ea"/>
-                  <a:ea typeface="+mn-ea"/>
-                </a:rPr>
-                <a:t>기본 아이템</a:t>
-              </a:r>
-              <a:r>
-                <a:rPr lang="ko-KR" altLang="en-US" sz="1100" dirty="0" smtClean="0">
-                  <a:solidFill>
-                    <a:schemeClr val="tx1"/>
-                  </a:solidFill>
-                  <a:latin typeface="+mn-ea"/>
-                  <a:ea typeface="+mn-ea"/>
-                </a:rPr>
-                <a:t>이 필요하다</a:t>
-              </a:r>
-              <a:r>
-                <a:rPr lang="en-US" altLang="ko-KR" sz="1100" dirty="0" smtClean="0">
-                  <a:solidFill>
-                    <a:schemeClr val="tx1"/>
-                  </a:solidFill>
-                  <a:latin typeface="+mn-ea"/>
-                  <a:ea typeface="+mn-ea"/>
-                </a:rPr>
-                <a:t>.</a:t>
-              </a:r>
-            </a:p>
-            <a:p>
-              <a:pPr>
-                <a:lnSpc>
-                  <a:spcPct val="150000"/>
-                </a:lnSpc>
-              </a:pPr>
-              <a:endParaRPr lang="en-US" altLang="ko-KR" sz="1100" dirty="0" smtClean="0">
-                <a:solidFill>
-                  <a:schemeClr val="tx1"/>
-                </a:solidFill>
-                <a:latin typeface="+mn-ea"/>
-                <a:ea typeface="+mn-ea"/>
-              </a:endParaRPr>
-            </a:p>
-            <a:p>
-              <a:pPr>
-                <a:lnSpc>
-                  <a:spcPct val="150000"/>
-                </a:lnSpc>
-              </a:pPr>
-              <a:r>
-                <a:rPr lang="en-US" altLang="ko-KR" sz="1100" dirty="0" smtClean="0">
-                  <a:solidFill>
-                    <a:schemeClr val="tx1"/>
-                  </a:solidFill>
-                  <a:latin typeface="+mn-ea"/>
-                  <a:ea typeface="+mn-ea"/>
-                </a:rPr>
-                <a:t>2. </a:t>
-              </a:r>
-              <a:r>
-                <a:rPr lang="ko-KR" altLang="en-US" sz="1100" dirty="0" err="1" smtClean="0">
-                  <a:solidFill>
-                    <a:schemeClr val="tx1"/>
-                  </a:solidFill>
-                  <a:latin typeface="+mn-ea"/>
-                  <a:ea typeface="+mn-ea"/>
-                </a:rPr>
-                <a:t>강남역</a:t>
-              </a:r>
-              <a:r>
-                <a:rPr lang="ko-KR" altLang="en-US" sz="1100" dirty="0" smtClean="0">
-                  <a:solidFill>
-                    <a:schemeClr val="tx1"/>
-                  </a:solidFill>
-                  <a:latin typeface="+mn-ea"/>
-                  <a:ea typeface="+mn-ea"/>
-                </a:rPr>
-                <a:t> 지하에서도 한 </a:t>
-              </a:r>
-              <a:r>
-                <a:rPr lang="ko-KR" altLang="en-US" dirty="0" smtClean="0">
-                  <a:solidFill>
-                    <a:schemeClr val="tx1"/>
-                  </a:solidFill>
-                  <a:latin typeface="+mn-ea"/>
-                  <a:ea typeface="+mn-ea"/>
-                </a:rPr>
-                <a:t>눈에 띄고 싶다</a:t>
-              </a:r>
-              <a:r>
-                <a:rPr lang="en-US" altLang="ko-KR" sz="1100" dirty="0" smtClean="0">
-                  <a:solidFill>
-                    <a:schemeClr val="tx1"/>
-                  </a:solidFill>
-                  <a:latin typeface="+mn-ea"/>
-                  <a:ea typeface="+mn-ea"/>
-                </a:rPr>
-                <a:t>.</a:t>
-              </a:r>
-            </a:p>
-            <a:p>
-              <a:pPr>
-                <a:lnSpc>
-                  <a:spcPct val="150000"/>
-                </a:lnSpc>
-              </a:pPr>
-              <a:endParaRPr lang="en-US" altLang="ko-KR" sz="1100" dirty="0">
-                <a:solidFill>
-                  <a:schemeClr val="tx1"/>
-                </a:solidFill>
-                <a:latin typeface="+mn-ea"/>
-                <a:ea typeface="+mn-ea"/>
-              </a:endParaRPr>
-            </a:p>
-            <a:p>
-              <a:pPr>
-                <a:lnSpc>
-                  <a:spcPct val="150000"/>
-                </a:lnSpc>
-              </a:pPr>
-              <a:r>
-                <a:rPr lang="en-US" altLang="ko-KR" sz="1100" dirty="0" smtClean="0">
-                  <a:solidFill>
-                    <a:schemeClr val="tx1"/>
-                  </a:solidFill>
-                  <a:latin typeface="+mn-ea"/>
-                  <a:ea typeface="+mn-ea"/>
-                </a:rPr>
-                <a:t>3. </a:t>
-              </a:r>
-              <a:r>
-                <a:rPr lang="ko-KR" altLang="en-US" dirty="0" err="1" smtClean="0">
-                  <a:solidFill>
-                    <a:schemeClr val="tx1"/>
-                  </a:solidFill>
-                  <a:latin typeface="+mn-ea"/>
-                  <a:ea typeface="+mn-ea"/>
-                </a:rPr>
-                <a:t>시크</a:t>
-              </a:r>
-              <a:r>
-                <a:rPr lang="ko-KR" altLang="en-US" sz="1100" dirty="0" err="1" smtClean="0">
-                  <a:solidFill>
-                    <a:schemeClr val="tx1"/>
-                  </a:solidFill>
-                  <a:latin typeface="+mn-ea"/>
-                  <a:ea typeface="+mn-ea"/>
-                </a:rPr>
-                <a:t>하면서</a:t>
-              </a:r>
-              <a:r>
-                <a:rPr lang="ko-KR" altLang="en-US" sz="1100" dirty="0" err="1" smtClean="0">
-                  <a:solidFill>
-                    <a:schemeClr val="tx1"/>
-                  </a:solidFill>
-                  <a:latin typeface="+mn-ea"/>
-                  <a:ea typeface="+mn-ea"/>
-                </a:rPr>
-                <a:t>도</a:t>
-              </a:r>
-              <a:r>
-                <a:rPr lang="ko-KR" altLang="en-US" sz="1100" dirty="0" smtClean="0">
-                  <a:solidFill>
-                    <a:schemeClr val="tx1"/>
-                  </a:solidFill>
-                  <a:latin typeface="+mn-ea"/>
-                  <a:ea typeface="+mn-ea"/>
-                </a:rPr>
-                <a:t> </a:t>
-              </a:r>
-              <a:r>
-                <a:rPr lang="ko-KR" altLang="en-US" dirty="0" smtClean="0">
-                  <a:solidFill>
-                    <a:schemeClr val="tx1"/>
-                  </a:solidFill>
-                  <a:latin typeface="+mn-ea"/>
-                  <a:ea typeface="+mn-ea"/>
-                </a:rPr>
-                <a:t>강렬한 인상</a:t>
-              </a:r>
-              <a:r>
-                <a:rPr lang="ko-KR" altLang="en-US" sz="1100" dirty="0" smtClean="0">
-                  <a:solidFill>
-                    <a:schemeClr val="tx1"/>
-                  </a:solidFill>
-                  <a:latin typeface="+mn-ea"/>
-                  <a:ea typeface="+mn-ea"/>
-                </a:rPr>
-                <a:t>을 주고 싶다</a:t>
-              </a:r>
-              <a:r>
-                <a:rPr lang="en-US" altLang="ko-KR" sz="1100" dirty="0" smtClean="0">
-                  <a:solidFill>
-                    <a:schemeClr val="tx1"/>
-                  </a:solidFill>
-                  <a:latin typeface="+mn-ea"/>
-                  <a:ea typeface="+mn-ea"/>
-                </a:rPr>
-                <a:t>.</a:t>
-              </a:r>
-              <a:endParaRPr lang="ko-KR" altLang="en-US" sz="1100" dirty="0">
-                <a:solidFill>
-                  <a:schemeClr val="tx1"/>
-                </a:solidFill>
-                <a:latin typeface="+mn-ea"/>
-                <a:ea typeface="+mn-ea"/>
-              </a:endParaRPr>
-            </a:p>
-          </p:txBody>
-        </p:sp>
-        <p:sp>
-          <p:nvSpPr>
-            <p:cNvPr id="13" name="TextBox 12"/>
-            <p:cNvSpPr txBox="1"/>
-            <p:nvPr/>
-          </p:nvSpPr>
-          <p:spPr>
-            <a:xfrm>
-              <a:off x="4972331" y="2175510"/>
-              <a:ext cx="622419" cy="307777"/>
-            </a:xfrm>
-            <a:prstGeom prst="rect">
-              <a:avLst/>
-            </a:prstGeom>
-            <a:solidFill>
-              <a:schemeClr val="bg1">
-                <a:lumMod val="95000"/>
-              </a:schemeClr>
-            </a:solidFill>
-            <a:ln w="3175">
-              <a:solidFill>
-                <a:schemeClr val="bg1">
-                  <a:lumMod val="50000"/>
-                </a:schemeClr>
-              </a:solidFill>
-            </a:ln>
-          </p:spPr>
-          <p:txBody>
-            <a:bodyPr wrap="none" rtlCol="0">
-              <a:spAutoFit/>
-            </a:bodyPr>
-            <a:lstStyle/>
-            <a:p>
-              <a:r>
-                <a:rPr lang="ko-KR" altLang="en-US" dirty="0" smtClean="0">
-                  <a:solidFill>
-                    <a:schemeClr val="tx1"/>
-                  </a:solidFill>
-                </a:rPr>
-                <a:t>→ </a:t>
-              </a:r>
-              <a:r>
-                <a:rPr lang="en-US" altLang="ko-KR" dirty="0" smtClean="0">
-                  <a:solidFill>
-                    <a:schemeClr val="tx1"/>
-                  </a:solidFill>
-                </a:rPr>
-                <a:t>Go</a:t>
-              </a:r>
-              <a:endParaRPr lang="ko-KR" altLang="en-US" dirty="0">
-                <a:solidFill>
-                  <a:schemeClr val="tx1"/>
-                </a:solidFill>
-              </a:endParaRPr>
-            </a:p>
-          </p:txBody>
-        </p:sp>
-        <p:sp>
-          <p:nvSpPr>
-            <p:cNvPr id="14" name="TextBox 13"/>
-            <p:cNvSpPr txBox="1"/>
-            <p:nvPr/>
-          </p:nvSpPr>
-          <p:spPr>
-            <a:xfrm>
-              <a:off x="4972330" y="2702576"/>
-              <a:ext cx="622419" cy="307777"/>
-            </a:xfrm>
-            <a:prstGeom prst="rect">
-              <a:avLst/>
-            </a:prstGeom>
-            <a:solidFill>
-              <a:schemeClr val="bg1">
-                <a:lumMod val="95000"/>
-              </a:schemeClr>
-            </a:solidFill>
-            <a:ln w="3175">
-              <a:solidFill>
-                <a:schemeClr val="bg1">
-                  <a:lumMod val="50000"/>
-                </a:schemeClr>
-              </a:solidFill>
-            </a:ln>
-          </p:spPr>
-          <p:txBody>
-            <a:bodyPr wrap="none" rtlCol="0">
-              <a:spAutoFit/>
-            </a:bodyPr>
-            <a:lstStyle/>
-            <a:p>
-              <a:r>
-                <a:rPr lang="ko-KR" altLang="en-US" dirty="0" smtClean="0">
-                  <a:solidFill>
-                    <a:schemeClr val="tx1"/>
-                  </a:solidFill>
-                </a:rPr>
-                <a:t>→ </a:t>
-              </a:r>
-              <a:r>
-                <a:rPr lang="en-US" altLang="ko-KR" dirty="0" smtClean="0">
-                  <a:solidFill>
-                    <a:schemeClr val="tx1"/>
-                  </a:solidFill>
-                </a:rPr>
-                <a:t>Go</a:t>
-              </a:r>
-              <a:endParaRPr lang="ko-KR" altLang="en-US" dirty="0">
-                <a:solidFill>
-                  <a:schemeClr val="tx1"/>
-                </a:solidFill>
-              </a:endParaRPr>
-            </a:p>
-          </p:txBody>
-        </p:sp>
-        <p:sp>
-          <p:nvSpPr>
-            <p:cNvPr id="15" name="TextBox 14"/>
-            <p:cNvSpPr txBox="1"/>
-            <p:nvPr/>
-          </p:nvSpPr>
-          <p:spPr>
-            <a:xfrm>
-              <a:off x="4972331" y="3229644"/>
-              <a:ext cx="622419" cy="307777"/>
-            </a:xfrm>
-            <a:prstGeom prst="rect">
-              <a:avLst/>
-            </a:prstGeom>
-            <a:solidFill>
-              <a:schemeClr val="bg1">
-                <a:lumMod val="95000"/>
-              </a:schemeClr>
-            </a:solidFill>
-            <a:ln w="3175">
-              <a:solidFill>
-                <a:schemeClr val="bg1">
-                  <a:lumMod val="50000"/>
-                </a:schemeClr>
-              </a:solidFill>
-            </a:ln>
-          </p:spPr>
-          <p:txBody>
-            <a:bodyPr wrap="none" rtlCol="0">
-              <a:spAutoFit/>
-            </a:bodyPr>
-            <a:lstStyle/>
-            <a:p>
-              <a:r>
-                <a:rPr lang="ko-KR" altLang="en-US" dirty="0" smtClean="0">
-                  <a:solidFill>
-                    <a:schemeClr val="tx1"/>
-                  </a:solidFill>
-                </a:rPr>
-                <a:t>→ </a:t>
-              </a:r>
-              <a:r>
-                <a:rPr lang="en-US" altLang="ko-KR" dirty="0" smtClean="0">
-                  <a:solidFill>
-                    <a:schemeClr val="tx1"/>
-                  </a:solidFill>
-                </a:rPr>
-                <a:t>Go</a:t>
-              </a:r>
-              <a:endParaRPr lang="ko-KR" altLang="en-US" dirty="0">
-                <a:solidFill>
-                  <a:schemeClr val="tx1"/>
-                </a:solidFill>
-              </a:endParaRPr>
-            </a:p>
-          </p:txBody>
-        </p:sp>
-      </p:grpSp>
-      <p:sp>
-        <p:nvSpPr>
-          <p:cNvPr id="24" name="모서리가 둥근 직사각형 23"/>
-          <p:cNvSpPr/>
-          <p:nvPr/>
-        </p:nvSpPr>
-        <p:spPr>
-          <a:xfrm>
-            <a:off x="6488430" y="2128837"/>
-            <a:ext cx="142875" cy="1152525"/>
-          </a:xfrm>
-          <a:prstGeom prst="roundRect">
-            <a:avLst/>
-          </a:prstGeom>
-          <a:solidFill>
-            <a:schemeClr val="bg1">
-              <a:lumMod val="75000"/>
-            </a:schemeClr>
-          </a:solidFill>
-          <a:ln w="3175">
-            <a:noFill/>
-          </a:ln>
-        </p:spPr>
-        <p:style>
-          <a:lnRef idx="2">
-            <a:schemeClr val="accent1">
-              <a:shade val="50000"/>
-            </a:schemeClr>
-          </a:lnRef>
-          <a:fillRef idx="1">
-            <a:schemeClr val="accent1"/>
-          </a:fillRef>
-          <a:effectRef idx="0">
-            <a:schemeClr val="accent1"/>
-          </a:effectRef>
-          <a:fontRef idx="minor">
-            <a:schemeClr val="lt1"/>
-          </a:fontRef>
-        </p:style>
-        <p:txBody>
-          <a:bodyPr rtlCol="0" anchor="ctr"/>
-          <a:lstStyle/>
-          <a:p>
-            <a:pPr algn="ctr"/>
-            <a:endParaRPr lang="ko-KR" altLang="en-US"/>
-          </a:p>
-        </p:txBody>
-      </p:sp>
-      <p:sp>
-        <p:nvSpPr>
-          <p:cNvPr id="25" name="타원 24"/>
-          <p:cNvSpPr/>
-          <p:nvPr/>
-        </p:nvSpPr>
-        <p:spPr>
-          <a:xfrm>
-            <a:off x="6524148" y="2666365"/>
-            <a:ext cx="71438" cy="71438"/>
-          </a:xfrm>
-          <a:prstGeom prst="ellipse">
-            <a:avLst/>
-          </a:prstGeom>
-          <a:solidFill>
-            <a:schemeClr val="bg1"/>
-          </a:solidFill>
-          <a:ln>
-            <a:noFill/>
-          </a:ln>
-        </p:spPr>
-        <p:style>
-          <a:lnRef idx="2">
-            <a:schemeClr val="accent1">
-              <a:shade val="50000"/>
-            </a:schemeClr>
-          </a:lnRef>
-          <a:fillRef idx="1">
-            <a:schemeClr val="accent1"/>
-          </a:fillRef>
-          <a:effectRef idx="0">
-            <a:schemeClr val="accent1"/>
-          </a:effectRef>
-          <a:fontRef idx="minor">
-            <a:schemeClr val="lt1"/>
-          </a:fontRef>
-        </p:style>
-        <p:txBody>
-          <a:bodyPr rtlCol="0" anchor="ctr"/>
-          <a:lstStyle/>
-          <a:p>
-            <a:pPr algn="ctr"/>
-            <a:endParaRPr lang="ko-KR" altLang="en-US"/>
-          </a:p>
-        </p:txBody>
-      </p:sp>
-      <p:sp>
-        <p:nvSpPr>
-          <p:cNvPr id="28" name="TextBox 27"/>
-          <p:cNvSpPr txBox="1"/>
-          <p:nvPr/>
-        </p:nvSpPr>
-        <p:spPr>
-          <a:xfrm>
-            <a:off x="5908067" y="3035441"/>
-            <a:ext cx="635109" cy="214674"/>
-          </a:xfrm>
-          <a:prstGeom prst="rect">
-            <a:avLst/>
-          </a:prstGeom>
-          <a:noFill/>
-          <a:ln w="3175">
-            <a:noFill/>
-          </a:ln>
-        </p:spPr>
-        <p:txBody>
-          <a:bodyPr wrap="none" rtlCol="0" anchor="ctr">
-            <a:spAutoFit/>
-          </a:bodyPr>
-          <a:lstStyle/>
-          <a:p>
-            <a:pPr algn="ctr">
-              <a:lnSpc>
-                <a:spcPct val="150000"/>
-              </a:lnSpc>
-            </a:pPr>
-            <a:r>
-              <a:rPr lang="en-US" altLang="ko-KR" sz="600" dirty="0" smtClean="0">
-                <a:solidFill>
-                  <a:schemeClr val="tx1"/>
-                </a:solidFill>
-                <a:latin typeface="+mn-ea"/>
-                <a:ea typeface="+mn-ea"/>
-              </a:rPr>
-              <a:t>My 2020 S/S</a:t>
-            </a:r>
-            <a:endParaRPr lang="ko-KR" altLang="en-US" sz="600" dirty="0">
-              <a:solidFill>
-                <a:schemeClr val="tx1"/>
-              </a:solidFill>
-              <a:latin typeface="+mn-ea"/>
-              <a:ea typeface="+mn-ea"/>
-            </a:endParaRPr>
-          </a:p>
-        </p:txBody>
-      </p:sp>
-      <p:sp>
-        <p:nvSpPr>
-          <p:cNvPr id="29" name="Google Shape;189;p14"/>
-          <p:cNvSpPr/>
-          <p:nvPr/>
-        </p:nvSpPr>
-        <p:spPr>
-          <a:xfrm>
-            <a:off x="5800055" y="1946088"/>
-            <a:ext cx="216024" cy="216024"/>
-          </a:xfrm>
-          <a:prstGeom prst="roundRect">
-            <a:avLst>
-              <a:gd name="adj" fmla="val 16667"/>
-            </a:avLst>
-          </a:prstGeom>
-          <a:solidFill>
-            <a:srgbClr val="E36C09"/>
-          </a:solidFill>
-          <a:ln w="3175">
-            <a:noFill/>
-          </a:ln>
-        </p:spPr>
-        <p:txBody>
-          <a:bodyPr spcFirstLastPara="1" wrap="square" lIns="0" tIns="45700" rIns="0" bIns="45700" anchor="ctr" anchorCtr="0">
-            <a:noAutofit/>
-          </a:bodyPr>
-          <a:lstStyle/>
-          <a:p>
-            <a:pPr marL="0" marR="0" lvl="0" indent="0" algn="ctr" rtl="0">
-              <a:spcBef>
-                <a:spcPts val="0"/>
-              </a:spcBef>
-              <a:spcAft>
-                <a:spcPts val="0"/>
-              </a:spcAft>
-              <a:buNone/>
-            </a:pPr>
-            <a:r>
-              <a:rPr lang="en-US" sz="1050" b="1" dirty="0">
-                <a:solidFill>
-                  <a:schemeClr val="lt1"/>
-                </a:solidFill>
-              </a:rPr>
-              <a:t>3</a:t>
-            </a:r>
-            <a:endParaRPr sz="1050" b="1" dirty="0">
-              <a:solidFill>
-                <a:schemeClr val="lt1"/>
-              </a:solidFill>
-              <a:latin typeface="Arial"/>
-              <a:ea typeface="Arial"/>
-              <a:cs typeface="Arial"/>
-              <a:sym typeface="Arial"/>
-            </a:endParaRPr>
-          </a:p>
-        </p:txBody>
-      </p:sp>
-      <p:sp>
-        <p:nvSpPr>
-          <p:cNvPr id="30" name="Google Shape;218;p15"/>
-          <p:cNvSpPr/>
-          <p:nvPr/>
-        </p:nvSpPr>
-        <p:spPr>
-          <a:xfrm>
-            <a:off x="5908067" y="2060641"/>
-            <a:ext cx="815162" cy="1292159"/>
-          </a:xfrm>
-          <a:prstGeom prst="roundRect">
-            <a:avLst>
-              <a:gd name="adj" fmla="val 9813"/>
-            </a:avLst>
-          </a:prstGeom>
-          <a:noFill/>
-          <a:ln w="9525" cap="flat" cmpd="sng">
-            <a:solidFill>
-              <a:schemeClr val="accent6">
-                <a:lumMod val="75000"/>
-              </a:schemeClr>
-            </a:solidFill>
-            <a:prstDash val="solid"/>
-            <a:round/>
-            <a:headEnd type="none" w="sm" len="sm"/>
-            <a:tailEnd type="none" w="sm" len="sm"/>
-          </a:ln>
-        </p:spPr>
-        <p:txBody>
-          <a:bodyPr spcFirstLastPara="1" wrap="square" lIns="91425" tIns="45700" rIns="91425" bIns="45700" anchor="ctr" anchorCtr="0">
-            <a:noAutofit/>
-          </a:bodyPr>
-          <a:lstStyle/>
-          <a:p>
-            <a:pPr marL="0" marR="0" lvl="0" indent="0" algn="l" rtl="0">
-              <a:spcBef>
-                <a:spcPts val="0"/>
-              </a:spcBef>
-              <a:spcAft>
-                <a:spcPts val="0"/>
-              </a:spcAft>
-              <a:buNone/>
-            </a:pPr>
-            <a:endParaRPr sz="700">
-              <a:solidFill>
-                <a:srgbClr val="953734"/>
-              </a:solidFill>
-              <a:latin typeface="Arial"/>
-              <a:ea typeface="Arial"/>
-              <a:cs typeface="Arial"/>
-              <a:sym typeface="Arial"/>
-            </a:endParaRPr>
-          </a:p>
-        </p:txBody>
-      </p:sp>
-      <p:sp>
-        <p:nvSpPr>
-          <p:cNvPr id="31" name="타원 30"/>
-          <p:cNvSpPr/>
-          <p:nvPr/>
-        </p:nvSpPr>
-        <p:spPr>
-          <a:xfrm>
-            <a:off x="6525504" y="2209791"/>
-            <a:ext cx="71438" cy="71438"/>
-          </a:xfrm>
-          <a:prstGeom prst="ellipse">
-            <a:avLst/>
-          </a:prstGeom>
-          <a:solidFill>
-            <a:schemeClr val="bg1"/>
-          </a:solidFill>
-          <a:ln>
-            <a:noFill/>
-          </a:ln>
-        </p:spPr>
-        <p:style>
-          <a:lnRef idx="2">
-            <a:schemeClr val="accent1">
-              <a:shade val="50000"/>
-            </a:schemeClr>
-          </a:lnRef>
-          <a:fillRef idx="1">
-            <a:schemeClr val="accent1"/>
-          </a:fillRef>
-          <a:effectRef idx="0">
-            <a:schemeClr val="accent1"/>
-          </a:effectRef>
-          <a:fontRef idx="minor">
-            <a:schemeClr val="lt1"/>
-          </a:fontRef>
-        </p:style>
-        <p:txBody>
-          <a:bodyPr rtlCol="0" anchor="ctr"/>
-          <a:lstStyle/>
-          <a:p>
-            <a:pPr algn="ctr"/>
-            <a:endParaRPr lang="ko-KR" altLang="en-US"/>
-          </a:p>
-        </p:txBody>
-      </p:sp>
-      <p:sp>
-        <p:nvSpPr>
-          <p:cNvPr id="33" name="타원 32"/>
-          <p:cNvSpPr/>
-          <p:nvPr/>
-        </p:nvSpPr>
-        <p:spPr>
-          <a:xfrm>
-            <a:off x="6525520" y="2438078"/>
-            <a:ext cx="71438" cy="71438"/>
-          </a:xfrm>
-          <a:prstGeom prst="ellipse">
-            <a:avLst/>
-          </a:prstGeom>
-          <a:solidFill>
-            <a:schemeClr val="bg1"/>
-          </a:solidFill>
-          <a:ln>
-            <a:noFill/>
-          </a:ln>
-        </p:spPr>
-        <p:style>
-          <a:lnRef idx="2">
-            <a:schemeClr val="accent1">
-              <a:shade val="50000"/>
-            </a:schemeClr>
-          </a:lnRef>
-          <a:fillRef idx="1">
-            <a:schemeClr val="accent1"/>
-          </a:fillRef>
-          <a:effectRef idx="0">
-            <a:schemeClr val="accent1"/>
-          </a:effectRef>
-          <a:fontRef idx="minor">
-            <a:schemeClr val="lt1"/>
-          </a:fontRef>
-        </p:style>
-        <p:txBody>
-          <a:bodyPr rtlCol="0" anchor="ctr"/>
-          <a:lstStyle/>
-          <a:p>
-            <a:pPr algn="ctr"/>
-            <a:endParaRPr lang="ko-KR" altLang="en-US"/>
-          </a:p>
-        </p:txBody>
-      </p:sp>
-      <p:sp>
-        <p:nvSpPr>
-          <p:cNvPr id="34" name="타원 33"/>
-          <p:cNvSpPr/>
-          <p:nvPr/>
-        </p:nvSpPr>
-        <p:spPr>
-          <a:xfrm>
-            <a:off x="6523687" y="3122939"/>
-            <a:ext cx="71438" cy="71438"/>
-          </a:xfrm>
-          <a:prstGeom prst="ellipse">
-            <a:avLst/>
-          </a:prstGeom>
-          <a:solidFill>
-            <a:schemeClr val="bg1">
-              <a:lumMod val="50000"/>
-            </a:schemeClr>
-          </a:solidFill>
-          <a:ln>
-            <a:noFill/>
-          </a:ln>
-        </p:spPr>
-        <p:style>
-          <a:lnRef idx="2">
-            <a:schemeClr val="accent1">
-              <a:shade val="50000"/>
-            </a:schemeClr>
-          </a:lnRef>
-          <a:fillRef idx="1">
-            <a:schemeClr val="accent1"/>
-          </a:fillRef>
-          <a:effectRef idx="0">
-            <a:schemeClr val="accent1"/>
-          </a:effectRef>
-          <a:fontRef idx="minor">
-            <a:schemeClr val="lt1"/>
-          </a:fontRef>
-        </p:style>
-        <p:txBody>
-          <a:bodyPr rtlCol="0" anchor="ctr"/>
-          <a:lstStyle/>
-          <a:p>
-            <a:pPr algn="ctr"/>
-            <a:endParaRPr lang="ko-KR" altLang="en-US"/>
-          </a:p>
-        </p:txBody>
-      </p:sp>
-      <p:sp>
-        <p:nvSpPr>
-          <p:cNvPr id="35" name="타원 34"/>
-          <p:cNvSpPr/>
-          <p:nvPr/>
-        </p:nvSpPr>
-        <p:spPr>
-          <a:xfrm>
-            <a:off x="6523687" y="2894652"/>
-            <a:ext cx="71438" cy="71438"/>
-          </a:xfrm>
-          <a:prstGeom prst="ellipse">
-            <a:avLst/>
-          </a:prstGeom>
-          <a:solidFill>
-            <a:schemeClr val="bg1"/>
-          </a:solidFill>
-          <a:ln>
-            <a:noFill/>
-          </a:ln>
-        </p:spPr>
-        <p:style>
-          <a:lnRef idx="2">
-            <a:schemeClr val="accent1">
-              <a:shade val="50000"/>
-            </a:schemeClr>
-          </a:lnRef>
-          <a:fillRef idx="1">
-            <a:schemeClr val="accent1"/>
-          </a:fillRef>
-          <a:effectRef idx="0">
-            <a:schemeClr val="accent1"/>
-          </a:effectRef>
-          <a:fontRef idx="minor">
-            <a:schemeClr val="lt1"/>
-          </a:fontRef>
-        </p:style>
-        <p:txBody>
-          <a:bodyPr rtlCol="0" anchor="ctr"/>
-          <a:lstStyle/>
-          <a:p>
-            <a:pPr algn="ctr"/>
-            <a:endParaRPr lang="ko-KR" altLang="en-US"/>
-          </a:p>
-        </p:txBody>
-      </p:sp>
-      <p:grpSp>
-        <p:nvGrpSpPr>
-          <p:cNvPr id="36" name="그룹 35"/>
-          <p:cNvGrpSpPr/>
-          <p:nvPr/>
-        </p:nvGrpSpPr>
-        <p:grpSpPr>
-          <a:xfrm>
-            <a:off x="4165497" y="572539"/>
-            <a:ext cx="1262256" cy="1210541"/>
-            <a:chOff x="1775460" y="1541146"/>
-            <a:chExt cx="1262256" cy="2119312"/>
-          </a:xfrm>
-        </p:grpSpPr>
-        <p:sp>
-          <p:nvSpPr>
-            <p:cNvPr id="37" name="직사각형 36"/>
-            <p:cNvSpPr/>
-            <p:nvPr/>
-          </p:nvSpPr>
-          <p:spPr>
-            <a:xfrm>
-              <a:off x="1775460" y="1541146"/>
-              <a:ext cx="1262256" cy="2110740"/>
-            </a:xfrm>
-            <a:prstGeom prst="rect">
-              <a:avLst/>
-            </a:prstGeom>
-            <a:solidFill>
-              <a:schemeClr val="bg1">
-                <a:lumMod val="95000"/>
-              </a:schemeClr>
-            </a:solidFill>
-            <a:ln w="3175">
-              <a:solidFill>
-                <a:schemeClr val="bg1">
-                  <a:lumMod val="50000"/>
-                </a:schemeClr>
-              </a:solidFill>
-            </a:ln>
-          </p:spPr>
-          <p:style>
-            <a:lnRef idx="2">
-              <a:schemeClr val="accent1">
-                <a:shade val="50000"/>
-              </a:schemeClr>
-            </a:lnRef>
-            <a:fillRef idx="1">
-              <a:schemeClr val="accent1"/>
-            </a:fillRef>
-            <a:effectRef idx="0">
-              <a:schemeClr val="accent1"/>
-            </a:effectRef>
-            <a:fontRef idx="minor">
-              <a:schemeClr val="lt1"/>
-            </a:fontRef>
-          </p:style>
-          <p:txBody>
-            <a:bodyPr rtlCol="0" anchor="ctr"/>
-            <a:lstStyle/>
-            <a:p>
-              <a:pPr algn="ctr"/>
-              <a:endParaRPr lang="ko-KR" altLang="en-US"/>
-            </a:p>
-          </p:txBody>
-        </p:sp>
-        <p:cxnSp>
-          <p:nvCxnSpPr>
-            <p:cNvPr id="38" name="직선 연결선 37"/>
-            <p:cNvCxnSpPr/>
-            <p:nvPr/>
-          </p:nvCxnSpPr>
-          <p:spPr>
-            <a:xfrm flipH="1">
-              <a:off x="1775460" y="1549718"/>
-              <a:ext cx="1262256" cy="2110740"/>
-            </a:xfrm>
-            <a:prstGeom prst="line">
-              <a:avLst/>
-            </a:prstGeom>
-            <a:ln w="3175">
-              <a:solidFill>
-                <a:schemeClr val="bg1">
-                  <a:lumMod val="50000"/>
-                </a:schemeClr>
-              </a:solidFill>
-            </a:ln>
-          </p:spPr>
-          <p:style>
-            <a:lnRef idx="1">
-              <a:schemeClr val="accent1"/>
-            </a:lnRef>
-            <a:fillRef idx="0">
-              <a:schemeClr val="accent1"/>
-            </a:fillRef>
-            <a:effectRef idx="0">
-              <a:schemeClr val="accent1"/>
-            </a:effectRef>
-            <a:fontRef idx="minor">
-              <a:schemeClr val="tx1"/>
-            </a:fontRef>
-          </p:style>
-        </p:cxnSp>
-      </p:grpSp>
-      <p:grpSp>
-        <p:nvGrpSpPr>
-          <p:cNvPr id="39" name="그룹 38"/>
-          <p:cNvGrpSpPr/>
-          <p:nvPr/>
-        </p:nvGrpSpPr>
-        <p:grpSpPr>
-          <a:xfrm>
-            <a:off x="797622" y="3744160"/>
-            <a:ext cx="1137858" cy="1091240"/>
-            <a:chOff x="1775460" y="1541146"/>
-            <a:chExt cx="1262256" cy="2119312"/>
-          </a:xfrm>
-        </p:grpSpPr>
-        <p:sp>
-          <p:nvSpPr>
-            <p:cNvPr id="40" name="직사각형 39"/>
-            <p:cNvSpPr/>
-            <p:nvPr/>
-          </p:nvSpPr>
-          <p:spPr>
-            <a:xfrm>
-              <a:off x="1775460" y="1541146"/>
-              <a:ext cx="1262256" cy="2110740"/>
-            </a:xfrm>
-            <a:prstGeom prst="rect">
-              <a:avLst/>
-            </a:prstGeom>
-            <a:solidFill>
-              <a:schemeClr val="bg1">
-                <a:lumMod val="95000"/>
-              </a:schemeClr>
-            </a:solidFill>
-            <a:ln w="3175">
-              <a:solidFill>
-                <a:schemeClr val="bg1">
-                  <a:lumMod val="50000"/>
-                </a:schemeClr>
-              </a:solidFill>
-            </a:ln>
-          </p:spPr>
-          <p:style>
-            <a:lnRef idx="2">
-              <a:schemeClr val="accent1">
-                <a:shade val="50000"/>
-              </a:schemeClr>
-            </a:lnRef>
-            <a:fillRef idx="1">
-              <a:schemeClr val="accent1"/>
-            </a:fillRef>
-            <a:effectRef idx="0">
-              <a:schemeClr val="accent1"/>
-            </a:effectRef>
-            <a:fontRef idx="minor">
-              <a:schemeClr val="lt1"/>
-            </a:fontRef>
-          </p:style>
-          <p:txBody>
-            <a:bodyPr rtlCol="0" anchor="ctr"/>
-            <a:lstStyle/>
-            <a:p>
-              <a:pPr algn="ctr"/>
-              <a:endParaRPr lang="ko-KR" altLang="en-US"/>
-            </a:p>
-          </p:txBody>
-        </p:sp>
-        <p:cxnSp>
-          <p:nvCxnSpPr>
-            <p:cNvPr id="41" name="직선 연결선 40"/>
-            <p:cNvCxnSpPr/>
-            <p:nvPr/>
-          </p:nvCxnSpPr>
-          <p:spPr>
-            <a:xfrm flipH="1">
-              <a:off x="1775460" y="1549718"/>
-              <a:ext cx="1262256" cy="2110740"/>
-            </a:xfrm>
-            <a:prstGeom prst="line">
-              <a:avLst/>
-            </a:prstGeom>
-            <a:ln w="3175">
-              <a:solidFill>
-                <a:schemeClr val="bg1">
-                  <a:lumMod val="50000"/>
-                </a:schemeClr>
-              </a:solidFill>
-            </a:ln>
-          </p:spPr>
-          <p:style>
-            <a:lnRef idx="1">
-              <a:schemeClr val="accent1"/>
-            </a:lnRef>
-            <a:fillRef idx="0">
-              <a:schemeClr val="accent1"/>
-            </a:fillRef>
-            <a:effectRef idx="0">
-              <a:schemeClr val="accent1"/>
-            </a:effectRef>
-            <a:fontRef idx="minor">
-              <a:schemeClr val="tx1"/>
-            </a:fontRef>
-          </p:style>
-        </p:cxnSp>
-      </p:grpSp>
-      <p:sp>
-        <p:nvSpPr>
-          <p:cNvPr id="18" name="Google Shape;218;p15"/>
-          <p:cNvSpPr/>
-          <p:nvPr/>
-        </p:nvSpPr>
-        <p:spPr>
-          <a:xfrm>
-            <a:off x="4644898" y="1982042"/>
-            <a:ext cx="981635" cy="1615047"/>
-          </a:xfrm>
-          <a:prstGeom prst="roundRect">
-            <a:avLst>
-              <a:gd name="adj" fmla="val 9813"/>
-            </a:avLst>
-          </a:prstGeom>
-          <a:noFill/>
-          <a:ln w="9525" cap="flat" cmpd="sng">
-            <a:solidFill>
-              <a:schemeClr val="accent6">
-                <a:lumMod val="75000"/>
-              </a:schemeClr>
-            </a:solidFill>
-            <a:prstDash val="solid"/>
-            <a:round/>
-            <a:headEnd type="none" w="sm" len="sm"/>
-            <a:tailEnd type="none" w="sm" len="sm"/>
-          </a:ln>
-        </p:spPr>
-        <p:txBody>
-          <a:bodyPr spcFirstLastPara="1" wrap="square" lIns="91425" tIns="45700" rIns="91425" bIns="45700" anchor="ctr" anchorCtr="0">
-            <a:noAutofit/>
-          </a:bodyPr>
-          <a:lstStyle/>
-          <a:p>
-            <a:pPr marL="0" marR="0" lvl="0" indent="0" algn="l" rtl="0">
-              <a:spcBef>
-                <a:spcPts val="0"/>
-              </a:spcBef>
-              <a:spcAft>
-                <a:spcPts val="0"/>
-              </a:spcAft>
-              <a:buNone/>
-            </a:pPr>
-            <a:endParaRPr sz="700">
-              <a:solidFill>
-                <a:srgbClr val="953734"/>
-              </a:solidFill>
-              <a:latin typeface="Arial"/>
-              <a:ea typeface="Arial"/>
-              <a:cs typeface="Arial"/>
-              <a:sym typeface="Arial"/>
-            </a:endParaRPr>
-          </a:p>
-        </p:txBody>
-      </p:sp>
-      <p:grpSp>
-        <p:nvGrpSpPr>
-          <p:cNvPr id="42" name="그룹 41"/>
-          <p:cNvGrpSpPr/>
-          <p:nvPr/>
-        </p:nvGrpSpPr>
-        <p:grpSpPr>
-          <a:xfrm>
-            <a:off x="5580083" y="3602927"/>
-            <a:ext cx="1015042" cy="973455"/>
-            <a:chOff x="1775460" y="1541146"/>
-            <a:chExt cx="1262256" cy="2119312"/>
-          </a:xfrm>
-        </p:grpSpPr>
-        <p:sp>
-          <p:nvSpPr>
-            <p:cNvPr id="43" name="직사각형 42"/>
-            <p:cNvSpPr/>
-            <p:nvPr/>
-          </p:nvSpPr>
-          <p:spPr>
-            <a:xfrm>
-              <a:off x="1775460" y="1541146"/>
-              <a:ext cx="1262256" cy="2110740"/>
-            </a:xfrm>
-            <a:prstGeom prst="rect">
-              <a:avLst/>
-            </a:prstGeom>
-            <a:solidFill>
-              <a:schemeClr val="bg1">
-                <a:lumMod val="95000"/>
-              </a:schemeClr>
-            </a:solidFill>
-            <a:ln w="3175">
-              <a:solidFill>
-                <a:schemeClr val="bg1">
-                  <a:lumMod val="50000"/>
-                </a:schemeClr>
-              </a:solidFill>
-            </a:ln>
-          </p:spPr>
-          <p:style>
-            <a:lnRef idx="2">
-              <a:schemeClr val="accent1">
-                <a:shade val="50000"/>
-              </a:schemeClr>
-            </a:lnRef>
-            <a:fillRef idx="1">
-              <a:schemeClr val="accent1"/>
-            </a:fillRef>
-            <a:effectRef idx="0">
-              <a:schemeClr val="accent1"/>
-            </a:effectRef>
-            <a:fontRef idx="minor">
-              <a:schemeClr val="lt1"/>
-            </a:fontRef>
-          </p:style>
-          <p:txBody>
-            <a:bodyPr rtlCol="0" anchor="ctr"/>
-            <a:lstStyle/>
-            <a:p>
-              <a:pPr algn="ctr"/>
-              <a:endParaRPr lang="ko-KR" altLang="en-US"/>
-            </a:p>
-          </p:txBody>
-        </p:sp>
-        <p:cxnSp>
-          <p:nvCxnSpPr>
-            <p:cNvPr id="44" name="직선 연결선 43"/>
-            <p:cNvCxnSpPr/>
-            <p:nvPr/>
-          </p:nvCxnSpPr>
-          <p:spPr>
-            <a:xfrm flipH="1">
-              <a:off x="1775460" y="1549718"/>
-              <a:ext cx="1262256" cy="2110740"/>
-            </a:xfrm>
-            <a:prstGeom prst="line">
-              <a:avLst/>
-            </a:prstGeom>
-            <a:ln w="3175">
-              <a:solidFill>
-                <a:schemeClr val="bg1">
-                  <a:lumMod val="50000"/>
-                </a:schemeClr>
-              </a:solidFill>
-            </a:ln>
-          </p:spPr>
-          <p:style>
-            <a:lnRef idx="1">
-              <a:schemeClr val="accent1"/>
-            </a:lnRef>
-            <a:fillRef idx="0">
-              <a:schemeClr val="accent1"/>
-            </a:fillRef>
-            <a:effectRef idx="0">
-              <a:schemeClr val="accent1"/>
-            </a:effectRef>
-            <a:fontRef idx="minor">
-              <a:schemeClr val="tx1"/>
-            </a:fontRef>
-          </p:style>
-        </p:cxnSp>
-      </p:grpSp>
-      <p:sp>
-        <p:nvSpPr>
-          <p:cNvPr id="20" name="Google Shape;218;p15"/>
-          <p:cNvSpPr/>
-          <p:nvPr/>
-        </p:nvSpPr>
-        <p:spPr>
-          <a:xfrm>
-            <a:off x="464822" y="2134442"/>
-            <a:ext cx="3904412" cy="1462647"/>
-          </a:xfrm>
-          <a:prstGeom prst="roundRect">
-            <a:avLst>
-              <a:gd name="adj" fmla="val 9813"/>
-            </a:avLst>
-          </a:prstGeom>
-          <a:noFill/>
-          <a:ln w="9525" cap="flat" cmpd="sng">
-            <a:solidFill>
-              <a:schemeClr val="accent6">
-                <a:lumMod val="75000"/>
-              </a:schemeClr>
-            </a:solidFill>
-            <a:prstDash val="solid"/>
-            <a:round/>
-            <a:headEnd type="none" w="sm" len="sm"/>
-            <a:tailEnd type="none" w="sm" len="sm"/>
-          </a:ln>
-        </p:spPr>
-        <p:txBody>
-          <a:bodyPr spcFirstLastPara="1" wrap="square" lIns="91425" tIns="45700" rIns="91425" bIns="45700" anchor="ctr" anchorCtr="0">
-            <a:noAutofit/>
-          </a:bodyPr>
-          <a:lstStyle/>
-          <a:p>
-            <a:pPr marL="0" marR="0" lvl="0" indent="0" algn="l" rtl="0">
-              <a:spcBef>
-                <a:spcPts val="0"/>
-              </a:spcBef>
-              <a:spcAft>
-                <a:spcPts val="0"/>
-              </a:spcAft>
-              <a:buNone/>
-            </a:pPr>
-            <a:endParaRPr sz="700">
-              <a:solidFill>
-                <a:srgbClr val="953734"/>
-              </a:solidFill>
-              <a:latin typeface="Arial"/>
-              <a:ea typeface="Arial"/>
-              <a:cs typeface="Arial"/>
-              <a:sym typeface="Arial"/>
-            </a:endParaRPr>
-          </a:p>
-        </p:txBody>
-      </p:sp>
-      <p:sp>
-        <p:nvSpPr>
-          <p:cNvPr id="21" name="Google Shape;189;p14"/>
-          <p:cNvSpPr/>
-          <p:nvPr/>
-        </p:nvSpPr>
-        <p:spPr>
-          <a:xfrm>
-            <a:off x="4536886" y="1874030"/>
-            <a:ext cx="216024" cy="216024"/>
-          </a:xfrm>
-          <a:prstGeom prst="roundRect">
-            <a:avLst>
-              <a:gd name="adj" fmla="val 16667"/>
-            </a:avLst>
-          </a:prstGeom>
-          <a:solidFill>
-            <a:srgbClr val="E36C09"/>
-          </a:solidFill>
-          <a:ln w="3175">
-            <a:noFill/>
-          </a:ln>
-        </p:spPr>
-        <p:txBody>
-          <a:bodyPr spcFirstLastPara="1" wrap="square" lIns="0" tIns="45700" rIns="0" bIns="45700" anchor="ctr" anchorCtr="0">
-            <a:noAutofit/>
-          </a:bodyPr>
-          <a:lstStyle/>
-          <a:p>
-            <a:pPr marL="0" marR="0" lvl="0" indent="0" algn="ctr" rtl="0">
-              <a:spcBef>
-                <a:spcPts val="0"/>
-              </a:spcBef>
-              <a:spcAft>
-                <a:spcPts val="0"/>
-              </a:spcAft>
-              <a:buNone/>
-            </a:pPr>
-            <a:r>
-              <a:rPr lang="en-US" sz="1050" b="1" dirty="0" smtClean="0">
-                <a:solidFill>
-                  <a:schemeClr val="lt1"/>
-                </a:solidFill>
-              </a:rPr>
-              <a:t>5</a:t>
-            </a:r>
-          </a:p>
-        </p:txBody>
-      </p:sp>
-      <p:sp>
-        <p:nvSpPr>
-          <p:cNvPr id="45" name="Google Shape;189;p14"/>
-          <p:cNvSpPr/>
-          <p:nvPr/>
-        </p:nvSpPr>
-        <p:spPr>
-          <a:xfrm>
-            <a:off x="4680054" y="1072245"/>
-            <a:ext cx="216024" cy="216024"/>
-          </a:xfrm>
-          <a:prstGeom prst="roundRect">
-            <a:avLst>
-              <a:gd name="adj" fmla="val 16667"/>
-            </a:avLst>
-          </a:prstGeom>
-          <a:solidFill>
-            <a:srgbClr val="E36C09"/>
-          </a:solidFill>
-          <a:ln w="3175">
-            <a:noFill/>
-          </a:ln>
-        </p:spPr>
-        <p:txBody>
-          <a:bodyPr spcFirstLastPara="1" wrap="square" lIns="0" tIns="45700" rIns="0" bIns="45700" anchor="ctr" anchorCtr="0">
-            <a:noAutofit/>
-          </a:bodyPr>
-          <a:lstStyle/>
-          <a:p>
-            <a:pPr marL="0" marR="0" lvl="0" indent="0" algn="ctr" rtl="0">
-              <a:spcBef>
-                <a:spcPts val="0"/>
-              </a:spcBef>
-              <a:spcAft>
-                <a:spcPts val="0"/>
-              </a:spcAft>
-              <a:buNone/>
-            </a:pPr>
-            <a:r>
-              <a:rPr lang="en-US" sz="1050" b="1" dirty="0">
-                <a:solidFill>
-                  <a:schemeClr val="lt1"/>
-                </a:solidFill>
-              </a:rPr>
-              <a:t>6</a:t>
-            </a:r>
-            <a:endParaRPr lang="en-US" sz="1050" b="1" dirty="0" smtClean="0">
-              <a:solidFill>
-                <a:schemeClr val="lt1"/>
-              </a:solidFill>
-            </a:endParaRPr>
-          </a:p>
-        </p:txBody>
-      </p:sp>
-      <p:sp>
-        <p:nvSpPr>
-          <p:cNvPr id="47" name="Google Shape;189;p14"/>
-          <p:cNvSpPr/>
-          <p:nvPr/>
-        </p:nvSpPr>
-        <p:spPr>
-          <a:xfrm>
-            <a:off x="1258539" y="4179561"/>
-            <a:ext cx="216024" cy="216024"/>
-          </a:xfrm>
-          <a:prstGeom prst="roundRect">
-            <a:avLst>
-              <a:gd name="adj" fmla="val 16667"/>
-            </a:avLst>
-          </a:prstGeom>
-          <a:solidFill>
-            <a:srgbClr val="E36C09"/>
-          </a:solidFill>
-          <a:ln w="3175">
-            <a:noFill/>
-          </a:ln>
-        </p:spPr>
-        <p:txBody>
-          <a:bodyPr spcFirstLastPara="1" wrap="square" lIns="0" tIns="45700" rIns="0" bIns="45700" anchor="ctr" anchorCtr="0">
-            <a:noAutofit/>
-          </a:bodyPr>
-          <a:lstStyle/>
-          <a:p>
-            <a:pPr marL="0" marR="0" lvl="0" indent="0" algn="ctr" rtl="0">
-              <a:spcBef>
-                <a:spcPts val="0"/>
-              </a:spcBef>
-              <a:spcAft>
-                <a:spcPts val="0"/>
-              </a:spcAft>
-              <a:buNone/>
-            </a:pPr>
-            <a:r>
-              <a:rPr lang="en-US" sz="1050" b="1" dirty="0">
-                <a:solidFill>
-                  <a:schemeClr val="lt1"/>
-                </a:solidFill>
-              </a:rPr>
-              <a:t>6</a:t>
-            </a:r>
-            <a:endParaRPr lang="en-US" sz="1050" b="1" dirty="0" smtClean="0">
-              <a:solidFill>
-                <a:schemeClr val="lt1"/>
-              </a:solidFill>
-            </a:endParaRPr>
-          </a:p>
-        </p:txBody>
-      </p:sp>
-      <p:sp>
-        <p:nvSpPr>
-          <p:cNvPr id="48" name="Google Shape;189;p14"/>
-          <p:cNvSpPr/>
-          <p:nvPr/>
-        </p:nvSpPr>
-        <p:spPr>
-          <a:xfrm>
-            <a:off x="5979592" y="3979674"/>
-            <a:ext cx="216024" cy="216024"/>
-          </a:xfrm>
-          <a:prstGeom prst="roundRect">
-            <a:avLst>
-              <a:gd name="adj" fmla="val 16667"/>
-            </a:avLst>
-          </a:prstGeom>
-          <a:solidFill>
-            <a:srgbClr val="E36C09"/>
-          </a:solidFill>
-          <a:ln w="3175">
-            <a:noFill/>
-          </a:ln>
-        </p:spPr>
-        <p:txBody>
-          <a:bodyPr spcFirstLastPara="1" wrap="square" lIns="0" tIns="45700" rIns="0" bIns="45700" anchor="ctr" anchorCtr="0">
-            <a:noAutofit/>
-          </a:bodyPr>
-          <a:lstStyle/>
-          <a:p>
-            <a:pPr marL="0" marR="0" lvl="0" indent="0" algn="ctr" rtl="0">
-              <a:spcBef>
-                <a:spcPts val="0"/>
-              </a:spcBef>
-              <a:spcAft>
-                <a:spcPts val="0"/>
-              </a:spcAft>
-              <a:buNone/>
-            </a:pPr>
-            <a:r>
-              <a:rPr lang="en-US" sz="1050" b="1" dirty="0">
-                <a:solidFill>
-                  <a:schemeClr val="lt1"/>
-                </a:solidFill>
-              </a:rPr>
-              <a:t>6</a:t>
-            </a:r>
-            <a:endParaRPr lang="en-US" sz="1050" b="1" dirty="0" smtClean="0">
-              <a:solidFill>
-                <a:schemeClr val="lt1"/>
-              </a:solidFill>
-            </a:endParaRPr>
-          </a:p>
-        </p:txBody>
-      </p:sp>
-      <p:sp>
-        <p:nvSpPr>
-          <p:cNvPr id="17" name="Google Shape;189;p14"/>
-          <p:cNvSpPr/>
-          <p:nvPr/>
-        </p:nvSpPr>
-        <p:spPr>
-          <a:xfrm>
-            <a:off x="644398" y="1995844"/>
-            <a:ext cx="216024" cy="216024"/>
-          </a:xfrm>
-          <a:prstGeom prst="roundRect">
-            <a:avLst>
-              <a:gd name="adj" fmla="val 16667"/>
-            </a:avLst>
-          </a:prstGeom>
-          <a:solidFill>
-            <a:srgbClr val="E36C09"/>
-          </a:solidFill>
-          <a:ln w="3175">
-            <a:noFill/>
-          </a:ln>
-        </p:spPr>
-        <p:txBody>
-          <a:bodyPr spcFirstLastPara="1" wrap="square" lIns="0" tIns="45700" rIns="0" bIns="45700" anchor="ctr" anchorCtr="0">
-            <a:noAutofit/>
-          </a:bodyPr>
-          <a:lstStyle/>
-          <a:p>
-            <a:pPr marL="0" marR="0" lvl="0" indent="0" algn="ctr" rtl="0">
-              <a:spcBef>
-                <a:spcPts val="0"/>
-              </a:spcBef>
-              <a:spcAft>
-                <a:spcPts val="0"/>
-              </a:spcAft>
-              <a:buNone/>
-            </a:pPr>
-            <a:r>
-              <a:rPr lang="en-US" sz="1050" b="1" dirty="0">
-                <a:solidFill>
-                  <a:schemeClr val="lt1"/>
-                </a:solidFill>
-              </a:rPr>
-              <a:t>4</a:t>
-            </a:r>
-            <a:endParaRPr sz="1050" b="1" dirty="0">
-              <a:solidFill>
-                <a:schemeClr val="lt1"/>
-              </a:solidFill>
-              <a:latin typeface="Arial"/>
-              <a:ea typeface="Arial"/>
-              <a:cs typeface="Arial"/>
-              <a:sym typeface="Arial"/>
-            </a:endParaRPr>
-          </a:p>
-        </p:txBody>
-      </p:sp>
-      <p:sp>
-        <p:nvSpPr>
-          <p:cNvPr id="7" name="TextBox 6"/>
-          <p:cNvSpPr txBox="1"/>
-          <p:nvPr/>
-        </p:nvSpPr>
-        <p:spPr>
-          <a:xfrm>
-            <a:off x="1708771" y="1132394"/>
-            <a:ext cx="3449983" cy="418576"/>
-          </a:xfrm>
-          <a:prstGeom prst="rect">
-            <a:avLst/>
-          </a:prstGeom>
-          <a:noFill/>
-          <a:ln w="3175">
-            <a:noFill/>
-          </a:ln>
-        </p:spPr>
-        <p:txBody>
-          <a:bodyPr wrap="none" rtlCol="0">
-            <a:spAutoFit/>
-          </a:bodyPr>
-          <a:lstStyle/>
-          <a:p>
-            <a:pPr algn="ctr">
-              <a:lnSpc>
-                <a:spcPct val="150000"/>
-              </a:lnSpc>
-            </a:pPr>
-            <a:r>
-              <a:rPr lang="en-US" altLang="ko-KR" sz="1100" dirty="0" smtClean="0">
-                <a:solidFill>
-                  <a:schemeClr val="tx1"/>
-                </a:solidFill>
-                <a:latin typeface="+mn-ea"/>
-                <a:ea typeface="+mn-ea"/>
-              </a:rPr>
-              <a:t>2020 S/S </a:t>
-            </a:r>
-            <a:r>
-              <a:rPr lang="ko-KR" altLang="en-US" sz="1100" dirty="0" smtClean="0">
-                <a:solidFill>
-                  <a:schemeClr val="tx1"/>
-                </a:solidFill>
-                <a:latin typeface="+mn-ea"/>
-                <a:ea typeface="+mn-ea"/>
-              </a:rPr>
-              <a:t>시즌을 앞둔 </a:t>
-            </a:r>
-            <a:r>
-              <a:rPr lang="en-US" altLang="ko-KR" sz="1100" dirty="0">
-                <a:solidFill>
-                  <a:schemeClr val="tx1"/>
-                </a:solidFill>
-                <a:latin typeface="+mn-ea"/>
-                <a:ea typeface="+mn-ea"/>
-              </a:rPr>
-              <a:t> </a:t>
-            </a:r>
-            <a:r>
-              <a:rPr lang="ko-KR" altLang="en-US" sz="1600" b="1" dirty="0" smtClean="0">
-                <a:solidFill>
-                  <a:schemeClr val="tx1"/>
-                </a:solidFill>
-                <a:latin typeface="+mn-ea"/>
-                <a:ea typeface="+mn-ea"/>
-              </a:rPr>
-              <a:t>나</a:t>
-            </a:r>
-            <a:r>
-              <a:rPr lang="ko-KR" altLang="en-US" sz="1100" dirty="0" smtClean="0">
-                <a:solidFill>
-                  <a:schemeClr val="tx1"/>
-                </a:solidFill>
-                <a:latin typeface="+mn-ea"/>
-                <a:ea typeface="+mn-ea"/>
-              </a:rPr>
-              <a:t>에게 가장 필요한 아이템은</a:t>
-            </a:r>
-            <a:r>
-              <a:rPr lang="en-US" altLang="ko-KR" sz="1100" dirty="0" smtClean="0">
-                <a:solidFill>
-                  <a:schemeClr val="tx1"/>
-                </a:solidFill>
-                <a:latin typeface="+mn-ea"/>
-                <a:ea typeface="+mn-ea"/>
-              </a:rPr>
-              <a:t>?</a:t>
-            </a:r>
-            <a:endParaRPr lang="ko-KR" altLang="en-US" sz="1100" dirty="0">
-              <a:solidFill>
-                <a:schemeClr val="tx1"/>
-              </a:solidFill>
-              <a:latin typeface="+mn-ea"/>
-              <a:ea typeface="+mn-ea"/>
-            </a:endParaRPr>
-          </a:p>
-        </p:txBody>
-      </p:sp>
-      <p:sp>
-        <p:nvSpPr>
-          <p:cNvPr id="19" name="Google Shape;189;p14"/>
-          <p:cNvSpPr/>
-          <p:nvPr/>
-        </p:nvSpPr>
-        <p:spPr>
-          <a:xfrm>
-            <a:off x="1570267" y="1288834"/>
-            <a:ext cx="216024" cy="216024"/>
-          </a:xfrm>
-          <a:prstGeom prst="roundRect">
-            <a:avLst>
-              <a:gd name="adj" fmla="val 16667"/>
-            </a:avLst>
-          </a:prstGeom>
-          <a:solidFill>
-            <a:srgbClr val="E36C09"/>
-          </a:solidFill>
-          <a:ln w="3175">
-            <a:noFill/>
-          </a:ln>
-        </p:spPr>
-        <p:txBody>
-          <a:bodyPr spcFirstLastPara="1" wrap="square" lIns="0" tIns="45700" rIns="0" bIns="45700" anchor="ctr" anchorCtr="0">
-            <a:noAutofit/>
-          </a:bodyPr>
-          <a:lstStyle/>
-          <a:p>
-            <a:pPr marL="0" marR="0" lvl="0" indent="0" algn="ctr" rtl="0">
-              <a:spcBef>
-                <a:spcPts val="0"/>
-              </a:spcBef>
-              <a:spcAft>
-                <a:spcPts val="0"/>
-              </a:spcAft>
-              <a:buNone/>
-            </a:pPr>
-            <a:r>
-              <a:rPr lang="en-US" sz="1050" b="1" dirty="0">
-                <a:solidFill>
-                  <a:schemeClr val="lt1"/>
-                </a:solidFill>
-              </a:rPr>
-              <a:t>1</a:t>
-            </a:r>
-            <a:endParaRPr sz="1050" b="1" dirty="0">
-              <a:solidFill>
-                <a:schemeClr val="lt1"/>
-              </a:solidFill>
-              <a:latin typeface="Arial"/>
-              <a:ea typeface="Arial"/>
-              <a:cs typeface="Arial"/>
-              <a:sym typeface="Arial"/>
-            </a:endParaRPr>
-          </a:p>
-        </p:txBody>
-      </p:sp>
-      <p:sp>
-        <p:nvSpPr>
-          <p:cNvPr id="23" name="Google Shape;218;p15"/>
-          <p:cNvSpPr/>
-          <p:nvPr/>
-        </p:nvSpPr>
-        <p:spPr>
-          <a:xfrm>
-            <a:off x="3168663" y="1241141"/>
-            <a:ext cx="288399" cy="263717"/>
-          </a:xfrm>
-          <a:prstGeom prst="roundRect">
-            <a:avLst>
-              <a:gd name="adj" fmla="val 9813"/>
-            </a:avLst>
-          </a:prstGeom>
-          <a:noFill/>
-          <a:ln w="9525" cap="flat" cmpd="sng">
-            <a:solidFill>
-              <a:schemeClr val="accent6">
-                <a:lumMod val="75000"/>
-              </a:schemeClr>
-            </a:solidFill>
-            <a:prstDash val="solid"/>
-            <a:round/>
-            <a:headEnd type="none" w="sm" len="sm"/>
-            <a:tailEnd type="none" w="sm" len="sm"/>
-          </a:ln>
-        </p:spPr>
-        <p:txBody>
-          <a:bodyPr spcFirstLastPara="1" wrap="square" lIns="91425" tIns="45700" rIns="91425" bIns="45700" anchor="ctr" anchorCtr="0">
-            <a:noAutofit/>
-          </a:bodyPr>
-          <a:lstStyle/>
-          <a:p>
-            <a:pPr marL="0" marR="0" lvl="0" indent="0" algn="l" rtl="0">
-              <a:spcBef>
-                <a:spcPts val="0"/>
-              </a:spcBef>
-              <a:spcAft>
-                <a:spcPts val="0"/>
-              </a:spcAft>
-              <a:buNone/>
-            </a:pPr>
-            <a:endParaRPr sz="700">
-              <a:solidFill>
-                <a:srgbClr val="953734"/>
-              </a:solidFill>
-              <a:latin typeface="Arial"/>
-              <a:ea typeface="Arial"/>
-              <a:cs typeface="Arial"/>
-              <a:sym typeface="Arial"/>
-            </a:endParaRPr>
-          </a:p>
-        </p:txBody>
-      </p:sp>
-      <p:sp>
-        <p:nvSpPr>
-          <p:cNvPr id="22" name="Google Shape;189;p14"/>
-          <p:cNvSpPr/>
-          <p:nvPr/>
-        </p:nvSpPr>
-        <p:spPr>
-          <a:xfrm>
-            <a:off x="3033755" y="1072810"/>
-            <a:ext cx="216024" cy="216024"/>
-          </a:xfrm>
-          <a:prstGeom prst="roundRect">
-            <a:avLst>
-              <a:gd name="adj" fmla="val 16667"/>
-            </a:avLst>
-          </a:prstGeom>
-          <a:solidFill>
-            <a:srgbClr val="E36C09"/>
-          </a:solidFill>
-          <a:ln w="3175">
-            <a:noFill/>
-          </a:ln>
-        </p:spPr>
-        <p:txBody>
-          <a:bodyPr spcFirstLastPara="1" wrap="square" lIns="0" tIns="45700" rIns="0" bIns="45700" anchor="ctr" anchorCtr="0">
-            <a:noAutofit/>
-          </a:bodyPr>
-          <a:lstStyle/>
-          <a:p>
-            <a:pPr marL="0" marR="0" lvl="0" indent="0" algn="ctr" rtl="0">
-              <a:spcBef>
-                <a:spcPts val="0"/>
-              </a:spcBef>
-              <a:spcAft>
-                <a:spcPts val="0"/>
-              </a:spcAft>
-              <a:buNone/>
-            </a:pPr>
-            <a:r>
-              <a:rPr lang="en-US" sz="1050" b="1" dirty="0">
-                <a:solidFill>
-                  <a:schemeClr val="lt1"/>
-                </a:solidFill>
-              </a:rPr>
-              <a:t>2</a:t>
-            </a:r>
-            <a:endParaRPr sz="1050" b="1" dirty="0">
-              <a:solidFill>
-                <a:schemeClr val="lt1"/>
-              </a:solidFill>
-              <a:latin typeface="Arial"/>
-              <a:ea typeface="Arial"/>
-              <a:cs typeface="Arial"/>
-              <a:sym typeface="Arial"/>
-            </a:endParaRPr>
-          </a:p>
-        </p:txBody>
-      </p:sp>
-      <p:cxnSp>
-        <p:nvCxnSpPr>
-          <p:cNvPr id="54" name="직선 연결선 53"/>
-          <p:cNvCxnSpPr/>
-          <p:nvPr/>
-        </p:nvCxnSpPr>
-        <p:spPr>
-          <a:xfrm>
-            <a:off x="4526280" y="466725"/>
-            <a:ext cx="0" cy="110710"/>
-          </a:xfrm>
-          <a:prstGeom prst="line">
-            <a:avLst/>
-          </a:prstGeom>
-          <a:ln w="3175">
-            <a:solidFill>
-              <a:schemeClr val="bg1">
-                <a:lumMod val="50000"/>
-              </a:schemeClr>
-            </a:solidFill>
-          </a:ln>
-        </p:spPr>
-        <p:style>
-          <a:lnRef idx="1">
-            <a:schemeClr val="accent1"/>
-          </a:lnRef>
-          <a:fillRef idx="0">
-            <a:schemeClr val="accent1"/>
-          </a:fillRef>
-          <a:effectRef idx="0">
-            <a:schemeClr val="accent1"/>
-          </a:effectRef>
-          <a:fontRef idx="minor">
-            <a:schemeClr val="tx1"/>
-          </a:fontRef>
-        </p:style>
-      </p:cxnSp>
-      <p:cxnSp>
-        <p:nvCxnSpPr>
-          <p:cNvPr id="56" name="직선 연결선 55"/>
-          <p:cNvCxnSpPr/>
-          <p:nvPr/>
-        </p:nvCxnSpPr>
-        <p:spPr>
-          <a:xfrm>
-            <a:off x="1258539" y="461829"/>
-            <a:ext cx="0" cy="3282331"/>
-          </a:xfrm>
-          <a:prstGeom prst="line">
-            <a:avLst/>
-          </a:prstGeom>
-          <a:ln w="3175">
-            <a:solidFill>
-              <a:schemeClr val="bg1">
-                <a:lumMod val="50000"/>
-              </a:schemeClr>
-            </a:solidFill>
-          </a:ln>
-        </p:spPr>
-        <p:style>
-          <a:lnRef idx="1">
-            <a:schemeClr val="accent1"/>
-          </a:lnRef>
-          <a:fillRef idx="0">
-            <a:schemeClr val="accent1"/>
-          </a:fillRef>
-          <a:effectRef idx="0">
-            <a:schemeClr val="accent1"/>
-          </a:effectRef>
-          <a:fontRef idx="minor">
-            <a:schemeClr val="tx1"/>
-          </a:fontRef>
-        </p:style>
-      </p:cxnSp>
-      <p:cxnSp>
-        <p:nvCxnSpPr>
-          <p:cNvPr id="58" name="직선 연결선 57"/>
-          <p:cNvCxnSpPr/>
-          <p:nvPr/>
-        </p:nvCxnSpPr>
-        <p:spPr>
-          <a:xfrm>
-            <a:off x="6024938" y="466725"/>
-            <a:ext cx="0" cy="3140139"/>
-          </a:xfrm>
-          <a:prstGeom prst="line">
-            <a:avLst/>
-          </a:prstGeom>
-          <a:ln w="3175">
-            <a:solidFill>
-              <a:schemeClr val="bg1">
-                <a:lumMod val="50000"/>
-              </a:schemeClr>
-            </a:solidFill>
-          </a:ln>
-        </p:spPr>
-        <p:style>
-          <a:lnRef idx="1">
-            <a:schemeClr val="accent1"/>
-          </a:lnRef>
-          <a:fillRef idx="0">
-            <a:schemeClr val="accent1"/>
-          </a:fillRef>
-          <a:effectRef idx="0">
-            <a:schemeClr val="accent1"/>
-          </a:effectRef>
-          <a:fontRef idx="minor">
-            <a:schemeClr val="tx1"/>
-          </a:fontRef>
-        </p:style>
-      </p:cxnSp>
-    </p:spTree>
-    <p:extLst>
-      <p:ext uri="{BB962C8B-B14F-4D97-AF65-F5344CB8AC3E}">
-        <p14:creationId xmlns:p14="http://schemas.microsoft.com/office/powerpoint/2010/main" val="3514931827"/>
-      </p:ext>
-    </p:extLst>
-  </p:cSld>
-  <p:clrMapOvr>
-    <a:masterClrMapping/>
-  </p:clrMapOvr>
-</p:sld>
-</file>
-
 <file path=ppt/slides/slide2.xml><?xml version="1.0" encoding="utf-8"?>
 <p:sld xmlns:a="http://schemas.openxmlformats.org/drawingml/2006/main" xmlns:r="http://schemas.openxmlformats.org/officeDocument/2006/relationships" xmlns:p="http://schemas.openxmlformats.org/presentationml/2006/main">
   <p:cSld>
@@ -20219,169 +17691,6 @@
           <a:bodyPr/>
           <a:lstStyle/>
           <a:p>
-            <a:endParaRPr lang="ko-KR" altLang="en-US"/>
-          </a:p>
-        </p:txBody>
-      </p:sp>
-      <p:sp>
-        <p:nvSpPr>
-          <p:cNvPr id="5" name="제목 4"/>
-          <p:cNvSpPr>
-            <a:spLocks noGrp="1"/>
-          </p:cNvSpPr>
-          <p:nvPr>
-            <p:ph type="title"/>
-          </p:nvPr>
-        </p:nvSpPr>
-        <p:spPr/>
-        <p:txBody>
-          <a:bodyPr/>
-          <a:lstStyle/>
-          <a:p>
-            <a:r>
-              <a:rPr lang="en-US" altLang="ko-KR" dirty="0" smtClean="0"/>
-              <a:t>Main</a:t>
-            </a:r>
-            <a:endParaRPr lang="ko-KR" altLang="en-US" dirty="0"/>
-          </a:p>
-        </p:txBody>
-      </p:sp>
-      <p:sp>
-        <p:nvSpPr>
-          <p:cNvPr id="6" name="직사각형 5"/>
-          <p:cNvSpPr/>
-          <p:nvPr/>
-        </p:nvSpPr>
-        <p:spPr>
-          <a:xfrm>
-            <a:off x="95250" y="466725"/>
-            <a:ext cx="6677025" cy="4476750"/>
-          </a:xfrm>
-          <a:prstGeom prst="rect">
-            <a:avLst/>
-          </a:prstGeom>
-          <a:solidFill>
-            <a:schemeClr val="bg1"/>
-          </a:solidFill>
-          <a:ln w="3175"/>
-        </p:spPr>
-        <p:style>
-          <a:lnRef idx="2">
-            <a:schemeClr val="accent1">
-              <a:shade val="50000"/>
-            </a:schemeClr>
-          </a:lnRef>
-          <a:fillRef idx="1">
-            <a:schemeClr val="accent1"/>
-          </a:fillRef>
-          <a:effectRef idx="0">
-            <a:schemeClr val="accent1"/>
-          </a:effectRef>
-          <a:fontRef idx="minor">
-            <a:schemeClr val="lt1"/>
-          </a:fontRef>
-        </p:style>
-        <p:txBody>
-          <a:bodyPr rtlCol="0" anchor="ctr"/>
-          <a:lstStyle/>
-          <a:p>
-            <a:pPr algn="ctr"/>
-            <a:endParaRPr lang="ko-KR" altLang="en-US" dirty="0"/>
-          </a:p>
-        </p:txBody>
-      </p:sp>
-    </p:spTree>
-    <p:extLst>
-      <p:ext uri="{BB962C8B-B14F-4D97-AF65-F5344CB8AC3E}">
-        <p14:creationId xmlns:p14="http://schemas.microsoft.com/office/powerpoint/2010/main" val="2933046113"/>
-      </p:ext>
-    </p:extLst>
-  </p:cSld>
-  <p:clrMapOvr>
-    <a:masterClrMapping/>
-  </p:clrMapOvr>
-</p:sld>
-</file>
-
-<file path=ppt/slides/slide6.xml><?xml version="1.0" encoding="utf-8"?>
-<p:sld xmlns:a="http://schemas.openxmlformats.org/drawingml/2006/main" xmlns:r="http://schemas.openxmlformats.org/officeDocument/2006/relationships" xmlns:p="http://schemas.openxmlformats.org/presentationml/2006/main">
-  <p:cSld>
-    <p:spTree>
-      <p:nvGrpSpPr>
-        <p:cNvPr id="1" name=""/>
-        <p:cNvGrpSpPr/>
-        <p:nvPr/>
-      </p:nvGrpSpPr>
-      <p:grpSpPr>
-        <a:xfrm>
-          <a:off x="0" y="0"/>
-          <a:ext cx="0" cy="0"/>
-          <a:chOff x="0" y="0"/>
-          <a:chExt cx="0" cy="0"/>
-        </a:xfrm>
-      </p:grpSpPr>
-      <p:sp>
-        <p:nvSpPr>
-          <p:cNvPr id="2" name="슬라이드 번호 개체 틀 1"/>
-          <p:cNvSpPr>
-            <a:spLocks noGrp="1"/>
-          </p:cNvSpPr>
-          <p:nvPr>
-            <p:ph type="sldNum" idx="12"/>
-          </p:nvPr>
-        </p:nvSpPr>
-        <p:spPr/>
-        <p:txBody>
-          <a:bodyPr/>
-          <a:lstStyle/>
-          <a:p>
-            <a:fld id="{00000000-1234-1234-1234-123412341234}" type="slidenum">
-              <a:rPr lang="en-US" smtClean="0"/>
-              <a:pPr/>
-              <a:t>6</a:t>
-            </a:fld>
-            <a:endParaRPr lang="en-US"/>
-          </a:p>
-        </p:txBody>
-      </p:sp>
-      <p:sp>
-        <p:nvSpPr>
-          <p:cNvPr id="3" name="텍스트 개체 틀 2"/>
-          <p:cNvSpPr>
-            <a:spLocks noGrp="1"/>
-          </p:cNvSpPr>
-          <p:nvPr>
-            <p:ph type="body" idx="1"/>
-          </p:nvPr>
-        </p:nvSpPr>
-        <p:spPr/>
-        <p:txBody>
-          <a:bodyPr/>
-          <a:lstStyle/>
-          <a:p>
-            <a:r>
-              <a:rPr lang="en-US" altLang="ko-KR" dirty="0" smtClean="0"/>
-              <a:t>2.1</a:t>
-            </a:r>
-            <a:endParaRPr lang="ko-KR" altLang="en-US" dirty="0"/>
-          </a:p>
-        </p:txBody>
-      </p:sp>
-      <p:sp>
-        <p:nvSpPr>
-          <p:cNvPr id="4" name="텍스트 개체 틀 3"/>
-          <p:cNvSpPr>
-            <a:spLocks noGrp="1"/>
-          </p:cNvSpPr>
-          <p:nvPr>
-            <p:ph type="body" sz="quarter" idx="13"/>
-          </p:nvPr>
-        </p:nvSpPr>
-        <p:spPr/>
-        <p:txBody>
-          <a:bodyPr/>
-          <a:lstStyle/>
-          <a:p>
             <a:r>
               <a:rPr lang="en-US" altLang="ko-KR" dirty="0" smtClean="0"/>
               <a:t>1_1. </a:t>
@@ -20581,11 +17890,7 @@
             </a:r>
             <a:r>
               <a:rPr lang="ko-KR" altLang="en-US" dirty="0" smtClean="0"/>
-              <a:t>해당 </a:t>
-            </a:r>
-            <a:r>
-              <a:rPr lang="ko-KR" altLang="en-US" dirty="0" smtClean="0"/>
-              <a:t>페이지 </a:t>
+              <a:t>해당 페이지 </a:t>
             </a:r>
             <a:r>
               <a:rPr lang="ko-KR" altLang="en-US" dirty="0" err="1" smtClean="0"/>
@@ -21450,7 +18755,7 @@
 </p:sld>
 </file>
 
-<file path=ppt/slides/slide7.xml><?xml version="1.0" encoding="utf-8"?>
+<file path=ppt/slides/slide6.xml><?xml version="1.0" encoding="utf-8"?>
 <p:sld xmlns:a="http://schemas.openxmlformats.org/drawingml/2006/main" xmlns:r="http://schemas.openxmlformats.org/officeDocument/2006/relationships" xmlns:p="http://schemas.openxmlformats.org/presentationml/2006/main">
   <p:cSld>
     <p:spTree>
@@ -21485,7 +18790,7 @@
             <a:fld id="{00000000-1234-1234-1234-123412341234}" type="slidenum">
               <a:rPr lang="en-US" smtClean="0"/>
               <a:pPr/>
-              <a:t>7</a:t>
+              <a:t>6</a:t>
             </a:fld>
             <a:endParaRPr lang="en-US"/>
           </a:p>
@@ -21587,11 +18892,7 @@
             </a:r>
             <a:r>
               <a:rPr lang="ko-KR" altLang="en-US" dirty="0"/>
-              <a:t>해당 </a:t>
-            </a:r>
-            <a:r>
-              <a:rPr lang="ko-KR" altLang="en-US" dirty="0"/>
-              <a:t>페이지 </a:t>
+              <a:t>해당 페이지 </a:t>
             </a:r>
             <a:r>
               <a:rPr lang="ko-KR" altLang="en-US" dirty="0" err="1"/>
@@ -21696,11 +18997,7 @@
             </a:r>
             <a:r>
               <a:rPr lang="en-US" altLang="ko-KR" dirty="0" smtClean="0"/>
-              <a:t>transition </a:t>
-            </a:r>
-            <a:r>
-              <a:rPr lang="en-US" altLang="ko-KR" dirty="0" smtClean="0"/>
-              <a:t>0.5s</a:t>
+              <a:t>transition 0.5s</a:t>
             </a:r>
             <a:r>
               <a:rPr lang="en-US" altLang="ko-KR" dirty="0"/>
@@ -21766,15 +19063,7 @@
             </a:r>
             <a:r>
               <a:rPr lang="en-US" altLang="ko-KR" dirty="0" smtClean="0"/>
-              <a:t>       (</a:t>
-            </a:r>
-            <a:r>
-              <a:rPr lang="en-US" altLang="ko-KR" dirty="0" smtClean="0"/>
-              <a:t>transition </a:t>
-            </a:r>
-            <a:r>
-              <a:rPr lang="en-US" altLang="ko-KR" dirty="0" smtClean="0"/>
-              <a:t>.5s)</a:t>
+              <a:t>       (transition .5s)</a:t>
             </a:r>
           </a:p>
           <a:p>
@@ -21810,11 +19099,7 @@
             </a:r>
             <a:r>
               <a:rPr lang="en-US" altLang="ko-KR" dirty="0" smtClean="0"/>
-              <a:t>5s</a:t>
-            </a:r>
-            <a:r>
-              <a:rPr lang="en-US" altLang="ko-KR" dirty="0" smtClean="0"/>
-              <a:t>)</a:t>
+              <a:t>5s)</a:t>
             </a:r>
           </a:p>
           <a:p>
@@ -23516,7 +20801,7 @@
 </p:sld>
 </file>
 
-<file path=ppt/slides/slide8.xml><?xml version="1.0" encoding="utf-8"?>
+<file path=ppt/slides/slide7.xml><?xml version="1.0" encoding="utf-8"?>
 <p:sld xmlns:a="http://schemas.openxmlformats.org/drawingml/2006/main" xmlns:r="http://schemas.openxmlformats.org/officeDocument/2006/relationships" xmlns:p="http://schemas.openxmlformats.org/presentationml/2006/main">
   <p:cSld>
     <p:spTree>
@@ -23551,7 +20836,7 @@
             <a:fld id="{00000000-1234-1234-1234-123412341234}" type="slidenum">
               <a:rPr lang="en-US" smtClean="0"/>
               <a:pPr/>
-              <a:t>8</a:t>
+              <a:t>7</a:t>
             </a:fld>
             <a:endParaRPr lang="en-US"/>
           </a:p>
@@ -23698,33 +20983,93 @@
             </a:r>
             <a:r>
               <a:rPr lang="en-US" altLang="ko-KR" dirty="0" smtClean="0"/>
-              <a:t>       translate (</a:t>
+              <a:t>       translate (transition 0.5s)</a:t>
+            </a:r>
+          </a:p>
+          <a:p>
+            <a:r>
+              <a:rPr lang="en-US" altLang="ko-KR" dirty="0" smtClean="0"/>
+              <a:t>2_3. </a:t>
+            </a:r>
+            <a:r>
+              <a:rPr lang="ko-KR" altLang="en-US" dirty="0" smtClean="0"/>
+              <a:t>텍스트 </a:t>
+            </a:r>
+            <a:r>
+              <a:rPr lang="ko-KR" altLang="en-US" dirty="0" err="1" smtClean="0"/>
+              <a:t>인디케이터</a:t>
+            </a:r>
+            <a:r>
+              <a:rPr lang="ko-KR" altLang="en-US" dirty="0" smtClean="0"/>
+              <a:t> 좌측에서</a:t>
+            </a:r>
+            <a:endParaRPr lang="en-US" altLang="ko-KR" dirty="0" smtClean="0"/>
+          </a:p>
+          <a:p>
+            <a:r>
+              <a:rPr lang="en-US" altLang="ko-KR" dirty="0"/>
+              <a:t> </a:t>
+            </a:r>
+            <a:r>
+              <a:rPr lang="en-US" altLang="ko-KR" dirty="0" smtClean="0"/>
+              <a:t>       translate (transition 0.5s) </a:t>
+            </a:r>
+            <a:endParaRPr lang="en-US" altLang="ko-KR" dirty="0"/>
+          </a:p>
+          <a:p>
+            <a:endParaRPr lang="en-US" altLang="ko-KR" dirty="0"/>
+          </a:p>
+          <a:p>
+            <a:r>
+              <a:rPr lang="en-US" altLang="ko-KR" dirty="0" smtClean="0"/>
+              <a:t>3_1. </a:t>
+            </a:r>
+            <a:r>
+              <a:rPr lang="ko-KR" altLang="en-US" dirty="0"/>
+              <a:t>텍스트 하단에서 </a:t>
+            </a:r>
+            <a:r>
+              <a:rPr lang="en-US" altLang="ko-KR" dirty="0"/>
+              <a:t>translate</a:t>
+            </a:r>
+          </a:p>
+          <a:p>
+            <a:r>
+              <a:rPr lang="en-US" altLang="ko-KR" dirty="0"/>
+              <a:t>         (</a:t>
             </a:r>
             <a:r>
               <a:rPr lang="en-US" altLang="ko-KR" dirty="0" smtClean="0"/>
               <a:t>transition </a:t>
             </a:r>
             <a:r>
+              <a:rPr lang="en-US" altLang="ko-KR" dirty="0"/>
+              <a:t>.5s)</a:t>
+            </a:r>
+          </a:p>
+          <a:p>
+            <a:endParaRPr lang="en-US" altLang="ko-KR" dirty="0" smtClean="0"/>
+          </a:p>
+          <a:p>
+            <a:r>
               <a:rPr lang="en-US" altLang="ko-KR" dirty="0" smtClean="0"/>
-              <a:t>0.5s)</a:t>
-            </a:r>
-          </a:p>
-          <a:p>
+              <a:t>4_1</a:t>
+            </a:r>
+            <a:r>
+              <a:rPr lang="en-US" altLang="ko-KR" dirty="0"/>
+              <a:t>. </a:t>
+            </a:r>
+            <a:r>
+              <a:rPr lang="ko-KR" altLang="en-US" dirty="0" smtClean="0"/>
+              <a:t>각</a:t>
+            </a:r>
             <a:r>
               <a:rPr lang="en-US" altLang="ko-KR" dirty="0" smtClean="0"/>
-              <a:t>2_3. </a:t>
+              <a:t> </a:t>
             </a:r>
             <a:r>
               <a:rPr lang="ko-KR" altLang="en-US" dirty="0" smtClean="0"/>
-              <a:t>텍스트 </a:t>
-            </a:r>
-            <a:r>
-              <a:rPr lang="ko-KR" altLang="en-US" dirty="0" err="1" smtClean="0"/>
-              <a:t>인디케이터</a:t>
-            </a:r>
-            <a:r>
-              <a:rPr lang="ko-KR" altLang="en-US" dirty="0" smtClean="0"/>
-              <a:t> 좌측에서</a:t>
+              <a:t>이미지 왼쪽부터 차례대로 </a:t>
             </a:r>
             <a:endParaRPr lang="en-US" altLang="ko-KR" dirty="0" smtClean="0"/>
           </a:p>
@@ -23735,135 +21080,51 @@
             </a:r>
             <a:r>
               <a:rPr lang="en-US" altLang="ko-KR" dirty="0" smtClean="0"/>
-              <a:t>       translate (</a:t>
+              <a:t>       </a:t>
+            </a:r>
+            <a:r>
+              <a:rPr lang="ko-KR" altLang="en-US" dirty="0" smtClean="0"/>
+              <a:t>페이지</a:t>
             </a:r>
             <a:r>
               <a:rPr lang="en-US" altLang="ko-KR" dirty="0" smtClean="0"/>
-              <a:t>transition </a:t>
+              <a:t> </a:t>
+            </a:r>
+            <a:r>
+              <a:rPr lang="ko-KR" altLang="en-US" dirty="0" smtClean="0"/>
+              <a:t>상단에서 </a:t>
             </a:r>
             <a:r>
               <a:rPr lang="en-US" altLang="ko-KR" dirty="0" smtClean="0"/>
-              <a:t>0.5s) </a:t>
-            </a:r>
+              <a:t>translate</a:t>
+            </a:r>
+          </a:p>
+          <a:p>
+            <a:r>
+              <a:rPr lang="en-US" altLang="ko-KR" dirty="0"/>
+              <a:t> </a:t>
+            </a:r>
+            <a:r>
+              <a:rPr lang="en-US" altLang="ko-KR" dirty="0" smtClean="0"/>
+              <a:t>       (transition .5s)</a:t>
+            </a:r>
+          </a:p>
+          <a:p>
             <a:endParaRPr lang="en-US" altLang="ko-KR" dirty="0"/>
           </a:p>
           <a:p>
-            <a:endParaRPr lang="en-US" altLang="ko-KR" dirty="0"/>
-          </a:p>
-          <a:p>
             <a:r>
               <a:rPr lang="en-US" altLang="ko-KR" dirty="0" smtClean="0"/>
-              <a:t>3_1. </a:t>
+              <a:t>5_1. </a:t>
             </a:r>
             <a:r>
               <a:rPr lang="ko-KR" altLang="en-US" dirty="0"/>
               <a:t>텍스트 하단에서 </a:t>
             </a:r>
             <a:r>
-              <a:rPr lang="en-US" altLang="ko-KR" dirty="0"/>
-              <a:t>translate</a:t>
-            </a:r>
-          </a:p>
-          <a:p>
-            <a:r>
-              <a:rPr lang="en-US" altLang="ko-KR" dirty="0"/>
-              <a:t>         (</a:t>
-            </a:r>
-            <a:r>
-              <a:rPr lang="en-US" altLang="ko-KR" dirty="0" smtClean="0"/>
-              <a:t>transition </a:t>
-            </a:r>
-            <a:r>
-              <a:rPr lang="en-US" altLang="ko-KR" dirty="0"/>
-              <a:t>.5s)</a:t>
-            </a:r>
-          </a:p>
-          <a:p>
-            <a:endParaRPr lang="en-US" altLang="ko-KR" dirty="0" smtClean="0"/>
-          </a:p>
-          <a:p>
-            <a:r>
-              <a:rPr lang="en-US" altLang="ko-KR" dirty="0" smtClean="0"/>
-              <a:t>4_1</a:t>
-            </a:r>
-            <a:r>
-              <a:rPr lang="en-US" altLang="ko-KR" dirty="0"/>
-              <a:t>. </a:t>
-            </a:r>
-            <a:r>
-              <a:rPr lang="ko-KR" altLang="en-US" dirty="0" smtClean="0"/>
-              <a:t>각</a:t>
-            </a:r>
-            <a:r>
-              <a:rPr lang="en-US" altLang="ko-KR" dirty="0" smtClean="0"/>
-              <a:t> </a:t>
-            </a:r>
-            <a:r>
-              <a:rPr lang="ko-KR" altLang="en-US" dirty="0" smtClean="0"/>
-              <a:t>이미지 왼쪽부터 차례대로 </a:t>
-            </a:r>
-            <a:endParaRPr lang="en-US" altLang="ko-KR" dirty="0" smtClean="0"/>
-          </a:p>
-          <a:p>
-            <a:r>
-              <a:rPr lang="en-US" altLang="ko-KR" dirty="0"/>
-              <a:t> </a:t>
-            </a:r>
-            <a:r>
-              <a:rPr lang="en-US" altLang="ko-KR" dirty="0" smtClean="0"/>
-              <a:t>       </a:t>
-            </a:r>
-            <a:r>
-              <a:rPr lang="ko-KR" altLang="en-US" dirty="0" smtClean="0"/>
-              <a:t>페이지</a:t>
-            </a:r>
-            <a:r>
-              <a:rPr lang="en-US" altLang="ko-KR" dirty="0" smtClean="0"/>
-              <a:t> </a:t>
-            </a:r>
-            <a:r>
-              <a:rPr lang="ko-KR" altLang="en-US" dirty="0" smtClean="0"/>
-              <a:t>상단에서 </a:t>
-            </a:r>
-            <a:r>
               <a:rPr lang="en-US" altLang="ko-KR" dirty="0" smtClean="0"/>
               <a:t>translate</a:t>
             </a:r>
-          </a:p>
-          <a:p>
-            <a:r>
-              <a:rPr lang="en-US" altLang="ko-KR" dirty="0"/>
-              <a:t> </a:t>
-            </a:r>
-            <a:r>
-              <a:rPr lang="en-US" altLang="ko-KR" dirty="0" smtClean="0"/>
-              <a:t>       (</a:t>
-            </a:r>
-            <a:r>
-              <a:rPr lang="en-US" altLang="ko-KR" dirty="0" smtClean="0"/>
-              <a:t>transition </a:t>
-            </a:r>
-            <a:r>
-              <a:rPr lang="en-US" altLang="ko-KR" dirty="0" smtClean="0"/>
-              <a:t>.5s)</a:t>
-            </a:r>
-          </a:p>
-          <a:p>
-            <a:endParaRPr lang="en-US" altLang="ko-KR" dirty="0"/>
-          </a:p>
-          <a:p>
-            <a:r>
-              <a:rPr lang="en-US" altLang="ko-KR" dirty="0" smtClean="0"/>
-              <a:t>5_1. </a:t>
-            </a:r>
-            <a:r>
-              <a:rPr lang="ko-KR" altLang="en-US" dirty="0"/>
-              <a:t>텍스트 하단에서 </a:t>
-            </a:r>
-            <a:r>
-              <a:rPr lang="en-US" altLang="ko-KR" dirty="0" smtClean="0"/>
-              <a:t>translate</a:t>
-            </a:r>
             <a:endParaRPr lang="en-US" altLang="ko-KR" dirty="0"/>
           </a:p>
           <a:p>
@@ -23873,11 +21134,7 @@
             </a:r>
             <a:r>
               <a:rPr lang="en-US" altLang="ko-KR" dirty="0" smtClean="0"/>
-              <a:t>(</a:t>
-            </a:r>
-            <a:r>
-              <a:rPr lang="en-US" altLang="ko-KR" dirty="0" smtClean="0"/>
-              <a:t>transition </a:t>
+              <a:t>(transition </a:t>
             </a:r>
             <a:r>
               <a:rPr lang="en-US" altLang="ko-KR" dirty="0"/>
@@ -23885,11 +21142,7 @@
             </a:r>
             <a:r>
               <a:rPr lang="en-US" altLang="ko-KR" dirty="0" smtClean="0"/>
-              <a:t>5s</a:t>
-            </a:r>
-            <a:r>
-              <a:rPr lang="en-US" altLang="ko-KR" dirty="0" smtClean="0"/>
-              <a:t>)</a:t>
+              <a:t>5s)</a:t>
             </a:r>
           </a:p>
           <a:p>
@@ -23927,7 +21180,7 @@
               <a:t> </a:t>
             </a:r>
             <a:r>
-              <a:rPr lang="en-US" altLang="ko-KR"/>
+              <a:rPr lang="en-US" altLang="ko-KR" dirty="0"/>
               <a:t>link</a:t>
             </a:r>
           </a:p>
@@ -25598,7 +22851,7 @@
 </p:sld>
 </file>
 
-<file path=ppt/slides/slide9.xml><?xml version="1.0" encoding="utf-8"?>
+<file path=ppt/slides/slide8.xml><?xml version="1.0" encoding="utf-8"?>
 <p:sld xmlns:a="http://schemas.openxmlformats.org/drawingml/2006/main" xmlns:r="http://schemas.openxmlformats.org/officeDocument/2006/relationships" xmlns:p="http://schemas.openxmlformats.org/presentationml/2006/main">
   <p:cSld>
     <p:spTree>
@@ -25633,7 +22886,7 @@
             <a:fld id="{00000000-1234-1234-1234-123412341234}" type="slidenum">
               <a:rPr lang="en-US" smtClean="0"/>
               <a:pPr/>
-              <a:t>9</a:t>
+              <a:t>8</a:t>
             </a:fld>
             <a:endParaRPr lang="en-US"/>
           </a:p>
@@ -25735,11 +22988,7 @@
             </a:r>
             <a:r>
               <a:rPr lang="ko-KR" altLang="en-US" dirty="0"/>
-              <a:t>해당 </a:t>
-            </a:r>
-            <a:r>
-              <a:rPr lang="ko-KR" altLang="en-US" dirty="0"/>
-              <a:t>페이지 </a:t>
+              <a:t>해당 페이지 </a:t>
             </a:r>
             <a:r>
               <a:rPr lang="ko-KR" altLang="en-US" dirty="0" err="1"/>
@@ -25906,15 +23155,7 @@
             </a:r>
             <a:r>
               <a:rPr lang="en-US" altLang="ko-KR" dirty="0" smtClean="0"/>
-              <a:t>       (</a:t>
-            </a:r>
-            <a:r>
-              <a:rPr lang="en-US" altLang="ko-KR" dirty="0" smtClean="0"/>
-              <a:t>transition </a:t>
-            </a:r>
-            <a:r>
-              <a:rPr lang="en-US" altLang="ko-KR" dirty="0" smtClean="0"/>
-              <a:t>.5s)</a:t>
+              <a:t>       (transition .5s)</a:t>
             </a:r>
           </a:p>
           <a:p>
@@ -25942,11 +23183,7 @@
             </a:r>
             <a:r>
               <a:rPr lang="en-US" altLang="ko-KR" dirty="0" smtClean="0"/>
-              <a:t>(</a:t>
-            </a:r>
-            <a:r>
-              <a:rPr lang="en-US" altLang="ko-KR" dirty="0" smtClean="0"/>
-              <a:t>transition </a:t>
+              <a:t>(transition </a:t>
             </a:r>
             <a:r>
               <a:rPr lang="en-US" altLang="ko-KR" dirty="0"/>
@@ -25954,7 +23191,50 @@
             </a:r>
             <a:r>
               <a:rPr lang="en-US" altLang="ko-KR" dirty="0" smtClean="0"/>
-              <a:t>5s)</a:t>
+              <a:t>5s</a:t>
+            </a:r>
+            <a:r>
+              <a:rPr lang="en-US" altLang="ko-KR" dirty="0" smtClean="0"/>
+              <a:t>)</a:t>
+            </a:r>
+          </a:p>
+          <a:p>
+            <a:endParaRPr lang="en-US" altLang="ko-KR" dirty="0"/>
+          </a:p>
+          <a:p>
+            <a:r>
+              <a:rPr lang="en-US" altLang="ko-KR" dirty="0"/>
+              <a:t>6_1. </a:t>
+            </a:r>
+            <a:r>
+              <a:rPr lang="ko-KR" altLang="en-US" dirty="0"/>
+              <a:t>클릭할 경우</a:t>
+            </a:r>
+            <a:r>
+              <a:rPr lang="en-US" altLang="ko-KR" dirty="0"/>
+              <a:t>,</a:t>
+            </a:r>
+          </a:p>
+          <a:p>
+            <a:r>
+              <a:rPr lang="en-US" altLang="ko-KR" dirty="0"/>
+              <a:t>        </a:t>
+            </a:r>
+            <a:r>
+              <a:rPr lang="ko-KR" altLang="en-US" dirty="0"/>
+              <a:t>해당 페이지 </a:t>
+            </a:r>
+            <a:r>
+              <a:rPr lang="ko-KR" altLang="en-US" dirty="0" err="1"/>
+              <a:t>바로가기</a:t>
+            </a:r>
+            <a:r>
+              <a:rPr lang="ko-KR" altLang="en-US" dirty="0"/>
+              <a:t> </a:t>
+            </a:r>
+            <a:r>
+              <a:rPr lang="en-US" altLang="ko-KR" dirty="0" smtClean="0"/>
+              <a:t>link</a:t>
             </a:r>
             <a:endParaRPr lang="en-US" altLang="ko-KR" dirty="0"/>
           </a:p>
@@ -27625,6 +24905,2432 @@
     <p:extLst>
       <p:ext uri="{BB962C8B-B14F-4D97-AF65-F5344CB8AC3E}">
         <p14:creationId xmlns:p14="http://schemas.microsoft.com/office/powerpoint/2010/main" val="207116680"/>
+      </p:ext>
+    </p:extLst>
+  </p:cSld>
+  <p:clrMapOvr>
+    <a:masterClrMapping/>
+  </p:clrMapOvr>
+</p:sld>
+</file>
+
+<file path=ppt/slides/slide9.xml><?xml version="1.0" encoding="utf-8"?>
+<p:sld xmlns:a="http://schemas.openxmlformats.org/drawingml/2006/main" xmlns:r="http://schemas.openxmlformats.org/officeDocument/2006/relationships" xmlns:p="http://schemas.openxmlformats.org/presentationml/2006/main">
+  <p:cSld>
+    <p:spTree>
+      <p:nvGrpSpPr>
+        <p:cNvPr id="1" name=""/>
+        <p:cNvGrpSpPr/>
+        <p:nvPr/>
+      </p:nvGrpSpPr>
+      <p:grpSpPr>
+        <a:xfrm>
+          <a:off x="0" y="0"/>
+          <a:ext cx="0" cy="0"/>
+          <a:chOff x="0" y="0"/>
+          <a:chExt cx="0" cy="0"/>
+        </a:xfrm>
+      </p:grpSpPr>
+      <p:sp>
+        <p:nvSpPr>
+          <p:cNvPr id="2" name="슬라이드 번호 개체 틀 1"/>
+          <p:cNvSpPr>
+            <a:spLocks noGrp="1"/>
+          </p:cNvSpPr>
+          <p:nvPr>
+            <p:ph type="sldNum" idx="12"/>
+          </p:nvPr>
+        </p:nvSpPr>
+        <p:spPr/>
+        <p:txBody>
+          <a:bodyPr/>
+          <a:lstStyle/>
+          <a:p>
+            <a:fld id="{00000000-1234-1234-1234-123412341234}" type="slidenum">
+              <a:rPr lang="en-US" smtClean="0"/>
+              <a:pPr/>
+              <a:t>9</a:t>
+            </a:fld>
+            <a:endParaRPr lang="en-US"/>
+          </a:p>
+        </p:txBody>
+      </p:sp>
+      <p:sp>
+        <p:nvSpPr>
+          <p:cNvPr id="3" name="텍스트 개체 틀 2"/>
+          <p:cNvSpPr>
+            <a:spLocks noGrp="1"/>
+          </p:cNvSpPr>
+          <p:nvPr>
+            <p:ph type="body" idx="1"/>
+          </p:nvPr>
+        </p:nvSpPr>
+        <p:spPr/>
+        <p:txBody>
+          <a:bodyPr/>
+          <a:lstStyle/>
+          <a:p>
+            <a:r>
+              <a:rPr lang="en-US" altLang="ko-KR" dirty="0" smtClean="0"/>
+              <a:t>4.1</a:t>
+            </a:r>
+            <a:endParaRPr lang="ko-KR" altLang="en-US" dirty="0"/>
+          </a:p>
+        </p:txBody>
+      </p:sp>
+      <p:sp>
+        <p:nvSpPr>
+          <p:cNvPr id="4" name="텍스트 개체 틀 3"/>
+          <p:cNvSpPr>
+            <a:spLocks noGrp="1"/>
+          </p:cNvSpPr>
+          <p:nvPr>
+            <p:ph type="body" sz="quarter" idx="13"/>
+          </p:nvPr>
+        </p:nvSpPr>
+        <p:spPr/>
+        <p:txBody>
+          <a:bodyPr/>
+          <a:lstStyle/>
+          <a:p>
+            <a:r>
+              <a:rPr lang="en-US" altLang="ko-KR" dirty="0" smtClean="0"/>
+              <a:t>1_1. </a:t>
+            </a:r>
+            <a:r>
+              <a:rPr lang="ko-KR" altLang="en-US" dirty="0" smtClean="0"/>
+              <a:t>텍스트 하단에서 </a:t>
+            </a:r>
+            <a:r>
+              <a:rPr lang="en-US" altLang="ko-KR" dirty="0" smtClean="0"/>
+              <a:t>translate</a:t>
+            </a:r>
+          </a:p>
+          <a:p>
+            <a:r>
+              <a:rPr lang="en-US" altLang="ko-KR" dirty="0"/>
+              <a:t> </a:t>
+            </a:r>
+            <a:r>
+              <a:rPr lang="en-US" altLang="ko-KR" dirty="0" smtClean="0"/>
+              <a:t>       (transition 0.5s)</a:t>
+            </a:r>
+          </a:p>
+          <a:p>
+            <a:endParaRPr lang="en-US" altLang="ko-KR" dirty="0"/>
+          </a:p>
+          <a:p>
+            <a:r>
+              <a:rPr lang="en-US" altLang="ko-KR" dirty="0" smtClean="0"/>
+              <a:t>2_1. </a:t>
+            </a:r>
+            <a:r>
+              <a:rPr lang="ko-KR" altLang="en-US" dirty="0" smtClean="0"/>
+              <a:t>텍스트 상단에서 </a:t>
+            </a:r>
+            <a:r>
+              <a:rPr lang="en-US" altLang="ko-KR" dirty="0" smtClean="0"/>
+              <a:t>translate</a:t>
+            </a:r>
+          </a:p>
+          <a:p>
+            <a:r>
+              <a:rPr lang="en-US" altLang="ko-KR" dirty="0"/>
+              <a:t> </a:t>
+            </a:r>
+            <a:r>
+              <a:rPr lang="en-US" altLang="ko-KR" dirty="0" smtClean="0"/>
+              <a:t>       (transition 0.5s)</a:t>
+            </a:r>
+          </a:p>
+          <a:p>
+            <a:endParaRPr lang="en-US" altLang="ko-KR" dirty="0"/>
+          </a:p>
+          <a:p>
+            <a:r>
+              <a:rPr lang="en-US" altLang="ko-KR" dirty="0" smtClean="0"/>
+              <a:t>3_1</a:t>
+            </a:r>
+            <a:r>
+              <a:rPr lang="en-US" altLang="ko-KR" dirty="0"/>
+              <a:t>. </a:t>
+            </a:r>
+            <a:r>
+              <a:rPr lang="ko-KR" altLang="en-US" dirty="0"/>
+              <a:t>클릭할 경우</a:t>
+            </a:r>
+            <a:r>
+              <a:rPr lang="en-US" altLang="ko-KR" dirty="0"/>
+              <a:t>,</a:t>
+            </a:r>
+          </a:p>
+          <a:p>
+            <a:r>
+              <a:rPr lang="en-US" altLang="ko-KR" dirty="0"/>
+              <a:t>         </a:t>
+            </a:r>
+            <a:r>
+              <a:rPr lang="ko-KR" altLang="en-US" dirty="0"/>
+              <a:t>해당 </a:t>
+            </a:r>
+            <a:r>
+              <a:rPr lang="ko-KR" altLang="en-US" dirty="0" smtClean="0"/>
+              <a:t>페이지 </a:t>
+            </a:r>
+            <a:r>
+              <a:rPr lang="ko-KR" altLang="en-US" dirty="0" err="1" smtClean="0"/>
+              <a:t>바로가기</a:t>
+            </a:r>
+            <a:r>
+              <a:rPr lang="ko-KR" altLang="en-US" dirty="0" smtClean="0"/>
+              <a:t> </a:t>
+            </a:r>
+            <a:r>
+              <a:rPr lang="en-US" altLang="ko-KR" dirty="0"/>
+              <a:t>link</a:t>
+            </a:r>
+          </a:p>
+          <a:p>
+            <a:r>
+              <a:rPr lang="en-US" altLang="ko-KR" dirty="0" smtClean="0"/>
+              <a:t>3_2</a:t>
+            </a:r>
+            <a:r>
+              <a:rPr lang="en-US" altLang="ko-KR" dirty="0"/>
+              <a:t>. </a:t>
+            </a:r>
+            <a:r>
+              <a:rPr lang="ko-KR" altLang="en-US" dirty="0" err="1"/>
+              <a:t>인디케이터</a:t>
+            </a:r>
+            <a:r>
+              <a:rPr lang="ko-KR" altLang="en-US" dirty="0"/>
+              <a:t> 페이지 좌측에서 </a:t>
+            </a:r>
+            <a:endParaRPr lang="en-US" altLang="ko-KR" dirty="0"/>
+          </a:p>
+          <a:p>
+            <a:r>
+              <a:rPr lang="en-US" altLang="ko-KR" dirty="0"/>
+              <a:t>        translate (transition 0.5s)</a:t>
+            </a:r>
+          </a:p>
+          <a:p>
+            <a:r>
+              <a:rPr lang="en-US" altLang="ko-KR" dirty="0" smtClean="0"/>
+              <a:t>3_3</a:t>
+            </a:r>
+            <a:r>
+              <a:rPr lang="en-US" altLang="ko-KR" dirty="0"/>
+              <a:t>. </a:t>
+            </a:r>
+            <a:r>
+              <a:rPr lang="ko-KR" altLang="en-US" dirty="0"/>
+              <a:t>텍스트 </a:t>
+            </a:r>
+            <a:r>
+              <a:rPr lang="ko-KR" altLang="en-US" dirty="0" err="1"/>
+              <a:t>인디케이터</a:t>
+            </a:r>
+            <a:r>
+              <a:rPr lang="ko-KR" altLang="en-US" dirty="0"/>
+              <a:t> 좌측에서</a:t>
+            </a:r>
+            <a:endParaRPr lang="en-US" altLang="ko-KR" dirty="0"/>
+          </a:p>
+          <a:p>
+            <a:r>
+              <a:rPr lang="en-US" altLang="ko-KR" dirty="0"/>
+              <a:t>        translate (transition 0.5s) </a:t>
+            </a:r>
+            <a:endParaRPr lang="en-US" altLang="ko-KR" dirty="0" smtClean="0"/>
+          </a:p>
+          <a:p>
+            <a:endParaRPr lang="en-US" altLang="ko-KR" dirty="0"/>
+          </a:p>
+          <a:p>
+            <a:r>
+              <a:rPr lang="en-US" altLang="ko-KR" dirty="0" smtClean="0"/>
+              <a:t>4_1. </a:t>
+            </a:r>
+            <a:r>
+              <a:rPr lang="ko-KR" altLang="en-US" dirty="0" smtClean="0"/>
+              <a:t>텍스트 투명도 </a:t>
+            </a:r>
+            <a:r>
+              <a:rPr lang="en-US" altLang="ko-KR" dirty="0" smtClean="0"/>
+              <a:t>0 </a:t>
+            </a:r>
+            <a:r>
+              <a:rPr lang="ko-KR" altLang="en-US" dirty="0" smtClean="0"/>
+              <a:t>→ </a:t>
+            </a:r>
+            <a:r>
+              <a:rPr lang="en-US" altLang="ko-KR" dirty="0" smtClean="0"/>
+              <a:t>100%</a:t>
+            </a:r>
+          </a:p>
+          <a:p>
+            <a:r>
+              <a:rPr lang="en-US" altLang="ko-KR" dirty="0"/>
+              <a:t> </a:t>
+            </a:r>
+            <a:r>
+              <a:rPr lang="en-US" altLang="ko-KR" dirty="0" smtClean="0"/>
+              <a:t>       (transition 0.5s)</a:t>
+            </a:r>
+          </a:p>
+          <a:p>
+            <a:r>
+              <a:rPr lang="en-US" altLang="ko-KR" dirty="0" smtClean="0"/>
+              <a:t>4_2. </a:t>
+            </a:r>
+            <a:r>
+              <a:rPr lang="ko-KR" altLang="en-US" dirty="0" smtClean="0"/>
+              <a:t>키워드 </a:t>
+            </a:r>
+            <a:r>
+              <a:rPr lang="en-US" altLang="ko-KR" dirty="0" smtClean="0"/>
+              <a:t>scale 1 </a:t>
+            </a:r>
+            <a:r>
+              <a:rPr lang="ko-KR" altLang="en-US" dirty="0" smtClean="0"/>
+              <a:t>→</a:t>
+            </a:r>
+            <a:r>
+              <a:rPr lang="en-US" altLang="ko-KR" dirty="0" smtClean="0"/>
+              <a:t> 1.2</a:t>
+            </a:r>
+          </a:p>
+          <a:p>
+            <a:endParaRPr lang="en-US" altLang="ko-KR" dirty="0"/>
+          </a:p>
+          <a:p>
+            <a:r>
+              <a:rPr lang="en-US" altLang="ko-KR" dirty="0" smtClean="0"/>
+              <a:t>5_1. </a:t>
+            </a:r>
+            <a:r>
+              <a:rPr lang="ko-KR" altLang="en-US" dirty="0" smtClean="0"/>
+              <a:t>버튼에 </a:t>
+            </a:r>
+            <a:r>
+              <a:rPr lang="en-US" altLang="ko-KR" dirty="0" smtClean="0"/>
+              <a:t>hover</a:t>
+            </a:r>
+            <a:r>
+              <a:rPr lang="ko-KR" altLang="en-US" dirty="0" smtClean="0"/>
+              <a:t>할 경우</a:t>
+            </a:r>
+            <a:endParaRPr lang="en-US" altLang="ko-KR" dirty="0" smtClean="0"/>
+          </a:p>
+          <a:p>
+            <a:r>
+              <a:rPr lang="en-US" altLang="ko-KR" dirty="0" smtClean="0"/>
+              <a:t>       scale 1 </a:t>
+            </a:r>
+            <a:r>
+              <a:rPr lang="ko-KR" altLang="en-US" dirty="0" smtClean="0"/>
+              <a:t>→ </a:t>
+            </a:r>
+            <a:r>
+              <a:rPr lang="en-US" altLang="ko-KR" dirty="0" smtClean="0"/>
+              <a:t>1.2</a:t>
+            </a:r>
+          </a:p>
+          <a:p>
+            <a:r>
+              <a:rPr lang="en-US" altLang="ko-KR" dirty="0" smtClean="0"/>
+              <a:t>5_2. </a:t>
+            </a:r>
+            <a:r>
+              <a:rPr lang="ko-KR" altLang="en-US" dirty="0" smtClean="0"/>
+              <a:t>버튼 클릭할 경우</a:t>
+            </a:r>
+            <a:endParaRPr lang="en-US" altLang="ko-KR" dirty="0" smtClean="0"/>
+          </a:p>
+          <a:p>
+            <a:r>
+              <a:rPr lang="en-US" altLang="ko-KR" dirty="0"/>
+              <a:t> </a:t>
+            </a:r>
+            <a:r>
+              <a:rPr lang="en-US" altLang="ko-KR" dirty="0" smtClean="0"/>
+              <a:t>       </a:t>
+            </a:r>
+            <a:r>
+              <a:rPr lang="ko-KR" altLang="en-US" dirty="0" smtClean="0"/>
+              <a:t>해당 페이지 </a:t>
+            </a:r>
+            <a:r>
+              <a:rPr lang="ko-KR" altLang="en-US" dirty="0" err="1" smtClean="0"/>
+              <a:t>바로가기</a:t>
+            </a:r>
+            <a:r>
+              <a:rPr lang="ko-KR" altLang="en-US" dirty="0" smtClean="0"/>
+              <a:t> </a:t>
+            </a:r>
+            <a:r>
+              <a:rPr lang="en-US" altLang="ko-KR" dirty="0" smtClean="0"/>
+              <a:t>link</a:t>
+            </a:r>
+          </a:p>
+          <a:p>
+            <a:endParaRPr lang="en-US" altLang="ko-KR" dirty="0"/>
+          </a:p>
+          <a:p>
+            <a:r>
+              <a:rPr lang="en-US" altLang="ko-KR" dirty="0" smtClean="0"/>
+              <a:t>6_1. </a:t>
+            </a:r>
+            <a:r>
+              <a:rPr lang="ko-KR" altLang="en-US" dirty="0" smtClean="0"/>
+              <a:t>이미지 페이지 상단에서 </a:t>
+            </a:r>
+            <a:endParaRPr lang="en-US" altLang="ko-KR" dirty="0" smtClean="0"/>
+          </a:p>
+          <a:p>
+            <a:r>
+              <a:rPr lang="en-US" altLang="ko-KR" smtClean="0"/>
+              <a:t>        trasnlate</a:t>
+            </a:r>
+            <a:r>
+              <a:rPr lang="en-US" altLang="ko-KR" dirty="0" smtClean="0"/>
+              <a:t>   </a:t>
+            </a:r>
+            <a:endParaRPr lang="ko-KR" altLang="en-US" dirty="0"/>
+          </a:p>
+        </p:txBody>
+      </p:sp>
+      <p:sp>
+        <p:nvSpPr>
+          <p:cNvPr id="5" name="제목 4"/>
+          <p:cNvSpPr>
+            <a:spLocks noGrp="1"/>
+          </p:cNvSpPr>
+          <p:nvPr>
+            <p:ph type="title"/>
+          </p:nvPr>
+        </p:nvSpPr>
+        <p:spPr/>
+        <p:txBody>
+          <a:bodyPr/>
+          <a:lstStyle/>
+          <a:p>
+            <a:r>
+              <a:rPr lang="ko-KR" altLang="en-US" dirty="0" smtClean="0"/>
+              <a:t>나의 취향</a:t>
+            </a:r>
+            <a:endParaRPr lang="ko-KR" altLang="en-US" dirty="0"/>
+          </a:p>
+        </p:txBody>
+      </p:sp>
+      <p:sp>
+        <p:nvSpPr>
+          <p:cNvPr id="6" name="직사각형 5"/>
+          <p:cNvSpPr/>
+          <p:nvPr/>
+        </p:nvSpPr>
+        <p:spPr>
+          <a:xfrm>
+            <a:off x="95250" y="466725"/>
+            <a:ext cx="6677025" cy="4476750"/>
+          </a:xfrm>
+          <a:prstGeom prst="rect">
+            <a:avLst/>
+          </a:prstGeom>
+          <a:solidFill>
+            <a:schemeClr val="bg1"/>
+          </a:solidFill>
+          <a:ln w="3175"/>
+        </p:spPr>
+        <p:style>
+          <a:lnRef idx="2">
+            <a:schemeClr val="accent1">
+              <a:shade val="50000"/>
+            </a:schemeClr>
+          </a:lnRef>
+          <a:fillRef idx="1">
+            <a:schemeClr val="accent1"/>
+          </a:fillRef>
+          <a:effectRef idx="0">
+            <a:schemeClr val="accent1"/>
+          </a:effectRef>
+          <a:fontRef idx="minor">
+            <a:schemeClr val="lt1"/>
+          </a:fontRef>
+        </p:style>
+        <p:txBody>
+          <a:bodyPr rtlCol="0" anchor="ctr"/>
+          <a:lstStyle/>
+          <a:p>
+            <a:pPr algn="ctr"/>
+            <a:endParaRPr lang="ko-KR" altLang="en-US" dirty="0"/>
+          </a:p>
+        </p:txBody>
+      </p:sp>
+      <p:grpSp>
+        <p:nvGrpSpPr>
+          <p:cNvPr id="16" name="그룹 15"/>
+          <p:cNvGrpSpPr/>
+          <p:nvPr/>
+        </p:nvGrpSpPr>
+        <p:grpSpPr>
+          <a:xfrm>
+            <a:off x="464821" y="2103856"/>
+            <a:ext cx="4946545" cy="1569660"/>
+            <a:chOff x="878003" y="2175510"/>
+            <a:chExt cx="4716747" cy="1569660"/>
+          </a:xfrm>
+        </p:grpSpPr>
+        <p:sp>
+          <p:nvSpPr>
+            <p:cNvPr id="8" name="TextBox 7"/>
+            <p:cNvSpPr txBox="1"/>
+            <p:nvPr/>
+          </p:nvSpPr>
+          <p:spPr>
+            <a:xfrm>
+              <a:off x="878003" y="2175510"/>
+              <a:ext cx="3767956" cy="1569660"/>
+            </a:xfrm>
+            <a:prstGeom prst="rect">
+              <a:avLst/>
+            </a:prstGeom>
+            <a:noFill/>
+            <a:ln w="3175">
+              <a:noFill/>
+            </a:ln>
+          </p:spPr>
+          <p:txBody>
+            <a:bodyPr wrap="square" rtlCol="0">
+              <a:spAutoFit/>
+            </a:bodyPr>
+            <a:lstStyle/>
+            <a:p>
+              <a:pPr>
+                <a:lnSpc>
+                  <a:spcPct val="150000"/>
+                </a:lnSpc>
+              </a:pPr>
+              <a:r>
+                <a:rPr lang="en-US" altLang="ko-KR" sz="1100" dirty="0" smtClean="0">
+                  <a:solidFill>
+                    <a:schemeClr val="tx1"/>
+                  </a:solidFill>
+                  <a:latin typeface="+mn-ea"/>
+                  <a:ea typeface="+mn-ea"/>
+                </a:rPr>
+                <a:t>1. </a:t>
+              </a:r>
+              <a:r>
+                <a:rPr lang="ko-KR" altLang="en-US" sz="1100" dirty="0" smtClean="0">
+                  <a:solidFill>
+                    <a:schemeClr val="tx1"/>
+                  </a:solidFill>
+                  <a:latin typeface="+mn-ea"/>
+                  <a:ea typeface="+mn-ea"/>
+                </a:rPr>
+                <a:t>다양한 스타일에 활용할 수 있는 </a:t>
+              </a:r>
+              <a:r>
+                <a:rPr lang="ko-KR" altLang="en-US" dirty="0" smtClean="0">
+                  <a:solidFill>
+                    <a:schemeClr val="tx1"/>
+                  </a:solidFill>
+                  <a:latin typeface="+mn-ea"/>
+                  <a:ea typeface="+mn-ea"/>
+                </a:rPr>
+                <a:t>기본 아이템</a:t>
+              </a:r>
+              <a:r>
+                <a:rPr lang="ko-KR" altLang="en-US" sz="1100" dirty="0" smtClean="0">
+                  <a:solidFill>
+                    <a:schemeClr val="tx1"/>
+                  </a:solidFill>
+                  <a:latin typeface="+mn-ea"/>
+                  <a:ea typeface="+mn-ea"/>
+                </a:rPr>
+                <a:t>이 필요하다</a:t>
+              </a:r>
+              <a:r>
+                <a:rPr lang="en-US" altLang="ko-KR" sz="1100" dirty="0" smtClean="0">
+                  <a:solidFill>
+                    <a:schemeClr val="tx1"/>
+                  </a:solidFill>
+                  <a:latin typeface="+mn-ea"/>
+                  <a:ea typeface="+mn-ea"/>
+                </a:rPr>
+                <a:t>.</a:t>
+              </a:r>
+            </a:p>
+            <a:p>
+              <a:pPr>
+                <a:lnSpc>
+                  <a:spcPct val="150000"/>
+                </a:lnSpc>
+              </a:pPr>
+              <a:endParaRPr lang="en-US" altLang="ko-KR" sz="1100" dirty="0" smtClean="0">
+                <a:solidFill>
+                  <a:schemeClr val="tx1"/>
+                </a:solidFill>
+                <a:latin typeface="+mn-ea"/>
+                <a:ea typeface="+mn-ea"/>
+              </a:endParaRPr>
+            </a:p>
+            <a:p>
+              <a:pPr>
+                <a:lnSpc>
+                  <a:spcPct val="150000"/>
+                </a:lnSpc>
+              </a:pPr>
+              <a:r>
+                <a:rPr lang="en-US" altLang="ko-KR" sz="1100" dirty="0" smtClean="0">
+                  <a:solidFill>
+                    <a:schemeClr val="tx1"/>
+                  </a:solidFill>
+                  <a:latin typeface="+mn-ea"/>
+                  <a:ea typeface="+mn-ea"/>
+                </a:rPr>
+                <a:t>2. </a:t>
+              </a:r>
+              <a:r>
+                <a:rPr lang="ko-KR" altLang="en-US" sz="1100" dirty="0" err="1" smtClean="0">
+                  <a:solidFill>
+                    <a:schemeClr val="tx1"/>
+                  </a:solidFill>
+                  <a:latin typeface="+mn-ea"/>
+                  <a:ea typeface="+mn-ea"/>
+                </a:rPr>
+                <a:t>강남역</a:t>
+              </a:r>
+              <a:r>
+                <a:rPr lang="ko-KR" altLang="en-US" sz="1100" dirty="0" smtClean="0">
+                  <a:solidFill>
+                    <a:schemeClr val="tx1"/>
+                  </a:solidFill>
+                  <a:latin typeface="+mn-ea"/>
+                  <a:ea typeface="+mn-ea"/>
+                </a:rPr>
+                <a:t> 지하에서도 한 </a:t>
+              </a:r>
+              <a:r>
+                <a:rPr lang="ko-KR" altLang="en-US" dirty="0" smtClean="0">
+                  <a:solidFill>
+                    <a:schemeClr val="tx1"/>
+                  </a:solidFill>
+                  <a:latin typeface="+mn-ea"/>
+                  <a:ea typeface="+mn-ea"/>
+                </a:rPr>
+                <a:t>눈에 띄고 싶다</a:t>
+              </a:r>
+              <a:r>
+                <a:rPr lang="en-US" altLang="ko-KR" sz="1100" dirty="0" smtClean="0">
+                  <a:solidFill>
+                    <a:schemeClr val="tx1"/>
+                  </a:solidFill>
+                  <a:latin typeface="+mn-ea"/>
+                  <a:ea typeface="+mn-ea"/>
+                </a:rPr>
+                <a:t>.</a:t>
+              </a:r>
+            </a:p>
+            <a:p>
+              <a:pPr>
+                <a:lnSpc>
+                  <a:spcPct val="150000"/>
+                </a:lnSpc>
+              </a:pPr>
+              <a:endParaRPr lang="en-US" altLang="ko-KR" sz="1100" dirty="0">
+                <a:solidFill>
+                  <a:schemeClr val="tx1"/>
+                </a:solidFill>
+                <a:latin typeface="+mn-ea"/>
+                <a:ea typeface="+mn-ea"/>
+              </a:endParaRPr>
+            </a:p>
+            <a:p>
+              <a:pPr>
+                <a:lnSpc>
+                  <a:spcPct val="150000"/>
+                </a:lnSpc>
+              </a:pPr>
+              <a:r>
+                <a:rPr lang="en-US" altLang="ko-KR" sz="1100" dirty="0" smtClean="0">
+                  <a:solidFill>
+                    <a:schemeClr val="tx1"/>
+                  </a:solidFill>
+                  <a:latin typeface="+mn-ea"/>
+                  <a:ea typeface="+mn-ea"/>
+                </a:rPr>
+                <a:t>3. </a:t>
+              </a:r>
+              <a:r>
+                <a:rPr lang="ko-KR" altLang="en-US" dirty="0" err="1" smtClean="0">
+                  <a:solidFill>
+                    <a:schemeClr val="tx1"/>
+                  </a:solidFill>
+                  <a:latin typeface="+mn-ea"/>
+                  <a:ea typeface="+mn-ea"/>
+                </a:rPr>
+                <a:t>시크</a:t>
+              </a:r>
+              <a:r>
+                <a:rPr lang="ko-KR" altLang="en-US" sz="1100" dirty="0" err="1" smtClean="0">
+                  <a:solidFill>
+                    <a:schemeClr val="tx1"/>
+                  </a:solidFill>
+                  <a:latin typeface="+mn-ea"/>
+                  <a:ea typeface="+mn-ea"/>
+                </a:rPr>
+                <a:t>하면서도</a:t>
+              </a:r>
+              <a:r>
+                <a:rPr lang="ko-KR" altLang="en-US" sz="1100" dirty="0" smtClean="0">
+                  <a:solidFill>
+                    <a:schemeClr val="tx1"/>
+                  </a:solidFill>
+                  <a:latin typeface="+mn-ea"/>
+                  <a:ea typeface="+mn-ea"/>
+                </a:rPr>
+                <a:t> </a:t>
+              </a:r>
+              <a:r>
+                <a:rPr lang="ko-KR" altLang="en-US" dirty="0" smtClean="0">
+                  <a:solidFill>
+                    <a:schemeClr val="tx1"/>
+                  </a:solidFill>
+                  <a:latin typeface="+mn-ea"/>
+                  <a:ea typeface="+mn-ea"/>
+                </a:rPr>
+                <a:t>강렬한 인상</a:t>
+              </a:r>
+              <a:r>
+                <a:rPr lang="ko-KR" altLang="en-US" sz="1100" dirty="0" smtClean="0">
+                  <a:solidFill>
+                    <a:schemeClr val="tx1"/>
+                  </a:solidFill>
+                  <a:latin typeface="+mn-ea"/>
+                  <a:ea typeface="+mn-ea"/>
+                </a:rPr>
+                <a:t>을 주고 싶다</a:t>
+              </a:r>
+              <a:r>
+                <a:rPr lang="en-US" altLang="ko-KR" sz="1100" dirty="0" smtClean="0">
+                  <a:solidFill>
+                    <a:schemeClr val="tx1"/>
+                  </a:solidFill>
+                  <a:latin typeface="+mn-ea"/>
+                  <a:ea typeface="+mn-ea"/>
+                </a:rPr>
+                <a:t>.</a:t>
+              </a:r>
+              <a:endParaRPr lang="ko-KR" altLang="en-US" sz="1100" dirty="0">
+                <a:solidFill>
+                  <a:schemeClr val="tx1"/>
+                </a:solidFill>
+                <a:latin typeface="+mn-ea"/>
+                <a:ea typeface="+mn-ea"/>
+              </a:endParaRPr>
+            </a:p>
+          </p:txBody>
+        </p:sp>
+        <p:sp>
+          <p:nvSpPr>
+            <p:cNvPr id="13" name="TextBox 12"/>
+            <p:cNvSpPr txBox="1"/>
+            <p:nvPr/>
+          </p:nvSpPr>
+          <p:spPr>
+            <a:xfrm>
+              <a:off x="4972331" y="2175510"/>
+              <a:ext cx="622419" cy="307777"/>
+            </a:xfrm>
+            <a:prstGeom prst="rect">
+              <a:avLst/>
+            </a:prstGeom>
+            <a:solidFill>
+              <a:schemeClr val="bg1">
+                <a:lumMod val="95000"/>
+              </a:schemeClr>
+            </a:solidFill>
+            <a:ln w="3175">
+              <a:solidFill>
+                <a:schemeClr val="bg1">
+                  <a:lumMod val="50000"/>
+                </a:schemeClr>
+              </a:solidFill>
+            </a:ln>
+          </p:spPr>
+          <p:txBody>
+            <a:bodyPr wrap="none" rtlCol="0">
+              <a:spAutoFit/>
+            </a:bodyPr>
+            <a:lstStyle/>
+            <a:p>
+              <a:r>
+                <a:rPr lang="ko-KR" altLang="en-US" dirty="0" smtClean="0">
+                  <a:solidFill>
+                    <a:schemeClr val="tx1"/>
+                  </a:solidFill>
+                </a:rPr>
+                <a:t>→ </a:t>
+              </a:r>
+              <a:r>
+                <a:rPr lang="en-US" altLang="ko-KR" dirty="0" smtClean="0">
+                  <a:solidFill>
+                    <a:schemeClr val="tx1"/>
+                  </a:solidFill>
+                </a:rPr>
+                <a:t>Go</a:t>
+              </a:r>
+              <a:endParaRPr lang="ko-KR" altLang="en-US" dirty="0">
+                <a:solidFill>
+                  <a:schemeClr val="tx1"/>
+                </a:solidFill>
+              </a:endParaRPr>
+            </a:p>
+          </p:txBody>
+        </p:sp>
+        <p:sp>
+          <p:nvSpPr>
+            <p:cNvPr id="14" name="TextBox 13"/>
+            <p:cNvSpPr txBox="1"/>
+            <p:nvPr/>
+          </p:nvSpPr>
+          <p:spPr>
+            <a:xfrm>
+              <a:off x="4972330" y="2702576"/>
+              <a:ext cx="622419" cy="307777"/>
+            </a:xfrm>
+            <a:prstGeom prst="rect">
+              <a:avLst/>
+            </a:prstGeom>
+            <a:solidFill>
+              <a:schemeClr val="bg1">
+                <a:lumMod val="95000"/>
+              </a:schemeClr>
+            </a:solidFill>
+            <a:ln w="3175">
+              <a:solidFill>
+                <a:schemeClr val="bg1">
+                  <a:lumMod val="50000"/>
+                </a:schemeClr>
+              </a:solidFill>
+            </a:ln>
+          </p:spPr>
+          <p:txBody>
+            <a:bodyPr wrap="none" rtlCol="0">
+              <a:spAutoFit/>
+            </a:bodyPr>
+            <a:lstStyle/>
+            <a:p>
+              <a:r>
+                <a:rPr lang="ko-KR" altLang="en-US" dirty="0" smtClean="0">
+                  <a:solidFill>
+                    <a:schemeClr val="tx1"/>
+                  </a:solidFill>
+                </a:rPr>
+                <a:t>→ </a:t>
+              </a:r>
+              <a:r>
+                <a:rPr lang="en-US" altLang="ko-KR" dirty="0" smtClean="0">
+                  <a:solidFill>
+                    <a:schemeClr val="tx1"/>
+                  </a:solidFill>
+                </a:rPr>
+                <a:t>Go</a:t>
+              </a:r>
+              <a:endParaRPr lang="ko-KR" altLang="en-US" dirty="0">
+                <a:solidFill>
+                  <a:schemeClr val="tx1"/>
+                </a:solidFill>
+              </a:endParaRPr>
+            </a:p>
+          </p:txBody>
+        </p:sp>
+        <p:sp>
+          <p:nvSpPr>
+            <p:cNvPr id="15" name="TextBox 14"/>
+            <p:cNvSpPr txBox="1"/>
+            <p:nvPr/>
+          </p:nvSpPr>
+          <p:spPr>
+            <a:xfrm>
+              <a:off x="4972331" y="3229644"/>
+              <a:ext cx="622419" cy="307777"/>
+            </a:xfrm>
+            <a:prstGeom prst="rect">
+              <a:avLst/>
+            </a:prstGeom>
+            <a:solidFill>
+              <a:schemeClr val="bg1">
+                <a:lumMod val="95000"/>
+              </a:schemeClr>
+            </a:solidFill>
+            <a:ln w="3175">
+              <a:solidFill>
+                <a:schemeClr val="bg1">
+                  <a:lumMod val="50000"/>
+                </a:schemeClr>
+              </a:solidFill>
+            </a:ln>
+          </p:spPr>
+          <p:txBody>
+            <a:bodyPr wrap="none" rtlCol="0">
+              <a:spAutoFit/>
+            </a:bodyPr>
+            <a:lstStyle/>
+            <a:p>
+              <a:r>
+                <a:rPr lang="ko-KR" altLang="en-US" dirty="0" smtClean="0">
+                  <a:solidFill>
+                    <a:schemeClr val="tx1"/>
+                  </a:solidFill>
+                </a:rPr>
+                <a:t>→ </a:t>
+              </a:r>
+              <a:r>
+                <a:rPr lang="en-US" altLang="ko-KR" dirty="0" smtClean="0">
+                  <a:solidFill>
+                    <a:schemeClr val="tx1"/>
+                  </a:solidFill>
+                </a:rPr>
+                <a:t>Go</a:t>
+              </a:r>
+              <a:endParaRPr lang="ko-KR" altLang="en-US" dirty="0">
+                <a:solidFill>
+                  <a:schemeClr val="tx1"/>
+                </a:solidFill>
+              </a:endParaRPr>
+            </a:p>
+          </p:txBody>
+        </p:sp>
+      </p:grpSp>
+      <p:sp>
+        <p:nvSpPr>
+          <p:cNvPr id="24" name="모서리가 둥근 직사각형 23"/>
+          <p:cNvSpPr/>
+          <p:nvPr/>
+        </p:nvSpPr>
+        <p:spPr>
+          <a:xfrm>
+            <a:off x="6488430" y="2128837"/>
+            <a:ext cx="142875" cy="1152525"/>
+          </a:xfrm>
+          <a:prstGeom prst="roundRect">
+            <a:avLst/>
+          </a:prstGeom>
+          <a:solidFill>
+            <a:schemeClr val="bg1">
+              <a:lumMod val="75000"/>
+            </a:schemeClr>
+          </a:solidFill>
+          <a:ln w="3175">
+            <a:noFill/>
+          </a:ln>
+        </p:spPr>
+        <p:style>
+          <a:lnRef idx="2">
+            <a:schemeClr val="accent1">
+              <a:shade val="50000"/>
+            </a:schemeClr>
+          </a:lnRef>
+          <a:fillRef idx="1">
+            <a:schemeClr val="accent1"/>
+          </a:fillRef>
+          <a:effectRef idx="0">
+            <a:schemeClr val="accent1"/>
+          </a:effectRef>
+          <a:fontRef idx="minor">
+            <a:schemeClr val="lt1"/>
+          </a:fontRef>
+        </p:style>
+        <p:txBody>
+          <a:bodyPr rtlCol="0" anchor="ctr"/>
+          <a:lstStyle/>
+          <a:p>
+            <a:pPr algn="ctr"/>
+            <a:endParaRPr lang="ko-KR" altLang="en-US"/>
+          </a:p>
+        </p:txBody>
+      </p:sp>
+      <p:sp>
+        <p:nvSpPr>
+          <p:cNvPr id="25" name="타원 24"/>
+          <p:cNvSpPr/>
+          <p:nvPr/>
+        </p:nvSpPr>
+        <p:spPr>
+          <a:xfrm>
+            <a:off x="6524148" y="2666365"/>
+            <a:ext cx="71438" cy="71438"/>
+          </a:xfrm>
+          <a:prstGeom prst="ellipse">
+            <a:avLst/>
+          </a:prstGeom>
+          <a:solidFill>
+            <a:schemeClr val="bg1"/>
+          </a:solidFill>
+          <a:ln>
+            <a:noFill/>
+          </a:ln>
+        </p:spPr>
+        <p:style>
+          <a:lnRef idx="2">
+            <a:schemeClr val="accent1">
+              <a:shade val="50000"/>
+            </a:schemeClr>
+          </a:lnRef>
+          <a:fillRef idx="1">
+            <a:schemeClr val="accent1"/>
+          </a:fillRef>
+          <a:effectRef idx="0">
+            <a:schemeClr val="accent1"/>
+          </a:effectRef>
+          <a:fontRef idx="minor">
+            <a:schemeClr val="lt1"/>
+          </a:fontRef>
+        </p:style>
+        <p:txBody>
+          <a:bodyPr rtlCol="0" anchor="ctr"/>
+          <a:lstStyle/>
+          <a:p>
+            <a:pPr algn="ctr"/>
+            <a:endParaRPr lang="ko-KR" altLang="en-US"/>
+          </a:p>
+        </p:txBody>
+      </p:sp>
+      <p:sp>
+        <p:nvSpPr>
+          <p:cNvPr id="28" name="TextBox 27"/>
+          <p:cNvSpPr txBox="1"/>
+          <p:nvPr/>
+        </p:nvSpPr>
+        <p:spPr>
+          <a:xfrm>
+            <a:off x="5908067" y="3035441"/>
+            <a:ext cx="635109" cy="214674"/>
+          </a:xfrm>
+          <a:prstGeom prst="rect">
+            <a:avLst/>
+          </a:prstGeom>
+          <a:noFill/>
+          <a:ln w="3175">
+            <a:noFill/>
+          </a:ln>
+        </p:spPr>
+        <p:txBody>
+          <a:bodyPr wrap="none" rtlCol="0" anchor="ctr">
+            <a:spAutoFit/>
+          </a:bodyPr>
+          <a:lstStyle/>
+          <a:p>
+            <a:pPr algn="ctr">
+              <a:lnSpc>
+                <a:spcPct val="150000"/>
+              </a:lnSpc>
+            </a:pPr>
+            <a:r>
+              <a:rPr lang="en-US" altLang="ko-KR" sz="600" dirty="0" smtClean="0">
+                <a:solidFill>
+                  <a:schemeClr val="tx1"/>
+                </a:solidFill>
+                <a:latin typeface="+mn-ea"/>
+                <a:ea typeface="+mn-ea"/>
+              </a:rPr>
+              <a:t>My 2020 S/S</a:t>
+            </a:r>
+            <a:endParaRPr lang="ko-KR" altLang="en-US" sz="600" dirty="0">
+              <a:solidFill>
+                <a:schemeClr val="tx1"/>
+              </a:solidFill>
+              <a:latin typeface="+mn-ea"/>
+              <a:ea typeface="+mn-ea"/>
+            </a:endParaRPr>
+          </a:p>
+        </p:txBody>
+      </p:sp>
+      <p:sp>
+        <p:nvSpPr>
+          <p:cNvPr id="29" name="Google Shape;189;p14"/>
+          <p:cNvSpPr/>
+          <p:nvPr/>
+        </p:nvSpPr>
+        <p:spPr>
+          <a:xfrm>
+            <a:off x="5800055" y="1946088"/>
+            <a:ext cx="216024" cy="216024"/>
+          </a:xfrm>
+          <a:prstGeom prst="roundRect">
+            <a:avLst>
+              <a:gd name="adj" fmla="val 16667"/>
+            </a:avLst>
+          </a:prstGeom>
+          <a:solidFill>
+            <a:srgbClr val="E36C09"/>
+          </a:solidFill>
+          <a:ln w="3175">
+            <a:noFill/>
+          </a:ln>
+        </p:spPr>
+        <p:txBody>
+          <a:bodyPr spcFirstLastPara="1" wrap="square" lIns="0" tIns="45700" rIns="0" bIns="45700" anchor="ctr" anchorCtr="0">
+            <a:noAutofit/>
+          </a:bodyPr>
+          <a:lstStyle/>
+          <a:p>
+            <a:pPr marL="0" marR="0" lvl="0" indent="0" algn="ctr" rtl="0">
+              <a:spcBef>
+                <a:spcPts val="0"/>
+              </a:spcBef>
+              <a:spcAft>
+                <a:spcPts val="0"/>
+              </a:spcAft>
+              <a:buNone/>
+            </a:pPr>
+            <a:r>
+              <a:rPr lang="en-US" sz="1050" b="1" dirty="0">
+                <a:solidFill>
+                  <a:schemeClr val="lt1"/>
+                </a:solidFill>
+              </a:rPr>
+              <a:t>3</a:t>
+            </a:r>
+            <a:endParaRPr sz="1050" b="1" dirty="0">
+              <a:solidFill>
+                <a:schemeClr val="lt1"/>
+              </a:solidFill>
+              <a:latin typeface="Arial"/>
+              <a:ea typeface="Arial"/>
+              <a:cs typeface="Arial"/>
+              <a:sym typeface="Arial"/>
+            </a:endParaRPr>
+          </a:p>
+        </p:txBody>
+      </p:sp>
+      <p:sp>
+        <p:nvSpPr>
+          <p:cNvPr id="30" name="Google Shape;218;p15"/>
+          <p:cNvSpPr/>
+          <p:nvPr/>
+        </p:nvSpPr>
+        <p:spPr>
+          <a:xfrm>
+            <a:off x="5908067" y="2060641"/>
+            <a:ext cx="815162" cy="1292159"/>
+          </a:xfrm>
+          <a:prstGeom prst="roundRect">
+            <a:avLst>
+              <a:gd name="adj" fmla="val 9813"/>
+            </a:avLst>
+          </a:prstGeom>
+          <a:noFill/>
+          <a:ln w="9525" cap="flat" cmpd="sng">
+            <a:solidFill>
+              <a:schemeClr val="accent6">
+                <a:lumMod val="75000"/>
+              </a:schemeClr>
+            </a:solidFill>
+            <a:prstDash val="solid"/>
+            <a:round/>
+            <a:headEnd type="none" w="sm" len="sm"/>
+            <a:tailEnd type="none" w="sm" len="sm"/>
+          </a:ln>
+        </p:spPr>
+        <p:txBody>
+          <a:bodyPr spcFirstLastPara="1" wrap="square" lIns="91425" tIns="45700" rIns="91425" bIns="45700" anchor="ctr" anchorCtr="0">
+            <a:noAutofit/>
+          </a:bodyPr>
+          <a:lstStyle/>
+          <a:p>
+            <a:pPr marL="0" marR="0" lvl="0" indent="0" algn="l" rtl="0">
+              <a:spcBef>
+                <a:spcPts val="0"/>
+              </a:spcBef>
+              <a:spcAft>
+                <a:spcPts val="0"/>
+              </a:spcAft>
+              <a:buNone/>
+            </a:pPr>
+            <a:endParaRPr sz="700">
+              <a:solidFill>
+                <a:srgbClr val="953734"/>
+              </a:solidFill>
+              <a:latin typeface="Arial"/>
+              <a:ea typeface="Arial"/>
+              <a:cs typeface="Arial"/>
+              <a:sym typeface="Arial"/>
+            </a:endParaRPr>
+          </a:p>
+        </p:txBody>
+      </p:sp>
+      <p:sp>
+        <p:nvSpPr>
+          <p:cNvPr id="31" name="타원 30"/>
+          <p:cNvSpPr/>
+          <p:nvPr/>
+        </p:nvSpPr>
+        <p:spPr>
+          <a:xfrm>
+            <a:off x="6525504" y="2209791"/>
+            <a:ext cx="71438" cy="71438"/>
+          </a:xfrm>
+          <a:prstGeom prst="ellipse">
+            <a:avLst/>
+          </a:prstGeom>
+          <a:solidFill>
+            <a:schemeClr val="bg1"/>
+          </a:solidFill>
+          <a:ln>
+            <a:noFill/>
+          </a:ln>
+        </p:spPr>
+        <p:style>
+          <a:lnRef idx="2">
+            <a:schemeClr val="accent1">
+              <a:shade val="50000"/>
+            </a:schemeClr>
+          </a:lnRef>
+          <a:fillRef idx="1">
+            <a:schemeClr val="accent1"/>
+          </a:fillRef>
+          <a:effectRef idx="0">
+            <a:schemeClr val="accent1"/>
+          </a:effectRef>
+          <a:fontRef idx="minor">
+            <a:schemeClr val="lt1"/>
+          </a:fontRef>
+        </p:style>
+        <p:txBody>
+          <a:bodyPr rtlCol="0" anchor="ctr"/>
+          <a:lstStyle/>
+          <a:p>
+            <a:pPr algn="ctr"/>
+            <a:endParaRPr lang="ko-KR" altLang="en-US"/>
+          </a:p>
+        </p:txBody>
+      </p:sp>
+      <p:sp>
+        <p:nvSpPr>
+          <p:cNvPr id="33" name="타원 32"/>
+          <p:cNvSpPr/>
+          <p:nvPr/>
+        </p:nvSpPr>
+        <p:spPr>
+          <a:xfrm>
+            <a:off x="6525520" y="2438078"/>
+            <a:ext cx="71438" cy="71438"/>
+          </a:xfrm>
+          <a:prstGeom prst="ellipse">
+            <a:avLst/>
+          </a:prstGeom>
+          <a:solidFill>
+            <a:schemeClr val="bg1"/>
+          </a:solidFill>
+          <a:ln>
+            <a:noFill/>
+          </a:ln>
+        </p:spPr>
+        <p:style>
+          <a:lnRef idx="2">
+            <a:schemeClr val="accent1">
+              <a:shade val="50000"/>
+            </a:schemeClr>
+          </a:lnRef>
+          <a:fillRef idx="1">
+            <a:schemeClr val="accent1"/>
+          </a:fillRef>
+          <a:effectRef idx="0">
+            <a:schemeClr val="accent1"/>
+          </a:effectRef>
+          <a:fontRef idx="minor">
+            <a:schemeClr val="lt1"/>
+          </a:fontRef>
+        </p:style>
+        <p:txBody>
+          <a:bodyPr rtlCol="0" anchor="ctr"/>
+          <a:lstStyle/>
+          <a:p>
+            <a:pPr algn="ctr"/>
+            <a:endParaRPr lang="ko-KR" altLang="en-US"/>
+          </a:p>
+        </p:txBody>
+      </p:sp>
+      <p:sp>
+        <p:nvSpPr>
+          <p:cNvPr id="34" name="타원 33"/>
+          <p:cNvSpPr/>
+          <p:nvPr/>
+        </p:nvSpPr>
+        <p:spPr>
+          <a:xfrm>
+            <a:off x="6523687" y="3122939"/>
+            <a:ext cx="71438" cy="71438"/>
+          </a:xfrm>
+          <a:prstGeom prst="ellipse">
+            <a:avLst/>
+          </a:prstGeom>
+          <a:solidFill>
+            <a:schemeClr val="bg1">
+              <a:lumMod val="50000"/>
+            </a:schemeClr>
+          </a:solidFill>
+          <a:ln>
+            <a:noFill/>
+          </a:ln>
+        </p:spPr>
+        <p:style>
+          <a:lnRef idx="2">
+            <a:schemeClr val="accent1">
+              <a:shade val="50000"/>
+            </a:schemeClr>
+          </a:lnRef>
+          <a:fillRef idx="1">
+            <a:schemeClr val="accent1"/>
+          </a:fillRef>
+          <a:effectRef idx="0">
+            <a:schemeClr val="accent1"/>
+          </a:effectRef>
+          <a:fontRef idx="minor">
+            <a:schemeClr val="lt1"/>
+          </a:fontRef>
+        </p:style>
+        <p:txBody>
+          <a:bodyPr rtlCol="0" anchor="ctr"/>
+          <a:lstStyle/>
+          <a:p>
+            <a:pPr algn="ctr"/>
+            <a:endParaRPr lang="ko-KR" altLang="en-US"/>
+          </a:p>
+        </p:txBody>
+      </p:sp>
+      <p:sp>
+        <p:nvSpPr>
+          <p:cNvPr id="35" name="타원 34"/>
+          <p:cNvSpPr/>
+          <p:nvPr/>
+        </p:nvSpPr>
+        <p:spPr>
+          <a:xfrm>
+            <a:off x="6523687" y="2894652"/>
+            <a:ext cx="71438" cy="71438"/>
+          </a:xfrm>
+          <a:prstGeom prst="ellipse">
+            <a:avLst/>
+          </a:prstGeom>
+          <a:solidFill>
+            <a:schemeClr val="bg1"/>
+          </a:solidFill>
+          <a:ln>
+            <a:noFill/>
+          </a:ln>
+        </p:spPr>
+        <p:style>
+          <a:lnRef idx="2">
+            <a:schemeClr val="accent1">
+              <a:shade val="50000"/>
+            </a:schemeClr>
+          </a:lnRef>
+          <a:fillRef idx="1">
+            <a:schemeClr val="accent1"/>
+          </a:fillRef>
+          <a:effectRef idx="0">
+            <a:schemeClr val="accent1"/>
+          </a:effectRef>
+          <a:fontRef idx="minor">
+            <a:schemeClr val="lt1"/>
+          </a:fontRef>
+        </p:style>
+        <p:txBody>
+          <a:bodyPr rtlCol="0" anchor="ctr"/>
+          <a:lstStyle/>
+          <a:p>
+            <a:pPr algn="ctr"/>
+            <a:endParaRPr lang="ko-KR" altLang="en-US"/>
+          </a:p>
+        </p:txBody>
+      </p:sp>
+      <p:grpSp>
+        <p:nvGrpSpPr>
+          <p:cNvPr id="36" name="그룹 35"/>
+          <p:cNvGrpSpPr/>
+          <p:nvPr/>
+        </p:nvGrpSpPr>
+        <p:grpSpPr>
+          <a:xfrm>
+            <a:off x="4165497" y="572539"/>
+            <a:ext cx="1262256" cy="1210541"/>
+            <a:chOff x="1775460" y="1541146"/>
+            <a:chExt cx="1262256" cy="2119312"/>
+          </a:xfrm>
+        </p:grpSpPr>
+        <p:sp>
+          <p:nvSpPr>
+            <p:cNvPr id="37" name="직사각형 36"/>
+            <p:cNvSpPr/>
+            <p:nvPr/>
+          </p:nvSpPr>
+          <p:spPr>
+            <a:xfrm>
+              <a:off x="1775460" y="1541146"/>
+              <a:ext cx="1262256" cy="2110740"/>
+            </a:xfrm>
+            <a:prstGeom prst="rect">
+              <a:avLst/>
+            </a:prstGeom>
+            <a:solidFill>
+              <a:schemeClr val="bg1">
+                <a:lumMod val="95000"/>
+              </a:schemeClr>
+            </a:solidFill>
+            <a:ln w="3175">
+              <a:solidFill>
+                <a:schemeClr val="bg1">
+                  <a:lumMod val="50000"/>
+                </a:schemeClr>
+              </a:solidFill>
+            </a:ln>
+          </p:spPr>
+          <p:style>
+            <a:lnRef idx="2">
+              <a:schemeClr val="accent1">
+                <a:shade val="50000"/>
+              </a:schemeClr>
+            </a:lnRef>
+            <a:fillRef idx="1">
+              <a:schemeClr val="accent1"/>
+            </a:fillRef>
+            <a:effectRef idx="0">
+              <a:schemeClr val="accent1"/>
+            </a:effectRef>
+            <a:fontRef idx="minor">
+              <a:schemeClr val="lt1"/>
+            </a:fontRef>
+          </p:style>
+          <p:txBody>
+            <a:bodyPr rtlCol="0" anchor="ctr"/>
+            <a:lstStyle/>
+            <a:p>
+              <a:pPr algn="ctr"/>
+              <a:endParaRPr lang="ko-KR" altLang="en-US"/>
+            </a:p>
+          </p:txBody>
+        </p:sp>
+        <p:cxnSp>
+          <p:nvCxnSpPr>
+            <p:cNvPr id="38" name="직선 연결선 37"/>
+            <p:cNvCxnSpPr/>
+            <p:nvPr/>
+          </p:nvCxnSpPr>
+          <p:spPr>
+            <a:xfrm flipH="1">
+              <a:off x="1775460" y="1549718"/>
+              <a:ext cx="1262256" cy="2110740"/>
+            </a:xfrm>
+            <a:prstGeom prst="line">
+              <a:avLst/>
+            </a:prstGeom>
+            <a:ln w="3175">
+              <a:solidFill>
+                <a:schemeClr val="bg1">
+                  <a:lumMod val="50000"/>
+                </a:schemeClr>
+              </a:solidFill>
+            </a:ln>
+          </p:spPr>
+          <p:style>
+            <a:lnRef idx="1">
+              <a:schemeClr val="accent1"/>
+            </a:lnRef>
+            <a:fillRef idx="0">
+              <a:schemeClr val="accent1"/>
+            </a:fillRef>
+            <a:effectRef idx="0">
+              <a:schemeClr val="accent1"/>
+            </a:effectRef>
+            <a:fontRef idx="minor">
+              <a:schemeClr val="tx1"/>
+            </a:fontRef>
+          </p:style>
+        </p:cxnSp>
+      </p:grpSp>
+      <p:grpSp>
+        <p:nvGrpSpPr>
+          <p:cNvPr id="39" name="그룹 38"/>
+          <p:cNvGrpSpPr/>
+          <p:nvPr/>
+        </p:nvGrpSpPr>
+        <p:grpSpPr>
+          <a:xfrm>
+            <a:off x="797622" y="3744160"/>
+            <a:ext cx="1137858" cy="1091240"/>
+            <a:chOff x="1775460" y="1541146"/>
+            <a:chExt cx="1262256" cy="2119312"/>
+          </a:xfrm>
+        </p:grpSpPr>
+        <p:sp>
+          <p:nvSpPr>
+            <p:cNvPr id="40" name="직사각형 39"/>
+            <p:cNvSpPr/>
+            <p:nvPr/>
+          </p:nvSpPr>
+          <p:spPr>
+            <a:xfrm>
+              <a:off x="1775460" y="1541146"/>
+              <a:ext cx="1262256" cy="2110740"/>
+            </a:xfrm>
+            <a:prstGeom prst="rect">
+              <a:avLst/>
+            </a:prstGeom>
+            <a:solidFill>
+              <a:schemeClr val="bg1">
+                <a:lumMod val="95000"/>
+              </a:schemeClr>
+            </a:solidFill>
+            <a:ln w="3175">
+              <a:solidFill>
+                <a:schemeClr val="bg1">
+                  <a:lumMod val="50000"/>
+                </a:schemeClr>
+              </a:solidFill>
+            </a:ln>
+          </p:spPr>
+          <p:style>
+            <a:lnRef idx="2">
+              <a:schemeClr val="accent1">
+                <a:shade val="50000"/>
+              </a:schemeClr>
+            </a:lnRef>
+            <a:fillRef idx="1">
+              <a:schemeClr val="accent1"/>
+            </a:fillRef>
+            <a:effectRef idx="0">
+              <a:schemeClr val="accent1"/>
+            </a:effectRef>
+            <a:fontRef idx="minor">
+              <a:schemeClr val="lt1"/>
+            </a:fontRef>
+          </p:style>
+          <p:txBody>
+            <a:bodyPr rtlCol="0" anchor="ctr"/>
+            <a:lstStyle/>
+            <a:p>
+              <a:pPr algn="ctr"/>
+              <a:endParaRPr lang="ko-KR" altLang="en-US"/>
+            </a:p>
+          </p:txBody>
+        </p:sp>
+        <p:cxnSp>
+          <p:nvCxnSpPr>
+            <p:cNvPr id="41" name="직선 연결선 40"/>
+            <p:cNvCxnSpPr/>
+            <p:nvPr/>
+          </p:nvCxnSpPr>
+          <p:spPr>
+            <a:xfrm flipH="1">
+              <a:off x="1775460" y="1549718"/>
+              <a:ext cx="1262256" cy="2110740"/>
+            </a:xfrm>
+            <a:prstGeom prst="line">
+              <a:avLst/>
+            </a:prstGeom>
+            <a:ln w="3175">
+              <a:solidFill>
+                <a:schemeClr val="bg1">
+                  <a:lumMod val="50000"/>
+                </a:schemeClr>
+              </a:solidFill>
+            </a:ln>
+          </p:spPr>
+          <p:style>
+            <a:lnRef idx="1">
+              <a:schemeClr val="accent1"/>
+            </a:lnRef>
+            <a:fillRef idx="0">
+              <a:schemeClr val="accent1"/>
+            </a:fillRef>
+            <a:effectRef idx="0">
+              <a:schemeClr val="accent1"/>
+            </a:effectRef>
+            <a:fontRef idx="minor">
+              <a:schemeClr val="tx1"/>
+            </a:fontRef>
+          </p:style>
+        </p:cxnSp>
+      </p:grpSp>
+      <p:sp>
+        <p:nvSpPr>
+          <p:cNvPr id="18" name="Google Shape;218;p15"/>
+          <p:cNvSpPr/>
+          <p:nvPr/>
+        </p:nvSpPr>
+        <p:spPr>
+          <a:xfrm>
+            <a:off x="4644898" y="1982042"/>
+            <a:ext cx="981635" cy="1615047"/>
+          </a:xfrm>
+          <a:prstGeom prst="roundRect">
+            <a:avLst>
+              <a:gd name="adj" fmla="val 9813"/>
+            </a:avLst>
+          </a:prstGeom>
+          <a:noFill/>
+          <a:ln w="9525" cap="flat" cmpd="sng">
+            <a:solidFill>
+              <a:schemeClr val="accent6">
+                <a:lumMod val="75000"/>
+              </a:schemeClr>
+            </a:solidFill>
+            <a:prstDash val="solid"/>
+            <a:round/>
+            <a:headEnd type="none" w="sm" len="sm"/>
+            <a:tailEnd type="none" w="sm" len="sm"/>
+          </a:ln>
+        </p:spPr>
+        <p:txBody>
+          <a:bodyPr spcFirstLastPara="1" wrap="square" lIns="91425" tIns="45700" rIns="91425" bIns="45700" anchor="ctr" anchorCtr="0">
+            <a:noAutofit/>
+          </a:bodyPr>
+          <a:lstStyle/>
+          <a:p>
+            <a:pPr marL="0" marR="0" lvl="0" indent="0" algn="l" rtl="0">
+              <a:spcBef>
+                <a:spcPts val="0"/>
+              </a:spcBef>
+              <a:spcAft>
+                <a:spcPts val="0"/>
+              </a:spcAft>
+              <a:buNone/>
+            </a:pPr>
+            <a:endParaRPr sz="700">
+              <a:solidFill>
+                <a:srgbClr val="953734"/>
+              </a:solidFill>
+              <a:latin typeface="Arial"/>
+              <a:ea typeface="Arial"/>
+              <a:cs typeface="Arial"/>
+              <a:sym typeface="Arial"/>
+            </a:endParaRPr>
+          </a:p>
+        </p:txBody>
+      </p:sp>
+      <p:grpSp>
+        <p:nvGrpSpPr>
+          <p:cNvPr id="42" name="그룹 41"/>
+          <p:cNvGrpSpPr/>
+          <p:nvPr/>
+        </p:nvGrpSpPr>
+        <p:grpSpPr>
+          <a:xfrm>
+            <a:off x="5580083" y="3602927"/>
+            <a:ext cx="1015042" cy="973455"/>
+            <a:chOff x="1775460" y="1541146"/>
+            <a:chExt cx="1262256" cy="2119312"/>
+          </a:xfrm>
+        </p:grpSpPr>
+        <p:sp>
+          <p:nvSpPr>
+            <p:cNvPr id="43" name="직사각형 42"/>
+            <p:cNvSpPr/>
+            <p:nvPr/>
+          </p:nvSpPr>
+          <p:spPr>
+            <a:xfrm>
+              <a:off x="1775460" y="1541146"/>
+              <a:ext cx="1262256" cy="2110740"/>
+            </a:xfrm>
+            <a:prstGeom prst="rect">
+              <a:avLst/>
+            </a:prstGeom>
+            <a:solidFill>
+              <a:schemeClr val="bg1">
+                <a:lumMod val="95000"/>
+              </a:schemeClr>
+            </a:solidFill>
+            <a:ln w="3175">
+              <a:solidFill>
+                <a:schemeClr val="bg1">
+                  <a:lumMod val="50000"/>
+                </a:schemeClr>
+              </a:solidFill>
+            </a:ln>
+          </p:spPr>
+          <p:style>
+            <a:lnRef idx="2">
+              <a:schemeClr val="accent1">
+                <a:shade val="50000"/>
+              </a:schemeClr>
+            </a:lnRef>
+            <a:fillRef idx="1">
+              <a:schemeClr val="accent1"/>
+            </a:fillRef>
+            <a:effectRef idx="0">
+              <a:schemeClr val="accent1"/>
+            </a:effectRef>
+            <a:fontRef idx="minor">
+              <a:schemeClr val="lt1"/>
+            </a:fontRef>
+          </p:style>
+          <p:txBody>
+            <a:bodyPr rtlCol="0" anchor="ctr"/>
+            <a:lstStyle/>
+            <a:p>
+              <a:pPr algn="ctr"/>
+              <a:endParaRPr lang="ko-KR" altLang="en-US"/>
+            </a:p>
+          </p:txBody>
+        </p:sp>
+        <p:cxnSp>
+          <p:nvCxnSpPr>
+            <p:cNvPr id="44" name="직선 연결선 43"/>
+            <p:cNvCxnSpPr/>
+            <p:nvPr/>
+          </p:nvCxnSpPr>
+          <p:spPr>
+            <a:xfrm flipH="1">
+              <a:off x="1775460" y="1549718"/>
+              <a:ext cx="1262256" cy="2110740"/>
+            </a:xfrm>
+            <a:prstGeom prst="line">
+              <a:avLst/>
+            </a:prstGeom>
+            <a:ln w="3175">
+              <a:solidFill>
+                <a:schemeClr val="bg1">
+                  <a:lumMod val="50000"/>
+                </a:schemeClr>
+              </a:solidFill>
+            </a:ln>
+          </p:spPr>
+          <p:style>
+            <a:lnRef idx="1">
+              <a:schemeClr val="accent1"/>
+            </a:lnRef>
+            <a:fillRef idx="0">
+              <a:schemeClr val="accent1"/>
+            </a:fillRef>
+            <a:effectRef idx="0">
+              <a:schemeClr val="accent1"/>
+            </a:effectRef>
+            <a:fontRef idx="minor">
+              <a:schemeClr val="tx1"/>
+            </a:fontRef>
+          </p:style>
+        </p:cxnSp>
+      </p:grpSp>
+      <p:sp>
+        <p:nvSpPr>
+          <p:cNvPr id="20" name="Google Shape;218;p15"/>
+          <p:cNvSpPr/>
+          <p:nvPr/>
+        </p:nvSpPr>
+        <p:spPr>
+          <a:xfrm>
+            <a:off x="464822" y="2134442"/>
+            <a:ext cx="3904412" cy="1462647"/>
+          </a:xfrm>
+          <a:prstGeom prst="roundRect">
+            <a:avLst>
+              <a:gd name="adj" fmla="val 9813"/>
+            </a:avLst>
+          </a:prstGeom>
+          <a:noFill/>
+          <a:ln w="9525" cap="flat" cmpd="sng">
+            <a:solidFill>
+              <a:schemeClr val="accent6">
+                <a:lumMod val="75000"/>
+              </a:schemeClr>
+            </a:solidFill>
+            <a:prstDash val="solid"/>
+            <a:round/>
+            <a:headEnd type="none" w="sm" len="sm"/>
+            <a:tailEnd type="none" w="sm" len="sm"/>
+          </a:ln>
+        </p:spPr>
+        <p:txBody>
+          <a:bodyPr spcFirstLastPara="1" wrap="square" lIns="91425" tIns="45700" rIns="91425" bIns="45700" anchor="ctr" anchorCtr="0">
+            <a:noAutofit/>
+          </a:bodyPr>
+          <a:lstStyle/>
+          <a:p>
+            <a:pPr marL="0" marR="0" lvl="0" indent="0" algn="l" rtl="0">
+              <a:spcBef>
+                <a:spcPts val="0"/>
+              </a:spcBef>
+              <a:spcAft>
+                <a:spcPts val="0"/>
+              </a:spcAft>
+              <a:buNone/>
+            </a:pPr>
+            <a:endParaRPr sz="700">
+              <a:solidFill>
+                <a:srgbClr val="953734"/>
+              </a:solidFill>
+              <a:latin typeface="Arial"/>
+              <a:ea typeface="Arial"/>
+              <a:cs typeface="Arial"/>
+              <a:sym typeface="Arial"/>
+            </a:endParaRPr>
+          </a:p>
+        </p:txBody>
+      </p:sp>
+      <p:sp>
+        <p:nvSpPr>
+          <p:cNvPr id="21" name="Google Shape;189;p14"/>
+          <p:cNvSpPr/>
+          <p:nvPr/>
+        </p:nvSpPr>
+        <p:spPr>
+          <a:xfrm>
+            <a:off x="4536886" y="1874030"/>
+            <a:ext cx="216024" cy="216024"/>
+          </a:xfrm>
+          <a:prstGeom prst="roundRect">
+            <a:avLst>
+              <a:gd name="adj" fmla="val 16667"/>
+            </a:avLst>
+          </a:prstGeom>
+          <a:solidFill>
+            <a:srgbClr val="E36C09"/>
+          </a:solidFill>
+          <a:ln w="3175">
+            <a:noFill/>
+          </a:ln>
+        </p:spPr>
+        <p:txBody>
+          <a:bodyPr spcFirstLastPara="1" wrap="square" lIns="0" tIns="45700" rIns="0" bIns="45700" anchor="ctr" anchorCtr="0">
+            <a:noAutofit/>
+          </a:bodyPr>
+          <a:lstStyle/>
+          <a:p>
+            <a:pPr marL="0" marR="0" lvl="0" indent="0" algn="ctr" rtl="0">
+              <a:spcBef>
+                <a:spcPts val="0"/>
+              </a:spcBef>
+              <a:spcAft>
+                <a:spcPts val="0"/>
+              </a:spcAft>
+              <a:buNone/>
+            </a:pPr>
+            <a:r>
+              <a:rPr lang="en-US" sz="1050" b="1" dirty="0" smtClean="0">
+                <a:solidFill>
+                  <a:schemeClr val="lt1"/>
+                </a:solidFill>
+              </a:rPr>
+              <a:t>5</a:t>
+            </a:r>
+          </a:p>
+        </p:txBody>
+      </p:sp>
+      <p:sp>
+        <p:nvSpPr>
+          <p:cNvPr id="45" name="Google Shape;189;p14"/>
+          <p:cNvSpPr/>
+          <p:nvPr/>
+        </p:nvSpPr>
+        <p:spPr>
+          <a:xfrm>
+            <a:off x="4680054" y="1072245"/>
+            <a:ext cx="216024" cy="216024"/>
+          </a:xfrm>
+          <a:prstGeom prst="roundRect">
+            <a:avLst>
+              <a:gd name="adj" fmla="val 16667"/>
+            </a:avLst>
+          </a:prstGeom>
+          <a:solidFill>
+            <a:srgbClr val="E36C09"/>
+          </a:solidFill>
+          <a:ln w="3175">
+            <a:noFill/>
+          </a:ln>
+        </p:spPr>
+        <p:txBody>
+          <a:bodyPr spcFirstLastPara="1" wrap="square" lIns="0" tIns="45700" rIns="0" bIns="45700" anchor="ctr" anchorCtr="0">
+            <a:noAutofit/>
+          </a:bodyPr>
+          <a:lstStyle/>
+          <a:p>
+            <a:pPr marL="0" marR="0" lvl="0" indent="0" algn="ctr" rtl="0">
+              <a:spcBef>
+                <a:spcPts val="0"/>
+              </a:spcBef>
+              <a:spcAft>
+                <a:spcPts val="0"/>
+              </a:spcAft>
+              <a:buNone/>
+            </a:pPr>
+            <a:r>
+              <a:rPr lang="en-US" sz="1050" b="1" dirty="0">
+                <a:solidFill>
+                  <a:schemeClr val="lt1"/>
+                </a:solidFill>
+              </a:rPr>
+              <a:t>6</a:t>
+            </a:r>
+            <a:endParaRPr lang="en-US" sz="1050" b="1" dirty="0" smtClean="0">
+              <a:solidFill>
+                <a:schemeClr val="lt1"/>
+              </a:solidFill>
+            </a:endParaRPr>
+          </a:p>
+        </p:txBody>
+      </p:sp>
+      <p:sp>
+        <p:nvSpPr>
+          <p:cNvPr id="47" name="Google Shape;189;p14"/>
+          <p:cNvSpPr/>
+          <p:nvPr/>
+        </p:nvSpPr>
+        <p:spPr>
+          <a:xfrm>
+            <a:off x="1258539" y="4179561"/>
+            <a:ext cx="216024" cy="216024"/>
+          </a:xfrm>
+          <a:prstGeom prst="roundRect">
+            <a:avLst>
+              <a:gd name="adj" fmla="val 16667"/>
+            </a:avLst>
+          </a:prstGeom>
+          <a:solidFill>
+            <a:srgbClr val="E36C09"/>
+          </a:solidFill>
+          <a:ln w="3175">
+            <a:noFill/>
+          </a:ln>
+        </p:spPr>
+        <p:txBody>
+          <a:bodyPr spcFirstLastPara="1" wrap="square" lIns="0" tIns="45700" rIns="0" bIns="45700" anchor="ctr" anchorCtr="0">
+            <a:noAutofit/>
+          </a:bodyPr>
+          <a:lstStyle/>
+          <a:p>
+            <a:pPr marL="0" marR="0" lvl="0" indent="0" algn="ctr" rtl="0">
+              <a:spcBef>
+                <a:spcPts val="0"/>
+              </a:spcBef>
+              <a:spcAft>
+                <a:spcPts val="0"/>
+              </a:spcAft>
+              <a:buNone/>
+            </a:pPr>
+            <a:r>
+              <a:rPr lang="en-US" sz="1050" b="1" dirty="0">
+                <a:solidFill>
+                  <a:schemeClr val="lt1"/>
+                </a:solidFill>
+              </a:rPr>
+              <a:t>6</a:t>
+            </a:r>
+            <a:endParaRPr lang="en-US" sz="1050" b="1" dirty="0" smtClean="0">
+              <a:solidFill>
+                <a:schemeClr val="lt1"/>
+              </a:solidFill>
+            </a:endParaRPr>
+          </a:p>
+        </p:txBody>
+      </p:sp>
+      <p:sp>
+        <p:nvSpPr>
+          <p:cNvPr id="48" name="Google Shape;189;p14"/>
+          <p:cNvSpPr/>
+          <p:nvPr/>
+        </p:nvSpPr>
+        <p:spPr>
+          <a:xfrm>
+            <a:off x="5979592" y="3979674"/>
+            <a:ext cx="216024" cy="216024"/>
+          </a:xfrm>
+          <a:prstGeom prst="roundRect">
+            <a:avLst>
+              <a:gd name="adj" fmla="val 16667"/>
+            </a:avLst>
+          </a:prstGeom>
+          <a:solidFill>
+            <a:srgbClr val="E36C09"/>
+          </a:solidFill>
+          <a:ln w="3175">
+            <a:noFill/>
+          </a:ln>
+        </p:spPr>
+        <p:txBody>
+          <a:bodyPr spcFirstLastPara="1" wrap="square" lIns="0" tIns="45700" rIns="0" bIns="45700" anchor="ctr" anchorCtr="0">
+            <a:noAutofit/>
+          </a:bodyPr>
+          <a:lstStyle/>
+          <a:p>
+            <a:pPr marL="0" marR="0" lvl="0" indent="0" algn="ctr" rtl="0">
+              <a:spcBef>
+                <a:spcPts val="0"/>
+              </a:spcBef>
+              <a:spcAft>
+                <a:spcPts val="0"/>
+              </a:spcAft>
+              <a:buNone/>
+            </a:pPr>
+            <a:r>
+              <a:rPr lang="en-US" sz="1050" b="1" dirty="0">
+                <a:solidFill>
+                  <a:schemeClr val="lt1"/>
+                </a:solidFill>
+              </a:rPr>
+              <a:t>6</a:t>
+            </a:r>
+            <a:endParaRPr lang="en-US" sz="1050" b="1" dirty="0" smtClean="0">
+              <a:solidFill>
+                <a:schemeClr val="lt1"/>
+              </a:solidFill>
+            </a:endParaRPr>
+          </a:p>
+        </p:txBody>
+      </p:sp>
+      <p:sp>
+        <p:nvSpPr>
+          <p:cNvPr id="17" name="Google Shape;189;p14"/>
+          <p:cNvSpPr/>
+          <p:nvPr/>
+        </p:nvSpPr>
+        <p:spPr>
+          <a:xfrm>
+            <a:off x="644398" y="1995844"/>
+            <a:ext cx="216024" cy="216024"/>
+          </a:xfrm>
+          <a:prstGeom prst="roundRect">
+            <a:avLst>
+              <a:gd name="adj" fmla="val 16667"/>
+            </a:avLst>
+          </a:prstGeom>
+          <a:solidFill>
+            <a:srgbClr val="E36C09"/>
+          </a:solidFill>
+          <a:ln w="3175">
+            <a:noFill/>
+          </a:ln>
+        </p:spPr>
+        <p:txBody>
+          <a:bodyPr spcFirstLastPara="1" wrap="square" lIns="0" tIns="45700" rIns="0" bIns="45700" anchor="ctr" anchorCtr="0">
+            <a:noAutofit/>
+          </a:bodyPr>
+          <a:lstStyle/>
+          <a:p>
+            <a:pPr marL="0" marR="0" lvl="0" indent="0" algn="ctr" rtl="0">
+              <a:spcBef>
+                <a:spcPts val="0"/>
+              </a:spcBef>
+              <a:spcAft>
+                <a:spcPts val="0"/>
+              </a:spcAft>
+              <a:buNone/>
+            </a:pPr>
+            <a:r>
+              <a:rPr lang="en-US" sz="1050" b="1" dirty="0">
+                <a:solidFill>
+                  <a:schemeClr val="lt1"/>
+                </a:solidFill>
+              </a:rPr>
+              <a:t>4</a:t>
+            </a:r>
+            <a:endParaRPr sz="1050" b="1" dirty="0">
+              <a:solidFill>
+                <a:schemeClr val="lt1"/>
+              </a:solidFill>
+              <a:latin typeface="Arial"/>
+              <a:ea typeface="Arial"/>
+              <a:cs typeface="Arial"/>
+              <a:sym typeface="Arial"/>
+            </a:endParaRPr>
+          </a:p>
+        </p:txBody>
+      </p:sp>
+      <p:sp>
+        <p:nvSpPr>
+          <p:cNvPr id="7" name="TextBox 6"/>
+          <p:cNvSpPr txBox="1"/>
+          <p:nvPr/>
+        </p:nvSpPr>
+        <p:spPr>
+          <a:xfrm>
+            <a:off x="1708771" y="1132394"/>
+            <a:ext cx="3449983" cy="418576"/>
+          </a:xfrm>
+          <a:prstGeom prst="rect">
+            <a:avLst/>
+          </a:prstGeom>
+          <a:noFill/>
+          <a:ln w="3175">
+            <a:noFill/>
+          </a:ln>
+        </p:spPr>
+        <p:txBody>
+          <a:bodyPr wrap="none" rtlCol="0">
+            <a:spAutoFit/>
+          </a:bodyPr>
+          <a:lstStyle/>
+          <a:p>
+            <a:pPr algn="ctr">
+              <a:lnSpc>
+                <a:spcPct val="150000"/>
+              </a:lnSpc>
+            </a:pPr>
+            <a:r>
+              <a:rPr lang="en-US" altLang="ko-KR" sz="1100" dirty="0" smtClean="0">
+                <a:solidFill>
+                  <a:schemeClr val="tx1"/>
+                </a:solidFill>
+                <a:latin typeface="+mn-ea"/>
+                <a:ea typeface="+mn-ea"/>
+              </a:rPr>
+              <a:t>2020 S/S </a:t>
+            </a:r>
+            <a:r>
+              <a:rPr lang="ko-KR" altLang="en-US" sz="1100" dirty="0" smtClean="0">
+                <a:solidFill>
+                  <a:schemeClr val="tx1"/>
+                </a:solidFill>
+                <a:latin typeface="+mn-ea"/>
+                <a:ea typeface="+mn-ea"/>
+              </a:rPr>
+              <a:t>시즌을 앞둔 </a:t>
+            </a:r>
+            <a:r>
+              <a:rPr lang="en-US" altLang="ko-KR" sz="1100" dirty="0">
+                <a:solidFill>
+                  <a:schemeClr val="tx1"/>
+                </a:solidFill>
+                <a:latin typeface="+mn-ea"/>
+                <a:ea typeface="+mn-ea"/>
+              </a:rPr>
+              <a:t> </a:t>
+            </a:r>
+            <a:r>
+              <a:rPr lang="ko-KR" altLang="en-US" sz="1600" b="1" dirty="0" smtClean="0">
+                <a:solidFill>
+                  <a:schemeClr val="tx1"/>
+                </a:solidFill>
+                <a:latin typeface="+mn-ea"/>
+                <a:ea typeface="+mn-ea"/>
+              </a:rPr>
+              <a:t>나</a:t>
+            </a:r>
+            <a:r>
+              <a:rPr lang="ko-KR" altLang="en-US" sz="1100" dirty="0" smtClean="0">
+                <a:solidFill>
+                  <a:schemeClr val="tx1"/>
+                </a:solidFill>
+                <a:latin typeface="+mn-ea"/>
+                <a:ea typeface="+mn-ea"/>
+              </a:rPr>
+              <a:t>에게 가장 필요한 아이템은</a:t>
+            </a:r>
+            <a:r>
+              <a:rPr lang="en-US" altLang="ko-KR" sz="1100" dirty="0" smtClean="0">
+                <a:solidFill>
+                  <a:schemeClr val="tx1"/>
+                </a:solidFill>
+                <a:latin typeface="+mn-ea"/>
+                <a:ea typeface="+mn-ea"/>
+              </a:rPr>
+              <a:t>?</a:t>
+            </a:r>
+            <a:endParaRPr lang="ko-KR" altLang="en-US" sz="1100" dirty="0">
+              <a:solidFill>
+                <a:schemeClr val="tx1"/>
+              </a:solidFill>
+              <a:latin typeface="+mn-ea"/>
+              <a:ea typeface="+mn-ea"/>
+            </a:endParaRPr>
+          </a:p>
+        </p:txBody>
+      </p:sp>
+      <p:sp>
+        <p:nvSpPr>
+          <p:cNvPr id="19" name="Google Shape;189;p14"/>
+          <p:cNvSpPr/>
+          <p:nvPr/>
+        </p:nvSpPr>
+        <p:spPr>
+          <a:xfrm>
+            <a:off x="1570267" y="1288834"/>
+            <a:ext cx="216024" cy="216024"/>
+          </a:xfrm>
+          <a:prstGeom prst="roundRect">
+            <a:avLst>
+              <a:gd name="adj" fmla="val 16667"/>
+            </a:avLst>
+          </a:prstGeom>
+          <a:solidFill>
+            <a:srgbClr val="E36C09"/>
+          </a:solidFill>
+          <a:ln w="3175">
+            <a:noFill/>
+          </a:ln>
+        </p:spPr>
+        <p:txBody>
+          <a:bodyPr spcFirstLastPara="1" wrap="square" lIns="0" tIns="45700" rIns="0" bIns="45700" anchor="ctr" anchorCtr="0">
+            <a:noAutofit/>
+          </a:bodyPr>
+          <a:lstStyle/>
+          <a:p>
+            <a:pPr marL="0" marR="0" lvl="0" indent="0" algn="ctr" rtl="0">
+              <a:spcBef>
+                <a:spcPts val="0"/>
+              </a:spcBef>
+              <a:spcAft>
+                <a:spcPts val="0"/>
+              </a:spcAft>
+              <a:buNone/>
+            </a:pPr>
+            <a:r>
+              <a:rPr lang="en-US" sz="1050" b="1" dirty="0">
+                <a:solidFill>
+                  <a:schemeClr val="lt1"/>
+                </a:solidFill>
+              </a:rPr>
+              <a:t>1</a:t>
+            </a:r>
+            <a:endParaRPr sz="1050" b="1" dirty="0">
+              <a:solidFill>
+                <a:schemeClr val="lt1"/>
+              </a:solidFill>
+              <a:latin typeface="Arial"/>
+              <a:ea typeface="Arial"/>
+              <a:cs typeface="Arial"/>
+              <a:sym typeface="Arial"/>
+            </a:endParaRPr>
+          </a:p>
+        </p:txBody>
+      </p:sp>
+      <p:sp>
+        <p:nvSpPr>
+          <p:cNvPr id="23" name="Google Shape;218;p15"/>
+          <p:cNvSpPr/>
+          <p:nvPr/>
+        </p:nvSpPr>
+        <p:spPr>
+          <a:xfrm>
+            <a:off x="3168663" y="1241141"/>
+            <a:ext cx="288399" cy="263717"/>
+          </a:xfrm>
+          <a:prstGeom prst="roundRect">
+            <a:avLst>
+              <a:gd name="adj" fmla="val 9813"/>
+            </a:avLst>
+          </a:prstGeom>
+          <a:noFill/>
+          <a:ln w="9525" cap="flat" cmpd="sng">
+            <a:solidFill>
+              <a:schemeClr val="accent6">
+                <a:lumMod val="75000"/>
+              </a:schemeClr>
+            </a:solidFill>
+            <a:prstDash val="solid"/>
+            <a:round/>
+            <a:headEnd type="none" w="sm" len="sm"/>
+            <a:tailEnd type="none" w="sm" len="sm"/>
+          </a:ln>
+        </p:spPr>
+        <p:txBody>
+          <a:bodyPr spcFirstLastPara="1" wrap="square" lIns="91425" tIns="45700" rIns="91425" bIns="45700" anchor="ctr" anchorCtr="0">
+            <a:noAutofit/>
+          </a:bodyPr>
+          <a:lstStyle/>
+          <a:p>
+            <a:pPr marL="0" marR="0" lvl="0" indent="0" algn="l" rtl="0">
+              <a:spcBef>
+                <a:spcPts val="0"/>
+              </a:spcBef>
+              <a:spcAft>
+                <a:spcPts val="0"/>
+              </a:spcAft>
+              <a:buNone/>
+            </a:pPr>
+            <a:endParaRPr sz="700">
+              <a:solidFill>
+                <a:srgbClr val="953734"/>
+              </a:solidFill>
+              <a:latin typeface="Arial"/>
+              <a:ea typeface="Arial"/>
+              <a:cs typeface="Arial"/>
+              <a:sym typeface="Arial"/>
+            </a:endParaRPr>
+          </a:p>
+        </p:txBody>
+      </p:sp>
+      <p:sp>
+        <p:nvSpPr>
+          <p:cNvPr id="22" name="Google Shape;189;p14"/>
+          <p:cNvSpPr/>
+          <p:nvPr/>
+        </p:nvSpPr>
+        <p:spPr>
+          <a:xfrm>
+            <a:off x="3033755" y="1072810"/>
+            <a:ext cx="216024" cy="216024"/>
+          </a:xfrm>
+          <a:prstGeom prst="roundRect">
+            <a:avLst>
+              <a:gd name="adj" fmla="val 16667"/>
+            </a:avLst>
+          </a:prstGeom>
+          <a:solidFill>
+            <a:srgbClr val="E36C09"/>
+          </a:solidFill>
+          <a:ln w="3175">
+            <a:noFill/>
+          </a:ln>
+        </p:spPr>
+        <p:txBody>
+          <a:bodyPr spcFirstLastPara="1" wrap="square" lIns="0" tIns="45700" rIns="0" bIns="45700" anchor="ctr" anchorCtr="0">
+            <a:noAutofit/>
+          </a:bodyPr>
+          <a:lstStyle/>
+          <a:p>
+            <a:pPr marL="0" marR="0" lvl="0" indent="0" algn="ctr" rtl="0">
+              <a:spcBef>
+                <a:spcPts val="0"/>
+              </a:spcBef>
+              <a:spcAft>
+                <a:spcPts val="0"/>
+              </a:spcAft>
+              <a:buNone/>
+            </a:pPr>
+            <a:r>
+              <a:rPr lang="en-US" sz="1050" b="1" dirty="0">
+                <a:solidFill>
+                  <a:schemeClr val="lt1"/>
+                </a:solidFill>
+              </a:rPr>
+              <a:t>2</a:t>
+            </a:r>
+            <a:endParaRPr sz="1050" b="1" dirty="0">
+              <a:solidFill>
+                <a:schemeClr val="lt1"/>
+              </a:solidFill>
+              <a:latin typeface="Arial"/>
+              <a:ea typeface="Arial"/>
+              <a:cs typeface="Arial"/>
+              <a:sym typeface="Arial"/>
+            </a:endParaRPr>
+          </a:p>
+        </p:txBody>
+      </p:sp>
+      <p:cxnSp>
+        <p:nvCxnSpPr>
+          <p:cNvPr id="54" name="직선 연결선 53"/>
+          <p:cNvCxnSpPr/>
+          <p:nvPr/>
+        </p:nvCxnSpPr>
+        <p:spPr>
+          <a:xfrm>
+            <a:off x="4526280" y="466725"/>
+            <a:ext cx="0" cy="110710"/>
+          </a:xfrm>
+          <a:prstGeom prst="line">
+            <a:avLst/>
+          </a:prstGeom>
+          <a:ln w="3175">
+            <a:solidFill>
+              <a:schemeClr val="bg1">
+                <a:lumMod val="50000"/>
+              </a:schemeClr>
+            </a:solidFill>
+          </a:ln>
+        </p:spPr>
+        <p:style>
+          <a:lnRef idx="1">
+            <a:schemeClr val="accent1"/>
+          </a:lnRef>
+          <a:fillRef idx="0">
+            <a:schemeClr val="accent1"/>
+          </a:fillRef>
+          <a:effectRef idx="0">
+            <a:schemeClr val="accent1"/>
+          </a:effectRef>
+          <a:fontRef idx="minor">
+            <a:schemeClr val="tx1"/>
+          </a:fontRef>
+        </p:style>
+      </p:cxnSp>
+      <p:cxnSp>
+        <p:nvCxnSpPr>
+          <p:cNvPr id="56" name="직선 연결선 55"/>
+          <p:cNvCxnSpPr/>
+          <p:nvPr/>
+        </p:nvCxnSpPr>
+        <p:spPr>
+          <a:xfrm>
+            <a:off x="1258539" y="461829"/>
+            <a:ext cx="0" cy="3282331"/>
+          </a:xfrm>
+          <a:prstGeom prst="line">
+            <a:avLst/>
+          </a:prstGeom>
+          <a:ln w="3175">
+            <a:solidFill>
+              <a:schemeClr val="bg1">
+                <a:lumMod val="50000"/>
+              </a:schemeClr>
+            </a:solidFill>
+          </a:ln>
+        </p:spPr>
+        <p:style>
+          <a:lnRef idx="1">
+            <a:schemeClr val="accent1"/>
+          </a:lnRef>
+          <a:fillRef idx="0">
+            <a:schemeClr val="accent1"/>
+          </a:fillRef>
+          <a:effectRef idx="0">
+            <a:schemeClr val="accent1"/>
+          </a:effectRef>
+          <a:fontRef idx="minor">
+            <a:schemeClr val="tx1"/>
+          </a:fontRef>
+        </p:style>
+      </p:cxnSp>
+      <p:cxnSp>
+        <p:nvCxnSpPr>
+          <p:cNvPr id="58" name="직선 연결선 57"/>
+          <p:cNvCxnSpPr/>
+          <p:nvPr/>
+        </p:nvCxnSpPr>
+        <p:spPr>
+          <a:xfrm>
+            <a:off x="6024938" y="466725"/>
+            <a:ext cx="0" cy="3140139"/>
+          </a:xfrm>
+          <a:prstGeom prst="line">
+            <a:avLst/>
+          </a:prstGeom>
+          <a:ln w="3175">
+            <a:solidFill>
+              <a:schemeClr val="bg1">
+                <a:lumMod val="50000"/>
+              </a:schemeClr>
+            </a:solidFill>
+          </a:ln>
+        </p:spPr>
+        <p:style>
+          <a:lnRef idx="1">
+            <a:schemeClr val="accent1"/>
+          </a:lnRef>
+          <a:fillRef idx="0">
+            <a:schemeClr val="accent1"/>
+          </a:fillRef>
+          <a:effectRef idx="0">
+            <a:schemeClr val="accent1"/>
+          </a:effectRef>
+          <a:fontRef idx="minor">
+            <a:schemeClr val="tx1"/>
+          </a:fontRef>
+        </p:style>
+      </p:cxnSp>
+    </p:spTree>
+    <p:extLst>
+      <p:ext uri="{BB962C8B-B14F-4D97-AF65-F5344CB8AC3E}">
+        <p14:creationId xmlns:p14="http://schemas.microsoft.com/office/powerpoint/2010/main" val="3514931827"/>
       </p:ext>
     </p:extLst>
   </p:cSld>

--- a/assignment/storyboard/이채미.pptx
+++ b/assignment/storyboard/이채미.pptx
@@ -256,7 +256,7 @@
   </p:defaultTextStyle>
   <p:extLst>
     <p:ext uri="{EFAFB233-063F-42B5-8137-9DF3F51BA10A}">
-      <p15:sldGuideLst xmlns:p15="http://schemas.microsoft.com/office/powerpoint/2012/main" xmlns:p14="http://schemas.microsoft.com/office/powerpoint/2010/main" xmlns:com="http://schemas.openxmlformats.org/drawingml/2006/compatibility" xmlns:pvml="urn:schemas-microsoft-com:office:powerpoint" xmlns:v="urn:schemas-microsoft-com:vml" xmlns:o="urn:schemas-microsoft-com:office:office" xmlns:dgm="http://schemas.openxmlformats.org/drawingml/2006/diagram" xmlns:c="http://schemas.openxmlformats.org/drawingml/2006/chart" xmlns:mv="urn:schemas-microsoft-com:mac:vml" xmlns:mc="http://schemas.openxmlformats.org/markup-compatibility/2006" xmlns="">
+      <p15:sldGuideLst xmlns="" xmlns:mc="http://schemas.openxmlformats.org/markup-compatibility/2006" xmlns:mv="urn:schemas-microsoft-com:mac:vml" xmlns:c="http://schemas.openxmlformats.org/drawingml/2006/chart" xmlns:dgm="http://schemas.openxmlformats.org/drawingml/2006/diagram" xmlns:o="urn:schemas-microsoft-com:office:office" xmlns:v="urn:schemas-microsoft-com:vml" xmlns:pvml="urn:schemas-microsoft-com:office:powerpoint" xmlns:com="http://schemas.openxmlformats.org/drawingml/2006/compatibility" xmlns:p14="http://schemas.microsoft.com/office/powerpoint/2010/main" xmlns:p15="http://schemas.microsoft.com/office/powerpoint/2012/main">
         <p15:guide id="1" orient="horz" pos="1620">
           <p15:clr>
             <a:srgbClr val="000000"/>
@@ -15113,7 +15113,7 @@
           </a:bodyPr>
           <a:lstStyle/>
           <a:p>
-            <a:pPr marL="228600" marR="0" lvl="0" indent="-228600" algn="l" rtl="0">
+            <a:pPr marR="0" lvl="0" algn="l" rtl="0">
               <a:lnSpc>
                 <a:spcPct val="150000"/>
               </a:lnSpc>
@@ -15127,20 +15127,7 @@
                 <a:srgbClr val="3F3F3F"/>
               </a:buClr>
               <a:buSzPts val="1000"/>
-              <a:buFont typeface="Arial"/>
-              <a:buAutoNum type="arabicPeriod"/>
             </a:pPr>
-            <a:r>
-              <a:rPr lang="en-US" sz="1000" b="1" dirty="0">
-                <a:solidFill>
-                  <a:srgbClr val="3F3F3F"/>
-                </a:solidFill>
-                <a:latin typeface="+mn-ea"/>
-                <a:ea typeface="+mn-ea"/>
-                <a:sym typeface="Arial"/>
-              </a:rPr>
-              <a:t>Information </a:t>
-            </a:r>
             <a:r>
               <a:rPr lang="en-US" sz="1000" b="1" dirty="0" smtClean="0">
                 <a:solidFill>
@@ -15150,11 +15137,15 @@
                 <a:ea typeface="+mn-ea"/>
                 <a:sym typeface="Arial"/>
               </a:rPr>
-              <a:t>Architecture</a:t>
-            </a:r>
-          </a:p>
-          <a:p>
-            <a:pPr marL="342900" lvl="8" indent="-342900">
+              <a:t>1. Information Architecture</a:t>
+            </a:r>
+            <a:endParaRPr dirty="0">
+              <a:latin typeface="+mn-ea"/>
+              <a:ea typeface="+mn-ea"/>
+            </a:endParaRPr>
+          </a:p>
+          <a:p>
+            <a:pPr lvl="8">
               <a:lnSpc>
                 <a:spcPct val="150000"/>
               </a:lnSpc>
@@ -15162,32 +15153,27 @@
                 <a:srgbClr val="3F3F3F"/>
               </a:buClr>
               <a:buSzPts val="1000"/>
-              <a:buFont typeface="+mj-lt"/>
-              <a:buAutoNum type="arabicParenR"/>
             </a:pPr>
-            <a:endParaRPr dirty="0">
-              <a:latin typeface="+mn-ea"/>
-              <a:ea typeface="+mn-ea"/>
-            </a:endParaRPr>
-          </a:p>
-          <a:p>
-            <a:pPr marL="228600" marR="0" lvl="0" indent="-228600" algn="l" rtl="0">
-              <a:lnSpc>
-                <a:spcPct val="150000"/>
-              </a:lnSpc>
-              <a:spcBef>
-                <a:spcPts val="0"/>
-              </a:spcBef>
-              <a:spcAft>
-                <a:spcPts val="0"/>
-              </a:spcAft>
-              <a:buClr>
-                <a:srgbClr val="3F3F3F"/>
-              </a:buClr>
-              <a:buSzPts val="1000"/>
-              <a:buFont typeface="Arial"/>
-              <a:buAutoNum type="arabicPeriod"/>
-            </a:pPr>
+            <a:r>
+              <a:rPr lang="en-US" sz="1000" b="1" dirty="0">
+                <a:solidFill>
+                  <a:srgbClr val="3F3F3F"/>
+                </a:solidFill>
+                <a:latin typeface="+mn-ea"/>
+                <a:ea typeface="+mn-ea"/>
+              </a:rPr>
+              <a:t> </a:t>
+            </a:r>
+            <a:r>
+              <a:rPr lang="en-US" sz="1000" b="1" dirty="0" smtClean="0">
+                <a:solidFill>
+                  <a:srgbClr val="3F3F3F"/>
+                </a:solidFill>
+                <a:latin typeface="+mn-ea"/>
+                <a:ea typeface="+mn-ea"/>
+              </a:rPr>
+              <a:t>   </a:t>
+            </a:r>
             <a:r>
               <a:rPr lang="en-US" sz="1000" b="1" dirty="0" smtClean="0">
                 <a:solidFill>
@@ -15197,27 +15183,30 @@
                 <a:ea typeface="+mn-ea"/>
                 <a:sym typeface="Arial"/>
               </a:rPr>
-              <a:t>Main</a:t>
-            </a:r>
-          </a:p>
-          <a:p>
-            <a:pPr marL="228600" marR="0" lvl="0" indent="-228600" algn="l" rtl="0">
+              <a:t>1_1. Main</a:t>
+            </a:r>
+          </a:p>
+          <a:p>
+            <a:pPr lvl="8">
               <a:lnSpc>
                 <a:spcPct val="150000"/>
               </a:lnSpc>
-              <a:spcBef>
-                <a:spcPts val="0"/>
-              </a:spcBef>
-              <a:spcAft>
-                <a:spcPts val="0"/>
-              </a:spcAft>
               <a:buClr>
                 <a:srgbClr val="3F3F3F"/>
               </a:buClr>
               <a:buSzPts val="1000"/>
-              <a:buFont typeface="Arial"/>
-              <a:buAutoNum type="arabicPeriod"/>
             </a:pPr>
+            <a:r>
+              <a:rPr lang="en-US" altLang="ko-KR" sz="1000" b="1" dirty="0" smtClean="0">
+                <a:solidFill>
+                  <a:srgbClr val="3F3F3F"/>
+                </a:solidFill>
+                <a:latin typeface="+mn-ea"/>
+                <a:ea typeface="+mn-ea"/>
+                <a:sym typeface="Arial"/>
+              </a:rPr>
+              <a:t>    1_2. </a:t>
+            </a:r>
             <a:r>
               <a:rPr lang="ko-KR" altLang="en-US" sz="1000" b="1" dirty="0" smtClean="0">
                 <a:solidFill>
@@ -15261,23 +15250,25 @@
             </a:endParaRPr>
           </a:p>
           <a:p>
-            <a:pPr marL="228600" marR="0" lvl="0" indent="-228600" algn="l" rtl="0">
+            <a:pPr lvl="8">
               <a:lnSpc>
                 <a:spcPct val="150000"/>
               </a:lnSpc>
-              <a:spcBef>
-                <a:spcPts val="0"/>
-              </a:spcBef>
-              <a:spcAft>
-                <a:spcPts val="0"/>
-              </a:spcAft>
               <a:buClr>
                 <a:srgbClr val="3F3F3F"/>
               </a:buClr>
               <a:buSzPts val="1000"/>
-              <a:buFont typeface="Arial"/>
-              <a:buAutoNum type="arabicPeriod"/>
             </a:pPr>
+            <a:r>
+              <a:rPr lang="en-US" altLang="ko-KR" sz="1000" b="1" dirty="0" smtClean="0">
+                <a:solidFill>
+                  <a:srgbClr val="3F3F3F"/>
+                </a:solidFill>
+                <a:latin typeface="+mn-ea"/>
+                <a:ea typeface="+mn-ea"/>
+              </a:rPr>
+              <a:t>    1_3. </a:t>
+            </a:r>
             <a:r>
               <a:rPr lang="ko-KR" altLang="en-US" sz="1000" b="1" dirty="0" smtClean="0">
                 <a:solidFill>
@@ -15306,9 +15297,19 @@
                 <a:latin typeface="+mn-ea"/>
                 <a:ea typeface="+mn-ea"/>
               </a:rPr>
-              <a:t>화려한 프린트</a:t>
-            </a:r>
-            <a:endParaRPr lang="en-US" altLang="ko-KR" sz="1000" b="1" dirty="0" smtClean="0">
+              <a:t>화려한 </a:t>
+            </a:r>
+            <a:r>
+              <a:rPr lang="ko-KR" altLang="en-US" sz="1000" b="1" dirty="0" smtClean="0">
+                <a:solidFill>
+                  <a:srgbClr val="3F3F3F"/>
+                </a:solidFill>
+                <a:latin typeface="+mn-ea"/>
+                <a:ea typeface="+mn-ea"/>
+              </a:rPr>
+              <a:t>프린트</a:t>
+            </a:r>
+            <a:endParaRPr lang="en-US" altLang="ko-KR" sz="1000" b="1" dirty="0">
               <a:solidFill>
                 <a:srgbClr val="3F3F3F"/>
               </a:solidFill>
@@ -15317,23 +15318,25 @@
             </a:endParaRPr>
           </a:p>
           <a:p>
-            <a:pPr marL="228600" marR="0" lvl="0" indent="-228600" algn="l" rtl="0">
+            <a:pPr lvl="8">
               <a:lnSpc>
                 <a:spcPct val="150000"/>
               </a:lnSpc>
-              <a:spcBef>
-                <a:spcPts val="0"/>
-              </a:spcBef>
-              <a:spcAft>
-                <a:spcPts val="0"/>
-              </a:spcAft>
               <a:buClr>
                 <a:srgbClr val="3F3F3F"/>
               </a:buClr>
               <a:buSzPts val="1000"/>
-              <a:buFont typeface="Arial"/>
-              <a:buAutoNum type="arabicPeriod"/>
             </a:pPr>
+            <a:r>
+              <a:rPr lang="en-US" altLang="ko-KR" sz="1000" b="1" dirty="0" smtClean="0">
+                <a:solidFill>
+                  <a:srgbClr val="3F3F3F"/>
+                </a:solidFill>
+                <a:latin typeface="+mn-ea"/>
+                <a:ea typeface="+mn-ea"/>
+              </a:rPr>
+              <a:t>    1_4. </a:t>
+            </a:r>
             <a:r>
               <a:rPr lang="ko-KR" altLang="en-US" sz="1000" b="1" dirty="0" smtClean="0">
                 <a:solidFill>
@@ -15373,7 +15376,28 @@
             </a:endParaRPr>
           </a:p>
           <a:p>
-            <a:pPr marL="228600" marR="0" lvl="0" indent="-228600" algn="l" rtl="0">
+            <a:pPr lvl="8">
+              <a:lnSpc>
+                <a:spcPct val="150000"/>
+              </a:lnSpc>
+              <a:buClr>
+                <a:srgbClr val="3F3F3F"/>
+              </a:buClr>
+              <a:buSzPts val="1000"/>
+            </a:pPr>
+            <a:r>
+              <a:rPr lang="en-US" altLang="ko-KR" sz="1000" b="1" dirty="0" smtClean="0">
+                <a:solidFill>
+                  <a:srgbClr val="3F3F3F"/>
+                </a:solidFill>
+                <a:latin typeface="+mn-ea"/>
+                <a:ea typeface="+mn-ea"/>
+              </a:rPr>
+              <a:t>    1_5. My 2020 S/S</a:t>
+            </a:r>
+          </a:p>
+          <a:p>
+            <a:pPr marR="0" lvl="0" algn="l" rtl="0">
               <a:lnSpc>
                 <a:spcPct val="150000"/>
               </a:lnSpc>
@@ -15387,9 +15411,72 @@
                 <a:srgbClr val="3F3F3F"/>
               </a:buClr>
               <a:buSzPts val="1000"/>
-              <a:buFont typeface="Arial"/>
-              <a:buAutoNum type="arabicPeriod"/>
             </a:pPr>
+            <a:endParaRPr lang="en-US" altLang="ko-KR" sz="1000" b="1" dirty="0">
+              <a:solidFill>
+                <a:srgbClr val="3F3F3F"/>
+              </a:solidFill>
+              <a:latin typeface="+mn-ea"/>
+              <a:ea typeface="+mn-ea"/>
+            </a:endParaRPr>
+          </a:p>
+          <a:p>
+            <a:pPr marR="0" lvl="0" algn="l" rtl="0">
+              <a:lnSpc>
+                <a:spcPct val="150000"/>
+              </a:lnSpc>
+              <a:spcBef>
+                <a:spcPts val="0"/>
+              </a:spcBef>
+              <a:spcAft>
+                <a:spcPts val="0"/>
+              </a:spcAft>
+              <a:buClr>
+                <a:srgbClr val="3F3F3F"/>
+              </a:buClr>
+              <a:buSzPts val="1000"/>
+            </a:pPr>
+            <a:r>
+              <a:rPr lang="en-US" altLang="ko-KR" sz="1000" b="1" dirty="0" smtClean="0">
+                <a:solidFill>
+                  <a:srgbClr val="3F3F3F"/>
+                </a:solidFill>
+                <a:latin typeface="+mn-ea"/>
+                <a:ea typeface="+mn-ea"/>
+              </a:rPr>
+              <a:t>2. Wireframe</a:t>
+            </a:r>
+          </a:p>
+          <a:p>
+            <a:pPr lvl="0">
+              <a:lnSpc>
+                <a:spcPct val="150000"/>
+              </a:lnSpc>
+              <a:buClr>
+                <a:srgbClr val="3F3F3F"/>
+              </a:buClr>
+              <a:buSzPts val="1000"/>
+            </a:pPr>
+            <a:r>
+              <a:rPr lang="en-US" altLang="ko-KR" sz="1000" b="1" dirty="0" smtClean="0">
+                <a:solidFill>
+                  <a:srgbClr val="3F3F3F"/>
+                </a:solidFill>
+                <a:latin typeface="+mn-ea"/>
+                <a:ea typeface="+mn-ea"/>
+              </a:rPr>
+              <a:t> </a:t>
+            </a:r>
+            <a:r>
+              <a:rPr lang="ko-KR" altLang="en-US" sz="1000" b="1" dirty="0">
+                <a:solidFill>
+                  <a:srgbClr val="3F3F3F"/>
+                </a:solidFill>
+                <a:latin typeface="+mn-ea"/>
+                <a:ea typeface="+mn-ea"/>
+              </a:rPr>
+              <a:t> </a:t>
+            </a:r>
             <a:r>
               <a:rPr lang="ko-KR" altLang="en-US" sz="1000" b="1" dirty="0" smtClean="0">
                 <a:solidFill>
@@ -15398,7 +15485,295 @@
                 <a:latin typeface="+mn-ea"/>
                 <a:ea typeface="+mn-ea"/>
               </a:rPr>
-              <a:t>나의 취향</a:t>
+              <a:t>  </a:t>
+            </a:r>
+            <a:r>
+              <a:rPr lang="en-US" altLang="ko-KR" sz="1000" b="1" dirty="0" smtClean="0">
+                <a:solidFill>
+                  <a:srgbClr val="3F3F3F"/>
+                </a:solidFill>
+                <a:latin typeface="+mn-ea"/>
+                <a:ea typeface="+mn-ea"/>
+              </a:rPr>
+              <a:t>2_1</a:t>
+            </a:r>
+            <a:r>
+              <a:rPr lang="en-US" altLang="ko-KR" sz="1000" b="1" dirty="0">
+                <a:solidFill>
+                  <a:srgbClr val="3F3F3F"/>
+                </a:solidFill>
+                <a:latin typeface="+mn-ea"/>
+                <a:ea typeface="+mn-ea"/>
+              </a:rPr>
+              <a:t>. Main</a:t>
+            </a:r>
+          </a:p>
+          <a:p>
+            <a:pPr lvl="0">
+              <a:lnSpc>
+                <a:spcPct val="150000"/>
+              </a:lnSpc>
+              <a:buClr>
+                <a:srgbClr val="3F3F3F"/>
+              </a:buClr>
+              <a:buSzPts val="1000"/>
+            </a:pPr>
+            <a:r>
+              <a:rPr lang="en-US" altLang="ko-KR" sz="1000" b="1" dirty="0">
+                <a:solidFill>
+                  <a:srgbClr val="3F3F3F"/>
+                </a:solidFill>
+                <a:latin typeface="+mn-ea"/>
+                <a:ea typeface="+mn-ea"/>
+              </a:rPr>
+              <a:t>    2</a:t>
+            </a:r>
+            <a:r>
+              <a:rPr lang="en-US" altLang="ko-KR" sz="1000" b="1" dirty="0" smtClean="0">
+                <a:solidFill>
+                  <a:srgbClr val="3F3F3F"/>
+                </a:solidFill>
+                <a:latin typeface="+mn-ea"/>
+                <a:ea typeface="+mn-ea"/>
+              </a:rPr>
+              <a:t>_2</a:t>
+            </a:r>
+            <a:r>
+              <a:rPr lang="en-US" altLang="ko-KR" sz="1000" b="1" dirty="0">
+                <a:solidFill>
+                  <a:srgbClr val="3F3F3F"/>
+                </a:solidFill>
+                <a:latin typeface="+mn-ea"/>
+                <a:ea typeface="+mn-ea"/>
+              </a:rPr>
+              <a:t>. </a:t>
+            </a:r>
+            <a:r>
+              <a:rPr lang="ko-KR" altLang="en-US" sz="1000" b="1" dirty="0">
+                <a:solidFill>
+                  <a:srgbClr val="3F3F3F"/>
+                </a:solidFill>
+                <a:latin typeface="+mn-ea"/>
+                <a:ea typeface="+mn-ea"/>
+              </a:rPr>
+              <a:t>키워드 </a:t>
+            </a:r>
+            <a:r>
+              <a:rPr lang="en-US" altLang="ko-KR" sz="1000" b="1" dirty="0">
+                <a:solidFill>
+                  <a:srgbClr val="3F3F3F"/>
+                </a:solidFill>
+                <a:latin typeface="+mn-ea"/>
+                <a:ea typeface="+mn-ea"/>
+              </a:rPr>
+              <a:t>#1. </a:t>
+            </a:r>
+            <a:r>
+              <a:rPr lang="ko-KR" altLang="en-US" sz="1000" b="1" dirty="0" err="1">
+                <a:solidFill>
+                  <a:srgbClr val="3F3F3F"/>
+                </a:solidFill>
+                <a:latin typeface="+mn-ea"/>
+                <a:ea typeface="+mn-ea"/>
+              </a:rPr>
+              <a:t>쇼츠</a:t>
+            </a:r>
+            <a:endParaRPr lang="ko-KR" altLang="en-US" sz="1000" b="1" dirty="0">
+              <a:solidFill>
+                <a:srgbClr val="3F3F3F"/>
+              </a:solidFill>
+              <a:latin typeface="+mn-ea"/>
+              <a:ea typeface="+mn-ea"/>
+            </a:endParaRPr>
+          </a:p>
+          <a:p>
+            <a:pPr lvl="0">
+              <a:lnSpc>
+                <a:spcPct val="150000"/>
+              </a:lnSpc>
+              <a:buClr>
+                <a:srgbClr val="3F3F3F"/>
+              </a:buClr>
+              <a:buSzPts val="1000"/>
+            </a:pPr>
+            <a:r>
+              <a:rPr lang="ko-KR" altLang="en-US" sz="1000" b="1" dirty="0">
+                <a:solidFill>
+                  <a:srgbClr val="3F3F3F"/>
+                </a:solidFill>
+                <a:latin typeface="+mn-ea"/>
+                <a:ea typeface="+mn-ea"/>
+              </a:rPr>
+              <a:t>    </a:t>
+            </a:r>
+            <a:r>
+              <a:rPr lang="en-US" altLang="ko-KR" sz="1000" b="1" dirty="0" smtClean="0">
+                <a:solidFill>
+                  <a:srgbClr val="3F3F3F"/>
+                </a:solidFill>
+                <a:latin typeface="+mn-ea"/>
+                <a:ea typeface="+mn-ea"/>
+              </a:rPr>
+              <a:t>2_3</a:t>
+            </a:r>
+            <a:r>
+              <a:rPr lang="en-US" altLang="ko-KR" sz="1000" b="1" dirty="0">
+                <a:solidFill>
+                  <a:srgbClr val="3F3F3F"/>
+                </a:solidFill>
+                <a:latin typeface="+mn-ea"/>
+                <a:ea typeface="+mn-ea"/>
+              </a:rPr>
+              <a:t>. </a:t>
+            </a:r>
+            <a:r>
+              <a:rPr lang="ko-KR" altLang="en-US" sz="1000" b="1" dirty="0">
+                <a:solidFill>
+                  <a:srgbClr val="3F3F3F"/>
+                </a:solidFill>
+                <a:latin typeface="+mn-ea"/>
+                <a:ea typeface="+mn-ea"/>
+              </a:rPr>
+              <a:t>키워드 </a:t>
+            </a:r>
+            <a:r>
+              <a:rPr lang="en-US" altLang="ko-KR" sz="1000" b="1" dirty="0">
+                <a:solidFill>
+                  <a:srgbClr val="3F3F3F"/>
+                </a:solidFill>
+                <a:latin typeface="+mn-ea"/>
+                <a:ea typeface="+mn-ea"/>
+              </a:rPr>
+              <a:t>#2. </a:t>
+            </a:r>
+            <a:r>
+              <a:rPr lang="ko-KR" altLang="en-US" sz="1000" b="1" dirty="0">
+                <a:solidFill>
+                  <a:srgbClr val="3F3F3F"/>
+                </a:solidFill>
+                <a:latin typeface="+mn-ea"/>
+                <a:ea typeface="+mn-ea"/>
+              </a:rPr>
+              <a:t>화려한 프린트</a:t>
+            </a:r>
+          </a:p>
+          <a:p>
+            <a:pPr lvl="0">
+              <a:lnSpc>
+                <a:spcPct val="150000"/>
+              </a:lnSpc>
+              <a:buClr>
+                <a:srgbClr val="3F3F3F"/>
+              </a:buClr>
+              <a:buSzPts val="1000"/>
+            </a:pPr>
+            <a:r>
+              <a:rPr lang="ko-KR" altLang="en-US" sz="1000" b="1" dirty="0">
+                <a:solidFill>
+                  <a:srgbClr val="3F3F3F"/>
+                </a:solidFill>
+                <a:latin typeface="+mn-ea"/>
+                <a:ea typeface="+mn-ea"/>
+              </a:rPr>
+              <a:t>    </a:t>
+            </a:r>
+            <a:r>
+              <a:rPr lang="en-US" altLang="ko-KR" sz="1000" b="1" dirty="0" smtClean="0">
+                <a:solidFill>
+                  <a:srgbClr val="3F3F3F"/>
+                </a:solidFill>
+                <a:latin typeface="+mn-ea"/>
+                <a:ea typeface="+mn-ea"/>
+              </a:rPr>
+              <a:t>2_4</a:t>
+            </a:r>
+            <a:r>
+              <a:rPr lang="en-US" altLang="ko-KR" sz="1000" b="1" dirty="0">
+                <a:solidFill>
+                  <a:srgbClr val="3F3F3F"/>
+                </a:solidFill>
+                <a:latin typeface="+mn-ea"/>
+                <a:ea typeface="+mn-ea"/>
+              </a:rPr>
+              <a:t>. </a:t>
+            </a:r>
+            <a:r>
+              <a:rPr lang="ko-KR" altLang="en-US" sz="1000" b="1" dirty="0">
+                <a:solidFill>
+                  <a:srgbClr val="3F3F3F"/>
+                </a:solidFill>
+                <a:latin typeface="+mn-ea"/>
+                <a:ea typeface="+mn-ea"/>
+              </a:rPr>
+              <a:t>키워드 </a:t>
+            </a:r>
+            <a:r>
+              <a:rPr lang="en-US" altLang="ko-KR" sz="1000" b="1" dirty="0">
+                <a:solidFill>
+                  <a:srgbClr val="3F3F3F"/>
+                </a:solidFill>
+                <a:latin typeface="+mn-ea"/>
+                <a:ea typeface="+mn-ea"/>
+              </a:rPr>
+              <a:t>#3. </a:t>
+            </a:r>
+            <a:r>
+              <a:rPr lang="ko-KR" altLang="en-US" sz="1000" b="1" dirty="0" err="1">
+                <a:solidFill>
+                  <a:srgbClr val="3F3F3F"/>
+                </a:solidFill>
+                <a:latin typeface="+mn-ea"/>
+                <a:ea typeface="+mn-ea"/>
+              </a:rPr>
+              <a:t>올블랙</a:t>
+            </a:r>
+            <a:endParaRPr lang="ko-KR" altLang="en-US" sz="1000" b="1" dirty="0">
+              <a:solidFill>
+                <a:srgbClr val="3F3F3F"/>
+              </a:solidFill>
+              <a:latin typeface="+mn-ea"/>
+              <a:ea typeface="+mn-ea"/>
+            </a:endParaRPr>
+          </a:p>
+          <a:p>
+            <a:pPr lvl="0">
+              <a:lnSpc>
+                <a:spcPct val="150000"/>
+              </a:lnSpc>
+              <a:buClr>
+                <a:srgbClr val="3F3F3F"/>
+              </a:buClr>
+              <a:buSzPts val="1000"/>
+            </a:pPr>
+            <a:r>
+              <a:rPr lang="ko-KR" altLang="en-US" sz="1000" b="1" dirty="0">
+                <a:solidFill>
+                  <a:srgbClr val="3F3F3F"/>
+                </a:solidFill>
+                <a:latin typeface="+mn-ea"/>
+                <a:ea typeface="+mn-ea"/>
+              </a:rPr>
+              <a:t>    </a:t>
+            </a:r>
+            <a:r>
+              <a:rPr lang="en-US" altLang="ko-KR" sz="1000" b="1" dirty="0" smtClean="0">
+                <a:solidFill>
+                  <a:srgbClr val="3F3F3F"/>
+                </a:solidFill>
+                <a:latin typeface="+mn-ea"/>
+                <a:ea typeface="+mn-ea"/>
+              </a:rPr>
+              <a:t>2_5</a:t>
+            </a:r>
+            <a:r>
+              <a:rPr lang="en-US" altLang="ko-KR" sz="1000" b="1" dirty="0">
+                <a:solidFill>
+                  <a:srgbClr val="3F3F3F"/>
+                </a:solidFill>
+                <a:latin typeface="+mn-ea"/>
+                <a:ea typeface="+mn-ea"/>
+              </a:rPr>
+              <a:t>. My 2020 S/S</a:t>
             </a:r>
             <a:endParaRPr lang="en-US" altLang="ko-KR" sz="1000" b="1" dirty="0" smtClean="0">
               <a:solidFill>
@@ -15406,44 +15781,6 @@
               </a:solidFill>
               <a:latin typeface="+mn-ea"/>
               <a:ea typeface="+mn-ea"/>
-            </a:endParaRPr>
-          </a:p>
-          <a:p>
-            <a:pPr marL="228600" marR="0" lvl="0" indent="-228600" algn="l" rtl="0">
-              <a:lnSpc>
-                <a:spcPct val="150000"/>
-              </a:lnSpc>
-              <a:spcBef>
-                <a:spcPts val="0"/>
-              </a:spcBef>
-              <a:spcAft>
-                <a:spcPts val="0"/>
-              </a:spcAft>
-              <a:buClr>
-                <a:srgbClr val="3F3F3F"/>
-              </a:buClr>
-              <a:buSzPts val="1000"/>
-              <a:buFont typeface="Arial"/>
-              <a:buAutoNum type="arabicPeriod"/>
-            </a:pPr>
-            <a:r>
-              <a:rPr lang="ko-KR" altLang="en-US" sz="1000" b="1" dirty="0" smtClean="0">
-                <a:solidFill>
-                  <a:srgbClr val="3F3F3F"/>
-                </a:solidFill>
-                <a:latin typeface="+mn-ea"/>
-                <a:ea typeface="+mn-ea"/>
-                <a:sym typeface="Arial"/>
-              </a:rPr>
-              <a:t>나에게 맞는 스타일</a:t>
-            </a:r>
-            <a:endParaRPr lang="en-US" sz="1000" b="1" dirty="0" smtClean="0">
-              <a:solidFill>
-                <a:srgbClr val="3F3F3F"/>
-              </a:solidFill>
-              <a:latin typeface="+mn-ea"/>
-              <a:ea typeface="+mn-ea"/>
-              <a:sym typeface="Arial"/>
             </a:endParaRPr>
           </a:p>
         </p:txBody>
@@ -16037,7 +16374,7 @@
           <p:nvPr>
             <p:extLst>
               <p:ext uri="{D42A27DB-BD31-4B8C-83A1-F6EECF244321}">
-                <p14:modId xmlns:p14="http://schemas.microsoft.com/office/powerpoint/2010/main" val="3688913368"/>
+                <p14:modId xmlns:p14="http://schemas.microsoft.com/office/powerpoint/2010/main" val="2743559497"/>
               </p:ext>
             </p:extLst>
           </p:nvPr>
@@ -16062,7 +16399,7 @@
                     <a:bodyPr/>
                     <a:lstStyle/>
                     <a:p>
-                      <a:pPr marL="0" marR="0" lvl="0" indent="0" algn="ctr" rtl="0">
+                      <a:pPr marL="0" marR="0" lvl="0" indent="0" algn="l" rtl="0">
                         <a:spcBef>
                           <a:spcPts val="0"/>
                         </a:spcBef>
@@ -16881,7 +17218,7 @@
           <p:nvPr>
             <p:extLst>
               <p:ext uri="{D42A27DB-BD31-4B8C-83A1-F6EECF244321}">
-                <p14:modId xmlns:p14="http://schemas.microsoft.com/office/powerpoint/2010/main" val="1454399291"/>
+                <p14:modId xmlns:p14="http://schemas.microsoft.com/office/powerpoint/2010/main" val="77620969"/>
               </p:ext>
             </p:extLst>
           </p:nvPr>
@@ -16906,7 +17243,7 @@
                     <a:bodyPr/>
                     <a:lstStyle/>
                     <a:p>
-                      <a:pPr marL="0" marR="0" lvl="0" indent="0" algn="ctr" rtl="0">
+                      <a:pPr marL="0" marR="0" lvl="0" indent="0" algn="l" rtl="0">
                         <a:spcBef>
                           <a:spcPts val="0"/>
                         </a:spcBef>
@@ -17028,7 +17365,7 @@
           <p:nvPr>
             <p:extLst>
               <p:ext uri="{D42A27DB-BD31-4B8C-83A1-F6EECF244321}">
-                <p14:modId xmlns:p14="http://schemas.microsoft.com/office/powerpoint/2010/main" val="3491664627"/>
+                <p14:modId xmlns:p14="http://schemas.microsoft.com/office/powerpoint/2010/main" val="1361509738"/>
               </p:ext>
             </p:extLst>
           </p:nvPr>
@@ -17053,7 +17390,7 @@
                     <a:bodyPr/>
                     <a:lstStyle/>
                     <a:p>
-                      <a:pPr marL="0" marR="0" lvl="0" indent="0" algn="ctr" rtl="0">
+                      <a:pPr marL="0" marR="0" lvl="0" indent="0" algn="l" rtl="0">
                         <a:spcBef>
                           <a:spcPts val="0"/>
                         </a:spcBef>
@@ -17175,7 +17512,7 @@
           <p:nvPr>
             <p:extLst>
               <p:ext uri="{D42A27DB-BD31-4B8C-83A1-F6EECF244321}">
-                <p14:modId xmlns:p14="http://schemas.microsoft.com/office/powerpoint/2010/main" val="2758559282"/>
+                <p14:modId xmlns:p14="http://schemas.microsoft.com/office/powerpoint/2010/main" val="2184700077"/>
               </p:ext>
             </p:extLst>
           </p:nvPr>
@@ -17200,7 +17537,7 @@
                     <a:bodyPr/>
                     <a:lstStyle/>
                     <a:p>
-                      <a:pPr marL="0" marR="0" lvl="0" indent="0" algn="ctr" rtl="0">
+                      <a:pPr marL="0" marR="0" lvl="0" indent="0" algn="l" rtl="0">
                         <a:spcBef>
                           <a:spcPts val="0"/>
                         </a:spcBef>
@@ -17234,7 +17571,7 @@
                         <a:t>. </a:t>
                       </a:r>
                       <a:r>
-                        <a:rPr lang="ko-KR" altLang="en-US" sz="800" b="1" u="none" strike="noStrike" cap="none" dirty="0" smtClean="0">
+                        <a:rPr lang="en-US" altLang="ko-KR" sz="800" b="1" u="none" strike="noStrike" cap="none" dirty="0" smtClean="0">
                           <a:solidFill>
                             <a:schemeClr val="dk1"/>
                           </a:solidFill>
@@ -17243,7 +17580,7 @@
                           <a:cs typeface="Arial"/>
                           <a:sym typeface="Arial"/>
                         </a:rPr>
-                        <a:t>나의 취향</a:t>
+                        <a:t>My 2020 S/S</a:t>
                       </a:r>
                       <a:endParaRPr sz="800" b="1" u="none" strike="noStrike" cap="none" dirty="0">
                         <a:solidFill>
@@ -24689,352 +25026,355 @@
           <a:lstStyle/>
           <a:p>
             <a:r>
-              <a:rPr lang="en-US" altLang="ko-KR" dirty="0" smtClean="0"/>
+              <a:rPr lang="en-US" altLang="ko-KR" sz="1000" dirty="0" smtClean="0"/>
               <a:t>1_1. </a:t>
             </a:r>
             <a:r>
-              <a:rPr lang="ko-KR" altLang="en-US" dirty="0" smtClean="0"/>
+              <a:rPr lang="ko-KR" altLang="en-US" sz="1000" dirty="0" smtClean="0"/>
               <a:t>텍스트 하단에서 </a:t>
             </a:r>
             <a:r>
-              <a:rPr lang="en-US" altLang="ko-KR" dirty="0" smtClean="0"/>
+              <a:rPr lang="en-US" altLang="ko-KR" sz="1000" dirty="0" smtClean="0"/>
               <a:t>translate</a:t>
             </a:r>
           </a:p>
           <a:p>
             <a:r>
-              <a:rPr lang="en-US" altLang="ko-KR" dirty="0"/>
+              <a:rPr lang="en-US" altLang="ko-KR" sz="1000" dirty="0"/>
               <a:t> </a:t>
             </a:r>
             <a:r>
-              <a:rPr lang="en-US" altLang="ko-KR" dirty="0" smtClean="0"/>
+              <a:rPr lang="en-US" altLang="ko-KR" sz="1000" dirty="0" smtClean="0"/>
               <a:t>       (transition 0.5s)</a:t>
             </a:r>
           </a:p>
           <a:p>
-            <a:endParaRPr lang="en-US" altLang="ko-KR" dirty="0"/>
-          </a:p>
-          <a:p>
-            <a:r>
-              <a:rPr lang="en-US" altLang="ko-KR" dirty="0" smtClean="0"/>
+            <a:endParaRPr lang="en-US" altLang="ko-KR" sz="1000" dirty="0"/>
+          </a:p>
+          <a:p>
+            <a:r>
+              <a:rPr lang="en-US" altLang="ko-KR" sz="1000" dirty="0" smtClean="0"/>
               <a:t>2_1. </a:t>
             </a:r>
             <a:r>
-              <a:rPr lang="ko-KR" altLang="en-US" dirty="0" smtClean="0"/>
+              <a:rPr lang="ko-KR" altLang="en-US" sz="1000" dirty="0" smtClean="0"/>
               <a:t>텍스트 상단에서 </a:t>
             </a:r>
             <a:r>
-              <a:rPr lang="en-US" altLang="ko-KR" dirty="0" smtClean="0"/>
+              <a:rPr lang="en-US" altLang="ko-KR" sz="1000" dirty="0" smtClean="0"/>
               <a:t>translate</a:t>
             </a:r>
           </a:p>
           <a:p>
             <a:r>
-              <a:rPr lang="en-US" altLang="ko-KR" dirty="0"/>
+              <a:rPr lang="en-US" altLang="ko-KR" sz="1000" dirty="0"/>
               <a:t> </a:t>
             </a:r>
             <a:r>
-              <a:rPr lang="en-US" altLang="ko-KR" dirty="0" smtClean="0"/>
+              <a:rPr lang="en-US" altLang="ko-KR" sz="1000" dirty="0" smtClean="0"/>
               <a:t>       (transition 0.5s)</a:t>
             </a:r>
           </a:p>
           <a:p>
-            <a:endParaRPr lang="en-US" altLang="ko-KR" dirty="0"/>
-          </a:p>
-          <a:p>
-            <a:r>
-              <a:rPr lang="en-US" altLang="ko-KR" dirty="0" smtClean="0"/>
+            <a:endParaRPr lang="en-US" altLang="ko-KR" sz="1000" dirty="0"/>
+          </a:p>
+          <a:p>
+            <a:r>
+              <a:rPr lang="en-US" altLang="ko-KR" sz="1000" dirty="0" smtClean="0"/>
               <a:t>3_1</a:t>
             </a:r>
             <a:r>
-              <a:rPr lang="en-US" altLang="ko-KR" dirty="0"/>
+              <a:rPr lang="en-US" altLang="ko-KR" sz="1000" dirty="0"/>
               <a:t>. </a:t>
             </a:r>
             <a:r>
-              <a:rPr lang="ko-KR" altLang="en-US" dirty="0"/>
+              <a:rPr lang="ko-KR" altLang="en-US" sz="1000" dirty="0"/>
               <a:t>클릭할 경우</a:t>
             </a:r>
             <a:r>
-              <a:rPr lang="en-US" altLang="ko-KR" dirty="0"/>
+              <a:rPr lang="en-US" altLang="ko-KR" sz="1000" dirty="0"/>
               <a:t>,</a:t>
             </a:r>
           </a:p>
           <a:p>
             <a:r>
-              <a:rPr lang="en-US" altLang="ko-KR" dirty="0"/>
+              <a:rPr lang="en-US" altLang="ko-KR" sz="1000" dirty="0"/>
               <a:t>         </a:t>
             </a:r>
             <a:r>
-              <a:rPr lang="ko-KR" altLang="en-US" dirty="0"/>
+              <a:rPr lang="ko-KR" altLang="en-US" sz="1000" dirty="0"/>
               <a:t>해당 </a:t>
             </a:r>
             <a:r>
-              <a:rPr lang="ko-KR" altLang="en-US" dirty="0" smtClean="0"/>
+              <a:rPr lang="ko-KR" altLang="en-US" sz="1000" dirty="0" smtClean="0"/>
               <a:t>페이지 </a:t>
             </a:r>
             <a:r>
-              <a:rPr lang="ko-KR" altLang="en-US" dirty="0" err="1" smtClean="0"/>
+              <a:rPr lang="ko-KR" altLang="en-US" sz="1000" dirty="0" err="1" smtClean="0"/>
               <a:t>바로가기</a:t>
             </a:r>
             <a:r>
-              <a:rPr lang="ko-KR" altLang="en-US" dirty="0" smtClean="0"/>
+              <a:rPr lang="ko-KR" altLang="en-US" sz="1000" dirty="0" smtClean="0"/>
               <a:t> </a:t>
             </a:r>
             <a:r>
-              <a:rPr lang="en-US" altLang="ko-KR" dirty="0"/>
+              <a:rPr lang="en-US" altLang="ko-KR" sz="1000" dirty="0"/>
               <a:t>link</a:t>
             </a:r>
           </a:p>
           <a:p>
             <a:r>
-              <a:rPr lang="en-US" altLang="ko-KR" dirty="0" smtClean="0"/>
+              <a:rPr lang="en-US" altLang="ko-KR" sz="1000" dirty="0" smtClean="0"/>
               <a:t>3_2</a:t>
             </a:r>
             <a:r>
-              <a:rPr lang="en-US" altLang="ko-KR" dirty="0"/>
+              <a:rPr lang="en-US" altLang="ko-KR" sz="1000" dirty="0"/>
               <a:t>. </a:t>
             </a:r>
             <a:r>
-              <a:rPr lang="ko-KR" altLang="en-US" dirty="0" err="1"/>
+              <a:rPr lang="ko-KR" altLang="en-US" sz="1000" dirty="0" err="1"/>
               <a:t>인디케이터</a:t>
             </a:r>
             <a:r>
-              <a:rPr lang="ko-KR" altLang="en-US" dirty="0"/>
+              <a:rPr lang="ko-KR" altLang="en-US" sz="1000" dirty="0"/>
               <a:t> 페이지 좌측에서 </a:t>
             </a:r>
-            <a:endParaRPr lang="en-US" altLang="ko-KR" dirty="0"/>
-          </a:p>
-          <a:p>
-            <a:r>
-              <a:rPr lang="en-US" altLang="ko-KR" dirty="0"/>
+            <a:endParaRPr lang="en-US" altLang="ko-KR" sz="1000" dirty="0"/>
+          </a:p>
+          <a:p>
+            <a:r>
+              <a:rPr lang="en-US" altLang="ko-KR" sz="1000" dirty="0"/>
               <a:t>        translate (transition 0.5s)</a:t>
             </a:r>
           </a:p>
           <a:p>
             <a:r>
-              <a:rPr lang="en-US" altLang="ko-KR" dirty="0" smtClean="0"/>
+              <a:rPr lang="en-US" altLang="ko-KR" sz="1000" dirty="0" smtClean="0"/>
               <a:t>3_3</a:t>
             </a:r>
             <a:r>
-              <a:rPr lang="en-US" altLang="ko-KR" dirty="0"/>
+              <a:rPr lang="en-US" altLang="ko-KR" sz="1000" dirty="0"/>
               <a:t>. </a:t>
             </a:r>
             <a:r>
-              <a:rPr lang="ko-KR" altLang="en-US" dirty="0"/>
+              <a:rPr lang="ko-KR" altLang="en-US" sz="1000" dirty="0"/>
               <a:t>텍스트 </a:t>
             </a:r>
             <a:r>
-              <a:rPr lang="ko-KR" altLang="en-US" dirty="0" err="1"/>
+              <a:rPr lang="ko-KR" altLang="en-US" sz="1000" dirty="0" err="1"/>
               <a:t>인디케이터</a:t>
             </a:r>
             <a:r>
-              <a:rPr lang="ko-KR" altLang="en-US" dirty="0"/>
+              <a:rPr lang="ko-KR" altLang="en-US" sz="1000" dirty="0"/>
               <a:t> 좌측에서</a:t>
             </a:r>
-            <a:endParaRPr lang="en-US" altLang="ko-KR" dirty="0"/>
-          </a:p>
-          <a:p>
-            <a:r>
-              <a:rPr lang="en-US" altLang="ko-KR" dirty="0"/>
+            <a:endParaRPr lang="en-US" altLang="ko-KR" sz="1000" dirty="0"/>
+          </a:p>
+          <a:p>
+            <a:r>
+              <a:rPr lang="en-US" altLang="ko-KR" sz="1000" dirty="0"/>
               <a:t>        translate (transition 0.5s) </a:t>
             </a:r>
-            <a:endParaRPr lang="en-US" altLang="ko-KR" dirty="0" smtClean="0"/>
-          </a:p>
-          <a:p>
-            <a:endParaRPr lang="en-US" altLang="ko-KR" dirty="0"/>
-          </a:p>
-          <a:p>
-            <a:r>
-              <a:rPr lang="en-US" altLang="ko-KR" dirty="0" smtClean="0"/>
+            <a:endParaRPr lang="en-US" altLang="ko-KR" sz="1000" dirty="0" smtClean="0"/>
+          </a:p>
+          <a:p>
+            <a:endParaRPr lang="en-US" altLang="ko-KR" sz="1000" dirty="0"/>
+          </a:p>
+          <a:p>
+            <a:r>
+              <a:rPr lang="en-US" altLang="ko-KR" sz="1000" dirty="0" smtClean="0"/>
               <a:t>4_1. </a:t>
             </a:r>
             <a:r>
-              <a:rPr lang="ko-KR" altLang="en-US" dirty="0" smtClean="0"/>
+              <a:rPr lang="ko-KR" altLang="en-US" sz="1000" dirty="0" smtClean="0"/>
               <a:t>텍스트 투명도 </a:t>
             </a:r>
             <a:r>
-              <a:rPr lang="en-US" altLang="ko-KR" dirty="0" smtClean="0"/>
+              <a:rPr lang="en-US" altLang="ko-KR" sz="1000" dirty="0" smtClean="0"/>
               <a:t>0 </a:t>
             </a:r>
             <a:r>
-              <a:rPr lang="ko-KR" altLang="en-US" dirty="0" smtClean="0"/>
+              <a:rPr lang="ko-KR" altLang="en-US" sz="1000" dirty="0" smtClean="0"/>
               <a:t>→ </a:t>
             </a:r>
             <a:r>
-              <a:rPr lang="en-US" altLang="ko-KR" dirty="0" smtClean="0"/>
+              <a:rPr lang="en-US" altLang="ko-KR" sz="1000" dirty="0" smtClean="0"/>
               <a:t>100%</a:t>
             </a:r>
           </a:p>
           <a:p>
             <a:r>
-              <a:rPr lang="en-US" altLang="ko-KR" dirty="0"/>
+              <a:rPr lang="en-US" altLang="ko-KR" sz="1000" dirty="0"/>
               <a:t> </a:t>
             </a:r>
             <a:r>
-              <a:rPr lang="en-US" altLang="ko-KR" dirty="0" smtClean="0"/>
+              <a:rPr lang="en-US" altLang="ko-KR" sz="1000" dirty="0" smtClean="0"/>
               <a:t>       (transition 0.5s)</a:t>
             </a:r>
           </a:p>
           <a:p>
             <a:r>
-              <a:rPr lang="en-US" altLang="ko-KR" dirty="0" smtClean="0"/>
+              <a:rPr lang="en-US" altLang="ko-KR" sz="1000" dirty="0" smtClean="0"/>
               <a:t>4_2. </a:t>
             </a:r>
             <a:r>
-              <a:rPr lang="ko-KR" altLang="en-US" dirty="0" smtClean="0"/>
+              <a:rPr lang="ko-KR" altLang="en-US" sz="1000" dirty="0" smtClean="0"/>
               <a:t>키워드 </a:t>
             </a:r>
             <a:r>
-              <a:rPr lang="en-US" altLang="ko-KR" dirty="0" smtClean="0"/>
+              <a:rPr lang="en-US" altLang="ko-KR" sz="1000" dirty="0" smtClean="0"/>
               <a:t>scale 1 </a:t>
             </a:r>
             <a:r>
-              <a:rPr lang="ko-KR" altLang="en-US" dirty="0" smtClean="0"/>
+              <a:rPr lang="ko-KR" altLang="en-US" sz="1000" dirty="0" smtClean="0"/>
               <a:t>→</a:t>
             </a:r>
             <a:r>
-              <a:rPr lang="en-US" altLang="ko-KR" dirty="0" smtClean="0"/>
+              <a:rPr lang="en-US" altLang="ko-KR" sz="1000" dirty="0" smtClean="0"/>
               <a:t> 1.2</a:t>
             </a:r>
           </a:p>
           <a:p>
-            <a:endParaRPr lang="en-US" altLang="ko-KR" dirty="0"/>
-          </a:p>
-          <a:p>
-            <a:r>
-              <a:rPr lang="en-US" altLang="ko-KR" dirty="0" smtClean="0"/>
+            <a:endParaRPr lang="en-US" altLang="ko-KR" sz="1000" dirty="0"/>
+          </a:p>
+          <a:p>
+            <a:r>
+              <a:rPr lang="en-US" altLang="ko-KR" sz="1000" dirty="0" smtClean="0"/>
               <a:t>5_1. </a:t>
             </a:r>
             <a:r>
-              <a:rPr lang="ko-KR" altLang="en-US" dirty="0" smtClean="0"/>
+              <a:rPr lang="ko-KR" altLang="en-US" sz="1000" dirty="0" smtClean="0"/>
               <a:t>버튼에 </a:t>
             </a:r>
             <a:r>
-              <a:rPr lang="en-US" altLang="ko-KR" dirty="0" smtClean="0"/>
+              <a:rPr lang="en-US" altLang="ko-KR" sz="1000" dirty="0" smtClean="0"/>
               <a:t>hover</a:t>
             </a:r>
             <a:r>
-              <a:rPr lang="ko-KR" altLang="en-US" dirty="0" smtClean="0"/>
+              <a:rPr lang="ko-KR" altLang="en-US" sz="1000" dirty="0" smtClean="0"/>
               <a:t>할 경우</a:t>
             </a:r>
-            <a:endParaRPr lang="en-US" altLang="ko-KR" dirty="0" smtClean="0"/>
-          </a:p>
-          <a:p>
-            <a:r>
-              <a:rPr lang="en-US" altLang="ko-KR" dirty="0" smtClean="0"/>
+            <a:endParaRPr lang="en-US" altLang="ko-KR" sz="1000" dirty="0" smtClean="0"/>
+          </a:p>
+          <a:p>
+            <a:r>
+              <a:rPr lang="en-US" altLang="ko-KR" sz="1000" dirty="0" smtClean="0"/>
               <a:t>       scale 1 </a:t>
             </a:r>
             <a:r>
-              <a:rPr lang="ko-KR" altLang="en-US" dirty="0" smtClean="0"/>
+              <a:rPr lang="ko-KR" altLang="en-US" sz="1000" dirty="0" smtClean="0"/>
               <a:t>→ </a:t>
             </a:r>
             <a:r>
-              <a:rPr lang="en-US" altLang="ko-KR" dirty="0" smtClean="0"/>
+              <a:rPr lang="en-US" altLang="ko-KR" sz="1000" dirty="0" smtClean="0"/>
               <a:t>1.2</a:t>
             </a:r>
           </a:p>
           <a:p>
             <a:r>
-              <a:rPr lang="en-US" altLang="ko-KR" dirty="0" smtClean="0"/>
+              <a:rPr lang="en-US" altLang="ko-KR" sz="1000" dirty="0" smtClean="0"/>
               <a:t>5_2. </a:t>
             </a:r>
             <a:r>
-              <a:rPr lang="ko-KR" altLang="en-US" dirty="0" smtClean="0"/>
+              <a:rPr lang="ko-KR" altLang="en-US" sz="1000" dirty="0" smtClean="0"/>
               <a:t>버튼 클릭할 경우</a:t>
             </a:r>
-            <a:endParaRPr lang="en-US" altLang="ko-KR" dirty="0" smtClean="0"/>
-          </a:p>
-          <a:p>
-            <a:r>
-              <a:rPr lang="en-US" altLang="ko-KR" dirty="0"/>
+            <a:endParaRPr lang="en-US" altLang="ko-KR" sz="1000" dirty="0" smtClean="0"/>
+          </a:p>
+          <a:p>
+            <a:r>
+              <a:rPr lang="en-US" altLang="ko-KR" sz="1000" dirty="0"/>
               <a:t> </a:t>
             </a:r>
             <a:r>
-              <a:rPr lang="en-US" altLang="ko-KR" dirty="0" smtClean="0"/>
+              <a:rPr lang="en-US" altLang="ko-KR" sz="1000" dirty="0" smtClean="0"/>
               <a:t>       </a:t>
             </a:r>
             <a:r>
-              <a:rPr lang="ko-KR" altLang="en-US" dirty="0" smtClean="0"/>
+              <a:rPr lang="ko-KR" altLang="en-US" sz="1000" dirty="0" smtClean="0"/>
               <a:t>해당 페이지 </a:t>
             </a:r>
             <a:r>
-              <a:rPr lang="ko-KR" altLang="en-US" dirty="0" err="1" smtClean="0"/>
+              <a:rPr lang="ko-KR" altLang="en-US" sz="1000" dirty="0" err="1" smtClean="0"/>
               <a:t>바로가기</a:t>
             </a:r>
             <a:r>
-              <a:rPr lang="ko-KR" altLang="en-US" dirty="0" smtClean="0"/>
+              <a:rPr lang="ko-KR" altLang="en-US" sz="1000" dirty="0" smtClean="0"/>
               <a:t> </a:t>
             </a:r>
             <a:r>
-              <a:rPr lang="en-US" altLang="ko-KR" dirty="0" smtClean="0"/>
+              <a:rPr lang="en-US" altLang="ko-KR" sz="1000" dirty="0" smtClean="0"/>
               <a:t>link</a:t>
             </a:r>
           </a:p>
           <a:p>
-            <a:endParaRPr lang="en-US" altLang="ko-KR" dirty="0"/>
-          </a:p>
-          <a:p>
-            <a:r>
-              <a:rPr lang="en-US" altLang="ko-KR" dirty="0" smtClean="0"/>
+            <a:endParaRPr lang="en-US" altLang="ko-KR" sz="1000" dirty="0"/>
+          </a:p>
+          <a:p>
+            <a:r>
+              <a:rPr lang="en-US" altLang="ko-KR" sz="1000" dirty="0" smtClean="0"/>
               <a:t>6_1. </a:t>
             </a:r>
             <a:r>
-              <a:rPr lang="ko-KR" altLang="en-US" dirty="0" smtClean="0"/>
-              <a:t>이미지 페이지 </a:t>
-            </a:r>
-            <a:r>
-              <a:rPr lang="ko-KR" altLang="en-US" dirty="0" smtClean="0"/>
-              <a:t>상단에서  </a:t>
-            </a:r>
-            <a:endParaRPr lang="en-US" altLang="ko-KR" dirty="0" smtClean="0"/>
-          </a:p>
-          <a:p>
-            <a:r>
-              <a:rPr lang="en-US" altLang="ko-KR" dirty="0" smtClean="0"/>
+              <a:rPr lang="ko-KR" altLang="en-US" sz="1000" dirty="0" smtClean="0"/>
+              <a:t>이미지 페이지 상단에서  </a:t>
+            </a:r>
+            <a:endParaRPr lang="en-US" altLang="ko-KR" sz="1000" dirty="0" smtClean="0"/>
+          </a:p>
+          <a:p>
+            <a:r>
+              <a:rPr lang="en-US" altLang="ko-KR" sz="1000" dirty="0" smtClean="0"/>
               <a:t>        </a:t>
             </a:r>
             <a:r>
-              <a:rPr lang="en-US" altLang="ko-KR" dirty="0" smtClean="0"/>
+              <a:rPr lang="en-US" altLang="ko-KR" sz="1000" dirty="0" smtClean="0"/>
               <a:t>translate</a:t>
             </a:r>
           </a:p>
           <a:p>
             <a:r>
-              <a:rPr lang="en-US" altLang="ko-KR" dirty="0" smtClean="0"/>
-              <a:t>6_2. </a:t>
-            </a:r>
-            <a:r>
-              <a:rPr lang="ko-KR" altLang="en-US" dirty="0" smtClean="0"/>
+              <a:rPr lang="en-US" altLang="ko-KR" sz="1000" dirty="0" smtClean="0"/>
+              <a:t>6_2. rotate -20~20 </a:t>
+            </a:r>
+            <a:r>
+              <a:rPr lang="en-US" altLang="ko-KR" sz="1000" dirty="0" err="1" smtClean="0"/>
+              <a:t>deg</a:t>
+            </a:r>
+            <a:endParaRPr lang="en-US" altLang="ko-KR" sz="1000" dirty="0" smtClean="0"/>
+          </a:p>
+          <a:p>
+            <a:r>
+              <a:rPr lang="en-US" altLang="ko-KR" sz="1000" dirty="0" smtClean="0"/>
+              <a:t>6_3. </a:t>
+            </a:r>
+            <a:r>
+              <a:rPr lang="ko-KR" altLang="en-US" sz="1000" dirty="0" smtClean="0"/>
               <a:t>이미지 </a:t>
             </a:r>
             <a:r>
-              <a:rPr lang="en-US" altLang="ko-KR" dirty="0" smtClean="0"/>
+              <a:rPr lang="en-US" altLang="ko-KR" sz="1000" dirty="0" smtClean="0"/>
               <a:t>hover</a:t>
             </a:r>
             <a:r>
-              <a:rPr lang="ko-KR" altLang="en-US" dirty="0" smtClean="0"/>
+              <a:rPr lang="ko-KR" altLang="en-US" sz="1000" dirty="0" smtClean="0"/>
               <a:t>할 경우</a:t>
             </a:r>
-            <a:endParaRPr lang="en-US" altLang="ko-KR" dirty="0" smtClean="0"/>
-          </a:p>
-          <a:p>
-            <a:r>
-              <a:rPr lang="en-US" altLang="ko-KR" dirty="0" smtClean="0"/>
+            <a:endParaRPr lang="en-US" altLang="ko-KR" sz="1000" dirty="0" smtClean="0"/>
+          </a:p>
+          <a:p>
+            <a:r>
+              <a:rPr lang="en-US" altLang="ko-KR" sz="1000" dirty="0" smtClean="0"/>
               <a:t>        </a:t>
             </a:r>
             <a:r>
-              <a:rPr lang="en-US" altLang="ko-KR" dirty="0" err="1" smtClean="0"/>
+              <a:rPr lang="en-US" altLang="ko-KR" sz="1000" dirty="0" err="1" smtClean="0"/>
               <a:t>rotateY</a:t>
             </a:r>
             <a:r>
-              <a:rPr lang="en-US" altLang="ko-KR" dirty="0" smtClean="0"/>
-              <a:t> 360deg</a:t>
-            </a:r>
-            <a:r>
-              <a:rPr lang="en-US" altLang="ko-KR" dirty="0" smtClean="0"/>
-              <a:t> </a:t>
-            </a:r>
-            <a:endParaRPr lang="ko-KR" altLang="en-US" dirty="0"/>
+              <a:rPr lang="en-US" altLang="ko-KR" sz="1000" dirty="0" smtClean="0"/>
+              <a:t> 360deg </a:t>
+            </a:r>
+            <a:endParaRPr lang="ko-KR" altLang="en-US" sz="1000" dirty="0"/>
           </a:p>
         </p:txBody>
       </p:sp>
@@ -25054,8 +25394,16 @@
           <a:lstStyle/>
           <a:p>
             <a:r>
+              <a:rPr lang="en-US" altLang="ko-KR" dirty="0" smtClean="0"/>
+              <a:t>My</a:t>
+            </a:r>
+            <a:r>
               <a:rPr lang="ko-KR" altLang="en-US" dirty="0" smtClean="0"/>
-              <a:t>나의 취향</a:t>
+              <a:t> </a:t>
+            </a:r>
+            <a:r>
+              <a:rPr lang="en-US" altLang="ko-KR" dirty="0" smtClean="0"/>
+              <a:t>2020 S/S</a:t>
             </a:r>
             <a:endParaRPr lang="ko-KR" altLang="en-US" dirty="0"/>
           </a:p>
